--- a/ML-Project.pptx
+++ b/ML-Project.pptx
@@ -5,7 +5,7 @@
     <p:sldMasterId id="2147483660" r:id="rId1"/>
   </p:sldMasterIdLst>
   <p:notesMasterIdLst>
-    <p:notesMasterId r:id="rId12"/>
+    <p:notesMasterId r:id="rId17"/>
   </p:notesMasterIdLst>
   <p:sldIdLst>
     <p:sldId id="256" r:id="rId2"/>
@@ -16,8 +16,13 @@
     <p:sldId id="289" r:id="rId7"/>
     <p:sldId id="287" r:id="rId8"/>
     <p:sldId id="290" r:id="rId9"/>
-    <p:sldId id="281" r:id="rId10"/>
-    <p:sldId id="282" r:id="rId11"/>
+    <p:sldId id="291" r:id="rId10"/>
+    <p:sldId id="292" r:id="rId11"/>
+    <p:sldId id="293" r:id="rId12"/>
+    <p:sldId id="294" r:id="rId13"/>
+    <p:sldId id="295" r:id="rId14"/>
+    <p:sldId id="281" r:id="rId15"/>
+    <p:sldId id="282" r:id="rId16"/>
   </p:sldIdLst>
   <p:sldSz cx="12192000" cy="6858000"/>
   <p:notesSz cx="6858000" cy="9144000"/>
@@ -133,6 +138,11 @@
             <p14:sldId id="289"/>
             <p14:sldId id="287"/>
             <p14:sldId id="290"/>
+            <p14:sldId id="291"/>
+            <p14:sldId id="292"/>
+            <p14:sldId id="293"/>
+            <p14:sldId id="294"/>
+            <p14:sldId id="295"/>
           </p14:sldIdLst>
         </p14:section>
         <p14:section name="Conclusion" id="{B5001B22-43B0-41A6-A184-B965F0D1F4DB}">
@@ -940,7 +950,7 @@
           <a:p>
             <a:fld id="{5FF9625A-C6D8-4087-99D3-7B90F5B1BB8B}" type="datetimeFigureOut">
               <a:rPr lang="en-US" smtClean="0"/>
-              <a:t>1/16/2024</a:t>
+              <a:t>1/17/2024</a:t>
             </a:fld>
             <a:endParaRPr lang="en-US"/>
           </a:p>
@@ -1354,7 +1364,7 @@
           <a:p>
             <a:fld id="{D2A2FDD7-F877-4B3F-ADF8-28E23AE82AB1}" type="datetime1">
               <a:rPr lang="en-US" smtClean="0"/>
-              <a:t>1/16/2024</a:t>
+              <a:t>1/17/2024</a:t>
             </a:fld>
             <a:endParaRPr lang="en-US" dirty="0"/>
           </a:p>
@@ -1552,7 +1562,7 @@
           <a:p>
             <a:fld id="{9BEC25AB-37AF-4FC9-836D-4FFC00B3B8AB}" type="datetime1">
               <a:rPr lang="en-US" smtClean="0"/>
-              <a:t>1/16/2024</a:t>
+              <a:t>1/17/2024</a:t>
             </a:fld>
             <a:endParaRPr lang="en-US"/>
           </a:p>
@@ -1760,7 +1770,7 @@
           <a:p>
             <a:fld id="{1883CB96-DC4B-4FFE-A8AB-F250F84D679F}" type="datetime1">
               <a:rPr lang="en-US" smtClean="0"/>
-              <a:t>1/16/2024</a:t>
+              <a:t>1/17/2024</a:t>
             </a:fld>
             <a:endParaRPr lang="en-US"/>
           </a:p>
@@ -1958,7 +1968,7 @@
           <a:p>
             <a:fld id="{EDBF2ADA-140C-44C8-9B7D-9AEBCE26561B}" type="datetime1">
               <a:rPr lang="en-US" smtClean="0"/>
-              <a:t>1/16/2024</a:t>
+              <a:t>1/17/2024</a:t>
             </a:fld>
             <a:endParaRPr lang="en-US"/>
           </a:p>
@@ -2233,7 +2243,7 @@
           <a:p>
             <a:fld id="{0F4AD199-642C-4A9E-B595-2E7CFE846E84}" type="datetime1">
               <a:rPr lang="en-US" smtClean="0"/>
-              <a:t>1/16/2024</a:t>
+              <a:t>1/17/2024</a:t>
             </a:fld>
             <a:endParaRPr lang="en-US"/>
           </a:p>
@@ -2498,7 +2508,7 @@
           <a:p>
             <a:fld id="{6899750D-CBC1-4A5D-B29D-2515497AEAAD}" type="datetime1">
               <a:rPr lang="en-US" smtClean="0"/>
-              <a:t>1/16/2024</a:t>
+              <a:t>1/17/2024</a:t>
             </a:fld>
             <a:endParaRPr lang="en-US"/>
           </a:p>
@@ -2910,7 +2920,7 @@
           <a:p>
             <a:fld id="{BDE57766-CA3C-474D-A80A-9D1B92A9C79F}" type="datetime1">
               <a:rPr lang="en-US" smtClean="0"/>
-              <a:t>1/16/2024</a:t>
+              <a:t>1/17/2024</a:t>
             </a:fld>
             <a:endParaRPr lang="en-US"/>
           </a:p>
@@ -3051,7 +3061,7 @@
           <a:p>
             <a:fld id="{5A3B5FFE-E390-40EF-9DBA-D75995B5269D}" type="datetime1">
               <a:rPr lang="en-US" smtClean="0"/>
-              <a:t>1/16/2024</a:t>
+              <a:t>1/17/2024</a:t>
             </a:fld>
             <a:endParaRPr lang="en-US"/>
           </a:p>
@@ -3164,7 +3174,7 @@
           <a:p>
             <a:fld id="{DA4565F6-6E40-41FA-A553-0D52F5A6F960}" type="datetime1">
               <a:rPr lang="en-US" smtClean="0"/>
-              <a:t>1/16/2024</a:t>
+              <a:t>1/17/2024</a:t>
             </a:fld>
             <a:endParaRPr lang="en-US"/>
           </a:p>
@@ -3475,7 +3485,7 @@
           <a:p>
             <a:fld id="{052DFDE9-BC24-4251-B4C9-89FDC4181594}" type="datetime1">
               <a:rPr lang="en-US" smtClean="0"/>
-              <a:t>1/16/2024</a:t>
+              <a:t>1/17/2024</a:t>
             </a:fld>
             <a:endParaRPr lang="en-US"/>
           </a:p>
@@ -3766,7 +3776,7 @@
           <a:p>
             <a:fld id="{D3DD5D71-B006-43E5-92E2-45DF5FE498B4}" type="datetime1">
               <a:rPr lang="en-US" smtClean="0"/>
-              <a:t>1/16/2024</a:t>
+              <a:t>1/17/2024</a:t>
             </a:fld>
             <a:endParaRPr lang="en-US"/>
           </a:p>
@@ -7475,7 +7485,7 @@
           <a:p>
             <a:fld id="{0965EAA1-B23F-4B61-BEEA-11A56046C805}" type="datetime1">
               <a:rPr lang="en-US" smtClean="0"/>
-              <a:t>1/16/2024</a:t>
+              <a:t>1/17/2024</a:t>
             </a:fld>
             <a:endParaRPr lang="en-US" dirty="0"/>
           </a:p>
@@ -8086,7 +8096,7 @@
         </p:spPr>
         <p:txBody>
           <a:bodyPr anchor="ctr">
-            <a:normAutofit/>
+            <a:normAutofit fontScale="90000"/>
           </a:bodyPr>
           <a:lstStyle/>
           <a:p>
@@ -12017,6 +12027,3312 @@
           <p:cNvPr id="2" name="Title 1">
             <a:extLst>
               <a:ext uri="{FF2B5EF4-FFF2-40B4-BE49-F238E27FC236}">
+                <a16:creationId xmlns:a16="http://schemas.microsoft.com/office/drawing/2014/main" id="{5DC85B10-4428-71B3-BD8A-970EA9DC1AB3}"/>
+              </a:ext>
+            </a:extLst>
+          </p:cNvPr>
+          <p:cNvSpPr>
+            <a:spLocks noGrp="1"/>
+          </p:cNvSpPr>
+          <p:nvPr>
+            <p:ph type="title"/>
+          </p:nvPr>
+        </p:nvSpPr>
+        <p:spPr/>
+        <p:txBody>
+          <a:bodyPr/>
+          <a:lstStyle/>
+          <a:p>
+            <a:r>
+              <a:rPr lang="en-US" dirty="0"/>
+              <a:t>Regression tree  – Residual Plot</a:t>
+            </a:r>
+          </a:p>
+        </p:txBody>
+      </p:sp>
+      <p:sp>
+        <p:nvSpPr>
+          <p:cNvPr id="12" name="Slide Number Placeholder 11">
+            <a:extLst>
+              <a:ext uri="{FF2B5EF4-FFF2-40B4-BE49-F238E27FC236}">
+                <a16:creationId xmlns:a16="http://schemas.microsoft.com/office/drawing/2014/main" id="{7E4D38FD-6BC2-DAE5-A5E9-1D70FF300D07}"/>
+              </a:ext>
+            </a:extLst>
+          </p:cNvPr>
+          <p:cNvSpPr>
+            <a:spLocks noGrp="1"/>
+          </p:cNvSpPr>
+          <p:nvPr>
+            <p:ph type="sldNum" sz="quarter" idx="12"/>
+          </p:nvPr>
+        </p:nvSpPr>
+        <p:spPr/>
+        <p:txBody>
+          <a:bodyPr/>
+          <a:lstStyle/>
+          <a:p>
+            <a:fld id="{73B850FF-6169-4056-8077-06FFA93A5366}" type="slidenum">
+              <a:rPr lang="en-US" smtClean="0"/>
+              <a:t>10</a:t>
+            </a:fld>
+            <a:endParaRPr lang="en-US"/>
+          </a:p>
+        </p:txBody>
+      </p:sp>
+      <p:sp>
+        <p:nvSpPr>
+          <p:cNvPr id="17" name="Content Placeholder 4">
+            <a:extLst>
+              <a:ext uri="{FF2B5EF4-FFF2-40B4-BE49-F238E27FC236}">
+                <a16:creationId xmlns:a16="http://schemas.microsoft.com/office/drawing/2014/main" id="{21EE3195-2D93-080E-BFA4-6D2F9B06197A}"/>
+              </a:ext>
+            </a:extLst>
+          </p:cNvPr>
+          <p:cNvSpPr txBox="1">
+            <a:spLocks/>
+          </p:cNvSpPr>
+          <p:nvPr/>
+        </p:nvSpPr>
+        <p:spPr>
+          <a:xfrm>
+            <a:off x="7724029" y="3402039"/>
+            <a:ext cx="2988090" cy="1623238"/>
+          </a:xfrm>
+          <a:prstGeom prst="rect">
+            <a:avLst/>
+          </a:prstGeom>
+        </p:spPr>
+        <p:txBody>
+          <a:bodyPr vert="horz" lIns="91440" tIns="45720" rIns="91440" bIns="45720" rtlCol="0">
+            <a:noAutofit/>
+          </a:bodyPr>
+          <a:lstStyle>
+            <a:lvl1pPr marL="228600" indent="-228600" algn="l" defTabSz="914400" rtl="0" eaLnBrk="1" latinLnBrk="0" hangingPunct="1">
+              <a:lnSpc>
+                <a:spcPct val="110000"/>
+              </a:lnSpc>
+              <a:spcBef>
+                <a:spcPts val="1000"/>
+              </a:spcBef>
+              <a:buClr>
+                <a:schemeClr val="accent5"/>
+              </a:buClr>
+              <a:buFont typeface="Avenir Next LT Pro" panose="020B0504020202020204" pitchFamily="34" charset="0"/>
+              <a:buChar char="+"/>
+              <a:defRPr sz="2800" kern="1200">
+                <a:solidFill>
+                  <a:schemeClr val="tx2"/>
+                </a:solidFill>
+                <a:latin typeface="+mn-lt"/>
+                <a:ea typeface="+mn-ea"/>
+                <a:cs typeface="+mn-cs"/>
+              </a:defRPr>
+            </a:lvl1pPr>
+            <a:lvl2pPr marL="685800" indent="-228600" algn="l" defTabSz="914400" rtl="0" eaLnBrk="1" latinLnBrk="0" hangingPunct="1">
+              <a:lnSpc>
+                <a:spcPct val="110000"/>
+              </a:lnSpc>
+              <a:spcBef>
+                <a:spcPts val="500"/>
+              </a:spcBef>
+              <a:buClr>
+                <a:schemeClr val="accent5"/>
+              </a:buClr>
+              <a:buFont typeface="Avenir Next LT Pro" panose="020B0504020202020204" pitchFamily="34" charset="0"/>
+              <a:buChar char="+"/>
+              <a:defRPr sz="2400" kern="1200">
+                <a:solidFill>
+                  <a:schemeClr val="tx2"/>
+                </a:solidFill>
+                <a:latin typeface="+mn-lt"/>
+                <a:ea typeface="+mn-ea"/>
+                <a:cs typeface="+mn-cs"/>
+              </a:defRPr>
+            </a:lvl2pPr>
+            <a:lvl3pPr marL="1143000" indent="-228600" algn="l" defTabSz="914400" rtl="0" eaLnBrk="1" latinLnBrk="0" hangingPunct="1">
+              <a:lnSpc>
+                <a:spcPct val="110000"/>
+              </a:lnSpc>
+              <a:spcBef>
+                <a:spcPts val="500"/>
+              </a:spcBef>
+              <a:buClr>
+                <a:schemeClr val="accent5"/>
+              </a:buClr>
+              <a:buFont typeface="Avenir Next LT Pro" panose="020B0504020202020204" pitchFamily="34" charset="0"/>
+              <a:buChar char="+"/>
+              <a:defRPr sz="2000" kern="1200">
+                <a:solidFill>
+                  <a:schemeClr val="tx2"/>
+                </a:solidFill>
+                <a:latin typeface="+mn-lt"/>
+                <a:ea typeface="+mn-ea"/>
+                <a:cs typeface="+mn-cs"/>
+              </a:defRPr>
+            </a:lvl3pPr>
+            <a:lvl4pPr marL="1600200" indent="-228600" algn="l" defTabSz="914400" rtl="0" eaLnBrk="1" latinLnBrk="0" hangingPunct="1">
+              <a:lnSpc>
+                <a:spcPct val="110000"/>
+              </a:lnSpc>
+              <a:spcBef>
+                <a:spcPts val="500"/>
+              </a:spcBef>
+              <a:buClr>
+                <a:schemeClr val="accent5"/>
+              </a:buClr>
+              <a:buFont typeface="Avenir Next LT Pro" panose="020B0504020202020204" pitchFamily="34" charset="0"/>
+              <a:buChar char="+"/>
+              <a:defRPr sz="1800" kern="1200">
+                <a:solidFill>
+                  <a:schemeClr val="tx2"/>
+                </a:solidFill>
+                <a:latin typeface="+mn-lt"/>
+                <a:ea typeface="+mn-ea"/>
+                <a:cs typeface="+mn-cs"/>
+              </a:defRPr>
+            </a:lvl4pPr>
+            <a:lvl5pPr marL="2057400" indent="-228600" algn="l" defTabSz="914400" rtl="0" eaLnBrk="1" latinLnBrk="0" hangingPunct="1">
+              <a:lnSpc>
+                <a:spcPct val="110000"/>
+              </a:lnSpc>
+              <a:spcBef>
+                <a:spcPts val="500"/>
+              </a:spcBef>
+              <a:buClr>
+                <a:schemeClr val="accent5"/>
+              </a:buClr>
+              <a:buFont typeface="Avenir Next LT Pro" panose="020B0504020202020204" pitchFamily="34" charset="0"/>
+              <a:buChar char="+"/>
+              <a:defRPr sz="1800" kern="1200">
+                <a:solidFill>
+                  <a:schemeClr val="tx2"/>
+                </a:solidFill>
+                <a:latin typeface="+mn-lt"/>
+                <a:ea typeface="+mn-ea"/>
+                <a:cs typeface="+mn-cs"/>
+              </a:defRPr>
+            </a:lvl5pPr>
+            <a:lvl6pPr marL="2514600" indent="-228600" algn="l" defTabSz="914400" rtl="0" eaLnBrk="1" latinLnBrk="0" hangingPunct="1">
+              <a:lnSpc>
+                <a:spcPct val="90000"/>
+              </a:lnSpc>
+              <a:spcBef>
+                <a:spcPts val="500"/>
+              </a:spcBef>
+              <a:buFont typeface="Arial" panose="020B0604020202020204" pitchFamily="34" charset="0"/>
+              <a:buChar char="•"/>
+              <a:defRPr sz="1800" kern="1200">
+                <a:solidFill>
+                  <a:schemeClr val="tx1"/>
+                </a:solidFill>
+                <a:latin typeface="+mn-lt"/>
+                <a:ea typeface="+mn-ea"/>
+                <a:cs typeface="+mn-cs"/>
+              </a:defRPr>
+            </a:lvl6pPr>
+            <a:lvl7pPr marL="2971800" indent="-228600" algn="l" defTabSz="914400" rtl="0" eaLnBrk="1" latinLnBrk="0" hangingPunct="1">
+              <a:lnSpc>
+                <a:spcPct val="90000"/>
+              </a:lnSpc>
+              <a:spcBef>
+                <a:spcPts val="500"/>
+              </a:spcBef>
+              <a:buFont typeface="Arial" panose="020B0604020202020204" pitchFamily="34" charset="0"/>
+              <a:buChar char="•"/>
+              <a:defRPr sz="1800" kern="1200">
+                <a:solidFill>
+                  <a:schemeClr val="tx1"/>
+                </a:solidFill>
+                <a:latin typeface="+mn-lt"/>
+                <a:ea typeface="+mn-ea"/>
+                <a:cs typeface="+mn-cs"/>
+              </a:defRPr>
+            </a:lvl7pPr>
+            <a:lvl8pPr marL="3429000" indent="-228600" algn="l" defTabSz="914400" rtl="0" eaLnBrk="1" latinLnBrk="0" hangingPunct="1">
+              <a:lnSpc>
+                <a:spcPct val="90000"/>
+              </a:lnSpc>
+              <a:spcBef>
+                <a:spcPts val="500"/>
+              </a:spcBef>
+              <a:buFont typeface="Arial" panose="020B0604020202020204" pitchFamily="34" charset="0"/>
+              <a:buChar char="•"/>
+              <a:defRPr sz="1800" kern="1200">
+                <a:solidFill>
+                  <a:schemeClr val="tx1"/>
+                </a:solidFill>
+                <a:latin typeface="+mn-lt"/>
+                <a:ea typeface="+mn-ea"/>
+                <a:cs typeface="+mn-cs"/>
+              </a:defRPr>
+            </a:lvl8pPr>
+            <a:lvl9pPr marL="3886200" indent="-228600" algn="l" defTabSz="914400" rtl="0" eaLnBrk="1" latinLnBrk="0" hangingPunct="1">
+              <a:lnSpc>
+                <a:spcPct val="90000"/>
+              </a:lnSpc>
+              <a:spcBef>
+                <a:spcPts val="500"/>
+              </a:spcBef>
+              <a:buFont typeface="Arial" panose="020B0604020202020204" pitchFamily="34" charset="0"/>
+              <a:buChar char="•"/>
+              <a:defRPr sz="1800" kern="1200">
+                <a:solidFill>
+                  <a:schemeClr val="tx1"/>
+                </a:solidFill>
+                <a:latin typeface="+mn-lt"/>
+                <a:ea typeface="+mn-ea"/>
+                <a:cs typeface="+mn-cs"/>
+              </a:defRPr>
+            </a:lvl9pPr>
+          </a:lstStyle>
+          <a:p>
+            <a:pPr>
+              <a:buFont typeface="Wingdings" panose="05000000000000000000" pitchFamily="2" charset="2"/>
+              <a:buChar char="§"/>
+            </a:pPr>
+            <a:endParaRPr lang="en-US" sz="2000" dirty="0"/>
+          </a:p>
+        </p:txBody>
+      </p:sp>
+      <p:sp>
+        <p:nvSpPr>
+          <p:cNvPr id="5" name="Content Placeholder 4">
+            <a:extLst>
+              <a:ext uri="{FF2B5EF4-FFF2-40B4-BE49-F238E27FC236}">
+                <a16:creationId xmlns:a16="http://schemas.microsoft.com/office/drawing/2014/main" id="{87CD846B-EE69-6C06-529B-45A94F0751CE}"/>
+              </a:ext>
+            </a:extLst>
+          </p:cNvPr>
+          <p:cNvSpPr txBox="1">
+            <a:spLocks/>
+          </p:cNvSpPr>
+          <p:nvPr/>
+        </p:nvSpPr>
+        <p:spPr>
+          <a:xfrm>
+            <a:off x="7724029" y="5213348"/>
+            <a:ext cx="2618216" cy="1325564"/>
+          </a:xfrm>
+          <a:prstGeom prst="rect">
+            <a:avLst/>
+          </a:prstGeom>
+        </p:spPr>
+        <p:txBody>
+          <a:bodyPr vert="horz" lIns="91440" tIns="45720" rIns="91440" bIns="45720" rtlCol="0">
+            <a:noAutofit/>
+          </a:bodyPr>
+          <a:lstStyle>
+            <a:lvl1pPr marL="228600" indent="-228600" algn="l" defTabSz="914400" rtl="0" eaLnBrk="1" latinLnBrk="0" hangingPunct="1">
+              <a:lnSpc>
+                <a:spcPct val="110000"/>
+              </a:lnSpc>
+              <a:spcBef>
+                <a:spcPts val="1000"/>
+              </a:spcBef>
+              <a:buClr>
+                <a:schemeClr val="accent5"/>
+              </a:buClr>
+              <a:buFont typeface="Avenir Next LT Pro" panose="020B0504020202020204" pitchFamily="34" charset="0"/>
+              <a:buChar char="+"/>
+              <a:defRPr sz="2800" kern="1200">
+                <a:solidFill>
+                  <a:schemeClr val="tx2"/>
+                </a:solidFill>
+                <a:latin typeface="+mn-lt"/>
+                <a:ea typeface="+mn-ea"/>
+                <a:cs typeface="+mn-cs"/>
+              </a:defRPr>
+            </a:lvl1pPr>
+            <a:lvl2pPr marL="685800" indent="-228600" algn="l" defTabSz="914400" rtl="0" eaLnBrk="1" latinLnBrk="0" hangingPunct="1">
+              <a:lnSpc>
+                <a:spcPct val="110000"/>
+              </a:lnSpc>
+              <a:spcBef>
+                <a:spcPts val="500"/>
+              </a:spcBef>
+              <a:buClr>
+                <a:schemeClr val="accent5"/>
+              </a:buClr>
+              <a:buFont typeface="Avenir Next LT Pro" panose="020B0504020202020204" pitchFamily="34" charset="0"/>
+              <a:buChar char="+"/>
+              <a:defRPr sz="2400" kern="1200">
+                <a:solidFill>
+                  <a:schemeClr val="tx2"/>
+                </a:solidFill>
+                <a:latin typeface="+mn-lt"/>
+                <a:ea typeface="+mn-ea"/>
+                <a:cs typeface="+mn-cs"/>
+              </a:defRPr>
+            </a:lvl2pPr>
+            <a:lvl3pPr marL="1143000" indent="-228600" algn="l" defTabSz="914400" rtl="0" eaLnBrk="1" latinLnBrk="0" hangingPunct="1">
+              <a:lnSpc>
+                <a:spcPct val="110000"/>
+              </a:lnSpc>
+              <a:spcBef>
+                <a:spcPts val="500"/>
+              </a:spcBef>
+              <a:buClr>
+                <a:schemeClr val="accent5"/>
+              </a:buClr>
+              <a:buFont typeface="Avenir Next LT Pro" panose="020B0504020202020204" pitchFamily="34" charset="0"/>
+              <a:buChar char="+"/>
+              <a:defRPr sz="2000" kern="1200">
+                <a:solidFill>
+                  <a:schemeClr val="tx2"/>
+                </a:solidFill>
+                <a:latin typeface="+mn-lt"/>
+                <a:ea typeface="+mn-ea"/>
+                <a:cs typeface="+mn-cs"/>
+              </a:defRPr>
+            </a:lvl3pPr>
+            <a:lvl4pPr marL="1600200" indent="-228600" algn="l" defTabSz="914400" rtl="0" eaLnBrk="1" latinLnBrk="0" hangingPunct="1">
+              <a:lnSpc>
+                <a:spcPct val="110000"/>
+              </a:lnSpc>
+              <a:spcBef>
+                <a:spcPts val="500"/>
+              </a:spcBef>
+              <a:buClr>
+                <a:schemeClr val="accent5"/>
+              </a:buClr>
+              <a:buFont typeface="Avenir Next LT Pro" panose="020B0504020202020204" pitchFamily="34" charset="0"/>
+              <a:buChar char="+"/>
+              <a:defRPr sz="1800" kern="1200">
+                <a:solidFill>
+                  <a:schemeClr val="tx2"/>
+                </a:solidFill>
+                <a:latin typeface="+mn-lt"/>
+                <a:ea typeface="+mn-ea"/>
+                <a:cs typeface="+mn-cs"/>
+              </a:defRPr>
+            </a:lvl4pPr>
+            <a:lvl5pPr marL="2057400" indent="-228600" algn="l" defTabSz="914400" rtl="0" eaLnBrk="1" latinLnBrk="0" hangingPunct="1">
+              <a:lnSpc>
+                <a:spcPct val="110000"/>
+              </a:lnSpc>
+              <a:spcBef>
+                <a:spcPts val="500"/>
+              </a:spcBef>
+              <a:buClr>
+                <a:schemeClr val="accent5"/>
+              </a:buClr>
+              <a:buFont typeface="Avenir Next LT Pro" panose="020B0504020202020204" pitchFamily="34" charset="0"/>
+              <a:buChar char="+"/>
+              <a:defRPr sz="1800" kern="1200">
+                <a:solidFill>
+                  <a:schemeClr val="tx2"/>
+                </a:solidFill>
+                <a:latin typeface="+mn-lt"/>
+                <a:ea typeface="+mn-ea"/>
+                <a:cs typeface="+mn-cs"/>
+              </a:defRPr>
+            </a:lvl5pPr>
+            <a:lvl6pPr marL="2514600" indent="-228600" algn="l" defTabSz="914400" rtl="0" eaLnBrk="1" latinLnBrk="0" hangingPunct="1">
+              <a:lnSpc>
+                <a:spcPct val="90000"/>
+              </a:lnSpc>
+              <a:spcBef>
+                <a:spcPts val="500"/>
+              </a:spcBef>
+              <a:buFont typeface="Arial" panose="020B0604020202020204" pitchFamily="34" charset="0"/>
+              <a:buChar char="•"/>
+              <a:defRPr sz="1800" kern="1200">
+                <a:solidFill>
+                  <a:schemeClr val="tx1"/>
+                </a:solidFill>
+                <a:latin typeface="+mn-lt"/>
+                <a:ea typeface="+mn-ea"/>
+                <a:cs typeface="+mn-cs"/>
+              </a:defRPr>
+            </a:lvl6pPr>
+            <a:lvl7pPr marL="2971800" indent="-228600" algn="l" defTabSz="914400" rtl="0" eaLnBrk="1" latinLnBrk="0" hangingPunct="1">
+              <a:lnSpc>
+                <a:spcPct val="90000"/>
+              </a:lnSpc>
+              <a:spcBef>
+                <a:spcPts val="500"/>
+              </a:spcBef>
+              <a:buFont typeface="Arial" panose="020B0604020202020204" pitchFamily="34" charset="0"/>
+              <a:buChar char="•"/>
+              <a:defRPr sz="1800" kern="1200">
+                <a:solidFill>
+                  <a:schemeClr val="tx1"/>
+                </a:solidFill>
+                <a:latin typeface="+mn-lt"/>
+                <a:ea typeface="+mn-ea"/>
+                <a:cs typeface="+mn-cs"/>
+              </a:defRPr>
+            </a:lvl7pPr>
+            <a:lvl8pPr marL="3429000" indent="-228600" algn="l" defTabSz="914400" rtl="0" eaLnBrk="1" latinLnBrk="0" hangingPunct="1">
+              <a:lnSpc>
+                <a:spcPct val="90000"/>
+              </a:lnSpc>
+              <a:spcBef>
+                <a:spcPts val="500"/>
+              </a:spcBef>
+              <a:buFont typeface="Arial" panose="020B0604020202020204" pitchFamily="34" charset="0"/>
+              <a:buChar char="•"/>
+              <a:defRPr sz="1800" kern="1200">
+                <a:solidFill>
+                  <a:schemeClr val="tx1"/>
+                </a:solidFill>
+                <a:latin typeface="+mn-lt"/>
+                <a:ea typeface="+mn-ea"/>
+                <a:cs typeface="+mn-cs"/>
+              </a:defRPr>
+            </a:lvl8pPr>
+            <a:lvl9pPr marL="3886200" indent="-228600" algn="l" defTabSz="914400" rtl="0" eaLnBrk="1" latinLnBrk="0" hangingPunct="1">
+              <a:lnSpc>
+                <a:spcPct val="90000"/>
+              </a:lnSpc>
+              <a:spcBef>
+                <a:spcPts val="500"/>
+              </a:spcBef>
+              <a:buFont typeface="Arial" panose="020B0604020202020204" pitchFamily="34" charset="0"/>
+              <a:buChar char="•"/>
+              <a:defRPr sz="1800" kern="1200">
+                <a:solidFill>
+                  <a:schemeClr val="tx1"/>
+                </a:solidFill>
+                <a:latin typeface="+mn-lt"/>
+                <a:ea typeface="+mn-ea"/>
+                <a:cs typeface="+mn-cs"/>
+              </a:defRPr>
+            </a:lvl9pPr>
+          </a:lstStyle>
+          <a:p>
+            <a:pPr marL="0" indent="0">
+              <a:buNone/>
+            </a:pPr>
+            <a:endParaRPr lang="en-US" sz="1600" dirty="0"/>
+          </a:p>
+        </p:txBody>
+      </p:sp>
+      <p:pic>
+        <p:nvPicPr>
+          <p:cNvPr id="4" name="Picture 3" descr="A screen shot of a graph&#10;&#10;Description automatically generated">
+            <a:extLst>
+              <a:ext uri="{FF2B5EF4-FFF2-40B4-BE49-F238E27FC236}">
+                <a16:creationId xmlns:a16="http://schemas.microsoft.com/office/drawing/2014/main" id="{8B9E7EF5-DE29-2272-9394-7A40497EF0D7}"/>
+              </a:ext>
+            </a:extLst>
+          </p:cNvPr>
+          <p:cNvPicPr>
+            <a:picLocks noChangeAspect="1"/>
+          </p:cNvPicPr>
+          <p:nvPr/>
+        </p:nvPicPr>
+        <p:blipFill>
+          <a:blip r:embed="rId2">
+            <a:extLst>
+              <a:ext uri="{28A0092B-C50C-407E-A947-70E740481C1C}">
+                <a14:useLocalDpi xmlns:a14="http://schemas.microsoft.com/office/drawing/2010/main" val="0"/>
+              </a:ext>
+            </a:extLst>
+          </a:blip>
+          <a:stretch>
+            <a:fillRect/>
+          </a:stretch>
+        </p:blipFill>
+        <p:spPr>
+          <a:xfrm>
+            <a:off x="838200" y="1531497"/>
+            <a:ext cx="8142903" cy="4885742"/>
+          </a:xfrm>
+          <a:prstGeom prst="rect">
+            <a:avLst/>
+          </a:prstGeom>
+        </p:spPr>
+      </p:pic>
+    </p:spTree>
+    <p:extLst>
+      <p:ext uri="{BB962C8B-B14F-4D97-AF65-F5344CB8AC3E}">
+        <p14:creationId xmlns:p14="http://schemas.microsoft.com/office/powerpoint/2010/main" val="1659053231"/>
+      </p:ext>
+    </p:extLst>
+  </p:cSld>
+  <p:clrMapOvr>
+    <a:masterClrMapping/>
+  </p:clrMapOvr>
+</p:sld>
+</file>
+
+<file path=ppt/slides/slide11.xml><?xml version="1.0" encoding="utf-8"?>
+<p:sld xmlns:a="http://schemas.openxmlformats.org/drawingml/2006/main" xmlns:r="http://schemas.openxmlformats.org/officeDocument/2006/relationships" xmlns:p="http://schemas.openxmlformats.org/presentationml/2006/main">
+  <p:cSld>
+    <p:spTree>
+      <p:nvGrpSpPr>
+        <p:cNvPr id="1" name=""/>
+        <p:cNvGrpSpPr/>
+        <p:nvPr/>
+      </p:nvGrpSpPr>
+      <p:grpSpPr>
+        <a:xfrm>
+          <a:off x="0" y="0"/>
+          <a:ext cx="0" cy="0"/>
+          <a:chOff x="0" y="0"/>
+          <a:chExt cx="0" cy="0"/>
+        </a:xfrm>
+      </p:grpSpPr>
+      <p:sp>
+        <p:nvSpPr>
+          <p:cNvPr id="2" name="Title 1">
+            <a:extLst>
+              <a:ext uri="{FF2B5EF4-FFF2-40B4-BE49-F238E27FC236}">
+                <a16:creationId xmlns:a16="http://schemas.microsoft.com/office/drawing/2014/main" id="{5DC85B10-4428-71B3-BD8A-970EA9DC1AB3}"/>
+              </a:ext>
+            </a:extLst>
+          </p:cNvPr>
+          <p:cNvSpPr>
+            <a:spLocks noGrp="1"/>
+          </p:cNvSpPr>
+          <p:nvPr>
+            <p:ph type="title"/>
+          </p:nvPr>
+        </p:nvSpPr>
+        <p:spPr/>
+        <p:txBody>
+          <a:bodyPr/>
+          <a:lstStyle/>
+          <a:p>
+            <a:r>
+              <a:rPr lang="en-US" dirty="0"/>
+              <a:t>Regression tree – feature importance</a:t>
+            </a:r>
+          </a:p>
+        </p:txBody>
+      </p:sp>
+      <p:sp>
+        <p:nvSpPr>
+          <p:cNvPr id="12" name="Slide Number Placeholder 11">
+            <a:extLst>
+              <a:ext uri="{FF2B5EF4-FFF2-40B4-BE49-F238E27FC236}">
+                <a16:creationId xmlns:a16="http://schemas.microsoft.com/office/drawing/2014/main" id="{7E4D38FD-6BC2-DAE5-A5E9-1D70FF300D07}"/>
+              </a:ext>
+            </a:extLst>
+          </p:cNvPr>
+          <p:cNvSpPr>
+            <a:spLocks noGrp="1"/>
+          </p:cNvSpPr>
+          <p:nvPr>
+            <p:ph type="sldNum" sz="quarter" idx="12"/>
+          </p:nvPr>
+        </p:nvSpPr>
+        <p:spPr/>
+        <p:txBody>
+          <a:bodyPr/>
+          <a:lstStyle/>
+          <a:p>
+            <a:fld id="{73B850FF-6169-4056-8077-06FFA93A5366}" type="slidenum">
+              <a:rPr lang="en-US" smtClean="0"/>
+              <a:t>11</a:t>
+            </a:fld>
+            <a:endParaRPr lang="en-US"/>
+          </a:p>
+        </p:txBody>
+      </p:sp>
+      <p:sp>
+        <p:nvSpPr>
+          <p:cNvPr id="17" name="Content Placeholder 4">
+            <a:extLst>
+              <a:ext uri="{FF2B5EF4-FFF2-40B4-BE49-F238E27FC236}">
+                <a16:creationId xmlns:a16="http://schemas.microsoft.com/office/drawing/2014/main" id="{21EE3195-2D93-080E-BFA4-6D2F9B06197A}"/>
+              </a:ext>
+            </a:extLst>
+          </p:cNvPr>
+          <p:cNvSpPr txBox="1">
+            <a:spLocks/>
+          </p:cNvSpPr>
+          <p:nvPr/>
+        </p:nvSpPr>
+        <p:spPr>
+          <a:xfrm>
+            <a:off x="7724029" y="3402039"/>
+            <a:ext cx="2988090" cy="1623238"/>
+          </a:xfrm>
+          <a:prstGeom prst="rect">
+            <a:avLst/>
+          </a:prstGeom>
+        </p:spPr>
+        <p:txBody>
+          <a:bodyPr vert="horz" lIns="91440" tIns="45720" rIns="91440" bIns="45720" rtlCol="0">
+            <a:noAutofit/>
+          </a:bodyPr>
+          <a:lstStyle>
+            <a:lvl1pPr marL="228600" indent="-228600" algn="l" defTabSz="914400" rtl="0" eaLnBrk="1" latinLnBrk="0" hangingPunct="1">
+              <a:lnSpc>
+                <a:spcPct val="110000"/>
+              </a:lnSpc>
+              <a:spcBef>
+                <a:spcPts val="1000"/>
+              </a:spcBef>
+              <a:buClr>
+                <a:schemeClr val="accent5"/>
+              </a:buClr>
+              <a:buFont typeface="Avenir Next LT Pro" panose="020B0504020202020204" pitchFamily="34" charset="0"/>
+              <a:buChar char="+"/>
+              <a:defRPr sz="2800" kern="1200">
+                <a:solidFill>
+                  <a:schemeClr val="tx2"/>
+                </a:solidFill>
+                <a:latin typeface="+mn-lt"/>
+                <a:ea typeface="+mn-ea"/>
+                <a:cs typeface="+mn-cs"/>
+              </a:defRPr>
+            </a:lvl1pPr>
+            <a:lvl2pPr marL="685800" indent="-228600" algn="l" defTabSz="914400" rtl="0" eaLnBrk="1" latinLnBrk="0" hangingPunct="1">
+              <a:lnSpc>
+                <a:spcPct val="110000"/>
+              </a:lnSpc>
+              <a:spcBef>
+                <a:spcPts val="500"/>
+              </a:spcBef>
+              <a:buClr>
+                <a:schemeClr val="accent5"/>
+              </a:buClr>
+              <a:buFont typeface="Avenir Next LT Pro" panose="020B0504020202020204" pitchFamily="34" charset="0"/>
+              <a:buChar char="+"/>
+              <a:defRPr sz="2400" kern="1200">
+                <a:solidFill>
+                  <a:schemeClr val="tx2"/>
+                </a:solidFill>
+                <a:latin typeface="+mn-lt"/>
+                <a:ea typeface="+mn-ea"/>
+                <a:cs typeface="+mn-cs"/>
+              </a:defRPr>
+            </a:lvl2pPr>
+            <a:lvl3pPr marL="1143000" indent="-228600" algn="l" defTabSz="914400" rtl="0" eaLnBrk="1" latinLnBrk="0" hangingPunct="1">
+              <a:lnSpc>
+                <a:spcPct val="110000"/>
+              </a:lnSpc>
+              <a:spcBef>
+                <a:spcPts val="500"/>
+              </a:spcBef>
+              <a:buClr>
+                <a:schemeClr val="accent5"/>
+              </a:buClr>
+              <a:buFont typeface="Avenir Next LT Pro" panose="020B0504020202020204" pitchFamily="34" charset="0"/>
+              <a:buChar char="+"/>
+              <a:defRPr sz="2000" kern="1200">
+                <a:solidFill>
+                  <a:schemeClr val="tx2"/>
+                </a:solidFill>
+                <a:latin typeface="+mn-lt"/>
+                <a:ea typeface="+mn-ea"/>
+                <a:cs typeface="+mn-cs"/>
+              </a:defRPr>
+            </a:lvl3pPr>
+            <a:lvl4pPr marL="1600200" indent="-228600" algn="l" defTabSz="914400" rtl="0" eaLnBrk="1" latinLnBrk="0" hangingPunct="1">
+              <a:lnSpc>
+                <a:spcPct val="110000"/>
+              </a:lnSpc>
+              <a:spcBef>
+                <a:spcPts val="500"/>
+              </a:spcBef>
+              <a:buClr>
+                <a:schemeClr val="accent5"/>
+              </a:buClr>
+              <a:buFont typeface="Avenir Next LT Pro" panose="020B0504020202020204" pitchFamily="34" charset="0"/>
+              <a:buChar char="+"/>
+              <a:defRPr sz="1800" kern="1200">
+                <a:solidFill>
+                  <a:schemeClr val="tx2"/>
+                </a:solidFill>
+                <a:latin typeface="+mn-lt"/>
+                <a:ea typeface="+mn-ea"/>
+                <a:cs typeface="+mn-cs"/>
+              </a:defRPr>
+            </a:lvl4pPr>
+            <a:lvl5pPr marL="2057400" indent="-228600" algn="l" defTabSz="914400" rtl="0" eaLnBrk="1" latinLnBrk="0" hangingPunct="1">
+              <a:lnSpc>
+                <a:spcPct val="110000"/>
+              </a:lnSpc>
+              <a:spcBef>
+                <a:spcPts val="500"/>
+              </a:spcBef>
+              <a:buClr>
+                <a:schemeClr val="accent5"/>
+              </a:buClr>
+              <a:buFont typeface="Avenir Next LT Pro" panose="020B0504020202020204" pitchFamily="34" charset="0"/>
+              <a:buChar char="+"/>
+              <a:defRPr sz="1800" kern="1200">
+                <a:solidFill>
+                  <a:schemeClr val="tx2"/>
+                </a:solidFill>
+                <a:latin typeface="+mn-lt"/>
+                <a:ea typeface="+mn-ea"/>
+                <a:cs typeface="+mn-cs"/>
+              </a:defRPr>
+            </a:lvl5pPr>
+            <a:lvl6pPr marL="2514600" indent="-228600" algn="l" defTabSz="914400" rtl="0" eaLnBrk="1" latinLnBrk="0" hangingPunct="1">
+              <a:lnSpc>
+                <a:spcPct val="90000"/>
+              </a:lnSpc>
+              <a:spcBef>
+                <a:spcPts val="500"/>
+              </a:spcBef>
+              <a:buFont typeface="Arial" panose="020B0604020202020204" pitchFamily="34" charset="0"/>
+              <a:buChar char="•"/>
+              <a:defRPr sz="1800" kern="1200">
+                <a:solidFill>
+                  <a:schemeClr val="tx1"/>
+                </a:solidFill>
+                <a:latin typeface="+mn-lt"/>
+                <a:ea typeface="+mn-ea"/>
+                <a:cs typeface="+mn-cs"/>
+              </a:defRPr>
+            </a:lvl6pPr>
+            <a:lvl7pPr marL="2971800" indent="-228600" algn="l" defTabSz="914400" rtl="0" eaLnBrk="1" latinLnBrk="0" hangingPunct="1">
+              <a:lnSpc>
+                <a:spcPct val="90000"/>
+              </a:lnSpc>
+              <a:spcBef>
+                <a:spcPts val="500"/>
+              </a:spcBef>
+              <a:buFont typeface="Arial" panose="020B0604020202020204" pitchFamily="34" charset="0"/>
+              <a:buChar char="•"/>
+              <a:defRPr sz="1800" kern="1200">
+                <a:solidFill>
+                  <a:schemeClr val="tx1"/>
+                </a:solidFill>
+                <a:latin typeface="+mn-lt"/>
+                <a:ea typeface="+mn-ea"/>
+                <a:cs typeface="+mn-cs"/>
+              </a:defRPr>
+            </a:lvl7pPr>
+            <a:lvl8pPr marL="3429000" indent="-228600" algn="l" defTabSz="914400" rtl="0" eaLnBrk="1" latinLnBrk="0" hangingPunct="1">
+              <a:lnSpc>
+                <a:spcPct val="90000"/>
+              </a:lnSpc>
+              <a:spcBef>
+                <a:spcPts val="500"/>
+              </a:spcBef>
+              <a:buFont typeface="Arial" panose="020B0604020202020204" pitchFamily="34" charset="0"/>
+              <a:buChar char="•"/>
+              <a:defRPr sz="1800" kern="1200">
+                <a:solidFill>
+                  <a:schemeClr val="tx1"/>
+                </a:solidFill>
+                <a:latin typeface="+mn-lt"/>
+                <a:ea typeface="+mn-ea"/>
+                <a:cs typeface="+mn-cs"/>
+              </a:defRPr>
+            </a:lvl8pPr>
+            <a:lvl9pPr marL="3886200" indent="-228600" algn="l" defTabSz="914400" rtl="0" eaLnBrk="1" latinLnBrk="0" hangingPunct="1">
+              <a:lnSpc>
+                <a:spcPct val="90000"/>
+              </a:lnSpc>
+              <a:spcBef>
+                <a:spcPts val="500"/>
+              </a:spcBef>
+              <a:buFont typeface="Arial" panose="020B0604020202020204" pitchFamily="34" charset="0"/>
+              <a:buChar char="•"/>
+              <a:defRPr sz="1800" kern="1200">
+                <a:solidFill>
+                  <a:schemeClr val="tx1"/>
+                </a:solidFill>
+                <a:latin typeface="+mn-lt"/>
+                <a:ea typeface="+mn-ea"/>
+                <a:cs typeface="+mn-cs"/>
+              </a:defRPr>
+            </a:lvl9pPr>
+          </a:lstStyle>
+          <a:p>
+            <a:pPr>
+              <a:buFont typeface="Wingdings" panose="05000000000000000000" pitchFamily="2" charset="2"/>
+              <a:buChar char="§"/>
+            </a:pPr>
+            <a:endParaRPr lang="en-US" sz="2000" dirty="0"/>
+          </a:p>
+        </p:txBody>
+      </p:sp>
+      <p:sp>
+        <p:nvSpPr>
+          <p:cNvPr id="5" name="Content Placeholder 4">
+            <a:extLst>
+              <a:ext uri="{FF2B5EF4-FFF2-40B4-BE49-F238E27FC236}">
+                <a16:creationId xmlns:a16="http://schemas.microsoft.com/office/drawing/2014/main" id="{87CD846B-EE69-6C06-529B-45A94F0751CE}"/>
+              </a:ext>
+            </a:extLst>
+          </p:cNvPr>
+          <p:cNvSpPr txBox="1">
+            <a:spLocks/>
+          </p:cNvSpPr>
+          <p:nvPr/>
+        </p:nvSpPr>
+        <p:spPr>
+          <a:xfrm>
+            <a:off x="7724029" y="5213348"/>
+            <a:ext cx="2618216" cy="1325564"/>
+          </a:xfrm>
+          <a:prstGeom prst="rect">
+            <a:avLst/>
+          </a:prstGeom>
+        </p:spPr>
+        <p:txBody>
+          <a:bodyPr vert="horz" lIns="91440" tIns="45720" rIns="91440" bIns="45720" rtlCol="0">
+            <a:noAutofit/>
+          </a:bodyPr>
+          <a:lstStyle>
+            <a:lvl1pPr marL="228600" indent="-228600" algn="l" defTabSz="914400" rtl="0" eaLnBrk="1" latinLnBrk="0" hangingPunct="1">
+              <a:lnSpc>
+                <a:spcPct val="110000"/>
+              </a:lnSpc>
+              <a:spcBef>
+                <a:spcPts val="1000"/>
+              </a:spcBef>
+              <a:buClr>
+                <a:schemeClr val="accent5"/>
+              </a:buClr>
+              <a:buFont typeface="Avenir Next LT Pro" panose="020B0504020202020204" pitchFamily="34" charset="0"/>
+              <a:buChar char="+"/>
+              <a:defRPr sz="2800" kern="1200">
+                <a:solidFill>
+                  <a:schemeClr val="tx2"/>
+                </a:solidFill>
+                <a:latin typeface="+mn-lt"/>
+                <a:ea typeface="+mn-ea"/>
+                <a:cs typeface="+mn-cs"/>
+              </a:defRPr>
+            </a:lvl1pPr>
+            <a:lvl2pPr marL="685800" indent="-228600" algn="l" defTabSz="914400" rtl="0" eaLnBrk="1" latinLnBrk="0" hangingPunct="1">
+              <a:lnSpc>
+                <a:spcPct val="110000"/>
+              </a:lnSpc>
+              <a:spcBef>
+                <a:spcPts val="500"/>
+              </a:spcBef>
+              <a:buClr>
+                <a:schemeClr val="accent5"/>
+              </a:buClr>
+              <a:buFont typeface="Avenir Next LT Pro" panose="020B0504020202020204" pitchFamily="34" charset="0"/>
+              <a:buChar char="+"/>
+              <a:defRPr sz="2400" kern="1200">
+                <a:solidFill>
+                  <a:schemeClr val="tx2"/>
+                </a:solidFill>
+                <a:latin typeface="+mn-lt"/>
+                <a:ea typeface="+mn-ea"/>
+                <a:cs typeface="+mn-cs"/>
+              </a:defRPr>
+            </a:lvl2pPr>
+            <a:lvl3pPr marL="1143000" indent="-228600" algn="l" defTabSz="914400" rtl="0" eaLnBrk="1" latinLnBrk="0" hangingPunct="1">
+              <a:lnSpc>
+                <a:spcPct val="110000"/>
+              </a:lnSpc>
+              <a:spcBef>
+                <a:spcPts val="500"/>
+              </a:spcBef>
+              <a:buClr>
+                <a:schemeClr val="accent5"/>
+              </a:buClr>
+              <a:buFont typeface="Avenir Next LT Pro" panose="020B0504020202020204" pitchFamily="34" charset="0"/>
+              <a:buChar char="+"/>
+              <a:defRPr sz="2000" kern="1200">
+                <a:solidFill>
+                  <a:schemeClr val="tx2"/>
+                </a:solidFill>
+                <a:latin typeface="+mn-lt"/>
+                <a:ea typeface="+mn-ea"/>
+                <a:cs typeface="+mn-cs"/>
+              </a:defRPr>
+            </a:lvl3pPr>
+            <a:lvl4pPr marL="1600200" indent="-228600" algn="l" defTabSz="914400" rtl="0" eaLnBrk="1" latinLnBrk="0" hangingPunct="1">
+              <a:lnSpc>
+                <a:spcPct val="110000"/>
+              </a:lnSpc>
+              <a:spcBef>
+                <a:spcPts val="500"/>
+              </a:spcBef>
+              <a:buClr>
+                <a:schemeClr val="accent5"/>
+              </a:buClr>
+              <a:buFont typeface="Avenir Next LT Pro" panose="020B0504020202020204" pitchFamily="34" charset="0"/>
+              <a:buChar char="+"/>
+              <a:defRPr sz="1800" kern="1200">
+                <a:solidFill>
+                  <a:schemeClr val="tx2"/>
+                </a:solidFill>
+                <a:latin typeface="+mn-lt"/>
+                <a:ea typeface="+mn-ea"/>
+                <a:cs typeface="+mn-cs"/>
+              </a:defRPr>
+            </a:lvl4pPr>
+            <a:lvl5pPr marL="2057400" indent="-228600" algn="l" defTabSz="914400" rtl="0" eaLnBrk="1" latinLnBrk="0" hangingPunct="1">
+              <a:lnSpc>
+                <a:spcPct val="110000"/>
+              </a:lnSpc>
+              <a:spcBef>
+                <a:spcPts val="500"/>
+              </a:spcBef>
+              <a:buClr>
+                <a:schemeClr val="accent5"/>
+              </a:buClr>
+              <a:buFont typeface="Avenir Next LT Pro" panose="020B0504020202020204" pitchFamily="34" charset="0"/>
+              <a:buChar char="+"/>
+              <a:defRPr sz="1800" kern="1200">
+                <a:solidFill>
+                  <a:schemeClr val="tx2"/>
+                </a:solidFill>
+                <a:latin typeface="+mn-lt"/>
+                <a:ea typeface="+mn-ea"/>
+                <a:cs typeface="+mn-cs"/>
+              </a:defRPr>
+            </a:lvl5pPr>
+            <a:lvl6pPr marL="2514600" indent="-228600" algn="l" defTabSz="914400" rtl="0" eaLnBrk="1" latinLnBrk="0" hangingPunct="1">
+              <a:lnSpc>
+                <a:spcPct val="90000"/>
+              </a:lnSpc>
+              <a:spcBef>
+                <a:spcPts val="500"/>
+              </a:spcBef>
+              <a:buFont typeface="Arial" panose="020B0604020202020204" pitchFamily="34" charset="0"/>
+              <a:buChar char="•"/>
+              <a:defRPr sz="1800" kern="1200">
+                <a:solidFill>
+                  <a:schemeClr val="tx1"/>
+                </a:solidFill>
+                <a:latin typeface="+mn-lt"/>
+                <a:ea typeface="+mn-ea"/>
+                <a:cs typeface="+mn-cs"/>
+              </a:defRPr>
+            </a:lvl6pPr>
+            <a:lvl7pPr marL="2971800" indent="-228600" algn="l" defTabSz="914400" rtl="0" eaLnBrk="1" latinLnBrk="0" hangingPunct="1">
+              <a:lnSpc>
+                <a:spcPct val="90000"/>
+              </a:lnSpc>
+              <a:spcBef>
+                <a:spcPts val="500"/>
+              </a:spcBef>
+              <a:buFont typeface="Arial" panose="020B0604020202020204" pitchFamily="34" charset="0"/>
+              <a:buChar char="•"/>
+              <a:defRPr sz="1800" kern="1200">
+                <a:solidFill>
+                  <a:schemeClr val="tx1"/>
+                </a:solidFill>
+                <a:latin typeface="+mn-lt"/>
+                <a:ea typeface="+mn-ea"/>
+                <a:cs typeface="+mn-cs"/>
+              </a:defRPr>
+            </a:lvl7pPr>
+            <a:lvl8pPr marL="3429000" indent="-228600" algn="l" defTabSz="914400" rtl="0" eaLnBrk="1" latinLnBrk="0" hangingPunct="1">
+              <a:lnSpc>
+                <a:spcPct val="90000"/>
+              </a:lnSpc>
+              <a:spcBef>
+                <a:spcPts val="500"/>
+              </a:spcBef>
+              <a:buFont typeface="Arial" panose="020B0604020202020204" pitchFamily="34" charset="0"/>
+              <a:buChar char="•"/>
+              <a:defRPr sz="1800" kern="1200">
+                <a:solidFill>
+                  <a:schemeClr val="tx1"/>
+                </a:solidFill>
+                <a:latin typeface="+mn-lt"/>
+                <a:ea typeface="+mn-ea"/>
+                <a:cs typeface="+mn-cs"/>
+              </a:defRPr>
+            </a:lvl8pPr>
+            <a:lvl9pPr marL="3886200" indent="-228600" algn="l" defTabSz="914400" rtl="0" eaLnBrk="1" latinLnBrk="0" hangingPunct="1">
+              <a:lnSpc>
+                <a:spcPct val="90000"/>
+              </a:lnSpc>
+              <a:spcBef>
+                <a:spcPts val="500"/>
+              </a:spcBef>
+              <a:buFont typeface="Arial" panose="020B0604020202020204" pitchFamily="34" charset="0"/>
+              <a:buChar char="•"/>
+              <a:defRPr sz="1800" kern="1200">
+                <a:solidFill>
+                  <a:schemeClr val="tx1"/>
+                </a:solidFill>
+                <a:latin typeface="+mn-lt"/>
+                <a:ea typeface="+mn-ea"/>
+                <a:cs typeface="+mn-cs"/>
+              </a:defRPr>
+            </a:lvl9pPr>
+          </a:lstStyle>
+          <a:p>
+            <a:pPr marL="0" indent="0">
+              <a:buNone/>
+            </a:pPr>
+            <a:endParaRPr lang="en-US" sz="1600" dirty="0"/>
+          </a:p>
+        </p:txBody>
+      </p:sp>
+      <p:sp>
+        <p:nvSpPr>
+          <p:cNvPr id="6" name="Content Placeholder 4">
+            <a:extLst>
+              <a:ext uri="{FF2B5EF4-FFF2-40B4-BE49-F238E27FC236}">
+                <a16:creationId xmlns:a16="http://schemas.microsoft.com/office/drawing/2014/main" id="{517B3BF6-598F-2504-7E4B-1CB42EF6931D}"/>
+              </a:ext>
+            </a:extLst>
+          </p:cNvPr>
+          <p:cNvSpPr txBox="1">
+            <a:spLocks/>
+          </p:cNvSpPr>
+          <p:nvPr/>
+        </p:nvSpPr>
+        <p:spPr>
+          <a:xfrm>
+            <a:off x="1139726" y="2098863"/>
+            <a:ext cx="6270723" cy="4622612"/>
+          </a:xfrm>
+          <a:prstGeom prst="rect">
+            <a:avLst/>
+          </a:prstGeom>
+        </p:spPr>
+        <p:txBody>
+          <a:bodyPr vert="horz" lIns="91440" tIns="45720" rIns="91440" bIns="45720" rtlCol="0">
+            <a:noAutofit/>
+          </a:bodyPr>
+          <a:lstStyle>
+            <a:lvl1pPr marL="228600" indent="-228600" algn="l" defTabSz="914400" rtl="0" eaLnBrk="1" latinLnBrk="0" hangingPunct="1">
+              <a:lnSpc>
+                <a:spcPct val="110000"/>
+              </a:lnSpc>
+              <a:spcBef>
+                <a:spcPts val="1000"/>
+              </a:spcBef>
+              <a:buClr>
+                <a:schemeClr val="accent5"/>
+              </a:buClr>
+              <a:buFont typeface="Avenir Next LT Pro" panose="020B0504020202020204" pitchFamily="34" charset="0"/>
+              <a:buChar char="+"/>
+              <a:defRPr sz="2800" kern="1200">
+                <a:solidFill>
+                  <a:schemeClr val="tx2"/>
+                </a:solidFill>
+                <a:latin typeface="+mn-lt"/>
+                <a:ea typeface="+mn-ea"/>
+                <a:cs typeface="+mn-cs"/>
+              </a:defRPr>
+            </a:lvl1pPr>
+            <a:lvl2pPr marL="685800" indent="-228600" algn="l" defTabSz="914400" rtl="0" eaLnBrk="1" latinLnBrk="0" hangingPunct="1">
+              <a:lnSpc>
+                <a:spcPct val="110000"/>
+              </a:lnSpc>
+              <a:spcBef>
+                <a:spcPts val="500"/>
+              </a:spcBef>
+              <a:buClr>
+                <a:schemeClr val="accent5"/>
+              </a:buClr>
+              <a:buFont typeface="Avenir Next LT Pro" panose="020B0504020202020204" pitchFamily="34" charset="0"/>
+              <a:buChar char="+"/>
+              <a:defRPr sz="2400" kern="1200">
+                <a:solidFill>
+                  <a:schemeClr val="tx2"/>
+                </a:solidFill>
+                <a:latin typeface="+mn-lt"/>
+                <a:ea typeface="+mn-ea"/>
+                <a:cs typeface="+mn-cs"/>
+              </a:defRPr>
+            </a:lvl2pPr>
+            <a:lvl3pPr marL="1143000" indent="-228600" algn="l" defTabSz="914400" rtl="0" eaLnBrk="1" latinLnBrk="0" hangingPunct="1">
+              <a:lnSpc>
+                <a:spcPct val="110000"/>
+              </a:lnSpc>
+              <a:spcBef>
+                <a:spcPts val="500"/>
+              </a:spcBef>
+              <a:buClr>
+                <a:schemeClr val="accent5"/>
+              </a:buClr>
+              <a:buFont typeface="Avenir Next LT Pro" panose="020B0504020202020204" pitchFamily="34" charset="0"/>
+              <a:buChar char="+"/>
+              <a:defRPr sz="2000" kern="1200">
+                <a:solidFill>
+                  <a:schemeClr val="tx2"/>
+                </a:solidFill>
+                <a:latin typeface="+mn-lt"/>
+                <a:ea typeface="+mn-ea"/>
+                <a:cs typeface="+mn-cs"/>
+              </a:defRPr>
+            </a:lvl3pPr>
+            <a:lvl4pPr marL="1600200" indent="-228600" algn="l" defTabSz="914400" rtl="0" eaLnBrk="1" latinLnBrk="0" hangingPunct="1">
+              <a:lnSpc>
+                <a:spcPct val="110000"/>
+              </a:lnSpc>
+              <a:spcBef>
+                <a:spcPts val="500"/>
+              </a:spcBef>
+              <a:buClr>
+                <a:schemeClr val="accent5"/>
+              </a:buClr>
+              <a:buFont typeface="Avenir Next LT Pro" panose="020B0504020202020204" pitchFamily="34" charset="0"/>
+              <a:buChar char="+"/>
+              <a:defRPr sz="1800" kern="1200">
+                <a:solidFill>
+                  <a:schemeClr val="tx2"/>
+                </a:solidFill>
+                <a:latin typeface="+mn-lt"/>
+                <a:ea typeface="+mn-ea"/>
+                <a:cs typeface="+mn-cs"/>
+              </a:defRPr>
+            </a:lvl4pPr>
+            <a:lvl5pPr marL="2057400" indent="-228600" algn="l" defTabSz="914400" rtl="0" eaLnBrk="1" latinLnBrk="0" hangingPunct="1">
+              <a:lnSpc>
+                <a:spcPct val="110000"/>
+              </a:lnSpc>
+              <a:spcBef>
+                <a:spcPts val="500"/>
+              </a:spcBef>
+              <a:buClr>
+                <a:schemeClr val="accent5"/>
+              </a:buClr>
+              <a:buFont typeface="Avenir Next LT Pro" panose="020B0504020202020204" pitchFamily="34" charset="0"/>
+              <a:buChar char="+"/>
+              <a:defRPr sz="1800" kern="1200">
+                <a:solidFill>
+                  <a:schemeClr val="tx2"/>
+                </a:solidFill>
+                <a:latin typeface="+mn-lt"/>
+                <a:ea typeface="+mn-ea"/>
+                <a:cs typeface="+mn-cs"/>
+              </a:defRPr>
+            </a:lvl5pPr>
+            <a:lvl6pPr marL="2514600" indent="-228600" algn="l" defTabSz="914400" rtl="0" eaLnBrk="1" latinLnBrk="0" hangingPunct="1">
+              <a:lnSpc>
+                <a:spcPct val="90000"/>
+              </a:lnSpc>
+              <a:spcBef>
+                <a:spcPts val="500"/>
+              </a:spcBef>
+              <a:buFont typeface="Arial" panose="020B0604020202020204" pitchFamily="34" charset="0"/>
+              <a:buChar char="•"/>
+              <a:defRPr sz="1800" kern="1200">
+                <a:solidFill>
+                  <a:schemeClr val="tx1"/>
+                </a:solidFill>
+                <a:latin typeface="+mn-lt"/>
+                <a:ea typeface="+mn-ea"/>
+                <a:cs typeface="+mn-cs"/>
+              </a:defRPr>
+            </a:lvl6pPr>
+            <a:lvl7pPr marL="2971800" indent="-228600" algn="l" defTabSz="914400" rtl="0" eaLnBrk="1" latinLnBrk="0" hangingPunct="1">
+              <a:lnSpc>
+                <a:spcPct val="90000"/>
+              </a:lnSpc>
+              <a:spcBef>
+                <a:spcPts val="500"/>
+              </a:spcBef>
+              <a:buFont typeface="Arial" panose="020B0604020202020204" pitchFamily="34" charset="0"/>
+              <a:buChar char="•"/>
+              <a:defRPr sz="1800" kern="1200">
+                <a:solidFill>
+                  <a:schemeClr val="tx1"/>
+                </a:solidFill>
+                <a:latin typeface="+mn-lt"/>
+                <a:ea typeface="+mn-ea"/>
+                <a:cs typeface="+mn-cs"/>
+              </a:defRPr>
+            </a:lvl7pPr>
+            <a:lvl8pPr marL="3429000" indent="-228600" algn="l" defTabSz="914400" rtl="0" eaLnBrk="1" latinLnBrk="0" hangingPunct="1">
+              <a:lnSpc>
+                <a:spcPct val="90000"/>
+              </a:lnSpc>
+              <a:spcBef>
+                <a:spcPts val="500"/>
+              </a:spcBef>
+              <a:buFont typeface="Arial" panose="020B0604020202020204" pitchFamily="34" charset="0"/>
+              <a:buChar char="•"/>
+              <a:defRPr sz="1800" kern="1200">
+                <a:solidFill>
+                  <a:schemeClr val="tx1"/>
+                </a:solidFill>
+                <a:latin typeface="+mn-lt"/>
+                <a:ea typeface="+mn-ea"/>
+                <a:cs typeface="+mn-cs"/>
+              </a:defRPr>
+            </a:lvl8pPr>
+            <a:lvl9pPr marL="3886200" indent="-228600" algn="l" defTabSz="914400" rtl="0" eaLnBrk="1" latinLnBrk="0" hangingPunct="1">
+              <a:lnSpc>
+                <a:spcPct val="90000"/>
+              </a:lnSpc>
+              <a:spcBef>
+                <a:spcPts val="500"/>
+              </a:spcBef>
+              <a:buFont typeface="Arial" panose="020B0604020202020204" pitchFamily="34" charset="0"/>
+              <a:buChar char="•"/>
+              <a:defRPr sz="1800" kern="1200">
+                <a:solidFill>
+                  <a:schemeClr val="tx1"/>
+                </a:solidFill>
+                <a:latin typeface="+mn-lt"/>
+                <a:ea typeface="+mn-ea"/>
+                <a:cs typeface="+mn-cs"/>
+              </a:defRPr>
+            </a:lvl9pPr>
+          </a:lstStyle>
+          <a:p>
+            <a:pPr marL="0" indent="0">
+              <a:buNone/>
+            </a:pPr>
+            <a:r>
+              <a:rPr lang="en-US" sz="1600" b="1" dirty="0"/>
+              <a:t>feature importance:</a:t>
+            </a:r>
+          </a:p>
+          <a:p>
+            <a:pPr lvl="1">
+              <a:buFont typeface="Wingdings" panose="05000000000000000000" pitchFamily="2" charset="2"/>
+              <a:buChar char="Ø"/>
+            </a:pPr>
+            <a:r>
+              <a:rPr kumimoji="0" lang="en-US" altLang="en-US" sz="1600" b="0" i="0" u="none" strike="noStrike" cap="none" normalizeH="0" baseline="0" dirty="0">
+                <a:ln>
+                  <a:noFill/>
+                </a:ln>
+                <a:solidFill>
+                  <a:schemeClr val="tx1"/>
+                </a:solidFill>
+                <a:effectLst/>
+                <a:latin typeface="Arial Unicode MS"/>
+              </a:rPr>
+              <a:t>departure</a:t>
+            </a:r>
+            <a:r>
+              <a:rPr lang="en-US" altLang="en-US" sz="1600" dirty="0">
+                <a:solidFill>
+                  <a:schemeClr val="tx1"/>
+                </a:solidFill>
+                <a:latin typeface="Arial Unicode MS"/>
+              </a:rPr>
+              <a:t> </a:t>
+            </a:r>
+            <a:r>
+              <a:rPr kumimoji="0" lang="en-US" altLang="en-US" sz="1600" b="0" i="0" u="none" strike="noStrike" cap="none" normalizeH="0" baseline="0" dirty="0">
+                <a:ln>
+                  <a:noFill/>
+                </a:ln>
+                <a:solidFill>
+                  <a:schemeClr val="tx1"/>
+                </a:solidFill>
+                <a:effectLst/>
+                <a:latin typeface="Arial Unicode MS"/>
+              </a:rPr>
+              <a:t>city</a:t>
+            </a:r>
+            <a:r>
+              <a:rPr lang="en-US" altLang="en-US" sz="1600" dirty="0">
+                <a:solidFill>
+                  <a:schemeClr val="tx1"/>
+                </a:solidFill>
+                <a:latin typeface="Arial Unicode MS"/>
+              </a:rPr>
+              <a:t> =</a:t>
+            </a:r>
+            <a:r>
+              <a:rPr kumimoji="0" lang="en-US" altLang="en-US" sz="1600" b="0" i="0" u="none" strike="noStrike" cap="none" normalizeH="0" baseline="0" dirty="0">
+                <a:ln>
+                  <a:noFill/>
+                </a:ln>
+                <a:solidFill>
+                  <a:schemeClr val="tx1"/>
+                </a:solidFill>
+                <a:effectLst/>
+                <a:latin typeface="Arial Unicode MS"/>
+              </a:rPr>
+              <a:t> 0.2507903415110873</a:t>
+            </a:r>
+          </a:p>
+          <a:p>
+            <a:pPr lvl="1">
+              <a:buFont typeface="Wingdings" panose="05000000000000000000" pitchFamily="2" charset="2"/>
+              <a:buChar char="Ø"/>
+            </a:pPr>
+            <a:r>
+              <a:rPr kumimoji="0" lang="en-US" altLang="en-US" sz="1600" b="0" i="0" u="none" strike="noStrike" cap="none" normalizeH="0" baseline="0" dirty="0">
+                <a:ln>
+                  <a:noFill/>
+                </a:ln>
+                <a:solidFill>
+                  <a:schemeClr val="tx1"/>
+                </a:solidFill>
+                <a:effectLst/>
+                <a:latin typeface="Arial Unicode MS"/>
+              </a:rPr>
+              <a:t>arrival</a:t>
+            </a:r>
+            <a:r>
+              <a:rPr lang="en-US" altLang="en-US" sz="1600" dirty="0">
+                <a:solidFill>
+                  <a:schemeClr val="tx1"/>
+                </a:solidFill>
+                <a:latin typeface="Arial Unicode MS"/>
+              </a:rPr>
+              <a:t> </a:t>
+            </a:r>
+            <a:r>
+              <a:rPr kumimoji="0" lang="en-US" altLang="en-US" sz="1600" b="0" i="0" u="none" strike="noStrike" cap="none" normalizeH="0" baseline="0" dirty="0">
+                <a:ln>
+                  <a:noFill/>
+                </a:ln>
+                <a:solidFill>
+                  <a:schemeClr val="tx1"/>
+                </a:solidFill>
+                <a:effectLst/>
+                <a:latin typeface="Arial Unicode MS"/>
+              </a:rPr>
+              <a:t>city</a:t>
+            </a:r>
+            <a:r>
+              <a:rPr lang="en-US" altLang="en-US" sz="1600" dirty="0">
+                <a:solidFill>
+                  <a:schemeClr val="tx1"/>
+                </a:solidFill>
+                <a:latin typeface="Arial Unicode MS"/>
+              </a:rPr>
+              <a:t> =</a:t>
+            </a:r>
+            <a:r>
+              <a:rPr kumimoji="0" lang="en-US" altLang="en-US" sz="1600" b="0" i="0" u="none" strike="noStrike" cap="none" normalizeH="0" baseline="0" dirty="0">
+                <a:ln>
+                  <a:noFill/>
+                </a:ln>
+                <a:solidFill>
+                  <a:schemeClr val="tx1"/>
+                </a:solidFill>
+                <a:effectLst/>
+                <a:latin typeface="Arial Unicode MS"/>
+              </a:rPr>
+              <a:t> 0.29847602002449236</a:t>
+            </a:r>
+          </a:p>
+          <a:p>
+            <a:pPr lvl="1">
+              <a:buFont typeface="Wingdings" panose="05000000000000000000" pitchFamily="2" charset="2"/>
+              <a:buChar char="Ø"/>
+            </a:pPr>
+            <a:r>
+              <a:rPr kumimoji="0" lang="en-US" altLang="en-US" sz="1600" b="0" i="0" u="none" strike="noStrike" cap="none" normalizeH="0" baseline="0" dirty="0">
+                <a:ln>
+                  <a:noFill/>
+                </a:ln>
+                <a:solidFill>
+                  <a:schemeClr val="tx1"/>
+                </a:solidFill>
+                <a:effectLst/>
+                <a:latin typeface="Arial Unicode MS"/>
+              </a:rPr>
+              <a:t>departure</a:t>
+            </a:r>
+            <a:r>
+              <a:rPr lang="en-US" altLang="en-US" sz="1600" dirty="0">
+                <a:solidFill>
+                  <a:schemeClr val="tx1"/>
+                </a:solidFill>
+                <a:latin typeface="Arial Unicode MS"/>
+              </a:rPr>
+              <a:t> </a:t>
+            </a:r>
+            <a:r>
+              <a:rPr kumimoji="0" lang="en-US" altLang="en-US" sz="1600" b="0" i="0" u="none" strike="noStrike" cap="none" normalizeH="0" baseline="0" dirty="0">
+                <a:ln>
+                  <a:noFill/>
+                </a:ln>
+                <a:solidFill>
+                  <a:schemeClr val="tx1"/>
+                </a:solidFill>
+                <a:effectLst/>
+                <a:latin typeface="Arial Unicode MS"/>
+              </a:rPr>
+              <a:t>date distance = 0.03517340910766325</a:t>
+            </a:r>
+          </a:p>
+          <a:p>
+            <a:pPr lvl="1">
+              <a:buFont typeface="Wingdings" panose="05000000000000000000" pitchFamily="2" charset="2"/>
+              <a:buChar char="Ø"/>
+            </a:pPr>
+            <a:r>
+              <a:rPr kumimoji="0" lang="en-US" altLang="en-US" sz="1600" b="0" i="0" u="none" strike="noStrike" cap="none" normalizeH="0" baseline="0" dirty="0">
+                <a:ln>
+                  <a:noFill/>
+                </a:ln>
+                <a:solidFill>
+                  <a:schemeClr val="tx1"/>
+                </a:solidFill>
+                <a:effectLst/>
+                <a:latin typeface="Arial Unicode MS"/>
+              </a:rPr>
+              <a:t>departure</a:t>
+            </a:r>
+            <a:r>
+              <a:rPr lang="en-US" altLang="en-US" sz="1600" dirty="0">
+                <a:solidFill>
+                  <a:schemeClr val="tx1"/>
+                </a:solidFill>
+                <a:latin typeface="Arial Unicode MS"/>
+              </a:rPr>
+              <a:t> </a:t>
+            </a:r>
+            <a:r>
+              <a:rPr kumimoji="0" lang="en-US" altLang="en-US" sz="1600" b="0" i="0" u="none" strike="noStrike" cap="none" normalizeH="0" baseline="0" dirty="0">
+                <a:ln>
+                  <a:noFill/>
+                </a:ln>
+                <a:solidFill>
+                  <a:schemeClr val="tx1"/>
+                </a:solidFill>
+                <a:effectLst/>
+                <a:latin typeface="Arial Unicode MS"/>
+              </a:rPr>
+              <a:t>weekday = 0.010522775784703555</a:t>
+            </a:r>
+          </a:p>
+          <a:p>
+            <a:pPr lvl="1">
+              <a:buFont typeface="Wingdings" panose="05000000000000000000" pitchFamily="2" charset="2"/>
+              <a:buChar char="Ø"/>
+            </a:pPr>
+            <a:r>
+              <a:rPr kumimoji="0" lang="en-US" altLang="en-US" sz="1600" b="0" i="0" u="none" strike="noStrike" cap="none" normalizeH="0" baseline="0" dirty="0">
+                <a:ln>
+                  <a:noFill/>
+                </a:ln>
+                <a:solidFill>
+                  <a:schemeClr val="tx1"/>
+                </a:solidFill>
+                <a:effectLst/>
+                <a:latin typeface="Arial Unicode MS"/>
+              </a:rPr>
+              <a:t>departure</a:t>
+            </a:r>
+            <a:r>
+              <a:rPr lang="en-US" altLang="en-US" sz="1600" dirty="0">
+                <a:solidFill>
+                  <a:schemeClr val="tx1"/>
+                </a:solidFill>
+                <a:latin typeface="Arial Unicode MS"/>
+              </a:rPr>
+              <a:t> </a:t>
+            </a:r>
+            <a:r>
+              <a:rPr kumimoji="0" lang="en-US" altLang="en-US" sz="1600" b="0" i="0" u="none" strike="noStrike" cap="none" normalizeH="0" baseline="0" dirty="0">
+                <a:ln>
+                  <a:noFill/>
+                </a:ln>
+                <a:solidFill>
+                  <a:schemeClr val="tx1"/>
+                </a:solidFill>
+                <a:effectLst/>
+                <a:latin typeface="Arial Unicode MS"/>
+              </a:rPr>
+              <a:t>time</a:t>
+            </a:r>
+            <a:r>
+              <a:rPr lang="en-US" altLang="en-US" sz="1600" dirty="0">
+                <a:solidFill>
+                  <a:schemeClr val="tx1"/>
+                </a:solidFill>
+                <a:latin typeface="Arial Unicode MS"/>
+              </a:rPr>
+              <a:t> </a:t>
+            </a:r>
+            <a:r>
+              <a:rPr kumimoji="0" lang="en-US" altLang="en-US" sz="1600" b="0" i="0" u="none" strike="noStrike" cap="none" normalizeH="0" baseline="0" dirty="0">
+                <a:ln>
+                  <a:noFill/>
+                </a:ln>
+                <a:solidFill>
+                  <a:schemeClr val="tx1"/>
+                </a:solidFill>
+                <a:effectLst/>
+                <a:latin typeface="Arial Unicode MS"/>
+              </a:rPr>
+              <a:t>hour = 0.013966494108150646</a:t>
+            </a:r>
+          </a:p>
+          <a:p>
+            <a:pPr lvl="1">
+              <a:buFont typeface="Wingdings" panose="05000000000000000000" pitchFamily="2" charset="2"/>
+              <a:buChar char="Ø"/>
+            </a:pPr>
+            <a:r>
+              <a:rPr kumimoji="0" lang="en-US" altLang="en-US" sz="1600" b="0" i="0" u="none" strike="noStrike" cap="none" normalizeH="0" baseline="0" dirty="0">
+                <a:ln>
+                  <a:noFill/>
+                </a:ln>
+                <a:solidFill>
+                  <a:schemeClr val="tx1"/>
+                </a:solidFill>
+                <a:effectLst/>
+                <a:latin typeface="Arial Unicode MS"/>
+              </a:rPr>
+              <a:t>travel</a:t>
+            </a:r>
+            <a:r>
+              <a:rPr lang="en-US" altLang="en-US" sz="1600" dirty="0">
+                <a:solidFill>
+                  <a:schemeClr val="tx1"/>
+                </a:solidFill>
+                <a:latin typeface="Arial Unicode MS"/>
+              </a:rPr>
+              <a:t> </a:t>
+            </a:r>
+            <a:r>
+              <a:rPr kumimoji="0" lang="en-US" altLang="en-US" sz="1600" b="0" i="0" u="none" strike="noStrike" cap="none" normalizeH="0" baseline="0" dirty="0">
+                <a:ln>
+                  <a:noFill/>
+                </a:ln>
+                <a:solidFill>
+                  <a:schemeClr val="tx1"/>
+                </a:solidFill>
+                <a:effectLst/>
+                <a:latin typeface="Arial Unicode MS"/>
+              </a:rPr>
+              <a:t>time = 0.007410473419308662</a:t>
+            </a:r>
+          </a:p>
+          <a:p>
+            <a:pPr lvl="1">
+              <a:buFont typeface="Wingdings" panose="05000000000000000000" pitchFamily="2" charset="2"/>
+              <a:buChar char="Ø"/>
+            </a:pPr>
+            <a:r>
+              <a:rPr kumimoji="0" lang="en-US" altLang="en-US" sz="1600" b="0" i="0" u="none" strike="noStrike" cap="none" normalizeH="0" baseline="0" dirty="0">
+                <a:ln>
+                  <a:noFill/>
+                </a:ln>
+                <a:solidFill>
+                  <a:schemeClr val="tx1"/>
+                </a:solidFill>
+                <a:effectLst/>
+                <a:latin typeface="Arial Unicode MS"/>
+              </a:rPr>
+              <a:t>days</a:t>
+            </a:r>
+            <a:r>
+              <a:rPr lang="en-US" altLang="en-US" sz="1600" dirty="0">
+                <a:solidFill>
+                  <a:schemeClr val="tx1"/>
+                </a:solidFill>
+                <a:latin typeface="Arial Unicode MS"/>
+              </a:rPr>
+              <a:t> </a:t>
+            </a:r>
+            <a:r>
+              <a:rPr kumimoji="0" lang="en-US" altLang="en-US" sz="1600" b="0" i="0" u="none" strike="noStrike" cap="none" normalizeH="0" baseline="0" dirty="0">
+                <a:ln>
+                  <a:noFill/>
+                </a:ln>
+                <a:solidFill>
+                  <a:schemeClr val="tx1"/>
+                </a:solidFill>
+                <a:effectLst/>
+                <a:latin typeface="Arial Unicode MS"/>
+              </a:rPr>
+              <a:t>until</a:t>
+            </a:r>
+            <a:r>
+              <a:rPr lang="en-US" altLang="en-US" sz="1600" dirty="0">
+                <a:solidFill>
+                  <a:schemeClr val="tx1"/>
+                </a:solidFill>
+                <a:latin typeface="Arial Unicode MS"/>
+              </a:rPr>
+              <a:t> </a:t>
+            </a:r>
+            <a:r>
+              <a:rPr kumimoji="0" lang="en-US" altLang="en-US" sz="1600" b="0" i="0" u="none" strike="noStrike" cap="none" normalizeH="0" baseline="0" dirty="0">
+                <a:ln>
+                  <a:noFill/>
+                </a:ln>
+                <a:solidFill>
+                  <a:schemeClr val="tx1"/>
+                </a:solidFill>
+                <a:effectLst/>
+                <a:latin typeface="Arial Unicode MS"/>
+              </a:rPr>
+              <a:t>holiday = 0.011293022266687552</a:t>
+            </a:r>
+          </a:p>
+          <a:p>
+            <a:pPr lvl="1">
+              <a:buFont typeface="Wingdings" panose="05000000000000000000" pitchFamily="2" charset="2"/>
+              <a:buChar char="Ø"/>
+            </a:pPr>
+            <a:r>
+              <a:rPr kumimoji="0" lang="en-US" altLang="en-US" sz="1600" b="0" i="0" u="none" strike="noStrike" cap="none" normalizeH="0" baseline="0" dirty="0">
+                <a:ln>
+                  <a:noFill/>
+                </a:ln>
+                <a:solidFill>
+                  <a:schemeClr val="tx1"/>
+                </a:solidFill>
+                <a:effectLst/>
+                <a:latin typeface="Arial Unicode MS"/>
+              </a:rPr>
+              <a:t>airline = 0.031638340433263766</a:t>
+            </a:r>
+          </a:p>
+          <a:p>
+            <a:pPr lvl="1">
+              <a:buFont typeface="Wingdings" panose="05000000000000000000" pitchFamily="2" charset="2"/>
+              <a:buChar char="Ø"/>
+            </a:pPr>
+            <a:r>
+              <a:rPr kumimoji="0" lang="en-US" altLang="en-US" sz="1600" b="0" i="0" u="none" strike="noStrike" cap="none" normalizeH="0" baseline="0" dirty="0">
+                <a:ln>
+                  <a:noFill/>
+                </a:ln>
+                <a:solidFill>
+                  <a:schemeClr val="tx1"/>
+                </a:solidFill>
+                <a:effectLst/>
+                <a:latin typeface="Arial Unicode MS"/>
+              </a:rPr>
+              <a:t>stops = 0.34072912334464295</a:t>
+            </a:r>
+            <a:endParaRPr lang="en-US" sz="1600" dirty="0"/>
+          </a:p>
+        </p:txBody>
+      </p:sp>
+      <p:sp>
+        <p:nvSpPr>
+          <p:cNvPr id="9" name="Rectangle 2">
+            <a:extLst>
+              <a:ext uri="{FF2B5EF4-FFF2-40B4-BE49-F238E27FC236}">
+                <a16:creationId xmlns:a16="http://schemas.microsoft.com/office/drawing/2014/main" id="{C7D6F5EF-7078-7A3B-8BF2-8A83866BC128}"/>
+              </a:ext>
+            </a:extLst>
+          </p:cNvPr>
+          <p:cNvSpPr>
+            <a:spLocks noChangeArrowheads="1"/>
+          </p:cNvSpPr>
+          <p:nvPr/>
+        </p:nvSpPr>
+        <p:spPr bwMode="auto">
+          <a:xfrm>
+            <a:off x="0" y="105489"/>
+            <a:ext cx="1274708" cy="246221"/>
+          </a:xfrm>
+          <a:prstGeom prst="rect">
+            <a:avLst/>
+          </a:prstGeom>
+          <a:noFill/>
+          <a:ln>
+            <a:noFill/>
+          </a:ln>
+          <a:effectLst/>
+          <a:extLst>
+            <a:ext uri="{909E8E84-426E-40DD-AFC4-6F175D3DCCD1}">
+              <a14:hiddenFill xmlns:a14="http://schemas.microsoft.com/office/drawing/2010/main">
+                <a:solidFill>
+                  <a:schemeClr val="accent1"/>
+                </a:solidFill>
+              </a14:hiddenFill>
+            </a:ext>
+            <a:ext uri="{91240B29-F687-4F45-9708-019B960494DF}">
+              <a14:hiddenLine xmlns:a14="http://schemas.microsoft.com/office/drawing/2010/main" w="9525">
+                <a:solidFill>
+                  <a:schemeClr val="tx1"/>
+                </a:solidFill>
+                <a:miter lim="800000"/>
+                <a:headEnd/>
+                <a:tailEnd/>
+              </a14:hiddenLine>
+            </a:ext>
+            <a:ext uri="{AF507438-7753-43E0-B8FC-AC1667EBCBE1}">
+              <a14:hiddenEffects xmlns:a14="http://schemas.microsoft.com/office/drawing/2010/main">
+                <a:effectLst>
+                  <a:outerShdw dist="35921" dir="2700000" algn="ctr" rotWithShape="0">
+                    <a:schemeClr val="bg2"/>
+                  </a:outerShdw>
+                </a:effectLst>
+              </a14:hiddenEffects>
+            </a:ext>
+          </a:extLst>
+        </p:spPr>
+        <p:txBody>
+          <a:bodyPr vert="horz" wrap="none" lIns="91440" tIns="45720" rIns="91440" bIns="45720" numCol="1" anchor="ctr" anchorCtr="0" compatLnSpc="1">
+            <a:prstTxWarp prst="textNoShape">
+              <a:avLst/>
+            </a:prstTxWarp>
+            <a:spAutoFit/>
+          </a:bodyPr>
+          <a:lstStyle/>
+          <a:p>
+            <a:pPr marL="0" marR="0" lvl="0" indent="0" algn="l" defTabSz="914400" rtl="0" eaLnBrk="0" fontAlgn="base" latinLnBrk="0" hangingPunct="0">
+              <a:lnSpc>
+                <a:spcPct val="100000"/>
+              </a:lnSpc>
+              <a:spcBef>
+                <a:spcPct val="0"/>
+              </a:spcBef>
+              <a:spcAft>
+                <a:spcPct val="0"/>
+              </a:spcAft>
+              <a:buClrTx/>
+              <a:buSzTx/>
+              <a:buFontTx/>
+              <a:buNone/>
+              <a:tabLst/>
+            </a:pPr>
+            <a:r>
+              <a:rPr kumimoji="0" lang="en-US" altLang="en-US" sz="1000" b="0" i="0" u="none" strike="noStrike" cap="none" normalizeH="0" baseline="0" dirty="0">
+                <a:ln>
+                  <a:noFill/>
+                </a:ln>
+                <a:solidFill>
+                  <a:schemeClr val="tx1"/>
+                </a:solidFill>
+                <a:effectLst/>
+                <a:latin typeface="Arial Unicode MS"/>
+              </a:rPr>
+              <a:t>() () () () () () () () ()</a:t>
+            </a:r>
+            <a:r>
+              <a:rPr kumimoji="0" lang="en-US" altLang="en-US" sz="800" b="0" i="0" u="none" strike="noStrike" cap="none" normalizeH="0" baseline="0" dirty="0">
+                <a:ln>
+                  <a:noFill/>
+                </a:ln>
+                <a:solidFill>
+                  <a:schemeClr val="tx1"/>
+                </a:solidFill>
+                <a:effectLst/>
+              </a:rPr>
+              <a:t> </a:t>
+            </a:r>
+            <a:endParaRPr kumimoji="0" lang="en-US" altLang="en-US" sz="1800" b="0" i="0" u="none" strike="noStrike" cap="none" normalizeH="0" baseline="0" dirty="0">
+              <a:ln>
+                <a:noFill/>
+              </a:ln>
+              <a:solidFill>
+                <a:schemeClr val="tx1"/>
+              </a:solidFill>
+              <a:effectLst/>
+              <a:latin typeface="Arial" panose="020B0604020202020204" pitchFamily="34" charset="0"/>
+            </a:endParaRPr>
+          </a:p>
+        </p:txBody>
+      </p:sp>
+    </p:spTree>
+    <p:extLst>
+      <p:ext uri="{BB962C8B-B14F-4D97-AF65-F5344CB8AC3E}">
+        <p14:creationId xmlns:p14="http://schemas.microsoft.com/office/powerpoint/2010/main" val="1956855583"/>
+      </p:ext>
+    </p:extLst>
+  </p:cSld>
+  <p:clrMapOvr>
+    <a:masterClrMapping/>
+  </p:clrMapOvr>
+</p:sld>
+</file>
+
+<file path=ppt/slides/slide12.xml><?xml version="1.0" encoding="utf-8"?>
+<p:sld xmlns:a="http://schemas.openxmlformats.org/drawingml/2006/main" xmlns:r="http://schemas.openxmlformats.org/officeDocument/2006/relationships" xmlns:p="http://schemas.openxmlformats.org/presentationml/2006/main">
+  <p:cSld>
+    <p:spTree>
+      <p:nvGrpSpPr>
+        <p:cNvPr id="1" name=""/>
+        <p:cNvGrpSpPr/>
+        <p:nvPr/>
+      </p:nvGrpSpPr>
+      <p:grpSpPr>
+        <a:xfrm>
+          <a:off x="0" y="0"/>
+          <a:ext cx="0" cy="0"/>
+          <a:chOff x="0" y="0"/>
+          <a:chExt cx="0" cy="0"/>
+        </a:xfrm>
+      </p:grpSpPr>
+      <p:pic>
+        <p:nvPicPr>
+          <p:cNvPr id="4" name="Picture 3" descr="A graph with a dotted line and a dotted line&#10;&#10;Description automatically generated">
+            <a:extLst>
+              <a:ext uri="{FF2B5EF4-FFF2-40B4-BE49-F238E27FC236}">
+                <a16:creationId xmlns:a16="http://schemas.microsoft.com/office/drawing/2014/main" id="{16BE957A-60CD-9F19-EA2E-E43313A6DCAE}"/>
+              </a:ext>
+            </a:extLst>
+          </p:cNvPr>
+          <p:cNvPicPr>
+            <a:picLocks noChangeAspect="1"/>
+          </p:cNvPicPr>
+          <p:nvPr/>
+        </p:nvPicPr>
+        <p:blipFill>
+          <a:blip r:embed="rId2">
+            <a:extLst>
+              <a:ext uri="{28A0092B-C50C-407E-A947-70E740481C1C}">
+                <a14:useLocalDpi xmlns:a14="http://schemas.microsoft.com/office/drawing/2010/main" val="0"/>
+              </a:ext>
+            </a:extLst>
+          </a:blip>
+          <a:stretch>
+            <a:fillRect/>
+          </a:stretch>
+        </p:blipFill>
+        <p:spPr>
+          <a:xfrm>
+            <a:off x="860302" y="1531496"/>
+            <a:ext cx="6492220" cy="4869165"/>
+          </a:xfrm>
+          <a:prstGeom prst="rect">
+            <a:avLst/>
+          </a:prstGeom>
+        </p:spPr>
+      </p:pic>
+      <p:sp>
+        <p:nvSpPr>
+          <p:cNvPr id="2" name="Title 1">
+            <a:extLst>
+              <a:ext uri="{FF2B5EF4-FFF2-40B4-BE49-F238E27FC236}">
+                <a16:creationId xmlns:a16="http://schemas.microsoft.com/office/drawing/2014/main" id="{5DC85B10-4428-71B3-BD8A-970EA9DC1AB3}"/>
+              </a:ext>
+            </a:extLst>
+          </p:cNvPr>
+          <p:cNvSpPr>
+            <a:spLocks noGrp="1"/>
+          </p:cNvSpPr>
+          <p:nvPr>
+            <p:ph type="title"/>
+          </p:nvPr>
+        </p:nvSpPr>
+        <p:spPr/>
+        <p:txBody>
+          <a:bodyPr/>
+          <a:lstStyle/>
+          <a:p>
+            <a:r>
+              <a:rPr lang="en-US" dirty="0"/>
+              <a:t>Regression tree</a:t>
+            </a:r>
+          </a:p>
+        </p:txBody>
+      </p:sp>
+      <p:sp>
+        <p:nvSpPr>
+          <p:cNvPr id="11" name="Content Placeholder 4">
+            <a:extLst>
+              <a:ext uri="{FF2B5EF4-FFF2-40B4-BE49-F238E27FC236}">
+                <a16:creationId xmlns:a16="http://schemas.microsoft.com/office/drawing/2014/main" id="{6D8E2F79-D794-7A2A-3D5C-EE859F3B9DC3}"/>
+              </a:ext>
+            </a:extLst>
+          </p:cNvPr>
+          <p:cNvSpPr txBox="1">
+            <a:spLocks/>
+          </p:cNvSpPr>
+          <p:nvPr/>
+        </p:nvSpPr>
+        <p:spPr>
+          <a:xfrm>
+            <a:off x="7724029" y="1531496"/>
+            <a:ext cx="2870430" cy="1718823"/>
+          </a:xfrm>
+          <a:prstGeom prst="rect">
+            <a:avLst/>
+          </a:prstGeom>
+        </p:spPr>
+        <p:txBody>
+          <a:bodyPr vert="horz" lIns="91440" tIns="45720" rIns="91440" bIns="45720" rtlCol="0">
+            <a:noAutofit/>
+          </a:bodyPr>
+          <a:lstStyle>
+            <a:lvl1pPr marL="228600" indent="-228600" algn="l" defTabSz="914400" rtl="0" eaLnBrk="1" latinLnBrk="0" hangingPunct="1">
+              <a:lnSpc>
+                <a:spcPct val="110000"/>
+              </a:lnSpc>
+              <a:spcBef>
+                <a:spcPts val="1000"/>
+              </a:spcBef>
+              <a:buClr>
+                <a:schemeClr val="accent5"/>
+              </a:buClr>
+              <a:buFont typeface="Avenir Next LT Pro" panose="020B0504020202020204" pitchFamily="34" charset="0"/>
+              <a:buChar char="+"/>
+              <a:defRPr sz="2800" kern="1200">
+                <a:solidFill>
+                  <a:schemeClr val="tx2"/>
+                </a:solidFill>
+                <a:latin typeface="+mn-lt"/>
+                <a:ea typeface="+mn-ea"/>
+                <a:cs typeface="+mn-cs"/>
+              </a:defRPr>
+            </a:lvl1pPr>
+            <a:lvl2pPr marL="685800" indent="-228600" algn="l" defTabSz="914400" rtl="0" eaLnBrk="1" latinLnBrk="0" hangingPunct="1">
+              <a:lnSpc>
+                <a:spcPct val="110000"/>
+              </a:lnSpc>
+              <a:spcBef>
+                <a:spcPts val="500"/>
+              </a:spcBef>
+              <a:buClr>
+                <a:schemeClr val="accent5"/>
+              </a:buClr>
+              <a:buFont typeface="Avenir Next LT Pro" panose="020B0504020202020204" pitchFamily="34" charset="0"/>
+              <a:buChar char="+"/>
+              <a:defRPr sz="2400" kern="1200">
+                <a:solidFill>
+                  <a:schemeClr val="tx2"/>
+                </a:solidFill>
+                <a:latin typeface="+mn-lt"/>
+                <a:ea typeface="+mn-ea"/>
+                <a:cs typeface="+mn-cs"/>
+              </a:defRPr>
+            </a:lvl2pPr>
+            <a:lvl3pPr marL="1143000" indent="-228600" algn="l" defTabSz="914400" rtl="0" eaLnBrk="1" latinLnBrk="0" hangingPunct="1">
+              <a:lnSpc>
+                <a:spcPct val="110000"/>
+              </a:lnSpc>
+              <a:spcBef>
+                <a:spcPts val="500"/>
+              </a:spcBef>
+              <a:buClr>
+                <a:schemeClr val="accent5"/>
+              </a:buClr>
+              <a:buFont typeface="Avenir Next LT Pro" panose="020B0504020202020204" pitchFamily="34" charset="0"/>
+              <a:buChar char="+"/>
+              <a:defRPr sz="2000" kern="1200">
+                <a:solidFill>
+                  <a:schemeClr val="tx2"/>
+                </a:solidFill>
+                <a:latin typeface="+mn-lt"/>
+                <a:ea typeface="+mn-ea"/>
+                <a:cs typeface="+mn-cs"/>
+              </a:defRPr>
+            </a:lvl3pPr>
+            <a:lvl4pPr marL="1600200" indent="-228600" algn="l" defTabSz="914400" rtl="0" eaLnBrk="1" latinLnBrk="0" hangingPunct="1">
+              <a:lnSpc>
+                <a:spcPct val="110000"/>
+              </a:lnSpc>
+              <a:spcBef>
+                <a:spcPts val="500"/>
+              </a:spcBef>
+              <a:buClr>
+                <a:schemeClr val="accent5"/>
+              </a:buClr>
+              <a:buFont typeface="Avenir Next LT Pro" panose="020B0504020202020204" pitchFamily="34" charset="0"/>
+              <a:buChar char="+"/>
+              <a:defRPr sz="1800" kern="1200">
+                <a:solidFill>
+                  <a:schemeClr val="tx2"/>
+                </a:solidFill>
+                <a:latin typeface="+mn-lt"/>
+                <a:ea typeface="+mn-ea"/>
+                <a:cs typeface="+mn-cs"/>
+              </a:defRPr>
+            </a:lvl4pPr>
+            <a:lvl5pPr marL="2057400" indent="-228600" algn="l" defTabSz="914400" rtl="0" eaLnBrk="1" latinLnBrk="0" hangingPunct="1">
+              <a:lnSpc>
+                <a:spcPct val="110000"/>
+              </a:lnSpc>
+              <a:spcBef>
+                <a:spcPts val="500"/>
+              </a:spcBef>
+              <a:buClr>
+                <a:schemeClr val="accent5"/>
+              </a:buClr>
+              <a:buFont typeface="Avenir Next LT Pro" panose="020B0504020202020204" pitchFamily="34" charset="0"/>
+              <a:buChar char="+"/>
+              <a:defRPr sz="1800" kern="1200">
+                <a:solidFill>
+                  <a:schemeClr val="tx2"/>
+                </a:solidFill>
+                <a:latin typeface="+mn-lt"/>
+                <a:ea typeface="+mn-ea"/>
+                <a:cs typeface="+mn-cs"/>
+              </a:defRPr>
+            </a:lvl5pPr>
+            <a:lvl6pPr marL="2514600" indent="-228600" algn="l" defTabSz="914400" rtl="0" eaLnBrk="1" latinLnBrk="0" hangingPunct="1">
+              <a:lnSpc>
+                <a:spcPct val="90000"/>
+              </a:lnSpc>
+              <a:spcBef>
+                <a:spcPts val="500"/>
+              </a:spcBef>
+              <a:buFont typeface="Arial" panose="020B0604020202020204" pitchFamily="34" charset="0"/>
+              <a:buChar char="•"/>
+              <a:defRPr sz="1800" kern="1200">
+                <a:solidFill>
+                  <a:schemeClr val="tx1"/>
+                </a:solidFill>
+                <a:latin typeface="+mn-lt"/>
+                <a:ea typeface="+mn-ea"/>
+                <a:cs typeface="+mn-cs"/>
+              </a:defRPr>
+            </a:lvl6pPr>
+            <a:lvl7pPr marL="2971800" indent="-228600" algn="l" defTabSz="914400" rtl="0" eaLnBrk="1" latinLnBrk="0" hangingPunct="1">
+              <a:lnSpc>
+                <a:spcPct val="90000"/>
+              </a:lnSpc>
+              <a:spcBef>
+                <a:spcPts val="500"/>
+              </a:spcBef>
+              <a:buFont typeface="Arial" panose="020B0604020202020204" pitchFamily="34" charset="0"/>
+              <a:buChar char="•"/>
+              <a:defRPr sz="1800" kern="1200">
+                <a:solidFill>
+                  <a:schemeClr val="tx1"/>
+                </a:solidFill>
+                <a:latin typeface="+mn-lt"/>
+                <a:ea typeface="+mn-ea"/>
+                <a:cs typeface="+mn-cs"/>
+              </a:defRPr>
+            </a:lvl7pPr>
+            <a:lvl8pPr marL="3429000" indent="-228600" algn="l" defTabSz="914400" rtl="0" eaLnBrk="1" latinLnBrk="0" hangingPunct="1">
+              <a:lnSpc>
+                <a:spcPct val="90000"/>
+              </a:lnSpc>
+              <a:spcBef>
+                <a:spcPts val="500"/>
+              </a:spcBef>
+              <a:buFont typeface="Arial" panose="020B0604020202020204" pitchFamily="34" charset="0"/>
+              <a:buChar char="•"/>
+              <a:defRPr sz="1800" kern="1200">
+                <a:solidFill>
+                  <a:schemeClr val="tx1"/>
+                </a:solidFill>
+                <a:latin typeface="+mn-lt"/>
+                <a:ea typeface="+mn-ea"/>
+                <a:cs typeface="+mn-cs"/>
+              </a:defRPr>
+            </a:lvl8pPr>
+            <a:lvl9pPr marL="3886200" indent="-228600" algn="l" defTabSz="914400" rtl="0" eaLnBrk="1" latinLnBrk="0" hangingPunct="1">
+              <a:lnSpc>
+                <a:spcPct val="90000"/>
+              </a:lnSpc>
+              <a:spcBef>
+                <a:spcPts val="500"/>
+              </a:spcBef>
+              <a:buFont typeface="Arial" panose="020B0604020202020204" pitchFamily="34" charset="0"/>
+              <a:buChar char="•"/>
+              <a:defRPr sz="1800" kern="1200">
+                <a:solidFill>
+                  <a:schemeClr val="tx1"/>
+                </a:solidFill>
+                <a:latin typeface="+mn-lt"/>
+                <a:ea typeface="+mn-ea"/>
+                <a:cs typeface="+mn-cs"/>
+              </a:defRPr>
+            </a:lvl9pPr>
+          </a:lstStyle>
+          <a:p>
+            <a:pPr marL="0" indent="0">
+              <a:buNone/>
+            </a:pPr>
+            <a:r>
+              <a:rPr lang="en-US" sz="1600" b="1" dirty="0"/>
+              <a:t>Model Evaluation:</a:t>
+            </a:r>
+          </a:p>
+          <a:p>
+            <a:pPr lvl="1">
+              <a:buFont typeface="Wingdings" panose="05000000000000000000" pitchFamily="2" charset="2"/>
+              <a:buChar char="Ø"/>
+            </a:pPr>
+            <a:r>
+              <a:rPr lang="en-US" sz="1600" dirty="0"/>
+              <a:t>MSE: 4856.71</a:t>
+            </a:r>
+          </a:p>
+          <a:p>
+            <a:pPr lvl="1">
+              <a:buFont typeface="Wingdings" panose="05000000000000000000" pitchFamily="2" charset="2"/>
+              <a:buChar char="Ø"/>
+            </a:pPr>
+            <a:r>
+              <a:rPr lang="en-US" sz="1600" dirty="0"/>
+              <a:t>RMSE: 69.69</a:t>
+            </a:r>
+          </a:p>
+          <a:p>
+            <a:pPr lvl="1">
+              <a:buFont typeface="Wingdings" panose="05000000000000000000" pitchFamily="2" charset="2"/>
+              <a:buChar char="Ø"/>
+            </a:pPr>
+            <a:r>
+              <a:rPr lang="en-US" sz="1600" dirty="0"/>
+              <a:t>R2 Score: 0.827</a:t>
+            </a:r>
+          </a:p>
+          <a:p>
+            <a:pPr lvl="1">
+              <a:buFont typeface="Wingdings" panose="05000000000000000000" pitchFamily="2" charset="2"/>
+              <a:buChar char="Ø"/>
+            </a:pPr>
+            <a:r>
+              <a:rPr lang="en-US" sz="1600" dirty="0"/>
+              <a:t>std deviation: 152.49</a:t>
+            </a:r>
+            <a:endParaRPr lang="en-US" sz="2000" dirty="0"/>
+          </a:p>
+          <a:p>
+            <a:pPr>
+              <a:buFont typeface="Wingdings" panose="05000000000000000000" pitchFamily="2" charset="2"/>
+              <a:buChar char="§"/>
+            </a:pPr>
+            <a:endParaRPr lang="en-US" sz="2000" dirty="0"/>
+          </a:p>
+          <a:p>
+            <a:pPr>
+              <a:buFont typeface="Wingdings" panose="05000000000000000000" pitchFamily="2" charset="2"/>
+              <a:buChar char="§"/>
+            </a:pPr>
+            <a:endParaRPr lang="en-US" sz="2000" dirty="0"/>
+          </a:p>
+        </p:txBody>
+      </p:sp>
+      <p:sp>
+        <p:nvSpPr>
+          <p:cNvPr id="12" name="Slide Number Placeholder 11">
+            <a:extLst>
+              <a:ext uri="{FF2B5EF4-FFF2-40B4-BE49-F238E27FC236}">
+                <a16:creationId xmlns:a16="http://schemas.microsoft.com/office/drawing/2014/main" id="{7E4D38FD-6BC2-DAE5-A5E9-1D70FF300D07}"/>
+              </a:ext>
+            </a:extLst>
+          </p:cNvPr>
+          <p:cNvSpPr>
+            <a:spLocks noGrp="1"/>
+          </p:cNvSpPr>
+          <p:nvPr>
+            <p:ph type="sldNum" sz="quarter" idx="12"/>
+          </p:nvPr>
+        </p:nvSpPr>
+        <p:spPr/>
+        <p:txBody>
+          <a:bodyPr/>
+          <a:lstStyle/>
+          <a:p>
+            <a:fld id="{73B850FF-6169-4056-8077-06FFA93A5366}" type="slidenum">
+              <a:rPr lang="en-US" smtClean="0"/>
+              <a:t>12</a:t>
+            </a:fld>
+            <a:endParaRPr lang="en-US"/>
+          </a:p>
+        </p:txBody>
+      </p:sp>
+      <p:sp>
+        <p:nvSpPr>
+          <p:cNvPr id="17" name="Content Placeholder 4">
+            <a:extLst>
+              <a:ext uri="{FF2B5EF4-FFF2-40B4-BE49-F238E27FC236}">
+                <a16:creationId xmlns:a16="http://schemas.microsoft.com/office/drawing/2014/main" id="{21EE3195-2D93-080E-BFA4-6D2F9B06197A}"/>
+              </a:ext>
+            </a:extLst>
+          </p:cNvPr>
+          <p:cNvSpPr txBox="1">
+            <a:spLocks/>
+          </p:cNvSpPr>
+          <p:nvPr/>
+        </p:nvSpPr>
+        <p:spPr>
+          <a:xfrm>
+            <a:off x="7724029" y="3402039"/>
+            <a:ext cx="2988090" cy="1623238"/>
+          </a:xfrm>
+          <a:prstGeom prst="rect">
+            <a:avLst/>
+          </a:prstGeom>
+        </p:spPr>
+        <p:txBody>
+          <a:bodyPr vert="horz" lIns="91440" tIns="45720" rIns="91440" bIns="45720" rtlCol="0">
+            <a:noAutofit/>
+          </a:bodyPr>
+          <a:lstStyle>
+            <a:lvl1pPr marL="228600" indent="-228600" algn="l" defTabSz="914400" rtl="0" eaLnBrk="1" latinLnBrk="0" hangingPunct="1">
+              <a:lnSpc>
+                <a:spcPct val="110000"/>
+              </a:lnSpc>
+              <a:spcBef>
+                <a:spcPts val="1000"/>
+              </a:spcBef>
+              <a:buClr>
+                <a:schemeClr val="accent5"/>
+              </a:buClr>
+              <a:buFont typeface="Avenir Next LT Pro" panose="020B0504020202020204" pitchFamily="34" charset="0"/>
+              <a:buChar char="+"/>
+              <a:defRPr sz="2800" kern="1200">
+                <a:solidFill>
+                  <a:schemeClr val="tx2"/>
+                </a:solidFill>
+                <a:latin typeface="+mn-lt"/>
+                <a:ea typeface="+mn-ea"/>
+                <a:cs typeface="+mn-cs"/>
+              </a:defRPr>
+            </a:lvl1pPr>
+            <a:lvl2pPr marL="685800" indent="-228600" algn="l" defTabSz="914400" rtl="0" eaLnBrk="1" latinLnBrk="0" hangingPunct="1">
+              <a:lnSpc>
+                <a:spcPct val="110000"/>
+              </a:lnSpc>
+              <a:spcBef>
+                <a:spcPts val="500"/>
+              </a:spcBef>
+              <a:buClr>
+                <a:schemeClr val="accent5"/>
+              </a:buClr>
+              <a:buFont typeface="Avenir Next LT Pro" panose="020B0504020202020204" pitchFamily="34" charset="0"/>
+              <a:buChar char="+"/>
+              <a:defRPr sz="2400" kern="1200">
+                <a:solidFill>
+                  <a:schemeClr val="tx2"/>
+                </a:solidFill>
+                <a:latin typeface="+mn-lt"/>
+                <a:ea typeface="+mn-ea"/>
+                <a:cs typeface="+mn-cs"/>
+              </a:defRPr>
+            </a:lvl2pPr>
+            <a:lvl3pPr marL="1143000" indent="-228600" algn="l" defTabSz="914400" rtl="0" eaLnBrk="1" latinLnBrk="0" hangingPunct="1">
+              <a:lnSpc>
+                <a:spcPct val="110000"/>
+              </a:lnSpc>
+              <a:spcBef>
+                <a:spcPts val="500"/>
+              </a:spcBef>
+              <a:buClr>
+                <a:schemeClr val="accent5"/>
+              </a:buClr>
+              <a:buFont typeface="Avenir Next LT Pro" panose="020B0504020202020204" pitchFamily="34" charset="0"/>
+              <a:buChar char="+"/>
+              <a:defRPr sz="2000" kern="1200">
+                <a:solidFill>
+                  <a:schemeClr val="tx2"/>
+                </a:solidFill>
+                <a:latin typeface="+mn-lt"/>
+                <a:ea typeface="+mn-ea"/>
+                <a:cs typeface="+mn-cs"/>
+              </a:defRPr>
+            </a:lvl3pPr>
+            <a:lvl4pPr marL="1600200" indent="-228600" algn="l" defTabSz="914400" rtl="0" eaLnBrk="1" latinLnBrk="0" hangingPunct="1">
+              <a:lnSpc>
+                <a:spcPct val="110000"/>
+              </a:lnSpc>
+              <a:spcBef>
+                <a:spcPts val="500"/>
+              </a:spcBef>
+              <a:buClr>
+                <a:schemeClr val="accent5"/>
+              </a:buClr>
+              <a:buFont typeface="Avenir Next LT Pro" panose="020B0504020202020204" pitchFamily="34" charset="0"/>
+              <a:buChar char="+"/>
+              <a:defRPr sz="1800" kern="1200">
+                <a:solidFill>
+                  <a:schemeClr val="tx2"/>
+                </a:solidFill>
+                <a:latin typeface="+mn-lt"/>
+                <a:ea typeface="+mn-ea"/>
+                <a:cs typeface="+mn-cs"/>
+              </a:defRPr>
+            </a:lvl4pPr>
+            <a:lvl5pPr marL="2057400" indent="-228600" algn="l" defTabSz="914400" rtl="0" eaLnBrk="1" latinLnBrk="0" hangingPunct="1">
+              <a:lnSpc>
+                <a:spcPct val="110000"/>
+              </a:lnSpc>
+              <a:spcBef>
+                <a:spcPts val="500"/>
+              </a:spcBef>
+              <a:buClr>
+                <a:schemeClr val="accent5"/>
+              </a:buClr>
+              <a:buFont typeface="Avenir Next LT Pro" panose="020B0504020202020204" pitchFamily="34" charset="0"/>
+              <a:buChar char="+"/>
+              <a:defRPr sz="1800" kern="1200">
+                <a:solidFill>
+                  <a:schemeClr val="tx2"/>
+                </a:solidFill>
+                <a:latin typeface="+mn-lt"/>
+                <a:ea typeface="+mn-ea"/>
+                <a:cs typeface="+mn-cs"/>
+              </a:defRPr>
+            </a:lvl5pPr>
+            <a:lvl6pPr marL="2514600" indent="-228600" algn="l" defTabSz="914400" rtl="0" eaLnBrk="1" latinLnBrk="0" hangingPunct="1">
+              <a:lnSpc>
+                <a:spcPct val="90000"/>
+              </a:lnSpc>
+              <a:spcBef>
+                <a:spcPts val="500"/>
+              </a:spcBef>
+              <a:buFont typeface="Arial" panose="020B0604020202020204" pitchFamily="34" charset="0"/>
+              <a:buChar char="•"/>
+              <a:defRPr sz="1800" kern="1200">
+                <a:solidFill>
+                  <a:schemeClr val="tx1"/>
+                </a:solidFill>
+                <a:latin typeface="+mn-lt"/>
+                <a:ea typeface="+mn-ea"/>
+                <a:cs typeface="+mn-cs"/>
+              </a:defRPr>
+            </a:lvl6pPr>
+            <a:lvl7pPr marL="2971800" indent="-228600" algn="l" defTabSz="914400" rtl="0" eaLnBrk="1" latinLnBrk="0" hangingPunct="1">
+              <a:lnSpc>
+                <a:spcPct val="90000"/>
+              </a:lnSpc>
+              <a:spcBef>
+                <a:spcPts val="500"/>
+              </a:spcBef>
+              <a:buFont typeface="Arial" panose="020B0604020202020204" pitchFamily="34" charset="0"/>
+              <a:buChar char="•"/>
+              <a:defRPr sz="1800" kern="1200">
+                <a:solidFill>
+                  <a:schemeClr val="tx1"/>
+                </a:solidFill>
+                <a:latin typeface="+mn-lt"/>
+                <a:ea typeface="+mn-ea"/>
+                <a:cs typeface="+mn-cs"/>
+              </a:defRPr>
+            </a:lvl7pPr>
+            <a:lvl8pPr marL="3429000" indent="-228600" algn="l" defTabSz="914400" rtl="0" eaLnBrk="1" latinLnBrk="0" hangingPunct="1">
+              <a:lnSpc>
+                <a:spcPct val="90000"/>
+              </a:lnSpc>
+              <a:spcBef>
+                <a:spcPts val="500"/>
+              </a:spcBef>
+              <a:buFont typeface="Arial" panose="020B0604020202020204" pitchFamily="34" charset="0"/>
+              <a:buChar char="•"/>
+              <a:defRPr sz="1800" kern="1200">
+                <a:solidFill>
+                  <a:schemeClr val="tx1"/>
+                </a:solidFill>
+                <a:latin typeface="+mn-lt"/>
+                <a:ea typeface="+mn-ea"/>
+                <a:cs typeface="+mn-cs"/>
+              </a:defRPr>
+            </a:lvl8pPr>
+            <a:lvl9pPr marL="3886200" indent="-228600" algn="l" defTabSz="914400" rtl="0" eaLnBrk="1" latinLnBrk="0" hangingPunct="1">
+              <a:lnSpc>
+                <a:spcPct val="90000"/>
+              </a:lnSpc>
+              <a:spcBef>
+                <a:spcPts val="500"/>
+              </a:spcBef>
+              <a:buFont typeface="Arial" panose="020B0604020202020204" pitchFamily="34" charset="0"/>
+              <a:buChar char="•"/>
+              <a:defRPr sz="1800" kern="1200">
+                <a:solidFill>
+                  <a:schemeClr val="tx1"/>
+                </a:solidFill>
+                <a:latin typeface="+mn-lt"/>
+                <a:ea typeface="+mn-ea"/>
+                <a:cs typeface="+mn-cs"/>
+              </a:defRPr>
+            </a:lvl9pPr>
+          </a:lstStyle>
+          <a:p>
+            <a:pPr>
+              <a:buFont typeface="Wingdings" panose="05000000000000000000" pitchFamily="2" charset="2"/>
+              <a:buChar char="§"/>
+            </a:pPr>
+            <a:endParaRPr lang="en-US" sz="2000" dirty="0"/>
+          </a:p>
+        </p:txBody>
+      </p:sp>
+      <p:sp>
+        <p:nvSpPr>
+          <p:cNvPr id="5" name="Content Placeholder 4">
+            <a:extLst>
+              <a:ext uri="{FF2B5EF4-FFF2-40B4-BE49-F238E27FC236}">
+                <a16:creationId xmlns:a16="http://schemas.microsoft.com/office/drawing/2014/main" id="{87CD846B-EE69-6C06-529B-45A94F0751CE}"/>
+              </a:ext>
+            </a:extLst>
+          </p:cNvPr>
+          <p:cNvSpPr txBox="1">
+            <a:spLocks/>
+          </p:cNvSpPr>
+          <p:nvPr/>
+        </p:nvSpPr>
+        <p:spPr>
+          <a:xfrm>
+            <a:off x="7724029" y="5213348"/>
+            <a:ext cx="2618216" cy="1325564"/>
+          </a:xfrm>
+          <a:prstGeom prst="rect">
+            <a:avLst/>
+          </a:prstGeom>
+        </p:spPr>
+        <p:txBody>
+          <a:bodyPr vert="horz" lIns="91440" tIns="45720" rIns="91440" bIns="45720" rtlCol="0">
+            <a:noAutofit/>
+          </a:bodyPr>
+          <a:lstStyle>
+            <a:lvl1pPr marL="228600" indent="-228600" algn="l" defTabSz="914400" rtl="0" eaLnBrk="1" latinLnBrk="0" hangingPunct="1">
+              <a:lnSpc>
+                <a:spcPct val="110000"/>
+              </a:lnSpc>
+              <a:spcBef>
+                <a:spcPts val="1000"/>
+              </a:spcBef>
+              <a:buClr>
+                <a:schemeClr val="accent5"/>
+              </a:buClr>
+              <a:buFont typeface="Avenir Next LT Pro" panose="020B0504020202020204" pitchFamily="34" charset="0"/>
+              <a:buChar char="+"/>
+              <a:defRPr sz="2800" kern="1200">
+                <a:solidFill>
+                  <a:schemeClr val="tx2"/>
+                </a:solidFill>
+                <a:latin typeface="+mn-lt"/>
+                <a:ea typeface="+mn-ea"/>
+                <a:cs typeface="+mn-cs"/>
+              </a:defRPr>
+            </a:lvl1pPr>
+            <a:lvl2pPr marL="685800" indent="-228600" algn="l" defTabSz="914400" rtl="0" eaLnBrk="1" latinLnBrk="0" hangingPunct="1">
+              <a:lnSpc>
+                <a:spcPct val="110000"/>
+              </a:lnSpc>
+              <a:spcBef>
+                <a:spcPts val="500"/>
+              </a:spcBef>
+              <a:buClr>
+                <a:schemeClr val="accent5"/>
+              </a:buClr>
+              <a:buFont typeface="Avenir Next LT Pro" panose="020B0504020202020204" pitchFamily="34" charset="0"/>
+              <a:buChar char="+"/>
+              <a:defRPr sz="2400" kern="1200">
+                <a:solidFill>
+                  <a:schemeClr val="tx2"/>
+                </a:solidFill>
+                <a:latin typeface="+mn-lt"/>
+                <a:ea typeface="+mn-ea"/>
+                <a:cs typeface="+mn-cs"/>
+              </a:defRPr>
+            </a:lvl2pPr>
+            <a:lvl3pPr marL="1143000" indent="-228600" algn="l" defTabSz="914400" rtl="0" eaLnBrk="1" latinLnBrk="0" hangingPunct="1">
+              <a:lnSpc>
+                <a:spcPct val="110000"/>
+              </a:lnSpc>
+              <a:spcBef>
+                <a:spcPts val="500"/>
+              </a:spcBef>
+              <a:buClr>
+                <a:schemeClr val="accent5"/>
+              </a:buClr>
+              <a:buFont typeface="Avenir Next LT Pro" panose="020B0504020202020204" pitchFamily="34" charset="0"/>
+              <a:buChar char="+"/>
+              <a:defRPr sz="2000" kern="1200">
+                <a:solidFill>
+                  <a:schemeClr val="tx2"/>
+                </a:solidFill>
+                <a:latin typeface="+mn-lt"/>
+                <a:ea typeface="+mn-ea"/>
+                <a:cs typeface="+mn-cs"/>
+              </a:defRPr>
+            </a:lvl3pPr>
+            <a:lvl4pPr marL="1600200" indent="-228600" algn="l" defTabSz="914400" rtl="0" eaLnBrk="1" latinLnBrk="0" hangingPunct="1">
+              <a:lnSpc>
+                <a:spcPct val="110000"/>
+              </a:lnSpc>
+              <a:spcBef>
+                <a:spcPts val="500"/>
+              </a:spcBef>
+              <a:buClr>
+                <a:schemeClr val="accent5"/>
+              </a:buClr>
+              <a:buFont typeface="Avenir Next LT Pro" panose="020B0504020202020204" pitchFamily="34" charset="0"/>
+              <a:buChar char="+"/>
+              <a:defRPr sz="1800" kern="1200">
+                <a:solidFill>
+                  <a:schemeClr val="tx2"/>
+                </a:solidFill>
+                <a:latin typeface="+mn-lt"/>
+                <a:ea typeface="+mn-ea"/>
+                <a:cs typeface="+mn-cs"/>
+              </a:defRPr>
+            </a:lvl4pPr>
+            <a:lvl5pPr marL="2057400" indent="-228600" algn="l" defTabSz="914400" rtl="0" eaLnBrk="1" latinLnBrk="0" hangingPunct="1">
+              <a:lnSpc>
+                <a:spcPct val="110000"/>
+              </a:lnSpc>
+              <a:spcBef>
+                <a:spcPts val="500"/>
+              </a:spcBef>
+              <a:buClr>
+                <a:schemeClr val="accent5"/>
+              </a:buClr>
+              <a:buFont typeface="Avenir Next LT Pro" panose="020B0504020202020204" pitchFamily="34" charset="0"/>
+              <a:buChar char="+"/>
+              <a:defRPr sz="1800" kern="1200">
+                <a:solidFill>
+                  <a:schemeClr val="tx2"/>
+                </a:solidFill>
+                <a:latin typeface="+mn-lt"/>
+                <a:ea typeface="+mn-ea"/>
+                <a:cs typeface="+mn-cs"/>
+              </a:defRPr>
+            </a:lvl5pPr>
+            <a:lvl6pPr marL="2514600" indent="-228600" algn="l" defTabSz="914400" rtl="0" eaLnBrk="1" latinLnBrk="0" hangingPunct="1">
+              <a:lnSpc>
+                <a:spcPct val="90000"/>
+              </a:lnSpc>
+              <a:spcBef>
+                <a:spcPts val="500"/>
+              </a:spcBef>
+              <a:buFont typeface="Arial" panose="020B0604020202020204" pitchFamily="34" charset="0"/>
+              <a:buChar char="•"/>
+              <a:defRPr sz="1800" kern="1200">
+                <a:solidFill>
+                  <a:schemeClr val="tx1"/>
+                </a:solidFill>
+                <a:latin typeface="+mn-lt"/>
+                <a:ea typeface="+mn-ea"/>
+                <a:cs typeface="+mn-cs"/>
+              </a:defRPr>
+            </a:lvl6pPr>
+            <a:lvl7pPr marL="2971800" indent="-228600" algn="l" defTabSz="914400" rtl="0" eaLnBrk="1" latinLnBrk="0" hangingPunct="1">
+              <a:lnSpc>
+                <a:spcPct val="90000"/>
+              </a:lnSpc>
+              <a:spcBef>
+                <a:spcPts val="500"/>
+              </a:spcBef>
+              <a:buFont typeface="Arial" panose="020B0604020202020204" pitchFamily="34" charset="0"/>
+              <a:buChar char="•"/>
+              <a:defRPr sz="1800" kern="1200">
+                <a:solidFill>
+                  <a:schemeClr val="tx1"/>
+                </a:solidFill>
+                <a:latin typeface="+mn-lt"/>
+                <a:ea typeface="+mn-ea"/>
+                <a:cs typeface="+mn-cs"/>
+              </a:defRPr>
+            </a:lvl7pPr>
+            <a:lvl8pPr marL="3429000" indent="-228600" algn="l" defTabSz="914400" rtl="0" eaLnBrk="1" latinLnBrk="0" hangingPunct="1">
+              <a:lnSpc>
+                <a:spcPct val="90000"/>
+              </a:lnSpc>
+              <a:spcBef>
+                <a:spcPts val="500"/>
+              </a:spcBef>
+              <a:buFont typeface="Arial" panose="020B0604020202020204" pitchFamily="34" charset="0"/>
+              <a:buChar char="•"/>
+              <a:defRPr sz="1800" kern="1200">
+                <a:solidFill>
+                  <a:schemeClr val="tx1"/>
+                </a:solidFill>
+                <a:latin typeface="+mn-lt"/>
+                <a:ea typeface="+mn-ea"/>
+                <a:cs typeface="+mn-cs"/>
+              </a:defRPr>
+            </a:lvl8pPr>
+            <a:lvl9pPr marL="3886200" indent="-228600" algn="l" defTabSz="914400" rtl="0" eaLnBrk="1" latinLnBrk="0" hangingPunct="1">
+              <a:lnSpc>
+                <a:spcPct val="90000"/>
+              </a:lnSpc>
+              <a:spcBef>
+                <a:spcPts val="500"/>
+              </a:spcBef>
+              <a:buFont typeface="Arial" panose="020B0604020202020204" pitchFamily="34" charset="0"/>
+              <a:buChar char="•"/>
+              <a:defRPr sz="1800" kern="1200">
+                <a:solidFill>
+                  <a:schemeClr val="tx1"/>
+                </a:solidFill>
+                <a:latin typeface="+mn-lt"/>
+                <a:ea typeface="+mn-ea"/>
+                <a:cs typeface="+mn-cs"/>
+              </a:defRPr>
+            </a:lvl9pPr>
+          </a:lstStyle>
+          <a:p>
+            <a:pPr marL="0" indent="0">
+              <a:buNone/>
+            </a:pPr>
+            <a:endParaRPr lang="en-US" sz="1600" dirty="0"/>
+          </a:p>
+        </p:txBody>
+      </p:sp>
+    </p:spTree>
+    <p:extLst>
+      <p:ext uri="{BB962C8B-B14F-4D97-AF65-F5344CB8AC3E}">
+        <p14:creationId xmlns:p14="http://schemas.microsoft.com/office/powerpoint/2010/main" val="3316162421"/>
+      </p:ext>
+    </p:extLst>
+  </p:cSld>
+  <p:clrMapOvr>
+    <a:masterClrMapping/>
+  </p:clrMapOvr>
+</p:sld>
+</file>
+
+<file path=ppt/slides/slide13.xml><?xml version="1.0" encoding="utf-8"?>
+<p:sld xmlns:a="http://schemas.openxmlformats.org/drawingml/2006/main" xmlns:r="http://schemas.openxmlformats.org/officeDocument/2006/relationships" xmlns:p="http://schemas.openxmlformats.org/presentationml/2006/main">
+  <p:cSld>
+    <p:spTree>
+      <p:nvGrpSpPr>
+        <p:cNvPr id="1" name=""/>
+        <p:cNvGrpSpPr/>
+        <p:nvPr/>
+      </p:nvGrpSpPr>
+      <p:grpSpPr>
+        <a:xfrm>
+          <a:off x="0" y="0"/>
+          <a:ext cx="0" cy="0"/>
+          <a:chOff x="0" y="0"/>
+          <a:chExt cx="0" cy="0"/>
+        </a:xfrm>
+      </p:grpSpPr>
+      <p:sp>
+        <p:nvSpPr>
+          <p:cNvPr id="2" name="Title 1">
+            <a:extLst>
+              <a:ext uri="{FF2B5EF4-FFF2-40B4-BE49-F238E27FC236}">
+                <a16:creationId xmlns:a16="http://schemas.microsoft.com/office/drawing/2014/main" id="{5DC85B10-4428-71B3-BD8A-970EA9DC1AB3}"/>
+              </a:ext>
+            </a:extLst>
+          </p:cNvPr>
+          <p:cNvSpPr>
+            <a:spLocks noGrp="1"/>
+          </p:cNvSpPr>
+          <p:nvPr>
+            <p:ph type="title"/>
+          </p:nvPr>
+        </p:nvSpPr>
+        <p:spPr/>
+        <p:txBody>
+          <a:bodyPr/>
+          <a:lstStyle/>
+          <a:p>
+            <a:r>
+              <a:rPr lang="en-US" dirty="0"/>
+              <a:t>Regression tree  – Residual Plot</a:t>
+            </a:r>
+          </a:p>
+        </p:txBody>
+      </p:sp>
+      <p:sp>
+        <p:nvSpPr>
+          <p:cNvPr id="12" name="Slide Number Placeholder 11">
+            <a:extLst>
+              <a:ext uri="{FF2B5EF4-FFF2-40B4-BE49-F238E27FC236}">
+                <a16:creationId xmlns:a16="http://schemas.microsoft.com/office/drawing/2014/main" id="{7E4D38FD-6BC2-DAE5-A5E9-1D70FF300D07}"/>
+              </a:ext>
+            </a:extLst>
+          </p:cNvPr>
+          <p:cNvSpPr>
+            <a:spLocks noGrp="1"/>
+          </p:cNvSpPr>
+          <p:nvPr>
+            <p:ph type="sldNum" sz="quarter" idx="12"/>
+          </p:nvPr>
+        </p:nvSpPr>
+        <p:spPr/>
+        <p:txBody>
+          <a:bodyPr/>
+          <a:lstStyle/>
+          <a:p>
+            <a:fld id="{73B850FF-6169-4056-8077-06FFA93A5366}" type="slidenum">
+              <a:rPr lang="en-US" smtClean="0"/>
+              <a:t>13</a:t>
+            </a:fld>
+            <a:endParaRPr lang="en-US"/>
+          </a:p>
+        </p:txBody>
+      </p:sp>
+      <p:sp>
+        <p:nvSpPr>
+          <p:cNvPr id="17" name="Content Placeholder 4">
+            <a:extLst>
+              <a:ext uri="{FF2B5EF4-FFF2-40B4-BE49-F238E27FC236}">
+                <a16:creationId xmlns:a16="http://schemas.microsoft.com/office/drawing/2014/main" id="{21EE3195-2D93-080E-BFA4-6D2F9B06197A}"/>
+              </a:ext>
+            </a:extLst>
+          </p:cNvPr>
+          <p:cNvSpPr txBox="1">
+            <a:spLocks/>
+          </p:cNvSpPr>
+          <p:nvPr/>
+        </p:nvSpPr>
+        <p:spPr>
+          <a:xfrm>
+            <a:off x="7724029" y="3402039"/>
+            <a:ext cx="2988090" cy="1623238"/>
+          </a:xfrm>
+          <a:prstGeom prst="rect">
+            <a:avLst/>
+          </a:prstGeom>
+        </p:spPr>
+        <p:txBody>
+          <a:bodyPr vert="horz" lIns="91440" tIns="45720" rIns="91440" bIns="45720" rtlCol="0">
+            <a:noAutofit/>
+          </a:bodyPr>
+          <a:lstStyle>
+            <a:lvl1pPr marL="228600" indent="-228600" algn="l" defTabSz="914400" rtl="0" eaLnBrk="1" latinLnBrk="0" hangingPunct="1">
+              <a:lnSpc>
+                <a:spcPct val="110000"/>
+              </a:lnSpc>
+              <a:spcBef>
+                <a:spcPts val="1000"/>
+              </a:spcBef>
+              <a:buClr>
+                <a:schemeClr val="accent5"/>
+              </a:buClr>
+              <a:buFont typeface="Avenir Next LT Pro" panose="020B0504020202020204" pitchFamily="34" charset="0"/>
+              <a:buChar char="+"/>
+              <a:defRPr sz="2800" kern="1200">
+                <a:solidFill>
+                  <a:schemeClr val="tx2"/>
+                </a:solidFill>
+                <a:latin typeface="+mn-lt"/>
+                <a:ea typeface="+mn-ea"/>
+                <a:cs typeface="+mn-cs"/>
+              </a:defRPr>
+            </a:lvl1pPr>
+            <a:lvl2pPr marL="685800" indent="-228600" algn="l" defTabSz="914400" rtl="0" eaLnBrk="1" latinLnBrk="0" hangingPunct="1">
+              <a:lnSpc>
+                <a:spcPct val="110000"/>
+              </a:lnSpc>
+              <a:spcBef>
+                <a:spcPts val="500"/>
+              </a:spcBef>
+              <a:buClr>
+                <a:schemeClr val="accent5"/>
+              </a:buClr>
+              <a:buFont typeface="Avenir Next LT Pro" panose="020B0504020202020204" pitchFamily="34" charset="0"/>
+              <a:buChar char="+"/>
+              <a:defRPr sz="2400" kern="1200">
+                <a:solidFill>
+                  <a:schemeClr val="tx2"/>
+                </a:solidFill>
+                <a:latin typeface="+mn-lt"/>
+                <a:ea typeface="+mn-ea"/>
+                <a:cs typeface="+mn-cs"/>
+              </a:defRPr>
+            </a:lvl2pPr>
+            <a:lvl3pPr marL="1143000" indent="-228600" algn="l" defTabSz="914400" rtl="0" eaLnBrk="1" latinLnBrk="0" hangingPunct="1">
+              <a:lnSpc>
+                <a:spcPct val="110000"/>
+              </a:lnSpc>
+              <a:spcBef>
+                <a:spcPts val="500"/>
+              </a:spcBef>
+              <a:buClr>
+                <a:schemeClr val="accent5"/>
+              </a:buClr>
+              <a:buFont typeface="Avenir Next LT Pro" panose="020B0504020202020204" pitchFamily="34" charset="0"/>
+              <a:buChar char="+"/>
+              <a:defRPr sz="2000" kern="1200">
+                <a:solidFill>
+                  <a:schemeClr val="tx2"/>
+                </a:solidFill>
+                <a:latin typeface="+mn-lt"/>
+                <a:ea typeface="+mn-ea"/>
+                <a:cs typeface="+mn-cs"/>
+              </a:defRPr>
+            </a:lvl3pPr>
+            <a:lvl4pPr marL="1600200" indent="-228600" algn="l" defTabSz="914400" rtl="0" eaLnBrk="1" latinLnBrk="0" hangingPunct="1">
+              <a:lnSpc>
+                <a:spcPct val="110000"/>
+              </a:lnSpc>
+              <a:spcBef>
+                <a:spcPts val="500"/>
+              </a:spcBef>
+              <a:buClr>
+                <a:schemeClr val="accent5"/>
+              </a:buClr>
+              <a:buFont typeface="Avenir Next LT Pro" panose="020B0504020202020204" pitchFamily="34" charset="0"/>
+              <a:buChar char="+"/>
+              <a:defRPr sz="1800" kern="1200">
+                <a:solidFill>
+                  <a:schemeClr val="tx2"/>
+                </a:solidFill>
+                <a:latin typeface="+mn-lt"/>
+                <a:ea typeface="+mn-ea"/>
+                <a:cs typeface="+mn-cs"/>
+              </a:defRPr>
+            </a:lvl4pPr>
+            <a:lvl5pPr marL="2057400" indent="-228600" algn="l" defTabSz="914400" rtl="0" eaLnBrk="1" latinLnBrk="0" hangingPunct="1">
+              <a:lnSpc>
+                <a:spcPct val="110000"/>
+              </a:lnSpc>
+              <a:spcBef>
+                <a:spcPts val="500"/>
+              </a:spcBef>
+              <a:buClr>
+                <a:schemeClr val="accent5"/>
+              </a:buClr>
+              <a:buFont typeface="Avenir Next LT Pro" panose="020B0504020202020204" pitchFamily="34" charset="0"/>
+              <a:buChar char="+"/>
+              <a:defRPr sz="1800" kern="1200">
+                <a:solidFill>
+                  <a:schemeClr val="tx2"/>
+                </a:solidFill>
+                <a:latin typeface="+mn-lt"/>
+                <a:ea typeface="+mn-ea"/>
+                <a:cs typeface="+mn-cs"/>
+              </a:defRPr>
+            </a:lvl5pPr>
+            <a:lvl6pPr marL="2514600" indent="-228600" algn="l" defTabSz="914400" rtl="0" eaLnBrk="1" latinLnBrk="0" hangingPunct="1">
+              <a:lnSpc>
+                <a:spcPct val="90000"/>
+              </a:lnSpc>
+              <a:spcBef>
+                <a:spcPts val="500"/>
+              </a:spcBef>
+              <a:buFont typeface="Arial" panose="020B0604020202020204" pitchFamily="34" charset="0"/>
+              <a:buChar char="•"/>
+              <a:defRPr sz="1800" kern="1200">
+                <a:solidFill>
+                  <a:schemeClr val="tx1"/>
+                </a:solidFill>
+                <a:latin typeface="+mn-lt"/>
+                <a:ea typeface="+mn-ea"/>
+                <a:cs typeface="+mn-cs"/>
+              </a:defRPr>
+            </a:lvl6pPr>
+            <a:lvl7pPr marL="2971800" indent="-228600" algn="l" defTabSz="914400" rtl="0" eaLnBrk="1" latinLnBrk="0" hangingPunct="1">
+              <a:lnSpc>
+                <a:spcPct val="90000"/>
+              </a:lnSpc>
+              <a:spcBef>
+                <a:spcPts val="500"/>
+              </a:spcBef>
+              <a:buFont typeface="Arial" panose="020B0604020202020204" pitchFamily="34" charset="0"/>
+              <a:buChar char="•"/>
+              <a:defRPr sz="1800" kern="1200">
+                <a:solidFill>
+                  <a:schemeClr val="tx1"/>
+                </a:solidFill>
+                <a:latin typeface="+mn-lt"/>
+                <a:ea typeface="+mn-ea"/>
+                <a:cs typeface="+mn-cs"/>
+              </a:defRPr>
+            </a:lvl7pPr>
+            <a:lvl8pPr marL="3429000" indent="-228600" algn="l" defTabSz="914400" rtl="0" eaLnBrk="1" latinLnBrk="0" hangingPunct="1">
+              <a:lnSpc>
+                <a:spcPct val="90000"/>
+              </a:lnSpc>
+              <a:spcBef>
+                <a:spcPts val="500"/>
+              </a:spcBef>
+              <a:buFont typeface="Arial" panose="020B0604020202020204" pitchFamily="34" charset="0"/>
+              <a:buChar char="•"/>
+              <a:defRPr sz="1800" kern="1200">
+                <a:solidFill>
+                  <a:schemeClr val="tx1"/>
+                </a:solidFill>
+                <a:latin typeface="+mn-lt"/>
+                <a:ea typeface="+mn-ea"/>
+                <a:cs typeface="+mn-cs"/>
+              </a:defRPr>
+            </a:lvl8pPr>
+            <a:lvl9pPr marL="3886200" indent="-228600" algn="l" defTabSz="914400" rtl="0" eaLnBrk="1" latinLnBrk="0" hangingPunct="1">
+              <a:lnSpc>
+                <a:spcPct val="90000"/>
+              </a:lnSpc>
+              <a:spcBef>
+                <a:spcPts val="500"/>
+              </a:spcBef>
+              <a:buFont typeface="Arial" panose="020B0604020202020204" pitchFamily="34" charset="0"/>
+              <a:buChar char="•"/>
+              <a:defRPr sz="1800" kern="1200">
+                <a:solidFill>
+                  <a:schemeClr val="tx1"/>
+                </a:solidFill>
+                <a:latin typeface="+mn-lt"/>
+                <a:ea typeface="+mn-ea"/>
+                <a:cs typeface="+mn-cs"/>
+              </a:defRPr>
+            </a:lvl9pPr>
+          </a:lstStyle>
+          <a:p>
+            <a:pPr>
+              <a:buFont typeface="Wingdings" panose="05000000000000000000" pitchFamily="2" charset="2"/>
+              <a:buChar char="§"/>
+            </a:pPr>
+            <a:endParaRPr lang="en-US" sz="2000" dirty="0"/>
+          </a:p>
+        </p:txBody>
+      </p:sp>
+      <p:sp>
+        <p:nvSpPr>
+          <p:cNvPr id="5" name="Content Placeholder 4">
+            <a:extLst>
+              <a:ext uri="{FF2B5EF4-FFF2-40B4-BE49-F238E27FC236}">
+                <a16:creationId xmlns:a16="http://schemas.microsoft.com/office/drawing/2014/main" id="{87CD846B-EE69-6C06-529B-45A94F0751CE}"/>
+              </a:ext>
+            </a:extLst>
+          </p:cNvPr>
+          <p:cNvSpPr txBox="1">
+            <a:spLocks/>
+          </p:cNvSpPr>
+          <p:nvPr/>
+        </p:nvSpPr>
+        <p:spPr>
+          <a:xfrm>
+            <a:off x="7724029" y="5213348"/>
+            <a:ext cx="2618216" cy="1325564"/>
+          </a:xfrm>
+          <a:prstGeom prst="rect">
+            <a:avLst/>
+          </a:prstGeom>
+        </p:spPr>
+        <p:txBody>
+          <a:bodyPr vert="horz" lIns="91440" tIns="45720" rIns="91440" bIns="45720" rtlCol="0">
+            <a:noAutofit/>
+          </a:bodyPr>
+          <a:lstStyle>
+            <a:lvl1pPr marL="228600" indent="-228600" algn="l" defTabSz="914400" rtl="0" eaLnBrk="1" latinLnBrk="0" hangingPunct="1">
+              <a:lnSpc>
+                <a:spcPct val="110000"/>
+              </a:lnSpc>
+              <a:spcBef>
+                <a:spcPts val="1000"/>
+              </a:spcBef>
+              <a:buClr>
+                <a:schemeClr val="accent5"/>
+              </a:buClr>
+              <a:buFont typeface="Avenir Next LT Pro" panose="020B0504020202020204" pitchFamily="34" charset="0"/>
+              <a:buChar char="+"/>
+              <a:defRPr sz="2800" kern="1200">
+                <a:solidFill>
+                  <a:schemeClr val="tx2"/>
+                </a:solidFill>
+                <a:latin typeface="+mn-lt"/>
+                <a:ea typeface="+mn-ea"/>
+                <a:cs typeface="+mn-cs"/>
+              </a:defRPr>
+            </a:lvl1pPr>
+            <a:lvl2pPr marL="685800" indent="-228600" algn="l" defTabSz="914400" rtl="0" eaLnBrk="1" latinLnBrk="0" hangingPunct="1">
+              <a:lnSpc>
+                <a:spcPct val="110000"/>
+              </a:lnSpc>
+              <a:spcBef>
+                <a:spcPts val="500"/>
+              </a:spcBef>
+              <a:buClr>
+                <a:schemeClr val="accent5"/>
+              </a:buClr>
+              <a:buFont typeface="Avenir Next LT Pro" panose="020B0504020202020204" pitchFamily="34" charset="0"/>
+              <a:buChar char="+"/>
+              <a:defRPr sz="2400" kern="1200">
+                <a:solidFill>
+                  <a:schemeClr val="tx2"/>
+                </a:solidFill>
+                <a:latin typeface="+mn-lt"/>
+                <a:ea typeface="+mn-ea"/>
+                <a:cs typeface="+mn-cs"/>
+              </a:defRPr>
+            </a:lvl2pPr>
+            <a:lvl3pPr marL="1143000" indent="-228600" algn="l" defTabSz="914400" rtl="0" eaLnBrk="1" latinLnBrk="0" hangingPunct="1">
+              <a:lnSpc>
+                <a:spcPct val="110000"/>
+              </a:lnSpc>
+              <a:spcBef>
+                <a:spcPts val="500"/>
+              </a:spcBef>
+              <a:buClr>
+                <a:schemeClr val="accent5"/>
+              </a:buClr>
+              <a:buFont typeface="Avenir Next LT Pro" panose="020B0504020202020204" pitchFamily="34" charset="0"/>
+              <a:buChar char="+"/>
+              <a:defRPr sz="2000" kern="1200">
+                <a:solidFill>
+                  <a:schemeClr val="tx2"/>
+                </a:solidFill>
+                <a:latin typeface="+mn-lt"/>
+                <a:ea typeface="+mn-ea"/>
+                <a:cs typeface="+mn-cs"/>
+              </a:defRPr>
+            </a:lvl3pPr>
+            <a:lvl4pPr marL="1600200" indent="-228600" algn="l" defTabSz="914400" rtl="0" eaLnBrk="1" latinLnBrk="0" hangingPunct="1">
+              <a:lnSpc>
+                <a:spcPct val="110000"/>
+              </a:lnSpc>
+              <a:spcBef>
+                <a:spcPts val="500"/>
+              </a:spcBef>
+              <a:buClr>
+                <a:schemeClr val="accent5"/>
+              </a:buClr>
+              <a:buFont typeface="Avenir Next LT Pro" panose="020B0504020202020204" pitchFamily="34" charset="0"/>
+              <a:buChar char="+"/>
+              <a:defRPr sz="1800" kern="1200">
+                <a:solidFill>
+                  <a:schemeClr val="tx2"/>
+                </a:solidFill>
+                <a:latin typeface="+mn-lt"/>
+                <a:ea typeface="+mn-ea"/>
+                <a:cs typeface="+mn-cs"/>
+              </a:defRPr>
+            </a:lvl4pPr>
+            <a:lvl5pPr marL="2057400" indent="-228600" algn="l" defTabSz="914400" rtl="0" eaLnBrk="1" latinLnBrk="0" hangingPunct="1">
+              <a:lnSpc>
+                <a:spcPct val="110000"/>
+              </a:lnSpc>
+              <a:spcBef>
+                <a:spcPts val="500"/>
+              </a:spcBef>
+              <a:buClr>
+                <a:schemeClr val="accent5"/>
+              </a:buClr>
+              <a:buFont typeface="Avenir Next LT Pro" panose="020B0504020202020204" pitchFamily="34" charset="0"/>
+              <a:buChar char="+"/>
+              <a:defRPr sz="1800" kern="1200">
+                <a:solidFill>
+                  <a:schemeClr val="tx2"/>
+                </a:solidFill>
+                <a:latin typeface="+mn-lt"/>
+                <a:ea typeface="+mn-ea"/>
+                <a:cs typeface="+mn-cs"/>
+              </a:defRPr>
+            </a:lvl5pPr>
+            <a:lvl6pPr marL="2514600" indent="-228600" algn="l" defTabSz="914400" rtl="0" eaLnBrk="1" latinLnBrk="0" hangingPunct="1">
+              <a:lnSpc>
+                <a:spcPct val="90000"/>
+              </a:lnSpc>
+              <a:spcBef>
+                <a:spcPts val="500"/>
+              </a:spcBef>
+              <a:buFont typeface="Arial" panose="020B0604020202020204" pitchFamily="34" charset="0"/>
+              <a:buChar char="•"/>
+              <a:defRPr sz="1800" kern="1200">
+                <a:solidFill>
+                  <a:schemeClr val="tx1"/>
+                </a:solidFill>
+                <a:latin typeface="+mn-lt"/>
+                <a:ea typeface="+mn-ea"/>
+                <a:cs typeface="+mn-cs"/>
+              </a:defRPr>
+            </a:lvl6pPr>
+            <a:lvl7pPr marL="2971800" indent="-228600" algn="l" defTabSz="914400" rtl="0" eaLnBrk="1" latinLnBrk="0" hangingPunct="1">
+              <a:lnSpc>
+                <a:spcPct val="90000"/>
+              </a:lnSpc>
+              <a:spcBef>
+                <a:spcPts val="500"/>
+              </a:spcBef>
+              <a:buFont typeface="Arial" panose="020B0604020202020204" pitchFamily="34" charset="0"/>
+              <a:buChar char="•"/>
+              <a:defRPr sz="1800" kern="1200">
+                <a:solidFill>
+                  <a:schemeClr val="tx1"/>
+                </a:solidFill>
+                <a:latin typeface="+mn-lt"/>
+                <a:ea typeface="+mn-ea"/>
+                <a:cs typeface="+mn-cs"/>
+              </a:defRPr>
+            </a:lvl7pPr>
+            <a:lvl8pPr marL="3429000" indent="-228600" algn="l" defTabSz="914400" rtl="0" eaLnBrk="1" latinLnBrk="0" hangingPunct="1">
+              <a:lnSpc>
+                <a:spcPct val="90000"/>
+              </a:lnSpc>
+              <a:spcBef>
+                <a:spcPts val="500"/>
+              </a:spcBef>
+              <a:buFont typeface="Arial" panose="020B0604020202020204" pitchFamily="34" charset="0"/>
+              <a:buChar char="•"/>
+              <a:defRPr sz="1800" kern="1200">
+                <a:solidFill>
+                  <a:schemeClr val="tx1"/>
+                </a:solidFill>
+                <a:latin typeface="+mn-lt"/>
+                <a:ea typeface="+mn-ea"/>
+                <a:cs typeface="+mn-cs"/>
+              </a:defRPr>
+            </a:lvl8pPr>
+            <a:lvl9pPr marL="3886200" indent="-228600" algn="l" defTabSz="914400" rtl="0" eaLnBrk="1" latinLnBrk="0" hangingPunct="1">
+              <a:lnSpc>
+                <a:spcPct val="90000"/>
+              </a:lnSpc>
+              <a:spcBef>
+                <a:spcPts val="500"/>
+              </a:spcBef>
+              <a:buFont typeface="Arial" panose="020B0604020202020204" pitchFamily="34" charset="0"/>
+              <a:buChar char="•"/>
+              <a:defRPr sz="1800" kern="1200">
+                <a:solidFill>
+                  <a:schemeClr val="tx1"/>
+                </a:solidFill>
+                <a:latin typeface="+mn-lt"/>
+                <a:ea typeface="+mn-ea"/>
+                <a:cs typeface="+mn-cs"/>
+              </a:defRPr>
+            </a:lvl9pPr>
+          </a:lstStyle>
+          <a:p>
+            <a:pPr marL="0" indent="0">
+              <a:buNone/>
+            </a:pPr>
+            <a:endParaRPr lang="en-US" sz="1600" dirty="0"/>
+          </a:p>
+        </p:txBody>
+      </p:sp>
+      <p:pic>
+        <p:nvPicPr>
+          <p:cNvPr id="6" name="Picture 5" descr="A graph with blue lines&#10;&#10;Description automatically generated">
+            <a:extLst>
+              <a:ext uri="{FF2B5EF4-FFF2-40B4-BE49-F238E27FC236}">
+                <a16:creationId xmlns:a16="http://schemas.microsoft.com/office/drawing/2014/main" id="{D003953B-4084-E30C-4992-03157D686494}"/>
+              </a:ext>
+            </a:extLst>
+          </p:cNvPr>
+          <p:cNvPicPr>
+            <a:picLocks noChangeAspect="1"/>
+          </p:cNvPicPr>
+          <p:nvPr/>
+        </p:nvPicPr>
+        <p:blipFill>
+          <a:blip r:embed="rId2">
+            <a:extLst>
+              <a:ext uri="{28A0092B-C50C-407E-A947-70E740481C1C}">
+                <a14:useLocalDpi xmlns:a14="http://schemas.microsoft.com/office/drawing/2010/main" val="0"/>
+              </a:ext>
+            </a:extLst>
+          </a:blip>
+          <a:stretch>
+            <a:fillRect/>
+          </a:stretch>
+        </p:blipFill>
+        <p:spPr>
+          <a:xfrm>
+            <a:off x="838200" y="1531497"/>
+            <a:ext cx="8142903" cy="4885742"/>
+          </a:xfrm>
+          <a:prstGeom prst="rect">
+            <a:avLst/>
+          </a:prstGeom>
+        </p:spPr>
+      </p:pic>
+    </p:spTree>
+    <p:extLst>
+      <p:ext uri="{BB962C8B-B14F-4D97-AF65-F5344CB8AC3E}">
+        <p14:creationId xmlns:p14="http://schemas.microsoft.com/office/powerpoint/2010/main" val="1605066593"/>
+      </p:ext>
+    </p:extLst>
+  </p:cSld>
+  <p:clrMapOvr>
+    <a:masterClrMapping/>
+  </p:clrMapOvr>
+</p:sld>
+</file>
+
+<file path=ppt/slides/slide14.xml><?xml version="1.0" encoding="utf-8"?>
+<p:sld xmlns:a="http://schemas.openxmlformats.org/drawingml/2006/main" xmlns:r="http://schemas.openxmlformats.org/officeDocument/2006/relationships" xmlns:p="http://schemas.openxmlformats.org/presentationml/2006/main">
+  <p:cSld>
+    <p:spTree>
+      <p:nvGrpSpPr>
+        <p:cNvPr id="1" name=""/>
+        <p:cNvGrpSpPr/>
+        <p:nvPr/>
+      </p:nvGrpSpPr>
+      <p:grpSpPr>
+        <a:xfrm>
+          <a:off x="0" y="0"/>
+          <a:ext cx="0" cy="0"/>
+          <a:chOff x="0" y="0"/>
+          <a:chExt cx="0" cy="0"/>
+        </a:xfrm>
+      </p:grpSpPr>
+      <p:sp>
+        <p:nvSpPr>
+          <p:cNvPr id="2" name="Title 1">
+            <a:extLst>
+              <a:ext uri="{FF2B5EF4-FFF2-40B4-BE49-F238E27FC236}">
+                <a16:creationId xmlns:a16="http://schemas.microsoft.com/office/drawing/2014/main" id="{97E37F4B-A10F-E16A-A412-33FB1CC3ED7A}"/>
+              </a:ext>
+            </a:extLst>
+          </p:cNvPr>
+          <p:cNvSpPr>
+            <a:spLocks noGrp="1"/>
+          </p:cNvSpPr>
+          <p:nvPr>
+            <p:ph type="title"/>
+          </p:nvPr>
+        </p:nvSpPr>
+        <p:spPr/>
+        <p:txBody>
+          <a:bodyPr/>
+          <a:lstStyle/>
+          <a:p>
+            <a:r>
+              <a:rPr lang="en-US" dirty="0"/>
+              <a:t>Conclusion</a:t>
+            </a:r>
+          </a:p>
+        </p:txBody>
+      </p:sp>
+      <p:sp>
+        <p:nvSpPr>
+          <p:cNvPr id="3" name="Content Placeholder 2">
+            <a:extLst>
+              <a:ext uri="{FF2B5EF4-FFF2-40B4-BE49-F238E27FC236}">
+                <a16:creationId xmlns:a16="http://schemas.microsoft.com/office/drawing/2014/main" id="{063A483D-D6D3-F1BA-69E0-5819CEE06360}"/>
+              </a:ext>
+            </a:extLst>
+          </p:cNvPr>
+          <p:cNvSpPr>
+            <a:spLocks noGrp="1"/>
+          </p:cNvSpPr>
+          <p:nvPr>
+            <p:ph idx="1"/>
+          </p:nvPr>
+        </p:nvSpPr>
+        <p:spPr/>
+        <p:txBody>
+          <a:bodyPr/>
+          <a:lstStyle/>
+          <a:p>
+            <a:endParaRPr lang="en-US" dirty="0"/>
+          </a:p>
+        </p:txBody>
+      </p:sp>
+      <p:sp>
+        <p:nvSpPr>
+          <p:cNvPr id="4" name="Slide Number Placeholder 3">
+            <a:extLst>
+              <a:ext uri="{FF2B5EF4-FFF2-40B4-BE49-F238E27FC236}">
+                <a16:creationId xmlns:a16="http://schemas.microsoft.com/office/drawing/2014/main" id="{53CF2DEB-174F-8EB9-E154-B45F9958BDCC}"/>
+              </a:ext>
+            </a:extLst>
+          </p:cNvPr>
+          <p:cNvSpPr>
+            <a:spLocks noGrp="1"/>
+          </p:cNvSpPr>
+          <p:nvPr>
+            <p:ph type="sldNum" sz="quarter" idx="12"/>
+          </p:nvPr>
+        </p:nvSpPr>
+        <p:spPr/>
+        <p:txBody>
+          <a:bodyPr/>
+          <a:lstStyle/>
+          <a:p>
+            <a:fld id="{73B850FF-6169-4056-8077-06FFA93A5366}" type="slidenum">
+              <a:rPr lang="en-US" smtClean="0"/>
+              <a:t>14</a:t>
+            </a:fld>
+            <a:endParaRPr lang="en-US"/>
+          </a:p>
+        </p:txBody>
+      </p:sp>
+    </p:spTree>
+    <p:extLst>
+      <p:ext uri="{BB962C8B-B14F-4D97-AF65-F5344CB8AC3E}">
+        <p14:creationId xmlns:p14="http://schemas.microsoft.com/office/powerpoint/2010/main" val="2537131252"/>
+      </p:ext>
+    </p:extLst>
+  </p:cSld>
+  <p:clrMapOvr>
+    <a:masterClrMapping/>
+  </p:clrMapOvr>
+</p:sld>
+</file>
+
+<file path=ppt/slides/slide15.xml><?xml version="1.0" encoding="utf-8"?>
+<p:sld xmlns:a="http://schemas.openxmlformats.org/drawingml/2006/main" xmlns:r="http://schemas.openxmlformats.org/officeDocument/2006/relationships" xmlns:p="http://schemas.openxmlformats.org/presentationml/2006/main">
+  <p:cSld>
+    <p:spTree>
+      <p:nvGrpSpPr>
+        <p:cNvPr id="1" name=""/>
+        <p:cNvGrpSpPr/>
+        <p:nvPr/>
+      </p:nvGrpSpPr>
+      <p:grpSpPr>
+        <a:xfrm>
+          <a:off x="0" y="0"/>
+          <a:ext cx="0" cy="0"/>
+          <a:chOff x="0" y="0"/>
+          <a:chExt cx="0" cy="0"/>
+        </a:xfrm>
+      </p:grpSpPr>
+      <p:sp>
+        <p:nvSpPr>
+          <p:cNvPr id="2" name="Title 1">
+            <a:extLst>
+              <a:ext uri="{FF2B5EF4-FFF2-40B4-BE49-F238E27FC236}">
                 <a16:creationId xmlns:a16="http://schemas.microsoft.com/office/drawing/2014/main" id="{8A01A7EE-D5B0-E0C5-0007-F9E4797F8AB8}"/>
               </a:ext>
             </a:extLst>
@@ -12071,7 +15387,7 @@
           <a:p>
             <a:fld id="{73B850FF-6169-4056-8077-06FFA93A5366}" type="slidenum">
               <a:rPr lang="en-US" smtClean="0"/>
-              <a:t>10</a:t>
+              <a:t>15</a:t>
             </a:fld>
             <a:endParaRPr lang="en-US"/>
           </a:p>
@@ -18885,7 +22201,7 @@
           <p:cNvPr id="2" name="Title 1">
             <a:extLst>
               <a:ext uri="{FF2B5EF4-FFF2-40B4-BE49-F238E27FC236}">
-                <a16:creationId xmlns:a16="http://schemas.microsoft.com/office/drawing/2014/main" id="{97E37F4B-A10F-E16A-A412-33FB1CC3ED7A}"/>
+                <a16:creationId xmlns:a16="http://schemas.microsoft.com/office/drawing/2014/main" id="{5DC85B10-4428-71B3-BD8A-970EA9DC1AB3}"/>
               </a:ext>
             </a:extLst>
           </p:cNvPr>
@@ -18903,42 +22219,289 @@
           <a:p>
             <a:r>
               <a:rPr lang="en-US" dirty="0"/>
-              <a:t>Conclusion</a:t>
+              <a:t>Regression tree</a:t>
             </a:r>
           </a:p>
         </p:txBody>
       </p:sp>
       <p:sp>
         <p:nvSpPr>
-          <p:cNvPr id="3" name="Content Placeholder 2">
+          <p:cNvPr id="11" name="Content Placeholder 4">
             <a:extLst>
               <a:ext uri="{FF2B5EF4-FFF2-40B4-BE49-F238E27FC236}">
-                <a16:creationId xmlns:a16="http://schemas.microsoft.com/office/drawing/2014/main" id="{063A483D-D6D3-F1BA-69E0-5819CEE06360}"/>
+                <a16:creationId xmlns:a16="http://schemas.microsoft.com/office/drawing/2014/main" id="{6D8E2F79-D794-7A2A-3D5C-EE859F3B9DC3}"/>
               </a:ext>
             </a:extLst>
           </p:cNvPr>
-          <p:cNvSpPr>
-            <a:spLocks noGrp="1"/>
+          <p:cNvSpPr txBox="1">
+            <a:spLocks/>
           </p:cNvSpPr>
-          <p:nvPr>
-            <p:ph idx="1"/>
-          </p:nvPr>
+          <p:nvPr/>
         </p:nvSpPr>
-        <p:spPr/>
+        <p:spPr>
+          <a:xfrm>
+            <a:off x="7724029" y="1531496"/>
+            <a:ext cx="2870430" cy="1718823"/>
+          </a:xfrm>
+          <a:prstGeom prst="rect">
+            <a:avLst/>
+          </a:prstGeom>
+        </p:spPr>
         <p:txBody>
-          <a:bodyPr/>
-          <a:lstStyle/>
-          <a:p>
-            <a:endParaRPr lang="en-US" dirty="0"/>
+          <a:bodyPr vert="horz" lIns="91440" tIns="45720" rIns="91440" bIns="45720" rtlCol="0">
+            <a:noAutofit/>
+          </a:bodyPr>
+          <a:lstStyle>
+            <a:lvl1pPr marL="228600" indent="-228600" algn="l" defTabSz="914400" rtl="0" eaLnBrk="1" latinLnBrk="0" hangingPunct="1">
+              <a:lnSpc>
+                <a:spcPct val="110000"/>
+              </a:lnSpc>
+              <a:spcBef>
+                <a:spcPts val="1000"/>
+              </a:spcBef>
+              <a:buClr>
+                <a:schemeClr val="accent5"/>
+              </a:buClr>
+              <a:buFont typeface="Avenir Next LT Pro" panose="020B0504020202020204" pitchFamily="34" charset="0"/>
+              <a:buChar char="+"/>
+              <a:defRPr sz="2800" kern="1200">
+                <a:solidFill>
+                  <a:schemeClr val="tx2"/>
+                </a:solidFill>
+                <a:latin typeface="+mn-lt"/>
+                <a:ea typeface="+mn-ea"/>
+                <a:cs typeface="+mn-cs"/>
+              </a:defRPr>
+            </a:lvl1pPr>
+            <a:lvl2pPr marL="685800" indent="-228600" algn="l" defTabSz="914400" rtl="0" eaLnBrk="1" latinLnBrk="0" hangingPunct="1">
+              <a:lnSpc>
+                <a:spcPct val="110000"/>
+              </a:lnSpc>
+              <a:spcBef>
+                <a:spcPts val="500"/>
+              </a:spcBef>
+              <a:buClr>
+                <a:schemeClr val="accent5"/>
+              </a:buClr>
+              <a:buFont typeface="Avenir Next LT Pro" panose="020B0504020202020204" pitchFamily="34" charset="0"/>
+              <a:buChar char="+"/>
+              <a:defRPr sz="2400" kern="1200">
+                <a:solidFill>
+                  <a:schemeClr val="tx2"/>
+                </a:solidFill>
+                <a:latin typeface="+mn-lt"/>
+                <a:ea typeface="+mn-ea"/>
+                <a:cs typeface="+mn-cs"/>
+              </a:defRPr>
+            </a:lvl2pPr>
+            <a:lvl3pPr marL="1143000" indent="-228600" algn="l" defTabSz="914400" rtl="0" eaLnBrk="1" latinLnBrk="0" hangingPunct="1">
+              <a:lnSpc>
+                <a:spcPct val="110000"/>
+              </a:lnSpc>
+              <a:spcBef>
+                <a:spcPts val="500"/>
+              </a:spcBef>
+              <a:buClr>
+                <a:schemeClr val="accent5"/>
+              </a:buClr>
+              <a:buFont typeface="Avenir Next LT Pro" panose="020B0504020202020204" pitchFamily="34" charset="0"/>
+              <a:buChar char="+"/>
+              <a:defRPr sz="2000" kern="1200">
+                <a:solidFill>
+                  <a:schemeClr val="tx2"/>
+                </a:solidFill>
+                <a:latin typeface="+mn-lt"/>
+                <a:ea typeface="+mn-ea"/>
+                <a:cs typeface="+mn-cs"/>
+              </a:defRPr>
+            </a:lvl3pPr>
+            <a:lvl4pPr marL="1600200" indent="-228600" algn="l" defTabSz="914400" rtl="0" eaLnBrk="1" latinLnBrk="0" hangingPunct="1">
+              <a:lnSpc>
+                <a:spcPct val="110000"/>
+              </a:lnSpc>
+              <a:spcBef>
+                <a:spcPts val="500"/>
+              </a:spcBef>
+              <a:buClr>
+                <a:schemeClr val="accent5"/>
+              </a:buClr>
+              <a:buFont typeface="Avenir Next LT Pro" panose="020B0504020202020204" pitchFamily="34" charset="0"/>
+              <a:buChar char="+"/>
+              <a:defRPr sz="1800" kern="1200">
+                <a:solidFill>
+                  <a:schemeClr val="tx2"/>
+                </a:solidFill>
+                <a:latin typeface="+mn-lt"/>
+                <a:ea typeface="+mn-ea"/>
+                <a:cs typeface="+mn-cs"/>
+              </a:defRPr>
+            </a:lvl4pPr>
+            <a:lvl5pPr marL="2057400" indent="-228600" algn="l" defTabSz="914400" rtl="0" eaLnBrk="1" latinLnBrk="0" hangingPunct="1">
+              <a:lnSpc>
+                <a:spcPct val="110000"/>
+              </a:lnSpc>
+              <a:spcBef>
+                <a:spcPts val="500"/>
+              </a:spcBef>
+              <a:buClr>
+                <a:schemeClr val="accent5"/>
+              </a:buClr>
+              <a:buFont typeface="Avenir Next LT Pro" panose="020B0504020202020204" pitchFamily="34" charset="0"/>
+              <a:buChar char="+"/>
+              <a:defRPr sz="1800" kern="1200">
+                <a:solidFill>
+                  <a:schemeClr val="tx2"/>
+                </a:solidFill>
+                <a:latin typeface="+mn-lt"/>
+                <a:ea typeface="+mn-ea"/>
+                <a:cs typeface="+mn-cs"/>
+              </a:defRPr>
+            </a:lvl5pPr>
+            <a:lvl6pPr marL="2514600" indent="-228600" algn="l" defTabSz="914400" rtl="0" eaLnBrk="1" latinLnBrk="0" hangingPunct="1">
+              <a:lnSpc>
+                <a:spcPct val="90000"/>
+              </a:lnSpc>
+              <a:spcBef>
+                <a:spcPts val="500"/>
+              </a:spcBef>
+              <a:buFont typeface="Arial" panose="020B0604020202020204" pitchFamily="34" charset="0"/>
+              <a:buChar char="•"/>
+              <a:defRPr sz="1800" kern="1200">
+                <a:solidFill>
+                  <a:schemeClr val="tx1"/>
+                </a:solidFill>
+                <a:latin typeface="+mn-lt"/>
+                <a:ea typeface="+mn-ea"/>
+                <a:cs typeface="+mn-cs"/>
+              </a:defRPr>
+            </a:lvl6pPr>
+            <a:lvl7pPr marL="2971800" indent="-228600" algn="l" defTabSz="914400" rtl="0" eaLnBrk="1" latinLnBrk="0" hangingPunct="1">
+              <a:lnSpc>
+                <a:spcPct val="90000"/>
+              </a:lnSpc>
+              <a:spcBef>
+                <a:spcPts val="500"/>
+              </a:spcBef>
+              <a:buFont typeface="Arial" panose="020B0604020202020204" pitchFamily="34" charset="0"/>
+              <a:buChar char="•"/>
+              <a:defRPr sz="1800" kern="1200">
+                <a:solidFill>
+                  <a:schemeClr val="tx1"/>
+                </a:solidFill>
+                <a:latin typeface="+mn-lt"/>
+                <a:ea typeface="+mn-ea"/>
+                <a:cs typeface="+mn-cs"/>
+              </a:defRPr>
+            </a:lvl7pPr>
+            <a:lvl8pPr marL="3429000" indent="-228600" algn="l" defTabSz="914400" rtl="0" eaLnBrk="1" latinLnBrk="0" hangingPunct="1">
+              <a:lnSpc>
+                <a:spcPct val="90000"/>
+              </a:lnSpc>
+              <a:spcBef>
+                <a:spcPts val="500"/>
+              </a:spcBef>
+              <a:buFont typeface="Arial" panose="020B0604020202020204" pitchFamily="34" charset="0"/>
+              <a:buChar char="•"/>
+              <a:defRPr sz="1800" kern="1200">
+                <a:solidFill>
+                  <a:schemeClr val="tx1"/>
+                </a:solidFill>
+                <a:latin typeface="+mn-lt"/>
+                <a:ea typeface="+mn-ea"/>
+                <a:cs typeface="+mn-cs"/>
+              </a:defRPr>
+            </a:lvl8pPr>
+            <a:lvl9pPr marL="3886200" indent="-228600" algn="l" defTabSz="914400" rtl="0" eaLnBrk="1" latinLnBrk="0" hangingPunct="1">
+              <a:lnSpc>
+                <a:spcPct val="90000"/>
+              </a:lnSpc>
+              <a:spcBef>
+                <a:spcPts val="500"/>
+              </a:spcBef>
+              <a:buFont typeface="Arial" panose="020B0604020202020204" pitchFamily="34" charset="0"/>
+              <a:buChar char="•"/>
+              <a:defRPr sz="1800" kern="1200">
+                <a:solidFill>
+                  <a:schemeClr val="tx1"/>
+                </a:solidFill>
+                <a:latin typeface="+mn-lt"/>
+                <a:ea typeface="+mn-ea"/>
+                <a:cs typeface="+mn-cs"/>
+              </a:defRPr>
+            </a:lvl9pPr>
+          </a:lstStyle>
+          <a:p>
+            <a:pPr marL="0" indent="0">
+              <a:buNone/>
+            </a:pPr>
+            <a:r>
+              <a:rPr lang="en-US" sz="1600" b="1" dirty="0"/>
+              <a:t>Model Evaluation:</a:t>
+            </a:r>
+          </a:p>
+          <a:p>
+            <a:pPr lvl="1">
+              <a:buFont typeface="Wingdings" panose="05000000000000000000" pitchFamily="2" charset="2"/>
+              <a:buChar char="Ø"/>
+            </a:pPr>
+            <a:r>
+              <a:rPr lang="en-US" sz="1600" dirty="0"/>
+              <a:t>MSE: 2633.92</a:t>
+            </a:r>
+          </a:p>
+          <a:p>
+            <a:pPr lvl="1">
+              <a:buFont typeface="Wingdings" panose="05000000000000000000" pitchFamily="2" charset="2"/>
+              <a:buChar char="Ø"/>
+            </a:pPr>
+            <a:r>
+              <a:rPr lang="en-US" sz="1600" dirty="0"/>
+              <a:t>RMSE: 51.32</a:t>
+            </a:r>
+          </a:p>
+          <a:p>
+            <a:pPr lvl="1">
+              <a:buFont typeface="Wingdings" panose="05000000000000000000" pitchFamily="2" charset="2"/>
+              <a:buChar char="Ø"/>
+            </a:pPr>
+            <a:r>
+              <a:rPr lang="en-US" sz="1600" dirty="0"/>
+              <a:t>R2 Score: 0.906</a:t>
+            </a:r>
+          </a:p>
+          <a:p>
+            <a:pPr lvl="1">
+              <a:buFont typeface="Wingdings" panose="05000000000000000000" pitchFamily="2" charset="2"/>
+              <a:buChar char="Ø"/>
+            </a:pPr>
+            <a:r>
+              <a:rPr lang="en-US" sz="1600" dirty="0"/>
+              <a:t>std deviation: 160.01</a:t>
+            </a:r>
+            <a:endParaRPr lang="en-US" sz="2000" dirty="0"/>
+          </a:p>
+          <a:p>
+            <a:pPr>
+              <a:buFont typeface="Wingdings" panose="05000000000000000000" pitchFamily="2" charset="2"/>
+              <a:buChar char="§"/>
+            </a:pPr>
+            <a:endParaRPr lang="en-US" sz="2000" dirty="0"/>
+          </a:p>
+          <a:p>
+            <a:pPr>
+              <a:buFont typeface="Wingdings" panose="05000000000000000000" pitchFamily="2" charset="2"/>
+              <a:buChar char="§"/>
+            </a:pPr>
+            <a:endParaRPr lang="en-US" sz="2000" dirty="0"/>
           </a:p>
         </p:txBody>
       </p:sp>
       <p:sp>
         <p:nvSpPr>
-          <p:cNvPr id="4" name="Slide Number Placeholder 3">
+          <p:cNvPr id="12" name="Slide Number Placeholder 11">
             <a:extLst>
               <a:ext uri="{FF2B5EF4-FFF2-40B4-BE49-F238E27FC236}">
-                <a16:creationId xmlns:a16="http://schemas.microsoft.com/office/drawing/2014/main" id="{53CF2DEB-174F-8EB9-E154-B45F9958BDCC}"/>
+                <a16:creationId xmlns:a16="http://schemas.microsoft.com/office/drawing/2014/main" id="{7E4D38FD-6BC2-DAE5-A5E9-1D70FF300D07}"/>
               </a:ext>
             </a:extLst>
           </p:cNvPr>
@@ -18962,10 +22525,475 @@
           </a:p>
         </p:txBody>
       </p:sp>
+      <p:sp>
+        <p:nvSpPr>
+          <p:cNvPr id="17" name="Content Placeholder 4">
+            <a:extLst>
+              <a:ext uri="{FF2B5EF4-FFF2-40B4-BE49-F238E27FC236}">
+                <a16:creationId xmlns:a16="http://schemas.microsoft.com/office/drawing/2014/main" id="{21EE3195-2D93-080E-BFA4-6D2F9B06197A}"/>
+              </a:ext>
+            </a:extLst>
+          </p:cNvPr>
+          <p:cNvSpPr txBox="1">
+            <a:spLocks/>
+          </p:cNvSpPr>
+          <p:nvPr/>
+        </p:nvSpPr>
+        <p:spPr>
+          <a:xfrm>
+            <a:off x="7724029" y="3402039"/>
+            <a:ext cx="2988090" cy="1623238"/>
+          </a:xfrm>
+          <a:prstGeom prst="rect">
+            <a:avLst/>
+          </a:prstGeom>
+        </p:spPr>
+        <p:txBody>
+          <a:bodyPr vert="horz" lIns="91440" tIns="45720" rIns="91440" bIns="45720" rtlCol="0">
+            <a:noAutofit/>
+          </a:bodyPr>
+          <a:lstStyle>
+            <a:lvl1pPr marL="228600" indent="-228600" algn="l" defTabSz="914400" rtl="0" eaLnBrk="1" latinLnBrk="0" hangingPunct="1">
+              <a:lnSpc>
+                <a:spcPct val="110000"/>
+              </a:lnSpc>
+              <a:spcBef>
+                <a:spcPts val="1000"/>
+              </a:spcBef>
+              <a:buClr>
+                <a:schemeClr val="accent5"/>
+              </a:buClr>
+              <a:buFont typeface="Avenir Next LT Pro" panose="020B0504020202020204" pitchFamily="34" charset="0"/>
+              <a:buChar char="+"/>
+              <a:defRPr sz="2800" kern="1200">
+                <a:solidFill>
+                  <a:schemeClr val="tx2"/>
+                </a:solidFill>
+                <a:latin typeface="+mn-lt"/>
+                <a:ea typeface="+mn-ea"/>
+                <a:cs typeface="+mn-cs"/>
+              </a:defRPr>
+            </a:lvl1pPr>
+            <a:lvl2pPr marL="685800" indent="-228600" algn="l" defTabSz="914400" rtl="0" eaLnBrk="1" latinLnBrk="0" hangingPunct="1">
+              <a:lnSpc>
+                <a:spcPct val="110000"/>
+              </a:lnSpc>
+              <a:spcBef>
+                <a:spcPts val="500"/>
+              </a:spcBef>
+              <a:buClr>
+                <a:schemeClr val="accent5"/>
+              </a:buClr>
+              <a:buFont typeface="Avenir Next LT Pro" panose="020B0504020202020204" pitchFamily="34" charset="0"/>
+              <a:buChar char="+"/>
+              <a:defRPr sz="2400" kern="1200">
+                <a:solidFill>
+                  <a:schemeClr val="tx2"/>
+                </a:solidFill>
+                <a:latin typeface="+mn-lt"/>
+                <a:ea typeface="+mn-ea"/>
+                <a:cs typeface="+mn-cs"/>
+              </a:defRPr>
+            </a:lvl2pPr>
+            <a:lvl3pPr marL="1143000" indent="-228600" algn="l" defTabSz="914400" rtl="0" eaLnBrk="1" latinLnBrk="0" hangingPunct="1">
+              <a:lnSpc>
+                <a:spcPct val="110000"/>
+              </a:lnSpc>
+              <a:spcBef>
+                <a:spcPts val="500"/>
+              </a:spcBef>
+              <a:buClr>
+                <a:schemeClr val="accent5"/>
+              </a:buClr>
+              <a:buFont typeface="Avenir Next LT Pro" panose="020B0504020202020204" pitchFamily="34" charset="0"/>
+              <a:buChar char="+"/>
+              <a:defRPr sz="2000" kern="1200">
+                <a:solidFill>
+                  <a:schemeClr val="tx2"/>
+                </a:solidFill>
+                <a:latin typeface="+mn-lt"/>
+                <a:ea typeface="+mn-ea"/>
+                <a:cs typeface="+mn-cs"/>
+              </a:defRPr>
+            </a:lvl3pPr>
+            <a:lvl4pPr marL="1600200" indent="-228600" algn="l" defTabSz="914400" rtl="0" eaLnBrk="1" latinLnBrk="0" hangingPunct="1">
+              <a:lnSpc>
+                <a:spcPct val="110000"/>
+              </a:lnSpc>
+              <a:spcBef>
+                <a:spcPts val="500"/>
+              </a:spcBef>
+              <a:buClr>
+                <a:schemeClr val="accent5"/>
+              </a:buClr>
+              <a:buFont typeface="Avenir Next LT Pro" panose="020B0504020202020204" pitchFamily="34" charset="0"/>
+              <a:buChar char="+"/>
+              <a:defRPr sz="1800" kern="1200">
+                <a:solidFill>
+                  <a:schemeClr val="tx2"/>
+                </a:solidFill>
+                <a:latin typeface="+mn-lt"/>
+                <a:ea typeface="+mn-ea"/>
+                <a:cs typeface="+mn-cs"/>
+              </a:defRPr>
+            </a:lvl4pPr>
+            <a:lvl5pPr marL="2057400" indent="-228600" algn="l" defTabSz="914400" rtl="0" eaLnBrk="1" latinLnBrk="0" hangingPunct="1">
+              <a:lnSpc>
+                <a:spcPct val="110000"/>
+              </a:lnSpc>
+              <a:spcBef>
+                <a:spcPts val="500"/>
+              </a:spcBef>
+              <a:buClr>
+                <a:schemeClr val="accent5"/>
+              </a:buClr>
+              <a:buFont typeface="Avenir Next LT Pro" panose="020B0504020202020204" pitchFamily="34" charset="0"/>
+              <a:buChar char="+"/>
+              <a:defRPr sz="1800" kern="1200">
+                <a:solidFill>
+                  <a:schemeClr val="tx2"/>
+                </a:solidFill>
+                <a:latin typeface="+mn-lt"/>
+                <a:ea typeface="+mn-ea"/>
+                <a:cs typeface="+mn-cs"/>
+              </a:defRPr>
+            </a:lvl5pPr>
+            <a:lvl6pPr marL="2514600" indent="-228600" algn="l" defTabSz="914400" rtl="0" eaLnBrk="1" latinLnBrk="0" hangingPunct="1">
+              <a:lnSpc>
+                <a:spcPct val="90000"/>
+              </a:lnSpc>
+              <a:spcBef>
+                <a:spcPts val="500"/>
+              </a:spcBef>
+              <a:buFont typeface="Arial" panose="020B0604020202020204" pitchFamily="34" charset="0"/>
+              <a:buChar char="•"/>
+              <a:defRPr sz="1800" kern="1200">
+                <a:solidFill>
+                  <a:schemeClr val="tx1"/>
+                </a:solidFill>
+                <a:latin typeface="+mn-lt"/>
+                <a:ea typeface="+mn-ea"/>
+                <a:cs typeface="+mn-cs"/>
+              </a:defRPr>
+            </a:lvl6pPr>
+            <a:lvl7pPr marL="2971800" indent="-228600" algn="l" defTabSz="914400" rtl="0" eaLnBrk="1" latinLnBrk="0" hangingPunct="1">
+              <a:lnSpc>
+                <a:spcPct val="90000"/>
+              </a:lnSpc>
+              <a:spcBef>
+                <a:spcPts val="500"/>
+              </a:spcBef>
+              <a:buFont typeface="Arial" panose="020B0604020202020204" pitchFamily="34" charset="0"/>
+              <a:buChar char="•"/>
+              <a:defRPr sz="1800" kern="1200">
+                <a:solidFill>
+                  <a:schemeClr val="tx1"/>
+                </a:solidFill>
+                <a:latin typeface="+mn-lt"/>
+                <a:ea typeface="+mn-ea"/>
+                <a:cs typeface="+mn-cs"/>
+              </a:defRPr>
+            </a:lvl7pPr>
+            <a:lvl8pPr marL="3429000" indent="-228600" algn="l" defTabSz="914400" rtl="0" eaLnBrk="1" latinLnBrk="0" hangingPunct="1">
+              <a:lnSpc>
+                <a:spcPct val="90000"/>
+              </a:lnSpc>
+              <a:spcBef>
+                <a:spcPts val="500"/>
+              </a:spcBef>
+              <a:buFont typeface="Arial" panose="020B0604020202020204" pitchFamily="34" charset="0"/>
+              <a:buChar char="•"/>
+              <a:defRPr sz="1800" kern="1200">
+                <a:solidFill>
+                  <a:schemeClr val="tx1"/>
+                </a:solidFill>
+                <a:latin typeface="+mn-lt"/>
+                <a:ea typeface="+mn-ea"/>
+                <a:cs typeface="+mn-cs"/>
+              </a:defRPr>
+            </a:lvl8pPr>
+            <a:lvl9pPr marL="3886200" indent="-228600" algn="l" defTabSz="914400" rtl="0" eaLnBrk="1" latinLnBrk="0" hangingPunct="1">
+              <a:lnSpc>
+                <a:spcPct val="90000"/>
+              </a:lnSpc>
+              <a:spcBef>
+                <a:spcPts val="500"/>
+              </a:spcBef>
+              <a:buFont typeface="Arial" panose="020B0604020202020204" pitchFamily="34" charset="0"/>
+              <a:buChar char="•"/>
+              <a:defRPr sz="1800" kern="1200">
+                <a:solidFill>
+                  <a:schemeClr val="tx1"/>
+                </a:solidFill>
+                <a:latin typeface="+mn-lt"/>
+                <a:ea typeface="+mn-ea"/>
+                <a:cs typeface="+mn-cs"/>
+              </a:defRPr>
+            </a:lvl9pPr>
+          </a:lstStyle>
+          <a:p>
+            <a:pPr>
+              <a:buFont typeface="Wingdings" panose="05000000000000000000" pitchFamily="2" charset="2"/>
+              <a:buChar char="§"/>
+            </a:pPr>
+            <a:endParaRPr lang="en-US" sz="2000" dirty="0"/>
+          </a:p>
+        </p:txBody>
+      </p:sp>
+      <p:sp>
+        <p:nvSpPr>
+          <p:cNvPr id="5" name="Content Placeholder 4">
+            <a:extLst>
+              <a:ext uri="{FF2B5EF4-FFF2-40B4-BE49-F238E27FC236}">
+                <a16:creationId xmlns:a16="http://schemas.microsoft.com/office/drawing/2014/main" id="{87CD846B-EE69-6C06-529B-45A94F0751CE}"/>
+              </a:ext>
+            </a:extLst>
+          </p:cNvPr>
+          <p:cNvSpPr txBox="1">
+            <a:spLocks/>
+          </p:cNvSpPr>
+          <p:nvPr/>
+        </p:nvSpPr>
+        <p:spPr>
+          <a:xfrm>
+            <a:off x="7724029" y="5213348"/>
+            <a:ext cx="2618216" cy="1325564"/>
+          </a:xfrm>
+          <a:prstGeom prst="rect">
+            <a:avLst/>
+          </a:prstGeom>
+        </p:spPr>
+        <p:txBody>
+          <a:bodyPr vert="horz" lIns="91440" tIns="45720" rIns="91440" bIns="45720" rtlCol="0">
+            <a:noAutofit/>
+          </a:bodyPr>
+          <a:lstStyle>
+            <a:lvl1pPr marL="228600" indent="-228600" algn="l" defTabSz="914400" rtl="0" eaLnBrk="1" latinLnBrk="0" hangingPunct="1">
+              <a:lnSpc>
+                <a:spcPct val="110000"/>
+              </a:lnSpc>
+              <a:spcBef>
+                <a:spcPts val="1000"/>
+              </a:spcBef>
+              <a:buClr>
+                <a:schemeClr val="accent5"/>
+              </a:buClr>
+              <a:buFont typeface="Avenir Next LT Pro" panose="020B0504020202020204" pitchFamily="34" charset="0"/>
+              <a:buChar char="+"/>
+              <a:defRPr sz="2800" kern="1200">
+                <a:solidFill>
+                  <a:schemeClr val="tx2"/>
+                </a:solidFill>
+                <a:latin typeface="+mn-lt"/>
+                <a:ea typeface="+mn-ea"/>
+                <a:cs typeface="+mn-cs"/>
+              </a:defRPr>
+            </a:lvl1pPr>
+            <a:lvl2pPr marL="685800" indent="-228600" algn="l" defTabSz="914400" rtl="0" eaLnBrk="1" latinLnBrk="0" hangingPunct="1">
+              <a:lnSpc>
+                <a:spcPct val="110000"/>
+              </a:lnSpc>
+              <a:spcBef>
+                <a:spcPts val="500"/>
+              </a:spcBef>
+              <a:buClr>
+                <a:schemeClr val="accent5"/>
+              </a:buClr>
+              <a:buFont typeface="Avenir Next LT Pro" panose="020B0504020202020204" pitchFamily="34" charset="0"/>
+              <a:buChar char="+"/>
+              <a:defRPr sz="2400" kern="1200">
+                <a:solidFill>
+                  <a:schemeClr val="tx2"/>
+                </a:solidFill>
+                <a:latin typeface="+mn-lt"/>
+                <a:ea typeface="+mn-ea"/>
+                <a:cs typeface="+mn-cs"/>
+              </a:defRPr>
+            </a:lvl2pPr>
+            <a:lvl3pPr marL="1143000" indent="-228600" algn="l" defTabSz="914400" rtl="0" eaLnBrk="1" latinLnBrk="0" hangingPunct="1">
+              <a:lnSpc>
+                <a:spcPct val="110000"/>
+              </a:lnSpc>
+              <a:spcBef>
+                <a:spcPts val="500"/>
+              </a:spcBef>
+              <a:buClr>
+                <a:schemeClr val="accent5"/>
+              </a:buClr>
+              <a:buFont typeface="Avenir Next LT Pro" panose="020B0504020202020204" pitchFamily="34" charset="0"/>
+              <a:buChar char="+"/>
+              <a:defRPr sz="2000" kern="1200">
+                <a:solidFill>
+                  <a:schemeClr val="tx2"/>
+                </a:solidFill>
+                <a:latin typeface="+mn-lt"/>
+                <a:ea typeface="+mn-ea"/>
+                <a:cs typeface="+mn-cs"/>
+              </a:defRPr>
+            </a:lvl3pPr>
+            <a:lvl4pPr marL="1600200" indent="-228600" algn="l" defTabSz="914400" rtl="0" eaLnBrk="1" latinLnBrk="0" hangingPunct="1">
+              <a:lnSpc>
+                <a:spcPct val="110000"/>
+              </a:lnSpc>
+              <a:spcBef>
+                <a:spcPts val="500"/>
+              </a:spcBef>
+              <a:buClr>
+                <a:schemeClr val="accent5"/>
+              </a:buClr>
+              <a:buFont typeface="Avenir Next LT Pro" panose="020B0504020202020204" pitchFamily="34" charset="0"/>
+              <a:buChar char="+"/>
+              <a:defRPr sz="1800" kern="1200">
+                <a:solidFill>
+                  <a:schemeClr val="tx2"/>
+                </a:solidFill>
+                <a:latin typeface="+mn-lt"/>
+                <a:ea typeface="+mn-ea"/>
+                <a:cs typeface="+mn-cs"/>
+              </a:defRPr>
+            </a:lvl4pPr>
+            <a:lvl5pPr marL="2057400" indent="-228600" algn="l" defTabSz="914400" rtl="0" eaLnBrk="1" latinLnBrk="0" hangingPunct="1">
+              <a:lnSpc>
+                <a:spcPct val="110000"/>
+              </a:lnSpc>
+              <a:spcBef>
+                <a:spcPts val="500"/>
+              </a:spcBef>
+              <a:buClr>
+                <a:schemeClr val="accent5"/>
+              </a:buClr>
+              <a:buFont typeface="Avenir Next LT Pro" panose="020B0504020202020204" pitchFamily="34" charset="0"/>
+              <a:buChar char="+"/>
+              <a:defRPr sz="1800" kern="1200">
+                <a:solidFill>
+                  <a:schemeClr val="tx2"/>
+                </a:solidFill>
+                <a:latin typeface="+mn-lt"/>
+                <a:ea typeface="+mn-ea"/>
+                <a:cs typeface="+mn-cs"/>
+              </a:defRPr>
+            </a:lvl5pPr>
+            <a:lvl6pPr marL="2514600" indent="-228600" algn="l" defTabSz="914400" rtl="0" eaLnBrk="1" latinLnBrk="0" hangingPunct="1">
+              <a:lnSpc>
+                <a:spcPct val="90000"/>
+              </a:lnSpc>
+              <a:spcBef>
+                <a:spcPts val="500"/>
+              </a:spcBef>
+              <a:buFont typeface="Arial" panose="020B0604020202020204" pitchFamily="34" charset="0"/>
+              <a:buChar char="•"/>
+              <a:defRPr sz="1800" kern="1200">
+                <a:solidFill>
+                  <a:schemeClr val="tx1"/>
+                </a:solidFill>
+                <a:latin typeface="+mn-lt"/>
+                <a:ea typeface="+mn-ea"/>
+                <a:cs typeface="+mn-cs"/>
+              </a:defRPr>
+            </a:lvl6pPr>
+            <a:lvl7pPr marL="2971800" indent="-228600" algn="l" defTabSz="914400" rtl="0" eaLnBrk="1" latinLnBrk="0" hangingPunct="1">
+              <a:lnSpc>
+                <a:spcPct val="90000"/>
+              </a:lnSpc>
+              <a:spcBef>
+                <a:spcPts val="500"/>
+              </a:spcBef>
+              <a:buFont typeface="Arial" panose="020B0604020202020204" pitchFamily="34" charset="0"/>
+              <a:buChar char="•"/>
+              <a:defRPr sz="1800" kern="1200">
+                <a:solidFill>
+                  <a:schemeClr val="tx1"/>
+                </a:solidFill>
+                <a:latin typeface="+mn-lt"/>
+                <a:ea typeface="+mn-ea"/>
+                <a:cs typeface="+mn-cs"/>
+              </a:defRPr>
+            </a:lvl7pPr>
+            <a:lvl8pPr marL="3429000" indent="-228600" algn="l" defTabSz="914400" rtl="0" eaLnBrk="1" latinLnBrk="0" hangingPunct="1">
+              <a:lnSpc>
+                <a:spcPct val="90000"/>
+              </a:lnSpc>
+              <a:spcBef>
+                <a:spcPts val="500"/>
+              </a:spcBef>
+              <a:buFont typeface="Arial" panose="020B0604020202020204" pitchFamily="34" charset="0"/>
+              <a:buChar char="•"/>
+              <a:defRPr sz="1800" kern="1200">
+                <a:solidFill>
+                  <a:schemeClr val="tx1"/>
+                </a:solidFill>
+                <a:latin typeface="+mn-lt"/>
+                <a:ea typeface="+mn-ea"/>
+                <a:cs typeface="+mn-cs"/>
+              </a:defRPr>
+            </a:lvl8pPr>
+            <a:lvl9pPr marL="3886200" indent="-228600" algn="l" defTabSz="914400" rtl="0" eaLnBrk="1" latinLnBrk="0" hangingPunct="1">
+              <a:lnSpc>
+                <a:spcPct val="90000"/>
+              </a:lnSpc>
+              <a:spcBef>
+                <a:spcPts val="500"/>
+              </a:spcBef>
+              <a:buFont typeface="Arial" panose="020B0604020202020204" pitchFamily="34" charset="0"/>
+              <a:buChar char="•"/>
+              <a:defRPr sz="1800" kern="1200">
+                <a:solidFill>
+                  <a:schemeClr val="tx1"/>
+                </a:solidFill>
+                <a:latin typeface="+mn-lt"/>
+                <a:ea typeface="+mn-ea"/>
+                <a:cs typeface="+mn-cs"/>
+              </a:defRPr>
+            </a:lvl9pPr>
+          </a:lstStyle>
+          <a:p>
+            <a:pPr marL="0" indent="0">
+              <a:buNone/>
+            </a:pPr>
+            <a:endParaRPr lang="en-US" sz="1600" dirty="0"/>
+          </a:p>
+        </p:txBody>
+      </p:sp>
+      <p:pic>
+        <p:nvPicPr>
+          <p:cNvPr id="7" name="Picture 6" descr="A graph with a dotted line and a dotted line&#10;&#10;Description automatically generated">
+            <a:extLst>
+              <a:ext uri="{FF2B5EF4-FFF2-40B4-BE49-F238E27FC236}">
+                <a16:creationId xmlns:a16="http://schemas.microsoft.com/office/drawing/2014/main" id="{CB26FFC5-25AD-FF3F-643C-034D03C187B9}"/>
+              </a:ext>
+            </a:extLst>
+          </p:cNvPr>
+          <p:cNvPicPr>
+            <a:picLocks noChangeAspect="1"/>
+          </p:cNvPicPr>
+          <p:nvPr/>
+        </p:nvPicPr>
+        <p:blipFill>
+          <a:blip r:embed="rId2">
+            <a:extLst>
+              <a:ext uri="{28A0092B-C50C-407E-A947-70E740481C1C}">
+                <a14:useLocalDpi xmlns:a14="http://schemas.microsoft.com/office/drawing/2010/main" val="0"/>
+              </a:ext>
+            </a:extLst>
+          </a:blip>
+          <a:stretch>
+            <a:fillRect/>
+          </a:stretch>
+        </p:blipFill>
+        <p:spPr>
+          <a:xfrm>
+            <a:off x="838200" y="1531496"/>
+            <a:ext cx="6514322" cy="4885742"/>
+          </a:xfrm>
+          <a:prstGeom prst="rect">
+            <a:avLst/>
+          </a:prstGeom>
+        </p:spPr>
+      </p:pic>
     </p:spTree>
     <p:extLst>
       <p:ext uri="{BB962C8B-B14F-4D97-AF65-F5344CB8AC3E}">
-        <p14:creationId xmlns:p14="http://schemas.microsoft.com/office/powerpoint/2010/main" val="2537131252"/>
+        <p14:creationId xmlns:p14="http://schemas.microsoft.com/office/powerpoint/2010/main" val="2192890533"/>
       </p:ext>
     </p:extLst>
   </p:cSld>

--- a/ML-Project.pptx
+++ b/ML-Project.pptx
@@ -5,7 +5,7 @@
     <p:sldMasterId id="2147483660" r:id="rId1"/>
   </p:sldMasterIdLst>
   <p:notesMasterIdLst>
-    <p:notesMasterId r:id="rId17"/>
+    <p:notesMasterId r:id="rId21"/>
   </p:notesMasterIdLst>
   <p:sldIdLst>
     <p:sldId id="256" r:id="rId2"/>
@@ -21,8 +21,12 @@
     <p:sldId id="293" r:id="rId12"/>
     <p:sldId id="294" r:id="rId13"/>
     <p:sldId id="295" r:id="rId14"/>
-    <p:sldId id="281" r:id="rId15"/>
-    <p:sldId id="282" r:id="rId16"/>
+    <p:sldId id="296" r:id="rId15"/>
+    <p:sldId id="298" r:id="rId16"/>
+    <p:sldId id="297" r:id="rId17"/>
+    <p:sldId id="299" r:id="rId18"/>
+    <p:sldId id="281" r:id="rId19"/>
+    <p:sldId id="282" r:id="rId20"/>
   </p:sldIdLst>
   <p:sldSz cx="12192000" cy="6858000"/>
   <p:notesSz cx="6858000" cy="9144000"/>
@@ -143,6 +147,10 @@
             <p14:sldId id="293"/>
             <p14:sldId id="294"/>
             <p14:sldId id="295"/>
+            <p14:sldId id="296"/>
+            <p14:sldId id="298"/>
+            <p14:sldId id="297"/>
+            <p14:sldId id="299"/>
           </p14:sldIdLst>
         </p14:section>
         <p14:section name="Conclusion" id="{B5001B22-43B0-41A6-A184-B965F0D1F4DB}">
@@ -15221,6 +15229,1390 @@
           <p:cNvPr id="2" name="Title 1">
             <a:extLst>
               <a:ext uri="{FF2B5EF4-FFF2-40B4-BE49-F238E27FC236}">
+                <a16:creationId xmlns:a16="http://schemas.microsoft.com/office/drawing/2014/main" id="{EC059BB5-6D9A-265C-6244-AF85F808A3FE}"/>
+              </a:ext>
+            </a:extLst>
+          </p:cNvPr>
+          <p:cNvSpPr>
+            <a:spLocks noGrp="1"/>
+          </p:cNvSpPr>
+          <p:nvPr>
+            <p:ph type="title"/>
+          </p:nvPr>
+        </p:nvSpPr>
+        <p:spPr/>
+        <p:txBody>
+          <a:bodyPr/>
+          <a:lstStyle/>
+          <a:p>
+            <a:pPr algn="ctr"/>
+            <a:r>
+              <a:rPr lang="en-US" dirty="0"/>
+              <a:t>Random Forests - Number of trees</a:t>
+            </a:r>
+          </a:p>
+        </p:txBody>
+      </p:sp>
+      <p:sp>
+        <p:nvSpPr>
+          <p:cNvPr id="3" name="Slide Number Placeholder 2">
+            <a:extLst>
+              <a:ext uri="{FF2B5EF4-FFF2-40B4-BE49-F238E27FC236}">
+                <a16:creationId xmlns:a16="http://schemas.microsoft.com/office/drawing/2014/main" id="{8E1C06EB-7842-0C87-5068-F2089E2D9636}"/>
+              </a:ext>
+            </a:extLst>
+          </p:cNvPr>
+          <p:cNvSpPr>
+            <a:spLocks noGrp="1"/>
+          </p:cNvSpPr>
+          <p:nvPr>
+            <p:ph type="sldNum" sz="quarter" idx="12"/>
+          </p:nvPr>
+        </p:nvSpPr>
+        <p:spPr/>
+        <p:txBody>
+          <a:bodyPr/>
+          <a:lstStyle/>
+          <a:p>
+            <a:fld id="{73B850FF-6169-4056-8077-06FFA93A5366}" type="slidenum">
+              <a:rPr lang="en-US" smtClean="0"/>
+              <a:t>14</a:t>
+            </a:fld>
+            <a:endParaRPr lang="en-US"/>
+          </a:p>
+        </p:txBody>
+      </p:sp>
+      <p:pic>
+        <p:nvPicPr>
+          <p:cNvPr id="5" name="Picture 4" descr="A graph with a line graph&#10;&#10;Description automatically generated">
+            <a:extLst>
+              <a:ext uri="{FF2B5EF4-FFF2-40B4-BE49-F238E27FC236}">
+                <a16:creationId xmlns:a16="http://schemas.microsoft.com/office/drawing/2014/main" id="{A3799D50-4A72-6105-5547-9F2B999F765E}"/>
+              </a:ext>
+            </a:extLst>
+          </p:cNvPr>
+          <p:cNvPicPr>
+            <a:picLocks noChangeAspect="1"/>
+          </p:cNvPicPr>
+          <p:nvPr/>
+        </p:nvPicPr>
+        <p:blipFill>
+          <a:blip r:embed="rId2">
+            <a:extLst>
+              <a:ext uri="{28A0092B-C50C-407E-A947-70E740481C1C}">
+                <a14:useLocalDpi xmlns:a14="http://schemas.microsoft.com/office/drawing/2010/main" val="0"/>
+              </a:ext>
+            </a:extLst>
+          </a:blip>
+          <a:stretch>
+            <a:fillRect/>
+          </a:stretch>
+        </p:blipFill>
+        <p:spPr>
+          <a:xfrm>
+            <a:off x="113539" y="1509385"/>
+            <a:ext cx="7854712" cy="4983490"/>
+          </a:xfrm>
+          <a:prstGeom prst="rect">
+            <a:avLst/>
+          </a:prstGeom>
+        </p:spPr>
+      </p:pic>
+      <p:sp>
+        <p:nvSpPr>
+          <p:cNvPr id="6" name="Content Placeholder 4">
+            <a:extLst>
+              <a:ext uri="{FF2B5EF4-FFF2-40B4-BE49-F238E27FC236}">
+                <a16:creationId xmlns:a16="http://schemas.microsoft.com/office/drawing/2014/main" id="{9D5BA732-335D-DCC3-397D-461B6A6817C4}"/>
+              </a:ext>
+            </a:extLst>
+          </p:cNvPr>
+          <p:cNvSpPr txBox="1">
+            <a:spLocks/>
+          </p:cNvSpPr>
+          <p:nvPr/>
+        </p:nvSpPr>
+        <p:spPr>
+          <a:xfrm>
+            <a:off x="7968251" y="1690688"/>
+            <a:ext cx="3979334" cy="1947434"/>
+          </a:xfrm>
+          <a:prstGeom prst="rect">
+            <a:avLst/>
+          </a:prstGeom>
+        </p:spPr>
+        <p:txBody>
+          <a:bodyPr>
+            <a:normAutofit/>
+          </a:bodyPr>
+          <a:lstStyle>
+            <a:lvl1pPr marL="228600" indent="-228600" algn="l" defTabSz="914400" rtl="0" eaLnBrk="1" latinLnBrk="0" hangingPunct="1">
+              <a:lnSpc>
+                <a:spcPct val="110000"/>
+              </a:lnSpc>
+              <a:spcBef>
+                <a:spcPts val="1000"/>
+              </a:spcBef>
+              <a:buClr>
+                <a:schemeClr val="accent5"/>
+              </a:buClr>
+              <a:buFont typeface="Avenir Next LT Pro" panose="020B0504020202020204" pitchFamily="34" charset="0"/>
+              <a:buChar char="+"/>
+              <a:defRPr sz="2800" kern="1200">
+                <a:solidFill>
+                  <a:schemeClr val="tx2"/>
+                </a:solidFill>
+                <a:latin typeface="+mn-lt"/>
+                <a:ea typeface="+mn-ea"/>
+                <a:cs typeface="+mn-cs"/>
+              </a:defRPr>
+            </a:lvl1pPr>
+            <a:lvl2pPr marL="685800" indent="-228600" algn="l" defTabSz="914400" rtl="0" eaLnBrk="1" latinLnBrk="0" hangingPunct="1">
+              <a:lnSpc>
+                <a:spcPct val="110000"/>
+              </a:lnSpc>
+              <a:spcBef>
+                <a:spcPts val="500"/>
+              </a:spcBef>
+              <a:buClr>
+                <a:schemeClr val="accent5"/>
+              </a:buClr>
+              <a:buFont typeface="Avenir Next LT Pro" panose="020B0504020202020204" pitchFamily="34" charset="0"/>
+              <a:buChar char="+"/>
+              <a:defRPr sz="2400" kern="1200">
+                <a:solidFill>
+                  <a:schemeClr val="tx2"/>
+                </a:solidFill>
+                <a:latin typeface="+mn-lt"/>
+                <a:ea typeface="+mn-ea"/>
+                <a:cs typeface="+mn-cs"/>
+              </a:defRPr>
+            </a:lvl2pPr>
+            <a:lvl3pPr marL="1143000" indent="-228600" algn="l" defTabSz="914400" rtl="0" eaLnBrk="1" latinLnBrk="0" hangingPunct="1">
+              <a:lnSpc>
+                <a:spcPct val="110000"/>
+              </a:lnSpc>
+              <a:spcBef>
+                <a:spcPts val="500"/>
+              </a:spcBef>
+              <a:buClr>
+                <a:schemeClr val="accent5"/>
+              </a:buClr>
+              <a:buFont typeface="Avenir Next LT Pro" panose="020B0504020202020204" pitchFamily="34" charset="0"/>
+              <a:buChar char="+"/>
+              <a:defRPr sz="2000" kern="1200">
+                <a:solidFill>
+                  <a:schemeClr val="tx2"/>
+                </a:solidFill>
+                <a:latin typeface="+mn-lt"/>
+                <a:ea typeface="+mn-ea"/>
+                <a:cs typeface="+mn-cs"/>
+              </a:defRPr>
+            </a:lvl3pPr>
+            <a:lvl4pPr marL="1600200" indent="-228600" algn="l" defTabSz="914400" rtl="0" eaLnBrk="1" latinLnBrk="0" hangingPunct="1">
+              <a:lnSpc>
+                <a:spcPct val="110000"/>
+              </a:lnSpc>
+              <a:spcBef>
+                <a:spcPts val="500"/>
+              </a:spcBef>
+              <a:buClr>
+                <a:schemeClr val="accent5"/>
+              </a:buClr>
+              <a:buFont typeface="Avenir Next LT Pro" panose="020B0504020202020204" pitchFamily="34" charset="0"/>
+              <a:buChar char="+"/>
+              <a:defRPr sz="1800" kern="1200">
+                <a:solidFill>
+                  <a:schemeClr val="tx2"/>
+                </a:solidFill>
+                <a:latin typeface="+mn-lt"/>
+                <a:ea typeface="+mn-ea"/>
+                <a:cs typeface="+mn-cs"/>
+              </a:defRPr>
+            </a:lvl4pPr>
+            <a:lvl5pPr marL="2057400" indent="-228600" algn="l" defTabSz="914400" rtl="0" eaLnBrk="1" latinLnBrk="0" hangingPunct="1">
+              <a:lnSpc>
+                <a:spcPct val="110000"/>
+              </a:lnSpc>
+              <a:spcBef>
+                <a:spcPts val="500"/>
+              </a:spcBef>
+              <a:buClr>
+                <a:schemeClr val="accent5"/>
+              </a:buClr>
+              <a:buFont typeface="Avenir Next LT Pro" panose="020B0504020202020204" pitchFamily="34" charset="0"/>
+              <a:buChar char="+"/>
+              <a:defRPr sz="1800" kern="1200">
+                <a:solidFill>
+                  <a:schemeClr val="tx2"/>
+                </a:solidFill>
+                <a:latin typeface="+mn-lt"/>
+                <a:ea typeface="+mn-ea"/>
+                <a:cs typeface="+mn-cs"/>
+              </a:defRPr>
+            </a:lvl5pPr>
+            <a:lvl6pPr marL="2514600" indent="-228600" algn="l" defTabSz="914400" rtl="0" eaLnBrk="1" latinLnBrk="0" hangingPunct="1">
+              <a:lnSpc>
+                <a:spcPct val="90000"/>
+              </a:lnSpc>
+              <a:spcBef>
+                <a:spcPts val="500"/>
+              </a:spcBef>
+              <a:buFont typeface="Arial" panose="020B0604020202020204" pitchFamily="34" charset="0"/>
+              <a:buChar char="•"/>
+              <a:defRPr sz="1800" kern="1200">
+                <a:solidFill>
+                  <a:schemeClr val="tx1"/>
+                </a:solidFill>
+                <a:latin typeface="+mn-lt"/>
+                <a:ea typeface="+mn-ea"/>
+                <a:cs typeface="+mn-cs"/>
+              </a:defRPr>
+            </a:lvl6pPr>
+            <a:lvl7pPr marL="2971800" indent="-228600" algn="l" defTabSz="914400" rtl="0" eaLnBrk="1" latinLnBrk="0" hangingPunct="1">
+              <a:lnSpc>
+                <a:spcPct val="90000"/>
+              </a:lnSpc>
+              <a:spcBef>
+                <a:spcPts val="500"/>
+              </a:spcBef>
+              <a:buFont typeface="Arial" panose="020B0604020202020204" pitchFamily="34" charset="0"/>
+              <a:buChar char="•"/>
+              <a:defRPr sz="1800" kern="1200">
+                <a:solidFill>
+                  <a:schemeClr val="tx1"/>
+                </a:solidFill>
+                <a:latin typeface="+mn-lt"/>
+                <a:ea typeface="+mn-ea"/>
+                <a:cs typeface="+mn-cs"/>
+              </a:defRPr>
+            </a:lvl7pPr>
+            <a:lvl8pPr marL="3429000" indent="-228600" algn="l" defTabSz="914400" rtl="0" eaLnBrk="1" latinLnBrk="0" hangingPunct="1">
+              <a:lnSpc>
+                <a:spcPct val="90000"/>
+              </a:lnSpc>
+              <a:spcBef>
+                <a:spcPts val="500"/>
+              </a:spcBef>
+              <a:buFont typeface="Arial" panose="020B0604020202020204" pitchFamily="34" charset="0"/>
+              <a:buChar char="•"/>
+              <a:defRPr sz="1800" kern="1200">
+                <a:solidFill>
+                  <a:schemeClr val="tx1"/>
+                </a:solidFill>
+                <a:latin typeface="+mn-lt"/>
+                <a:ea typeface="+mn-ea"/>
+                <a:cs typeface="+mn-cs"/>
+              </a:defRPr>
+            </a:lvl8pPr>
+            <a:lvl9pPr marL="3886200" indent="-228600" algn="l" defTabSz="914400" rtl="0" eaLnBrk="1" latinLnBrk="0" hangingPunct="1">
+              <a:lnSpc>
+                <a:spcPct val="90000"/>
+              </a:lnSpc>
+              <a:spcBef>
+                <a:spcPts val="500"/>
+              </a:spcBef>
+              <a:buFont typeface="Arial" panose="020B0604020202020204" pitchFamily="34" charset="0"/>
+              <a:buChar char="•"/>
+              <a:defRPr sz="1800" kern="1200">
+                <a:solidFill>
+                  <a:schemeClr val="tx1"/>
+                </a:solidFill>
+                <a:latin typeface="+mn-lt"/>
+                <a:ea typeface="+mn-ea"/>
+                <a:cs typeface="+mn-cs"/>
+              </a:defRPr>
+            </a:lvl9pPr>
+          </a:lstStyle>
+          <a:p>
+            <a:pPr>
+              <a:buFont typeface="Wingdings" panose="05000000000000000000" pitchFamily="2" charset="2"/>
+              <a:buChar char="§"/>
+            </a:pPr>
+            <a:r>
+              <a:rPr lang="en-US" sz="2000" dirty="0"/>
+              <a:t>Graph to display the number of trees with the best MSE</a:t>
+            </a:r>
+          </a:p>
+          <a:p>
+            <a:pPr>
+              <a:buFont typeface="Wingdings" panose="05000000000000000000" pitchFamily="2" charset="2"/>
+              <a:buChar char="§"/>
+            </a:pPr>
+            <a:r>
+              <a:rPr lang="en-US" sz="2000" dirty="0"/>
+              <a:t>Best value is 190</a:t>
+            </a:r>
+          </a:p>
+        </p:txBody>
+      </p:sp>
+    </p:spTree>
+    <p:extLst>
+      <p:ext uri="{BB962C8B-B14F-4D97-AF65-F5344CB8AC3E}">
+        <p14:creationId xmlns:p14="http://schemas.microsoft.com/office/powerpoint/2010/main" val="1914593842"/>
+      </p:ext>
+    </p:extLst>
+  </p:cSld>
+  <p:clrMapOvr>
+    <a:masterClrMapping/>
+  </p:clrMapOvr>
+</p:sld>
+</file>
+
+<file path=ppt/slides/slide15.xml><?xml version="1.0" encoding="utf-8"?>
+<p:sld xmlns:a="http://schemas.openxmlformats.org/drawingml/2006/main" xmlns:r="http://schemas.openxmlformats.org/officeDocument/2006/relationships" xmlns:p="http://schemas.openxmlformats.org/presentationml/2006/main">
+  <p:cSld>
+    <p:spTree>
+      <p:nvGrpSpPr>
+        <p:cNvPr id="1" name=""/>
+        <p:cNvGrpSpPr/>
+        <p:nvPr/>
+      </p:nvGrpSpPr>
+      <p:grpSpPr>
+        <a:xfrm>
+          <a:off x="0" y="0"/>
+          <a:ext cx="0" cy="0"/>
+          <a:chOff x="0" y="0"/>
+          <a:chExt cx="0" cy="0"/>
+        </a:xfrm>
+      </p:grpSpPr>
+      <p:sp>
+        <p:nvSpPr>
+          <p:cNvPr id="2" name="Title 1">
+            <a:extLst>
+              <a:ext uri="{FF2B5EF4-FFF2-40B4-BE49-F238E27FC236}">
+                <a16:creationId xmlns:a16="http://schemas.microsoft.com/office/drawing/2014/main" id="{E5413A49-5ABD-E269-526A-1ACD2D7B8514}"/>
+              </a:ext>
+            </a:extLst>
+          </p:cNvPr>
+          <p:cNvSpPr>
+            <a:spLocks noGrp="1"/>
+          </p:cNvSpPr>
+          <p:nvPr>
+            <p:ph type="title"/>
+          </p:nvPr>
+        </p:nvSpPr>
+        <p:spPr/>
+        <p:txBody>
+          <a:bodyPr/>
+          <a:lstStyle/>
+          <a:p>
+            <a:r>
+              <a:rPr lang="en-US" dirty="0"/>
+              <a:t>Finding the best params</a:t>
+            </a:r>
+          </a:p>
+        </p:txBody>
+      </p:sp>
+      <p:sp>
+        <p:nvSpPr>
+          <p:cNvPr id="3" name="Slide Number Placeholder 2">
+            <a:extLst>
+              <a:ext uri="{FF2B5EF4-FFF2-40B4-BE49-F238E27FC236}">
+                <a16:creationId xmlns:a16="http://schemas.microsoft.com/office/drawing/2014/main" id="{0A048661-6862-D4E6-BAB2-80CAEE82EFCA}"/>
+              </a:ext>
+            </a:extLst>
+          </p:cNvPr>
+          <p:cNvSpPr>
+            <a:spLocks noGrp="1"/>
+          </p:cNvSpPr>
+          <p:nvPr>
+            <p:ph type="sldNum" sz="quarter" idx="12"/>
+          </p:nvPr>
+        </p:nvSpPr>
+        <p:spPr/>
+        <p:txBody>
+          <a:bodyPr/>
+          <a:lstStyle/>
+          <a:p>
+            <a:fld id="{73B850FF-6169-4056-8077-06FFA93A5366}" type="slidenum">
+              <a:rPr lang="en-US" smtClean="0"/>
+              <a:t>15</a:t>
+            </a:fld>
+            <a:endParaRPr lang="en-US"/>
+          </a:p>
+        </p:txBody>
+      </p:sp>
+      <p:sp>
+        <p:nvSpPr>
+          <p:cNvPr id="4" name="Content Placeholder 4">
+            <a:extLst>
+              <a:ext uri="{FF2B5EF4-FFF2-40B4-BE49-F238E27FC236}">
+                <a16:creationId xmlns:a16="http://schemas.microsoft.com/office/drawing/2014/main" id="{93615D6E-D2D5-D0F7-8B8F-51834E1900F4}"/>
+              </a:ext>
+            </a:extLst>
+          </p:cNvPr>
+          <p:cNvSpPr txBox="1">
+            <a:spLocks/>
+          </p:cNvSpPr>
+          <p:nvPr/>
+        </p:nvSpPr>
+        <p:spPr>
+          <a:xfrm>
+            <a:off x="937721" y="1707850"/>
+            <a:ext cx="6066927" cy="4347893"/>
+          </a:xfrm>
+          <a:prstGeom prst="rect">
+            <a:avLst/>
+          </a:prstGeom>
+        </p:spPr>
+        <p:txBody>
+          <a:bodyPr>
+            <a:normAutofit/>
+          </a:bodyPr>
+          <a:lstStyle>
+            <a:lvl1pPr marL="228600" indent="-228600" algn="l" defTabSz="914400" rtl="0" eaLnBrk="1" latinLnBrk="0" hangingPunct="1">
+              <a:lnSpc>
+                <a:spcPct val="110000"/>
+              </a:lnSpc>
+              <a:spcBef>
+                <a:spcPts val="1000"/>
+              </a:spcBef>
+              <a:buClr>
+                <a:schemeClr val="accent5"/>
+              </a:buClr>
+              <a:buFont typeface="Avenir Next LT Pro" panose="020B0504020202020204" pitchFamily="34" charset="0"/>
+              <a:buChar char="+"/>
+              <a:defRPr sz="2800" kern="1200">
+                <a:solidFill>
+                  <a:schemeClr val="tx2"/>
+                </a:solidFill>
+                <a:latin typeface="+mn-lt"/>
+                <a:ea typeface="+mn-ea"/>
+                <a:cs typeface="+mn-cs"/>
+              </a:defRPr>
+            </a:lvl1pPr>
+            <a:lvl2pPr marL="685800" indent="-228600" algn="l" defTabSz="914400" rtl="0" eaLnBrk="1" latinLnBrk="0" hangingPunct="1">
+              <a:lnSpc>
+                <a:spcPct val="110000"/>
+              </a:lnSpc>
+              <a:spcBef>
+                <a:spcPts val="500"/>
+              </a:spcBef>
+              <a:buClr>
+                <a:schemeClr val="accent5"/>
+              </a:buClr>
+              <a:buFont typeface="Avenir Next LT Pro" panose="020B0504020202020204" pitchFamily="34" charset="0"/>
+              <a:buChar char="+"/>
+              <a:defRPr sz="2400" kern="1200">
+                <a:solidFill>
+                  <a:schemeClr val="tx2"/>
+                </a:solidFill>
+                <a:latin typeface="+mn-lt"/>
+                <a:ea typeface="+mn-ea"/>
+                <a:cs typeface="+mn-cs"/>
+              </a:defRPr>
+            </a:lvl2pPr>
+            <a:lvl3pPr marL="1143000" indent="-228600" algn="l" defTabSz="914400" rtl="0" eaLnBrk="1" latinLnBrk="0" hangingPunct="1">
+              <a:lnSpc>
+                <a:spcPct val="110000"/>
+              </a:lnSpc>
+              <a:spcBef>
+                <a:spcPts val="500"/>
+              </a:spcBef>
+              <a:buClr>
+                <a:schemeClr val="accent5"/>
+              </a:buClr>
+              <a:buFont typeface="Avenir Next LT Pro" panose="020B0504020202020204" pitchFamily="34" charset="0"/>
+              <a:buChar char="+"/>
+              <a:defRPr sz="2000" kern="1200">
+                <a:solidFill>
+                  <a:schemeClr val="tx2"/>
+                </a:solidFill>
+                <a:latin typeface="+mn-lt"/>
+                <a:ea typeface="+mn-ea"/>
+                <a:cs typeface="+mn-cs"/>
+              </a:defRPr>
+            </a:lvl3pPr>
+            <a:lvl4pPr marL="1600200" indent="-228600" algn="l" defTabSz="914400" rtl="0" eaLnBrk="1" latinLnBrk="0" hangingPunct="1">
+              <a:lnSpc>
+                <a:spcPct val="110000"/>
+              </a:lnSpc>
+              <a:spcBef>
+                <a:spcPts val="500"/>
+              </a:spcBef>
+              <a:buClr>
+                <a:schemeClr val="accent5"/>
+              </a:buClr>
+              <a:buFont typeface="Avenir Next LT Pro" panose="020B0504020202020204" pitchFamily="34" charset="0"/>
+              <a:buChar char="+"/>
+              <a:defRPr sz="1800" kern="1200">
+                <a:solidFill>
+                  <a:schemeClr val="tx2"/>
+                </a:solidFill>
+                <a:latin typeface="+mn-lt"/>
+                <a:ea typeface="+mn-ea"/>
+                <a:cs typeface="+mn-cs"/>
+              </a:defRPr>
+            </a:lvl4pPr>
+            <a:lvl5pPr marL="2057400" indent="-228600" algn="l" defTabSz="914400" rtl="0" eaLnBrk="1" latinLnBrk="0" hangingPunct="1">
+              <a:lnSpc>
+                <a:spcPct val="110000"/>
+              </a:lnSpc>
+              <a:spcBef>
+                <a:spcPts val="500"/>
+              </a:spcBef>
+              <a:buClr>
+                <a:schemeClr val="accent5"/>
+              </a:buClr>
+              <a:buFont typeface="Avenir Next LT Pro" panose="020B0504020202020204" pitchFamily="34" charset="0"/>
+              <a:buChar char="+"/>
+              <a:defRPr sz="1800" kern="1200">
+                <a:solidFill>
+                  <a:schemeClr val="tx2"/>
+                </a:solidFill>
+                <a:latin typeface="+mn-lt"/>
+                <a:ea typeface="+mn-ea"/>
+                <a:cs typeface="+mn-cs"/>
+              </a:defRPr>
+            </a:lvl5pPr>
+            <a:lvl6pPr marL="2514600" indent="-228600" algn="l" defTabSz="914400" rtl="0" eaLnBrk="1" latinLnBrk="0" hangingPunct="1">
+              <a:lnSpc>
+                <a:spcPct val="90000"/>
+              </a:lnSpc>
+              <a:spcBef>
+                <a:spcPts val="500"/>
+              </a:spcBef>
+              <a:buFont typeface="Arial" panose="020B0604020202020204" pitchFamily="34" charset="0"/>
+              <a:buChar char="•"/>
+              <a:defRPr sz="1800" kern="1200">
+                <a:solidFill>
+                  <a:schemeClr val="tx1"/>
+                </a:solidFill>
+                <a:latin typeface="+mn-lt"/>
+                <a:ea typeface="+mn-ea"/>
+                <a:cs typeface="+mn-cs"/>
+              </a:defRPr>
+            </a:lvl6pPr>
+            <a:lvl7pPr marL="2971800" indent="-228600" algn="l" defTabSz="914400" rtl="0" eaLnBrk="1" latinLnBrk="0" hangingPunct="1">
+              <a:lnSpc>
+                <a:spcPct val="90000"/>
+              </a:lnSpc>
+              <a:spcBef>
+                <a:spcPts val="500"/>
+              </a:spcBef>
+              <a:buFont typeface="Arial" panose="020B0604020202020204" pitchFamily="34" charset="0"/>
+              <a:buChar char="•"/>
+              <a:defRPr sz="1800" kern="1200">
+                <a:solidFill>
+                  <a:schemeClr val="tx1"/>
+                </a:solidFill>
+                <a:latin typeface="+mn-lt"/>
+                <a:ea typeface="+mn-ea"/>
+                <a:cs typeface="+mn-cs"/>
+              </a:defRPr>
+            </a:lvl7pPr>
+            <a:lvl8pPr marL="3429000" indent="-228600" algn="l" defTabSz="914400" rtl="0" eaLnBrk="1" latinLnBrk="0" hangingPunct="1">
+              <a:lnSpc>
+                <a:spcPct val="90000"/>
+              </a:lnSpc>
+              <a:spcBef>
+                <a:spcPts val="500"/>
+              </a:spcBef>
+              <a:buFont typeface="Arial" panose="020B0604020202020204" pitchFamily="34" charset="0"/>
+              <a:buChar char="•"/>
+              <a:defRPr sz="1800" kern="1200">
+                <a:solidFill>
+                  <a:schemeClr val="tx1"/>
+                </a:solidFill>
+                <a:latin typeface="+mn-lt"/>
+                <a:ea typeface="+mn-ea"/>
+                <a:cs typeface="+mn-cs"/>
+              </a:defRPr>
+            </a:lvl8pPr>
+            <a:lvl9pPr marL="3886200" indent="-228600" algn="l" defTabSz="914400" rtl="0" eaLnBrk="1" latinLnBrk="0" hangingPunct="1">
+              <a:lnSpc>
+                <a:spcPct val="90000"/>
+              </a:lnSpc>
+              <a:spcBef>
+                <a:spcPts val="500"/>
+              </a:spcBef>
+              <a:buFont typeface="Arial" panose="020B0604020202020204" pitchFamily="34" charset="0"/>
+              <a:buChar char="•"/>
+              <a:defRPr sz="1800" kern="1200">
+                <a:solidFill>
+                  <a:schemeClr val="tx1"/>
+                </a:solidFill>
+                <a:latin typeface="+mn-lt"/>
+                <a:ea typeface="+mn-ea"/>
+                <a:cs typeface="+mn-cs"/>
+              </a:defRPr>
+            </a:lvl9pPr>
+          </a:lstStyle>
+          <a:p>
+            <a:pPr>
+              <a:buFont typeface="Wingdings" panose="05000000000000000000" pitchFamily="2" charset="2"/>
+              <a:buChar char="§"/>
+            </a:pPr>
+            <a:r>
+              <a:rPr lang="en-US" dirty="0"/>
+              <a:t>Using </a:t>
+            </a:r>
+            <a:r>
+              <a:rPr lang="en-US" dirty="0" err="1"/>
+              <a:t>GridSearchCV</a:t>
+            </a:r>
+            <a:r>
+              <a:rPr lang="en-US" dirty="0"/>
+              <a:t> to find the best params</a:t>
+            </a:r>
+          </a:p>
+          <a:p>
+            <a:pPr>
+              <a:buFont typeface="Wingdings" panose="05000000000000000000" pitchFamily="2" charset="2"/>
+              <a:buChar char="§"/>
+            </a:pPr>
+            <a:r>
+              <a:rPr lang="en-US" dirty="0"/>
+              <a:t>Turns out, </a:t>
+            </a:r>
+            <a:r>
+              <a:rPr lang="en-US" dirty="0" err="1"/>
+              <a:t>min_samples_split</a:t>
+            </a:r>
+            <a:r>
+              <a:rPr lang="en-US" dirty="0"/>
+              <a:t>=5 is the best value.</a:t>
+            </a:r>
+          </a:p>
+          <a:p>
+            <a:pPr>
+              <a:buFont typeface="Wingdings" panose="05000000000000000000" pitchFamily="2" charset="2"/>
+              <a:buChar char="§"/>
+            </a:pPr>
+            <a:r>
+              <a:rPr lang="en-US" dirty="0"/>
+              <a:t>It is the minimum number of samples requires to split a “middle node”</a:t>
+            </a:r>
+          </a:p>
+          <a:p>
+            <a:pPr>
+              <a:buFont typeface="Wingdings" panose="05000000000000000000" pitchFamily="2" charset="2"/>
+              <a:buChar char="§"/>
+            </a:pPr>
+            <a:endParaRPr lang="en-US" dirty="0"/>
+          </a:p>
+        </p:txBody>
+      </p:sp>
+    </p:spTree>
+    <p:extLst>
+      <p:ext uri="{BB962C8B-B14F-4D97-AF65-F5344CB8AC3E}">
+        <p14:creationId xmlns:p14="http://schemas.microsoft.com/office/powerpoint/2010/main" val="631009258"/>
+      </p:ext>
+    </p:extLst>
+  </p:cSld>
+  <p:clrMapOvr>
+    <a:masterClrMapping/>
+  </p:clrMapOvr>
+</p:sld>
+</file>
+
+<file path=ppt/slides/slide16.xml><?xml version="1.0" encoding="utf-8"?>
+<p:sld xmlns:a="http://schemas.openxmlformats.org/drawingml/2006/main" xmlns:r="http://schemas.openxmlformats.org/officeDocument/2006/relationships" xmlns:p="http://schemas.openxmlformats.org/presentationml/2006/main">
+  <p:cSld>
+    <p:spTree>
+      <p:nvGrpSpPr>
+        <p:cNvPr id="1" name=""/>
+        <p:cNvGrpSpPr/>
+        <p:nvPr/>
+      </p:nvGrpSpPr>
+      <p:grpSpPr>
+        <a:xfrm>
+          <a:off x="0" y="0"/>
+          <a:ext cx="0" cy="0"/>
+          <a:chOff x="0" y="0"/>
+          <a:chExt cx="0" cy="0"/>
+        </a:xfrm>
+      </p:grpSpPr>
+      <p:sp>
+        <p:nvSpPr>
+          <p:cNvPr id="2" name="Title 1">
+            <a:extLst>
+              <a:ext uri="{FF2B5EF4-FFF2-40B4-BE49-F238E27FC236}">
+                <a16:creationId xmlns:a16="http://schemas.microsoft.com/office/drawing/2014/main" id="{6D76E3BE-12F1-99BE-47BD-60DAE85BC137}"/>
+              </a:ext>
+            </a:extLst>
+          </p:cNvPr>
+          <p:cNvSpPr>
+            <a:spLocks noGrp="1"/>
+          </p:cNvSpPr>
+          <p:nvPr>
+            <p:ph type="title"/>
+          </p:nvPr>
+        </p:nvSpPr>
+        <p:spPr/>
+        <p:txBody>
+          <a:bodyPr/>
+          <a:lstStyle/>
+          <a:p>
+            <a:r>
+              <a:rPr lang="en-US" dirty="0"/>
+              <a:t>Random Forest – Absolute Residual Plot</a:t>
+            </a:r>
+          </a:p>
+        </p:txBody>
+      </p:sp>
+      <p:sp>
+        <p:nvSpPr>
+          <p:cNvPr id="3" name="Slide Number Placeholder 2">
+            <a:extLst>
+              <a:ext uri="{FF2B5EF4-FFF2-40B4-BE49-F238E27FC236}">
+                <a16:creationId xmlns:a16="http://schemas.microsoft.com/office/drawing/2014/main" id="{1D9AF8F1-AA89-CF6D-D7AB-41E4FC5EDDCA}"/>
+              </a:ext>
+            </a:extLst>
+          </p:cNvPr>
+          <p:cNvSpPr>
+            <a:spLocks noGrp="1"/>
+          </p:cNvSpPr>
+          <p:nvPr>
+            <p:ph type="sldNum" sz="quarter" idx="12"/>
+          </p:nvPr>
+        </p:nvSpPr>
+        <p:spPr/>
+        <p:txBody>
+          <a:bodyPr/>
+          <a:lstStyle/>
+          <a:p>
+            <a:fld id="{73B850FF-6169-4056-8077-06FFA93A5366}" type="slidenum">
+              <a:rPr lang="en-US" smtClean="0"/>
+              <a:t>16</a:t>
+            </a:fld>
+            <a:endParaRPr lang="en-US"/>
+          </a:p>
+        </p:txBody>
+      </p:sp>
+      <p:pic>
+        <p:nvPicPr>
+          <p:cNvPr id="5" name="Picture 4" descr="A diagram of a number of values&#10;&#10;Description automatically generated">
+            <a:extLst>
+              <a:ext uri="{FF2B5EF4-FFF2-40B4-BE49-F238E27FC236}">
+                <a16:creationId xmlns:a16="http://schemas.microsoft.com/office/drawing/2014/main" id="{E64ADA19-7E90-AF7A-6A81-F49A9BFD154B}"/>
+              </a:ext>
+            </a:extLst>
+          </p:cNvPr>
+          <p:cNvPicPr>
+            <a:picLocks noChangeAspect="1"/>
+          </p:cNvPicPr>
+          <p:nvPr/>
+        </p:nvPicPr>
+        <p:blipFill>
+          <a:blip r:embed="rId2">
+            <a:extLst>
+              <a:ext uri="{28A0092B-C50C-407E-A947-70E740481C1C}">
+                <a14:useLocalDpi xmlns:a14="http://schemas.microsoft.com/office/drawing/2010/main" val="0"/>
+              </a:ext>
+            </a:extLst>
+          </a:blip>
+          <a:stretch>
+            <a:fillRect/>
+          </a:stretch>
+        </p:blipFill>
+        <p:spPr>
+          <a:xfrm>
+            <a:off x="570345" y="1645910"/>
+            <a:ext cx="7772415" cy="5212090"/>
+          </a:xfrm>
+          <a:prstGeom prst="rect">
+            <a:avLst/>
+          </a:prstGeom>
+        </p:spPr>
+      </p:pic>
+      <p:sp>
+        <p:nvSpPr>
+          <p:cNvPr id="6" name="Content Placeholder 4">
+            <a:extLst>
+              <a:ext uri="{FF2B5EF4-FFF2-40B4-BE49-F238E27FC236}">
+                <a16:creationId xmlns:a16="http://schemas.microsoft.com/office/drawing/2014/main" id="{B7C8A73A-DEC4-D6F4-5652-30F8A0CD8E78}"/>
+              </a:ext>
+            </a:extLst>
+          </p:cNvPr>
+          <p:cNvSpPr txBox="1">
+            <a:spLocks/>
+          </p:cNvSpPr>
+          <p:nvPr/>
+        </p:nvSpPr>
+        <p:spPr>
+          <a:xfrm>
+            <a:off x="8459956" y="2145096"/>
+            <a:ext cx="3979334" cy="1947434"/>
+          </a:xfrm>
+          <a:prstGeom prst="rect">
+            <a:avLst/>
+          </a:prstGeom>
+        </p:spPr>
+        <p:txBody>
+          <a:bodyPr>
+            <a:normAutofit/>
+          </a:bodyPr>
+          <a:lstStyle>
+            <a:lvl1pPr marL="228600" indent="-228600" algn="l" defTabSz="914400" rtl="0" eaLnBrk="1" latinLnBrk="0" hangingPunct="1">
+              <a:lnSpc>
+                <a:spcPct val="110000"/>
+              </a:lnSpc>
+              <a:spcBef>
+                <a:spcPts val="1000"/>
+              </a:spcBef>
+              <a:buClr>
+                <a:schemeClr val="accent5"/>
+              </a:buClr>
+              <a:buFont typeface="Avenir Next LT Pro" panose="020B0504020202020204" pitchFamily="34" charset="0"/>
+              <a:buChar char="+"/>
+              <a:defRPr sz="2800" kern="1200">
+                <a:solidFill>
+                  <a:schemeClr val="tx2"/>
+                </a:solidFill>
+                <a:latin typeface="+mn-lt"/>
+                <a:ea typeface="+mn-ea"/>
+                <a:cs typeface="+mn-cs"/>
+              </a:defRPr>
+            </a:lvl1pPr>
+            <a:lvl2pPr marL="685800" indent="-228600" algn="l" defTabSz="914400" rtl="0" eaLnBrk="1" latinLnBrk="0" hangingPunct="1">
+              <a:lnSpc>
+                <a:spcPct val="110000"/>
+              </a:lnSpc>
+              <a:spcBef>
+                <a:spcPts val="500"/>
+              </a:spcBef>
+              <a:buClr>
+                <a:schemeClr val="accent5"/>
+              </a:buClr>
+              <a:buFont typeface="Avenir Next LT Pro" panose="020B0504020202020204" pitchFamily="34" charset="0"/>
+              <a:buChar char="+"/>
+              <a:defRPr sz="2400" kern="1200">
+                <a:solidFill>
+                  <a:schemeClr val="tx2"/>
+                </a:solidFill>
+                <a:latin typeface="+mn-lt"/>
+                <a:ea typeface="+mn-ea"/>
+                <a:cs typeface="+mn-cs"/>
+              </a:defRPr>
+            </a:lvl2pPr>
+            <a:lvl3pPr marL="1143000" indent="-228600" algn="l" defTabSz="914400" rtl="0" eaLnBrk="1" latinLnBrk="0" hangingPunct="1">
+              <a:lnSpc>
+                <a:spcPct val="110000"/>
+              </a:lnSpc>
+              <a:spcBef>
+                <a:spcPts val="500"/>
+              </a:spcBef>
+              <a:buClr>
+                <a:schemeClr val="accent5"/>
+              </a:buClr>
+              <a:buFont typeface="Avenir Next LT Pro" panose="020B0504020202020204" pitchFamily="34" charset="0"/>
+              <a:buChar char="+"/>
+              <a:defRPr sz="2000" kern="1200">
+                <a:solidFill>
+                  <a:schemeClr val="tx2"/>
+                </a:solidFill>
+                <a:latin typeface="+mn-lt"/>
+                <a:ea typeface="+mn-ea"/>
+                <a:cs typeface="+mn-cs"/>
+              </a:defRPr>
+            </a:lvl3pPr>
+            <a:lvl4pPr marL="1600200" indent="-228600" algn="l" defTabSz="914400" rtl="0" eaLnBrk="1" latinLnBrk="0" hangingPunct="1">
+              <a:lnSpc>
+                <a:spcPct val="110000"/>
+              </a:lnSpc>
+              <a:spcBef>
+                <a:spcPts val="500"/>
+              </a:spcBef>
+              <a:buClr>
+                <a:schemeClr val="accent5"/>
+              </a:buClr>
+              <a:buFont typeface="Avenir Next LT Pro" panose="020B0504020202020204" pitchFamily="34" charset="0"/>
+              <a:buChar char="+"/>
+              <a:defRPr sz="1800" kern="1200">
+                <a:solidFill>
+                  <a:schemeClr val="tx2"/>
+                </a:solidFill>
+                <a:latin typeface="+mn-lt"/>
+                <a:ea typeface="+mn-ea"/>
+                <a:cs typeface="+mn-cs"/>
+              </a:defRPr>
+            </a:lvl4pPr>
+            <a:lvl5pPr marL="2057400" indent="-228600" algn="l" defTabSz="914400" rtl="0" eaLnBrk="1" latinLnBrk="0" hangingPunct="1">
+              <a:lnSpc>
+                <a:spcPct val="110000"/>
+              </a:lnSpc>
+              <a:spcBef>
+                <a:spcPts val="500"/>
+              </a:spcBef>
+              <a:buClr>
+                <a:schemeClr val="accent5"/>
+              </a:buClr>
+              <a:buFont typeface="Avenir Next LT Pro" panose="020B0504020202020204" pitchFamily="34" charset="0"/>
+              <a:buChar char="+"/>
+              <a:defRPr sz="1800" kern="1200">
+                <a:solidFill>
+                  <a:schemeClr val="tx2"/>
+                </a:solidFill>
+                <a:latin typeface="+mn-lt"/>
+                <a:ea typeface="+mn-ea"/>
+                <a:cs typeface="+mn-cs"/>
+              </a:defRPr>
+            </a:lvl5pPr>
+            <a:lvl6pPr marL="2514600" indent="-228600" algn="l" defTabSz="914400" rtl="0" eaLnBrk="1" latinLnBrk="0" hangingPunct="1">
+              <a:lnSpc>
+                <a:spcPct val="90000"/>
+              </a:lnSpc>
+              <a:spcBef>
+                <a:spcPts val="500"/>
+              </a:spcBef>
+              <a:buFont typeface="Arial" panose="020B0604020202020204" pitchFamily="34" charset="0"/>
+              <a:buChar char="•"/>
+              <a:defRPr sz="1800" kern="1200">
+                <a:solidFill>
+                  <a:schemeClr val="tx1"/>
+                </a:solidFill>
+                <a:latin typeface="+mn-lt"/>
+                <a:ea typeface="+mn-ea"/>
+                <a:cs typeface="+mn-cs"/>
+              </a:defRPr>
+            </a:lvl6pPr>
+            <a:lvl7pPr marL="2971800" indent="-228600" algn="l" defTabSz="914400" rtl="0" eaLnBrk="1" latinLnBrk="0" hangingPunct="1">
+              <a:lnSpc>
+                <a:spcPct val="90000"/>
+              </a:lnSpc>
+              <a:spcBef>
+                <a:spcPts val="500"/>
+              </a:spcBef>
+              <a:buFont typeface="Arial" panose="020B0604020202020204" pitchFamily="34" charset="0"/>
+              <a:buChar char="•"/>
+              <a:defRPr sz="1800" kern="1200">
+                <a:solidFill>
+                  <a:schemeClr val="tx1"/>
+                </a:solidFill>
+                <a:latin typeface="+mn-lt"/>
+                <a:ea typeface="+mn-ea"/>
+                <a:cs typeface="+mn-cs"/>
+              </a:defRPr>
+            </a:lvl7pPr>
+            <a:lvl8pPr marL="3429000" indent="-228600" algn="l" defTabSz="914400" rtl="0" eaLnBrk="1" latinLnBrk="0" hangingPunct="1">
+              <a:lnSpc>
+                <a:spcPct val="90000"/>
+              </a:lnSpc>
+              <a:spcBef>
+                <a:spcPts val="500"/>
+              </a:spcBef>
+              <a:buFont typeface="Arial" panose="020B0604020202020204" pitchFamily="34" charset="0"/>
+              <a:buChar char="•"/>
+              <a:defRPr sz="1800" kern="1200">
+                <a:solidFill>
+                  <a:schemeClr val="tx1"/>
+                </a:solidFill>
+                <a:latin typeface="+mn-lt"/>
+                <a:ea typeface="+mn-ea"/>
+                <a:cs typeface="+mn-cs"/>
+              </a:defRPr>
+            </a:lvl8pPr>
+            <a:lvl9pPr marL="3886200" indent="-228600" algn="l" defTabSz="914400" rtl="0" eaLnBrk="1" latinLnBrk="0" hangingPunct="1">
+              <a:lnSpc>
+                <a:spcPct val="90000"/>
+              </a:lnSpc>
+              <a:spcBef>
+                <a:spcPts val="500"/>
+              </a:spcBef>
+              <a:buFont typeface="Arial" panose="020B0604020202020204" pitchFamily="34" charset="0"/>
+              <a:buChar char="•"/>
+              <a:defRPr sz="1800" kern="1200">
+                <a:solidFill>
+                  <a:schemeClr val="tx1"/>
+                </a:solidFill>
+                <a:latin typeface="+mn-lt"/>
+                <a:ea typeface="+mn-ea"/>
+                <a:cs typeface="+mn-cs"/>
+              </a:defRPr>
+            </a:lvl9pPr>
+          </a:lstStyle>
+          <a:p>
+            <a:pPr>
+              <a:buFont typeface="Wingdings" panose="05000000000000000000" pitchFamily="2" charset="2"/>
+              <a:buChar char="§"/>
+            </a:pPr>
+            <a:r>
+              <a:rPr lang="en-US" sz="2000" dirty="0"/>
+              <a:t>The graph displays the correctness of the regressor.</a:t>
+            </a:r>
+          </a:p>
+          <a:p>
+            <a:pPr>
+              <a:buFont typeface="Wingdings" panose="05000000000000000000" pitchFamily="2" charset="2"/>
+              <a:buChar char="§"/>
+            </a:pPr>
+            <a:r>
+              <a:rPr lang="en-US" sz="2000" dirty="0"/>
+              <a:t>By comparing the predictions and the actual values.</a:t>
+            </a:r>
+          </a:p>
+        </p:txBody>
+      </p:sp>
+    </p:spTree>
+    <p:extLst>
+      <p:ext uri="{BB962C8B-B14F-4D97-AF65-F5344CB8AC3E}">
+        <p14:creationId xmlns:p14="http://schemas.microsoft.com/office/powerpoint/2010/main" val="1547969803"/>
+      </p:ext>
+    </p:extLst>
+  </p:cSld>
+  <p:clrMapOvr>
+    <a:masterClrMapping/>
+  </p:clrMapOvr>
+</p:sld>
+</file>
+
+<file path=ppt/slides/slide17.xml><?xml version="1.0" encoding="utf-8"?>
+<p:sld xmlns:a="http://schemas.openxmlformats.org/drawingml/2006/main" xmlns:r="http://schemas.openxmlformats.org/officeDocument/2006/relationships" xmlns:p="http://schemas.openxmlformats.org/presentationml/2006/main">
+  <p:cSld>
+    <p:spTree>
+      <p:nvGrpSpPr>
+        <p:cNvPr id="1" name=""/>
+        <p:cNvGrpSpPr/>
+        <p:nvPr/>
+      </p:nvGrpSpPr>
+      <p:grpSpPr>
+        <a:xfrm>
+          <a:off x="0" y="0"/>
+          <a:ext cx="0" cy="0"/>
+          <a:chOff x="0" y="0"/>
+          <a:chExt cx="0" cy="0"/>
+        </a:xfrm>
+      </p:grpSpPr>
+      <p:sp>
+        <p:nvSpPr>
+          <p:cNvPr id="2" name="Title 1">
+            <a:extLst>
+              <a:ext uri="{FF2B5EF4-FFF2-40B4-BE49-F238E27FC236}">
+                <a16:creationId xmlns:a16="http://schemas.microsoft.com/office/drawing/2014/main" id="{B45450CB-46CF-181C-5C44-62C331166C46}"/>
+              </a:ext>
+            </a:extLst>
+          </p:cNvPr>
+          <p:cNvSpPr>
+            <a:spLocks noGrp="1"/>
+          </p:cNvSpPr>
+          <p:nvPr>
+            <p:ph type="title"/>
+          </p:nvPr>
+        </p:nvSpPr>
+        <p:spPr/>
+        <p:txBody>
+          <a:bodyPr/>
+          <a:lstStyle/>
+          <a:p>
+            <a:pPr algn="ctr"/>
+            <a:r>
+              <a:rPr lang="en-US" dirty="0"/>
+              <a:t>Weighted Random Forests</a:t>
+            </a:r>
+          </a:p>
+        </p:txBody>
+      </p:sp>
+      <p:sp>
+        <p:nvSpPr>
+          <p:cNvPr id="3" name="Slide Number Placeholder 2">
+            <a:extLst>
+              <a:ext uri="{FF2B5EF4-FFF2-40B4-BE49-F238E27FC236}">
+                <a16:creationId xmlns:a16="http://schemas.microsoft.com/office/drawing/2014/main" id="{28693483-F4E7-F3EC-C0AE-16027F659F53}"/>
+              </a:ext>
+            </a:extLst>
+          </p:cNvPr>
+          <p:cNvSpPr>
+            <a:spLocks noGrp="1"/>
+          </p:cNvSpPr>
+          <p:nvPr>
+            <p:ph type="sldNum" sz="quarter" idx="12"/>
+          </p:nvPr>
+        </p:nvSpPr>
+        <p:spPr/>
+        <p:txBody>
+          <a:bodyPr/>
+          <a:lstStyle/>
+          <a:p>
+            <a:fld id="{73B850FF-6169-4056-8077-06FFA93A5366}" type="slidenum">
+              <a:rPr lang="en-US" smtClean="0"/>
+              <a:t>17</a:t>
+            </a:fld>
+            <a:endParaRPr lang="en-US"/>
+          </a:p>
+        </p:txBody>
+      </p:sp>
+      <p:sp>
+        <p:nvSpPr>
+          <p:cNvPr id="4" name="Content Placeholder 4">
+            <a:extLst>
+              <a:ext uri="{FF2B5EF4-FFF2-40B4-BE49-F238E27FC236}">
+                <a16:creationId xmlns:a16="http://schemas.microsoft.com/office/drawing/2014/main" id="{60904351-1A05-6F7D-E9C5-E151F50F4DBD}"/>
+              </a:ext>
+            </a:extLst>
+          </p:cNvPr>
+          <p:cNvSpPr txBox="1">
+            <a:spLocks/>
+          </p:cNvSpPr>
+          <p:nvPr/>
+        </p:nvSpPr>
+        <p:spPr>
+          <a:xfrm>
+            <a:off x="937721" y="1690688"/>
+            <a:ext cx="6066927" cy="3787086"/>
+          </a:xfrm>
+          <a:prstGeom prst="rect">
+            <a:avLst/>
+          </a:prstGeom>
+        </p:spPr>
+        <p:txBody>
+          <a:bodyPr>
+            <a:normAutofit/>
+          </a:bodyPr>
+          <a:lstStyle>
+            <a:lvl1pPr marL="228600" indent="-228600" algn="l" defTabSz="914400" rtl="0" eaLnBrk="1" latinLnBrk="0" hangingPunct="1">
+              <a:lnSpc>
+                <a:spcPct val="110000"/>
+              </a:lnSpc>
+              <a:spcBef>
+                <a:spcPts val="1000"/>
+              </a:spcBef>
+              <a:buClr>
+                <a:schemeClr val="accent5"/>
+              </a:buClr>
+              <a:buFont typeface="Avenir Next LT Pro" panose="020B0504020202020204" pitchFamily="34" charset="0"/>
+              <a:buChar char="+"/>
+              <a:defRPr sz="2800" kern="1200">
+                <a:solidFill>
+                  <a:schemeClr val="tx2"/>
+                </a:solidFill>
+                <a:latin typeface="+mn-lt"/>
+                <a:ea typeface="+mn-ea"/>
+                <a:cs typeface="+mn-cs"/>
+              </a:defRPr>
+            </a:lvl1pPr>
+            <a:lvl2pPr marL="685800" indent="-228600" algn="l" defTabSz="914400" rtl="0" eaLnBrk="1" latinLnBrk="0" hangingPunct="1">
+              <a:lnSpc>
+                <a:spcPct val="110000"/>
+              </a:lnSpc>
+              <a:spcBef>
+                <a:spcPts val="500"/>
+              </a:spcBef>
+              <a:buClr>
+                <a:schemeClr val="accent5"/>
+              </a:buClr>
+              <a:buFont typeface="Avenir Next LT Pro" panose="020B0504020202020204" pitchFamily="34" charset="0"/>
+              <a:buChar char="+"/>
+              <a:defRPr sz="2400" kern="1200">
+                <a:solidFill>
+                  <a:schemeClr val="tx2"/>
+                </a:solidFill>
+                <a:latin typeface="+mn-lt"/>
+                <a:ea typeface="+mn-ea"/>
+                <a:cs typeface="+mn-cs"/>
+              </a:defRPr>
+            </a:lvl2pPr>
+            <a:lvl3pPr marL="1143000" indent="-228600" algn="l" defTabSz="914400" rtl="0" eaLnBrk="1" latinLnBrk="0" hangingPunct="1">
+              <a:lnSpc>
+                <a:spcPct val="110000"/>
+              </a:lnSpc>
+              <a:spcBef>
+                <a:spcPts val="500"/>
+              </a:spcBef>
+              <a:buClr>
+                <a:schemeClr val="accent5"/>
+              </a:buClr>
+              <a:buFont typeface="Avenir Next LT Pro" panose="020B0504020202020204" pitchFamily="34" charset="0"/>
+              <a:buChar char="+"/>
+              <a:defRPr sz="2000" kern="1200">
+                <a:solidFill>
+                  <a:schemeClr val="tx2"/>
+                </a:solidFill>
+                <a:latin typeface="+mn-lt"/>
+                <a:ea typeface="+mn-ea"/>
+                <a:cs typeface="+mn-cs"/>
+              </a:defRPr>
+            </a:lvl3pPr>
+            <a:lvl4pPr marL="1600200" indent="-228600" algn="l" defTabSz="914400" rtl="0" eaLnBrk="1" latinLnBrk="0" hangingPunct="1">
+              <a:lnSpc>
+                <a:spcPct val="110000"/>
+              </a:lnSpc>
+              <a:spcBef>
+                <a:spcPts val="500"/>
+              </a:spcBef>
+              <a:buClr>
+                <a:schemeClr val="accent5"/>
+              </a:buClr>
+              <a:buFont typeface="Avenir Next LT Pro" panose="020B0504020202020204" pitchFamily="34" charset="0"/>
+              <a:buChar char="+"/>
+              <a:defRPr sz="1800" kern="1200">
+                <a:solidFill>
+                  <a:schemeClr val="tx2"/>
+                </a:solidFill>
+                <a:latin typeface="+mn-lt"/>
+                <a:ea typeface="+mn-ea"/>
+                <a:cs typeface="+mn-cs"/>
+              </a:defRPr>
+            </a:lvl4pPr>
+            <a:lvl5pPr marL="2057400" indent="-228600" algn="l" defTabSz="914400" rtl="0" eaLnBrk="1" latinLnBrk="0" hangingPunct="1">
+              <a:lnSpc>
+                <a:spcPct val="110000"/>
+              </a:lnSpc>
+              <a:spcBef>
+                <a:spcPts val="500"/>
+              </a:spcBef>
+              <a:buClr>
+                <a:schemeClr val="accent5"/>
+              </a:buClr>
+              <a:buFont typeface="Avenir Next LT Pro" panose="020B0504020202020204" pitchFamily="34" charset="0"/>
+              <a:buChar char="+"/>
+              <a:defRPr sz="1800" kern="1200">
+                <a:solidFill>
+                  <a:schemeClr val="tx2"/>
+                </a:solidFill>
+                <a:latin typeface="+mn-lt"/>
+                <a:ea typeface="+mn-ea"/>
+                <a:cs typeface="+mn-cs"/>
+              </a:defRPr>
+            </a:lvl5pPr>
+            <a:lvl6pPr marL="2514600" indent="-228600" algn="l" defTabSz="914400" rtl="0" eaLnBrk="1" latinLnBrk="0" hangingPunct="1">
+              <a:lnSpc>
+                <a:spcPct val="90000"/>
+              </a:lnSpc>
+              <a:spcBef>
+                <a:spcPts val="500"/>
+              </a:spcBef>
+              <a:buFont typeface="Arial" panose="020B0604020202020204" pitchFamily="34" charset="0"/>
+              <a:buChar char="•"/>
+              <a:defRPr sz="1800" kern="1200">
+                <a:solidFill>
+                  <a:schemeClr val="tx1"/>
+                </a:solidFill>
+                <a:latin typeface="+mn-lt"/>
+                <a:ea typeface="+mn-ea"/>
+                <a:cs typeface="+mn-cs"/>
+              </a:defRPr>
+            </a:lvl6pPr>
+            <a:lvl7pPr marL="2971800" indent="-228600" algn="l" defTabSz="914400" rtl="0" eaLnBrk="1" latinLnBrk="0" hangingPunct="1">
+              <a:lnSpc>
+                <a:spcPct val="90000"/>
+              </a:lnSpc>
+              <a:spcBef>
+                <a:spcPts val="500"/>
+              </a:spcBef>
+              <a:buFont typeface="Arial" panose="020B0604020202020204" pitchFamily="34" charset="0"/>
+              <a:buChar char="•"/>
+              <a:defRPr sz="1800" kern="1200">
+                <a:solidFill>
+                  <a:schemeClr val="tx1"/>
+                </a:solidFill>
+                <a:latin typeface="+mn-lt"/>
+                <a:ea typeface="+mn-ea"/>
+                <a:cs typeface="+mn-cs"/>
+              </a:defRPr>
+            </a:lvl7pPr>
+            <a:lvl8pPr marL="3429000" indent="-228600" algn="l" defTabSz="914400" rtl="0" eaLnBrk="1" latinLnBrk="0" hangingPunct="1">
+              <a:lnSpc>
+                <a:spcPct val="90000"/>
+              </a:lnSpc>
+              <a:spcBef>
+                <a:spcPts val="500"/>
+              </a:spcBef>
+              <a:buFont typeface="Arial" panose="020B0604020202020204" pitchFamily="34" charset="0"/>
+              <a:buChar char="•"/>
+              <a:defRPr sz="1800" kern="1200">
+                <a:solidFill>
+                  <a:schemeClr val="tx1"/>
+                </a:solidFill>
+                <a:latin typeface="+mn-lt"/>
+                <a:ea typeface="+mn-ea"/>
+                <a:cs typeface="+mn-cs"/>
+              </a:defRPr>
+            </a:lvl8pPr>
+            <a:lvl9pPr marL="3886200" indent="-228600" algn="l" defTabSz="914400" rtl="0" eaLnBrk="1" latinLnBrk="0" hangingPunct="1">
+              <a:lnSpc>
+                <a:spcPct val="90000"/>
+              </a:lnSpc>
+              <a:spcBef>
+                <a:spcPts val="500"/>
+              </a:spcBef>
+              <a:buFont typeface="Arial" panose="020B0604020202020204" pitchFamily="34" charset="0"/>
+              <a:buChar char="•"/>
+              <a:defRPr sz="1800" kern="1200">
+                <a:solidFill>
+                  <a:schemeClr val="tx1"/>
+                </a:solidFill>
+                <a:latin typeface="+mn-lt"/>
+                <a:ea typeface="+mn-ea"/>
+                <a:cs typeface="+mn-cs"/>
+              </a:defRPr>
+            </a:lvl9pPr>
+          </a:lstStyle>
+          <a:p>
+            <a:pPr>
+              <a:buFont typeface="Wingdings" panose="05000000000000000000" pitchFamily="2" charset="2"/>
+              <a:buChar char="§"/>
+            </a:pPr>
+            <a:r>
+              <a:rPr lang="en-US" dirty="0"/>
+              <a:t>Attempted to implement weighted forests.</a:t>
+            </a:r>
+          </a:p>
+          <a:p>
+            <a:pPr>
+              <a:buFont typeface="Wingdings" panose="05000000000000000000" pitchFamily="2" charset="2"/>
+              <a:buChar char="§"/>
+            </a:pPr>
+            <a:r>
+              <a:rPr lang="en-US" dirty="0"/>
+              <a:t>By calculating the OOB error of each tree</a:t>
+            </a:r>
+          </a:p>
+          <a:p>
+            <a:pPr>
+              <a:buFont typeface="Wingdings" panose="05000000000000000000" pitchFamily="2" charset="2"/>
+              <a:buChar char="§"/>
+            </a:pPr>
+            <a:r>
+              <a:rPr lang="en-US" dirty="0"/>
+              <a:t>Changing the structure of RF model</a:t>
+            </a:r>
+          </a:p>
+          <a:p>
+            <a:pPr>
+              <a:buFont typeface="Wingdings" panose="05000000000000000000" pitchFamily="2" charset="2"/>
+              <a:buChar char="§"/>
+            </a:pPr>
+            <a:endParaRPr lang="en-US" dirty="0"/>
+          </a:p>
+        </p:txBody>
+      </p:sp>
+    </p:spTree>
+    <p:extLst>
+      <p:ext uri="{BB962C8B-B14F-4D97-AF65-F5344CB8AC3E}">
+        <p14:creationId xmlns:p14="http://schemas.microsoft.com/office/powerpoint/2010/main" val="2355965566"/>
+      </p:ext>
+    </p:extLst>
+  </p:cSld>
+  <p:clrMapOvr>
+    <a:masterClrMapping/>
+  </p:clrMapOvr>
+</p:sld>
+</file>
+
+<file path=ppt/slides/slide18.xml><?xml version="1.0" encoding="utf-8"?>
+<p:sld xmlns:a="http://schemas.openxmlformats.org/drawingml/2006/main" xmlns:r="http://schemas.openxmlformats.org/officeDocument/2006/relationships" xmlns:p="http://schemas.openxmlformats.org/presentationml/2006/main">
+  <p:cSld>
+    <p:spTree>
+      <p:nvGrpSpPr>
+        <p:cNvPr id="1" name=""/>
+        <p:cNvGrpSpPr/>
+        <p:nvPr/>
+      </p:nvGrpSpPr>
+      <p:grpSpPr>
+        <a:xfrm>
+          <a:off x="0" y="0"/>
+          <a:ext cx="0" cy="0"/>
+          <a:chOff x="0" y="0"/>
+          <a:chExt cx="0" cy="0"/>
+        </a:xfrm>
+      </p:grpSpPr>
+      <p:sp>
+        <p:nvSpPr>
+          <p:cNvPr id="2" name="Title 1">
+            <a:extLst>
+              <a:ext uri="{FF2B5EF4-FFF2-40B4-BE49-F238E27FC236}">
                 <a16:creationId xmlns:a16="http://schemas.microsoft.com/office/drawing/2014/main" id="{97E37F4B-A10F-E16A-A412-33FB1CC3ED7A}"/>
               </a:ext>
             </a:extLst>
@@ -15292,7 +16684,7 @@
           <a:p>
             <a:fld id="{73B850FF-6169-4056-8077-06FFA93A5366}" type="slidenum">
               <a:rPr lang="en-US" smtClean="0"/>
-              <a:t>14</a:t>
+              <a:t>18</a:t>
             </a:fld>
             <a:endParaRPr lang="en-US"/>
           </a:p>
@@ -15311,7 +16703,7 @@
 </p:sld>
 </file>
 
-<file path=ppt/slides/slide15.xml><?xml version="1.0" encoding="utf-8"?>
+<file path=ppt/slides/slide19.xml><?xml version="1.0" encoding="utf-8"?>
 <p:sld xmlns:a="http://schemas.openxmlformats.org/drawingml/2006/main" xmlns:r="http://schemas.openxmlformats.org/officeDocument/2006/relationships" xmlns:p="http://schemas.openxmlformats.org/presentationml/2006/main">
   <p:cSld>
     <p:spTree>
@@ -15387,7 +16779,7 @@
           <a:p>
             <a:fld id="{73B850FF-6169-4056-8077-06FFA93A5366}" type="slidenum">
               <a:rPr lang="en-US" smtClean="0"/>
-              <a:t>15</a:t>
+              <a:t>19</a:t>
             </a:fld>
             <a:endParaRPr lang="en-US"/>
           </a:p>

--- a/ML-Project.pptx
+++ b/ML-Project.pptx
@@ -5,7 +5,7 @@
     <p:sldMasterId id="2147483660" r:id="rId1"/>
   </p:sldMasterIdLst>
   <p:notesMasterIdLst>
-    <p:notesMasterId r:id="rId12"/>
+    <p:notesMasterId r:id="rId23"/>
   </p:notesMasterIdLst>
   <p:sldIdLst>
     <p:sldId id="256" r:id="rId2"/>
@@ -16,8 +16,19 @@
     <p:sldId id="289" r:id="rId7"/>
     <p:sldId id="287" r:id="rId8"/>
     <p:sldId id="290" r:id="rId9"/>
-    <p:sldId id="281" r:id="rId10"/>
-    <p:sldId id="282" r:id="rId11"/>
+    <p:sldId id="300" r:id="rId10"/>
+    <p:sldId id="301" r:id="rId11"/>
+    <p:sldId id="291" r:id="rId12"/>
+    <p:sldId id="292" r:id="rId13"/>
+    <p:sldId id="293" r:id="rId14"/>
+    <p:sldId id="294" r:id="rId15"/>
+    <p:sldId id="295" r:id="rId16"/>
+    <p:sldId id="296" r:id="rId17"/>
+    <p:sldId id="298" r:id="rId18"/>
+    <p:sldId id="297" r:id="rId19"/>
+    <p:sldId id="299" r:id="rId20"/>
+    <p:sldId id="281" r:id="rId21"/>
+    <p:sldId id="282" r:id="rId22"/>
   </p:sldIdLst>
   <p:sldSz cx="12192000" cy="6858000"/>
   <p:notesSz cx="6858000" cy="9144000"/>
@@ -133,6 +144,17 @@
             <p14:sldId id="289"/>
             <p14:sldId id="287"/>
             <p14:sldId id="290"/>
+            <p14:sldId id="300"/>
+            <p14:sldId id="301"/>
+            <p14:sldId id="291"/>
+            <p14:sldId id="292"/>
+            <p14:sldId id="293"/>
+            <p14:sldId id="294"/>
+            <p14:sldId id="295"/>
+            <p14:sldId id="296"/>
+            <p14:sldId id="298"/>
+            <p14:sldId id="297"/>
+            <p14:sldId id="299"/>
           </p14:sldIdLst>
         </p14:section>
         <p14:section name="Conclusion" id="{B5001B22-43B0-41A6-A184-B965F0D1F4DB}">
@@ -152,6 +174,148 @@
 
 <file path=ppt/changesInfos/changesInfo1.xml><?xml version="1.0" encoding="utf-8"?>
 <pc:chgInfo xmlns:a="http://schemas.openxmlformats.org/drawingml/2006/main" xmlns:r="http://schemas.openxmlformats.org/officeDocument/2006/relationships" xmlns:ac="http://schemas.microsoft.com/office/drawing/2013/main/command" xmlns:pc="http://schemas.microsoft.com/office/powerpoint/2013/main/command">
+  <pc:docChgLst>
+    <pc:chgData name="Jossin Antony" userId="bca7c97402951e24" providerId="LiveId" clId="{97898245-A11C-4499-8AAD-893CB2642DF8}"/>
+    <pc:docChg chg="custSel addSld modSld modSection">
+      <pc:chgData name="Jossin Antony" userId="bca7c97402951e24" providerId="LiveId" clId="{97898245-A11C-4499-8AAD-893CB2642DF8}" dt="2024-01-18T05:47:37.617" v="1147" actId="20577"/>
+      <pc:docMkLst>
+        <pc:docMk/>
+      </pc:docMkLst>
+      <pc:sldChg chg="modSp mod">
+        <pc:chgData name="Jossin Antony" userId="bca7c97402951e24" providerId="LiveId" clId="{97898245-A11C-4499-8AAD-893CB2642DF8}" dt="2024-01-18T05:47:37.617" v="1147" actId="20577"/>
+        <pc:sldMkLst>
+          <pc:docMk/>
+          <pc:sldMk cId="2537131252" sldId="281"/>
+        </pc:sldMkLst>
+        <pc:spChg chg="mod">
+          <ac:chgData name="Jossin Antony" userId="bca7c97402951e24" providerId="LiveId" clId="{97898245-A11C-4499-8AAD-893CB2642DF8}" dt="2024-01-18T05:47:37.617" v="1147" actId="20577"/>
+          <ac:spMkLst>
+            <pc:docMk/>
+            <pc:sldMk cId="2537131252" sldId="281"/>
+            <ac:spMk id="3" creationId="{063A483D-D6D3-F1BA-69E0-5819CEE06360}"/>
+          </ac:spMkLst>
+        </pc:spChg>
+      </pc:sldChg>
+      <pc:sldChg chg="addSp delSp modSp new mod">
+        <pc:chgData name="Jossin Antony" userId="bca7c97402951e24" providerId="LiveId" clId="{97898245-A11C-4499-8AAD-893CB2642DF8}" dt="2024-01-18T05:37:43.859" v="126" actId="14100"/>
+        <pc:sldMkLst>
+          <pc:docMk/>
+          <pc:sldMk cId="2043315663" sldId="300"/>
+        </pc:sldMkLst>
+        <pc:spChg chg="mod">
+          <ac:chgData name="Jossin Antony" userId="bca7c97402951e24" providerId="LiveId" clId="{97898245-A11C-4499-8AAD-893CB2642DF8}" dt="2024-01-18T05:29:36.159" v="13" actId="20577"/>
+          <ac:spMkLst>
+            <pc:docMk/>
+            <pc:sldMk cId="2043315663" sldId="300"/>
+            <ac:spMk id="2" creationId="{3B702B33-338B-5EDD-7BDB-3D89C8507BA2}"/>
+          </ac:spMkLst>
+        </pc:spChg>
+        <pc:spChg chg="del mod">
+          <ac:chgData name="Jossin Antony" userId="bca7c97402951e24" providerId="LiveId" clId="{97898245-A11C-4499-8AAD-893CB2642DF8}" dt="2024-01-18T05:29:49.027" v="15"/>
+          <ac:spMkLst>
+            <pc:docMk/>
+            <pc:sldMk cId="2043315663" sldId="300"/>
+            <ac:spMk id="3" creationId="{E7F5A75E-9FE5-800E-3F8E-AEADDE80FE9C}"/>
+          </ac:spMkLst>
+        </pc:spChg>
+        <pc:spChg chg="add mod">
+          <ac:chgData name="Jossin Antony" userId="bca7c97402951e24" providerId="LiveId" clId="{97898245-A11C-4499-8AAD-893CB2642DF8}" dt="2024-01-18T05:33:05.062" v="85" actId="14100"/>
+          <ac:spMkLst>
+            <pc:docMk/>
+            <pc:sldMk cId="2043315663" sldId="300"/>
+            <ac:spMk id="5" creationId="{A3F8DA65-1E21-D823-AA86-C2014F412867}"/>
+          </ac:spMkLst>
+        </pc:spChg>
+        <pc:spChg chg="add mod">
+          <ac:chgData name="Jossin Antony" userId="bca7c97402951e24" providerId="LiveId" clId="{97898245-A11C-4499-8AAD-893CB2642DF8}" dt="2024-01-18T05:37:43.859" v="126" actId="14100"/>
+          <ac:spMkLst>
+            <pc:docMk/>
+            <pc:sldMk cId="2043315663" sldId="300"/>
+            <ac:spMk id="8" creationId="{73193698-17A3-3BD2-6B62-1CA3AD605033}"/>
+          </ac:spMkLst>
+        </pc:spChg>
+        <pc:picChg chg="add mod">
+          <ac:chgData name="Jossin Antony" userId="bca7c97402951e24" providerId="LiveId" clId="{97898245-A11C-4499-8AAD-893CB2642DF8}" dt="2024-01-18T05:35:58.554" v="87" actId="1076"/>
+          <ac:picMkLst>
+            <pc:docMk/>
+            <pc:sldMk cId="2043315663" sldId="300"/>
+            <ac:picMk id="7" creationId="{869E668B-733C-BB07-1229-49E14F40C6E8}"/>
+          </ac:picMkLst>
+        </pc:picChg>
+      </pc:sldChg>
+      <pc:sldChg chg="addSp delSp modSp add mod">
+        <pc:chgData name="Jossin Antony" userId="bca7c97402951e24" providerId="LiveId" clId="{97898245-A11C-4499-8AAD-893CB2642DF8}" dt="2024-01-18T05:40:16.560" v="377" actId="1038"/>
+        <pc:sldMkLst>
+          <pc:docMk/>
+          <pc:sldMk cId="2274149561" sldId="301"/>
+        </pc:sldMkLst>
+        <pc:spChg chg="mod">
+          <ac:chgData name="Jossin Antony" userId="bca7c97402951e24" providerId="LiveId" clId="{97898245-A11C-4499-8AAD-893CB2642DF8}" dt="2024-01-18T05:39:14.908" v="171" actId="20577"/>
+          <ac:spMkLst>
+            <pc:docMk/>
+            <pc:sldMk cId="2274149561" sldId="301"/>
+            <ac:spMk id="2" creationId="{3B702B33-338B-5EDD-7BDB-3D89C8507BA2}"/>
+          </ac:spMkLst>
+        </pc:spChg>
+        <pc:spChg chg="del">
+          <ac:chgData name="Jossin Antony" userId="bca7c97402951e24" providerId="LiveId" clId="{97898245-A11C-4499-8AAD-893CB2642DF8}" dt="2024-01-18T05:37:55.609" v="129" actId="478"/>
+          <ac:spMkLst>
+            <pc:docMk/>
+            <pc:sldMk cId="2274149561" sldId="301"/>
+            <ac:spMk id="5" creationId="{A3F8DA65-1E21-D823-AA86-C2014F412867}"/>
+          </ac:spMkLst>
+        </pc:spChg>
+        <pc:spChg chg="add del mod">
+          <ac:chgData name="Jossin Antony" userId="bca7c97402951e24" providerId="LiveId" clId="{97898245-A11C-4499-8AAD-893CB2642DF8}" dt="2024-01-18T05:37:59.387" v="130" actId="478"/>
+          <ac:spMkLst>
+            <pc:docMk/>
+            <pc:sldMk cId="2274149561" sldId="301"/>
+            <ac:spMk id="6" creationId="{1036438E-0751-F57A-0512-0F6A732E957F}"/>
+          </ac:spMkLst>
+        </pc:spChg>
+        <pc:spChg chg="del">
+          <ac:chgData name="Jossin Antony" userId="bca7c97402951e24" providerId="LiveId" clId="{97898245-A11C-4499-8AAD-893CB2642DF8}" dt="2024-01-18T05:38:02.306" v="131" actId="478"/>
+          <ac:spMkLst>
+            <pc:docMk/>
+            <pc:sldMk cId="2274149561" sldId="301"/>
+            <ac:spMk id="8" creationId="{73193698-17A3-3BD2-6B62-1CA3AD605033}"/>
+          </ac:spMkLst>
+        </pc:spChg>
+        <pc:picChg chg="del">
+          <ac:chgData name="Jossin Antony" userId="bca7c97402951e24" providerId="LiveId" clId="{97898245-A11C-4499-8AAD-893CB2642DF8}" dt="2024-01-18T05:37:51.501" v="128" actId="478"/>
+          <ac:picMkLst>
+            <pc:docMk/>
+            <pc:sldMk cId="2274149561" sldId="301"/>
+            <ac:picMk id="7" creationId="{869E668B-733C-BB07-1229-49E14F40C6E8}"/>
+          </ac:picMkLst>
+        </pc:picChg>
+        <pc:picChg chg="add mod">
+          <ac:chgData name="Jossin Antony" userId="bca7c97402951e24" providerId="LiveId" clId="{97898245-A11C-4499-8AAD-893CB2642DF8}" dt="2024-01-18T05:40:10.438" v="356" actId="1038"/>
+          <ac:picMkLst>
+            <pc:docMk/>
+            <pc:sldMk cId="2274149561" sldId="301"/>
+            <ac:picMk id="10" creationId="{B88144B8-746F-DE1D-4087-72F8B8FA1325}"/>
+          </ac:picMkLst>
+        </pc:picChg>
+        <pc:picChg chg="add mod">
+          <ac:chgData name="Jossin Antony" userId="bca7c97402951e24" providerId="LiveId" clId="{97898245-A11C-4499-8AAD-893CB2642DF8}" dt="2024-01-18T05:40:16.560" v="377" actId="1038"/>
+          <ac:picMkLst>
+            <pc:docMk/>
+            <pc:sldMk cId="2274149561" sldId="301"/>
+            <ac:picMk id="12" creationId="{B4901C7F-FD5D-9789-0402-41914617D8EE}"/>
+          </ac:picMkLst>
+        </pc:picChg>
+        <pc:picChg chg="add mod">
+          <ac:chgData name="Jossin Antony" userId="bca7c97402951e24" providerId="LiveId" clId="{97898245-A11C-4499-8AAD-893CB2642DF8}" dt="2024-01-18T05:40:16.560" v="377" actId="1038"/>
+          <ac:picMkLst>
+            <pc:docMk/>
+            <pc:sldMk cId="2274149561" sldId="301"/>
+            <ac:picMk id="14" creationId="{8F3AB731-9EAD-DBE3-F152-EFEE9CB0372F}"/>
+          </ac:picMkLst>
+        </pc:picChg>
+      </pc:sldChg>
+    </pc:docChg>
+  </pc:docChgLst>
   <pc:docChgLst>
     <pc:chgData name="Jossin Antony" userId="bca7c97402951e24" providerId="LiveId" clId="{EBF28858-6F8B-4FE5-9952-D2E21041B130}"/>
     <pc:docChg chg="undo redo custSel addSld delSld modSld sldOrd addSection delSection modSection">
@@ -940,7 +1104,7 @@
           <a:p>
             <a:fld id="{5FF9625A-C6D8-4087-99D3-7B90F5B1BB8B}" type="datetimeFigureOut">
               <a:rPr lang="en-US" smtClean="0"/>
-              <a:t>1/16/2024</a:t>
+              <a:t>1/18/2024</a:t>
             </a:fld>
             <a:endParaRPr lang="en-US"/>
           </a:p>
@@ -1354,7 +1518,7 @@
           <a:p>
             <a:fld id="{D2A2FDD7-F877-4B3F-ADF8-28E23AE82AB1}" type="datetime1">
               <a:rPr lang="en-US" smtClean="0"/>
-              <a:t>1/16/2024</a:t>
+              <a:t>1/18/2024</a:t>
             </a:fld>
             <a:endParaRPr lang="en-US" dirty="0"/>
           </a:p>
@@ -1552,7 +1716,7 @@
           <a:p>
             <a:fld id="{9BEC25AB-37AF-4FC9-836D-4FFC00B3B8AB}" type="datetime1">
               <a:rPr lang="en-US" smtClean="0"/>
-              <a:t>1/16/2024</a:t>
+              <a:t>1/18/2024</a:t>
             </a:fld>
             <a:endParaRPr lang="en-US"/>
           </a:p>
@@ -1760,7 +1924,7 @@
           <a:p>
             <a:fld id="{1883CB96-DC4B-4FFE-A8AB-F250F84D679F}" type="datetime1">
               <a:rPr lang="en-US" smtClean="0"/>
-              <a:t>1/16/2024</a:t>
+              <a:t>1/18/2024</a:t>
             </a:fld>
             <a:endParaRPr lang="en-US"/>
           </a:p>
@@ -1958,7 +2122,7 @@
           <a:p>
             <a:fld id="{EDBF2ADA-140C-44C8-9B7D-9AEBCE26561B}" type="datetime1">
               <a:rPr lang="en-US" smtClean="0"/>
-              <a:t>1/16/2024</a:t>
+              <a:t>1/18/2024</a:t>
             </a:fld>
             <a:endParaRPr lang="en-US"/>
           </a:p>
@@ -2233,7 +2397,7 @@
           <a:p>
             <a:fld id="{0F4AD199-642C-4A9E-B595-2E7CFE846E84}" type="datetime1">
               <a:rPr lang="en-US" smtClean="0"/>
-              <a:t>1/16/2024</a:t>
+              <a:t>1/18/2024</a:t>
             </a:fld>
             <a:endParaRPr lang="en-US"/>
           </a:p>
@@ -2498,7 +2662,7 @@
           <a:p>
             <a:fld id="{6899750D-CBC1-4A5D-B29D-2515497AEAAD}" type="datetime1">
               <a:rPr lang="en-US" smtClean="0"/>
-              <a:t>1/16/2024</a:t>
+              <a:t>1/18/2024</a:t>
             </a:fld>
             <a:endParaRPr lang="en-US"/>
           </a:p>
@@ -2910,7 +3074,7 @@
           <a:p>
             <a:fld id="{BDE57766-CA3C-474D-A80A-9D1B92A9C79F}" type="datetime1">
               <a:rPr lang="en-US" smtClean="0"/>
-              <a:t>1/16/2024</a:t>
+              <a:t>1/18/2024</a:t>
             </a:fld>
             <a:endParaRPr lang="en-US"/>
           </a:p>
@@ -3051,7 +3215,7 @@
           <a:p>
             <a:fld id="{5A3B5FFE-E390-40EF-9DBA-D75995B5269D}" type="datetime1">
               <a:rPr lang="en-US" smtClean="0"/>
-              <a:t>1/16/2024</a:t>
+              <a:t>1/18/2024</a:t>
             </a:fld>
             <a:endParaRPr lang="en-US"/>
           </a:p>
@@ -3164,7 +3328,7 @@
           <a:p>
             <a:fld id="{DA4565F6-6E40-41FA-A553-0D52F5A6F960}" type="datetime1">
               <a:rPr lang="en-US" smtClean="0"/>
-              <a:t>1/16/2024</a:t>
+              <a:t>1/18/2024</a:t>
             </a:fld>
             <a:endParaRPr lang="en-US"/>
           </a:p>
@@ -3475,7 +3639,7 @@
           <a:p>
             <a:fld id="{052DFDE9-BC24-4251-B4C9-89FDC4181594}" type="datetime1">
               <a:rPr lang="en-US" smtClean="0"/>
-              <a:t>1/16/2024</a:t>
+              <a:t>1/18/2024</a:t>
             </a:fld>
             <a:endParaRPr lang="en-US"/>
           </a:p>
@@ -3766,7 +3930,7 @@
           <a:p>
             <a:fld id="{D3DD5D71-B006-43E5-92E2-45DF5FE498B4}" type="datetime1">
               <a:rPr lang="en-US" smtClean="0"/>
-              <a:t>1/16/2024</a:t>
+              <a:t>1/18/2024</a:t>
             </a:fld>
             <a:endParaRPr lang="en-US"/>
           </a:p>
@@ -7475,7 +7639,7 @@
           <a:p>
             <a:fld id="{0965EAA1-B23F-4B61-BEEA-11A56046C805}" type="datetime1">
               <a:rPr lang="en-US" smtClean="0"/>
-              <a:t>1/16/2024</a:t>
+              <a:t>1/18/2024</a:t>
             </a:fld>
             <a:endParaRPr lang="en-US" dirty="0"/>
           </a:p>
@@ -8086,7 +8250,7 @@
         </p:spPr>
         <p:txBody>
           <a:bodyPr anchor="ctr">
-            <a:normAutofit/>
+            <a:normAutofit fontScale="90000"/>
           </a:bodyPr>
           <a:lstStyle/>
           <a:p>
@@ -12017,7 +12181,7 @@
           <p:cNvPr id="2" name="Title 1">
             <a:extLst>
               <a:ext uri="{FF2B5EF4-FFF2-40B4-BE49-F238E27FC236}">
-                <a16:creationId xmlns:a16="http://schemas.microsoft.com/office/drawing/2014/main" id="{8A01A7EE-D5B0-E0C5-0007-F9E4797F8AB8}"/>
+                <a16:creationId xmlns:a16="http://schemas.microsoft.com/office/drawing/2014/main" id="{3B702B33-338B-5EDD-7BDB-3D89C8507BA2}"/>
               </a:ext>
             </a:extLst>
           </p:cNvPr>
@@ -12028,32 +12192,24 @@
             <p:ph type="title"/>
           </p:nvPr>
         </p:nvSpPr>
-        <p:spPr>
-          <a:xfrm>
-            <a:off x="838200" y="2766218"/>
-            <a:ext cx="10515600" cy="1325563"/>
-          </a:xfrm>
-        </p:spPr>
+        <p:spPr/>
         <p:txBody>
-          <a:bodyPr>
-            <a:normAutofit/>
-          </a:bodyPr>
+          <a:bodyPr/>
           <a:lstStyle/>
           <a:p>
-            <a:pPr algn="ctr"/>
             <a:r>
-              <a:rPr lang="en-US" sz="5400" dirty="0"/>
-              <a:t>Thank you for your attention!</a:t>
+              <a:rPr lang="en-US" dirty="0"/>
+              <a:t>KNN Regressor- residual plots</a:t>
             </a:r>
           </a:p>
         </p:txBody>
       </p:sp>
       <p:sp>
         <p:nvSpPr>
-          <p:cNvPr id="3" name="Slide Number Placeholder 2">
+          <p:cNvPr id="4" name="Slide Number Placeholder 3">
             <a:extLst>
               <a:ext uri="{FF2B5EF4-FFF2-40B4-BE49-F238E27FC236}">
-                <a16:creationId xmlns:a16="http://schemas.microsoft.com/office/drawing/2014/main" id="{BB3D6ACB-8926-F9EC-C380-BA24442F743C}"/>
+                <a16:creationId xmlns:a16="http://schemas.microsoft.com/office/drawing/2014/main" id="{A540D7E5-1452-E446-44AA-4A60004511B8}"/>
               </a:ext>
             </a:extLst>
           </p:cNvPr>
@@ -12077,10 +12233,5502 @@
           </a:p>
         </p:txBody>
       </p:sp>
+      <p:pic>
+        <p:nvPicPr>
+          <p:cNvPr id="10" name="Picture 9">
+            <a:extLst>
+              <a:ext uri="{FF2B5EF4-FFF2-40B4-BE49-F238E27FC236}">
+                <a16:creationId xmlns:a16="http://schemas.microsoft.com/office/drawing/2014/main" id="{B88144B8-746F-DE1D-4087-72F8B8FA1325}"/>
+              </a:ext>
+            </a:extLst>
+          </p:cNvPr>
+          <p:cNvPicPr>
+            <a:picLocks noChangeAspect="1"/>
+          </p:cNvPicPr>
+          <p:nvPr/>
+        </p:nvPicPr>
+        <p:blipFill>
+          <a:blip r:embed="rId2"/>
+          <a:stretch>
+            <a:fillRect/>
+          </a:stretch>
+        </p:blipFill>
+        <p:spPr>
+          <a:xfrm>
+            <a:off x="963242" y="1905505"/>
+            <a:ext cx="6513303" cy="4118039"/>
+          </a:xfrm>
+          <a:prstGeom prst="rect">
+            <a:avLst/>
+          </a:prstGeom>
+        </p:spPr>
+      </p:pic>
+      <p:pic>
+        <p:nvPicPr>
+          <p:cNvPr id="12" name="Picture 11">
+            <a:extLst>
+              <a:ext uri="{FF2B5EF4-FFF2-40B4-BE49-F238E27FC236}">
+                <a16:creationId xmlns:a16="http://schemas.microsoft.com/office/drawing/2014/main" id="{B4901C7F-FD5D-9789-0402-41914617D8EE}"/>
+              </a:ext>
+            </a:extLst>
+          </p:cNvPr>
+          <p:cNvPicPr>
+            <a:picLocks noChangeAspect="1"/>
+          </p:cNvPicPr>
+          <p:nvPr/>
+        </p:nvPicPr>
+        <p:blipFill>
+          <a:blip r:embed="rId3"/>
+          <a:stretch>
+            <a:fillRect/>
+          </a:stretch>
+        </p:blipFill>
+        <p:spPr>
+          <a:xfrm>
+            <a:off x="8071500" y="1506826"/>
+            <a:ext cx="3397229" cy="2653353"/>
+          </a:xfrm>
+          <a:prstGeom prst="rect">
+            <a:avLst/>
+          </a:prstGeom>
+        </p:spPr>
+      </p:pic>
+      <p:pic>
+        <p:nvPicPr>
+          <p:cNvPr id="14" name="Picture 13">
+            <a:extLst>
+              <a:ext uri="{FF2B5EF4-FFF2-40B4-BE49-F238E27FC236}">
+                <a16:creationId xmlns:a16="http://schemas.microsoft.com/office/drawing/2014/main" id="{8F3AB731-9EAD-DBE3-F152-EFEE9CB0372F}"/>
+              </a:ext>
+            </a:extLst>
+          </p:cNvPr>
+          <p:cNvPicPr>
+            <a:picLocks noChangeAspect="1"/>
+          </p:cNvPicPr>
+          <p:nvPr/>
+        </p:nvPicPr>
+        <p:blipFill>
+          <a:blip r:embed="rId4"/>
+          <a:stretch>
+            <a:fillRect/>
+          </a:stretch>
+        </p:blipFill>
+        <p:spPr>
+          <a:xfrm>
+            <a:off x="8071500" y="4218301"/>
+            <a:ext cx="3397228" cy="2639699"/>
+          </a:xfrm>
+          <a:prstGeom prst="rect">
+            <a:avLst/>
+          </a:prstGeom>
+        </p:spPr>
+      </p:pic>
     </p:spTree>
     <p:extLst>
       <p:ext uri="{BB962C8B-B14F-4D97-AF65-F5344CB8AC3E}">
-        <p14:creationId xmlns:p14="http://schemas.microsoft.com/office/powerpoint/2010/main" val="1537215869"/>
+        <p14:creationId xmlns:p14="http://schemas.microsoft.com/office/powerpoint/2010/main" val="2274149561"/>
+      </p:ext>
+    </p:extLst>
+  </p:cSld>
+  <p:clrMapOvr>
+    <a:masterClrMapping/>
+  </p:clrMapOvr>
+</p:sld>
+</file>
+
+<file path=ppt/slides/slide11.xml><?xml version="1.0" encoding="utf-8"?>
+<p:sld xmlns:a="http://schemas.openxmlformats.org/drawingml/2006/main" xmlns:r="http://schemas.openxmlformats.org/officeDocument/2006/relationships" xmlns:p="http://schemas.openxmlformats.org/presentationml/2006/main">
+  <p:cSld>
+    <p:spTree>
+      <p:nvGrpSpPr>
+        <p:cNvPr id="1" name=""/>
+        <p:cNvGrpSpPr/>
+        <p:nvPr/>
+      </p:nvGrpSpPr>
+      <p:grpSpPr>
+        <a:xfrm>
+          <a:off x="0" y="0"/>
+          <a:ext cx="0" cy="0"/>
+          <a:chOff x="0" y="0"/>
+          <a:chExt cx="0" cy="0"/>
+        </a:xfrm>
+      </p:grpSpPr>
+      <p:sp>
+        <p:nvSpPr>
+          <p:cNvPr id="2" name="Title 1">
+            <a:extLst>
+              <a:ext uri="{FF2B5EF4-FFF2-40B4-BE49-F238E27FC236}">
+                <a16:creationId xmlns:a16="http://schemas.microsoft.com/office/drawing/2014/main" id="{5DC85B10-4428-71B3-BD8A-970EA9DC1AB3}"/>
+              </a:ext>
+            </a:extLst>
+          </p:cNvPr>
+          <p:cNvSpPr>
+            <a:spLocks noGrp="1"/>
+          </p:cNvSpPr>
+          <p:nvPr>
+            <p:ph type="title"/>
+          </p:nvPr>
+        </p:nvSpPr>
+        <p:spPr/>
+        <p:txBody>
+          <a:bodyPr/>
+          <a:lstStyle/>
+          <a:p>
+            <a:r>
+              <a:rPr lang="en-US" dirty="0"/>
+              <a:t>Regression tree</a:t>
+            </a:r>
+          </a:p>
+        </p:txBody>
+      </p:sp>
+      <p:sp>
+        <p:nvSpPr>
+          <p:cNvPr id="11" name="Content Placeholder 4">
+            <a:extLst>
+              <a:ext uri="{FF2B5EF4-FFF2-40B4-BE49-F238E27FC236}">
+                <a16:creationId xmlns:a16="http://schemas.microsoft.com/office/drawing/2014/main" id="{6D8E2F79-D794-7A2A-3D5C-EE859F3B9DC3}"/>
+              </a:ext>
+            </a:extLst>
+          </p:cNvPr>
+          <p:cNvSpPr txBox="1">
+            <a:spLocks/>
+          </p:cNvSpPr>
+          <p:nvPr/>
+        </p:nvSpPr>
+        <p:spPr>
+          <a:xfrm>
+            <a:off x="7724029" y="1531496"/>
+            <a:ext cx="2870430" cy="1718823"/>
+          </a:xfrm>
+          <a:prstGeom prst="rect">
+            <a:avLst/>
+          </a:prstGeom>
+        </p:spPr>
+        <p:txBody>
+          <a:bodyPr vert="horz" lIns="91440" tIns="45720" rIns="91440" bIns="45720" rtlCol="0">
+            <a:noAutofit/>
+          </a:bodyPr>
+          <a:lstStyle>
+            <a:lvl1pPr marL="228600" indent="-228600" algn="l" defTabSz="914400" rtl="0" eaLnBrk="1" latinLnBrk="0" hangingPunct="1">
+              <a:lnSpc>
+                <a:spcPct val="110000"/>
+              </a:lnSpc>
+              <a:spcBef>
+                <a:spcPts val="1000"/>
+              </a:spcBef>
+              <a:buClr>
+                <a:schemeClr val="accent5"/>
+              </a:buClr>
+              <a:buFont typeface="Avenir Next LT Pro" panose="020B0504020202020204" pitchFamily="34" charset="0"/>
+              <a:buChar char="+"/>
+              <a:defRPr sz="2800" kern="1200">
+                <a:solidFill>
+                  <a:schemeClr val="tx2"/>
+                </a:solidFill>
+                <a:latin typeface="+mn-lt"/>
+                <a:ea typeface="+mn-ea"/>
+                <a:cs typeface="+mn-cs"/>
+              </a:defRPr>
+            </a:lvl1pPr>
+            <a:lvl2pPr marL="685800" indent="-228600" algn="l" defTabSz="914400" rtl="0" eaLnBrk="1" latinLnBrk="0" hangingPunct="1">
+              <a:lnSpc>
+                <a:spcPct val="110000"/>
+              </a:lnSpc>
+              <a:spcBef>
+                <a:spcPts val="500"/>
+              </a:spcBef>
+              <a:buClr>
+                <a:schemeClr val="accent5"/>
+              </a:buClr>
+              <a:buFont typeface="Avenir Next LT Pro" panose="020B0504020202020204" pitchFamily="34" charset="0"/>
+              <a:buChar char="+"/>
+              <a:defRPr sz="2400" kern="1200">
+                <a:solidFill>
+                  <a:schemeClr val="tx2"/>
+                </a:solidFill>
+                <a:latin typeface="+mn-lt"/>
+                <a:ea typeface="+mn-ea"/>
+                <a:cs typeface="+mn-cs"/>
+              </a:defRPr>
+            </a:lvl2pPr>
+            <a:lvl3pPr marL="1143000" indent="-228600" algn="l" defTabSz="914400" rtl="0" eaLnBrk="1" latinLnBrk="0" hangingPunct="1">
+              <a:lnSpc>
+                <a:spcPct val="110000"/>
+              </a:lnSpc>
+              <a:spcBef>
+                <a:spcPts val="500"/>
+              </a:spcBef>
+              <a:buClr>
+                <a:schemeClr val="accent5"/>
+              </a:buClr>
+              <a:buFont typeface="Avenir Next LT Pro" panose="020B0504020202020204" pitchFamily="34" charset="0"/>
+              <a:buChar char="+"/>
+              <a:defRPr sz="2000" kern="1200">
+                <a:solidFill>
+                  <a:schemeClr val="tx2"/>
+                </a:solidFill>
+                <a:latin typeface="+mn-lt"/>
+                <a:ea typeface="+mn-ea"/>
+                <a:cs typeface="+mn-cs"/>
+              </a:defRPr>
+            </a:lvl3pPr>
+            <a:lvl4pPr marL="1600200" indent="-228600" algn="l" defTabSz="914400" rtl="0" eaLnBrk="1" latinLnBrk="0" hangingPunct="1">
+              <a:lnSpc>
+                <a:spcPct val="110000"/>
+              </a:lnSpc>
+              <a:spcBef>
+                <a:spcPts val="500"/>
+              </a:spcBef>
+              <a:buClr>
+                <a:schemeClr val="accent5"/>
+              </a:buClr>
+              <a:buFont typeface="Avenir Next LT Pro" panose="020B0504020202020204" pitchFamily="34" charset="0"/>
+              <a:buChar char="+"/>
+              <a:defRPr sz="1800" kern="1200">
+                <a:solidFill>
+                  <a:schemeClr val="tx2"/>
+                </a:solidFill>
+                <a:latin typeface="+mn-lt"/>
+                <a:ea typeface="+mn-ea"/>
+                <a:cs typeface="+mn-cs"/>
+              </a:defRPr>
+            </a:lvl4pPr>
+            <a:lvl5pPr marL="2057400" indent="-228600" algn="l" defTabSz="914400" rtl="0" eaLnBrk="1" latinLnBrk="0" hangingPunct="1">
+              <a:lnSpc>
+                <a:spcPct val="110000"/>
+              </a:lnSpc>
+              <a:spcBef>
+                <a:spcPts val="500"/>
+              </a:spcBef>
+              <a:buClr>
+                <a:schemeClr val="accent5"/>
+              </a:buClr>
+              <a:buFont typeface="Avenir Next LT Pro" panose="020B0504020202020204" pitchFamily="34" charset="0"/>
+              <a:buChar char="+"/>
+              <a:defRPr sz="1800" kern="1200">
+                <a:solidFill>
+                  <a:schemeClr val="tx2"/>
+                </a:solidFill>
+                <a:latin typeface="+mn-lt"/>
+                <a:ea typeface="+mn-ea"/>
+                <a:cs typeface="+mn-cs"/>
+              </a:defRPr>
+            </a:lvl5pPr>
+            <a:lvl6pPr marL="2514600" indent="-228600" algn="l" defTabSz="914400" rtl="0" eaLnBrk="1" latinLnBrk="0" hangingPunct="1">
+              <a:lnSpc>
+                <a:spcPct val="90000"/>
+              </a:lnSpc>
+              <a:spcBef>
+                <a:spcPts val="500"/>
+              </a:spcBef>
+              <a:buFont typeface="Arial" panose="020B0604020202020204" pitchFamily="34" charset="0"/>
+              <a:buChar char="•"/>
+              <a:defRPr sz="1800" kern="1200">
+                <a:solidFill>
+                  <a:schemeClr val="tx1"/>
+                </a:solidFill>
+                <a:latin typeface="+mn-lt"/>
+                <a:ea typeface="+mn-ea"/>
+                <a:cs typeface="+mn-cs"/>
+              </a:defRPr>
+            </a:lvl6pPr>
+            <a:lvl7pPr marL="2971800" indent="-228600" algn="l" defTabSz="914400" rtl="0" eaLnBrk="1" latinLnBrk="0" hangingPunct="1">
+              <a:lnSpc>
+                <a:spcPct val="90000"/>
+              </a:lnSpc>
+              <a:spcBef>
+                <a:spcPts val="500"/>
+              </a:spcBef>
+              <a:buFont typeface="Arial" panose="020B0604020202020204" pitchFamily="34" charset="0"/>
+              <a:buChar char="•"/>
+              <a:defRPr sz="1800" kern="1200">
+                <a:solidFill>
+                  <a:schemeClr val="tx1"/>
+                </a:solidFill>
+                <a:latin typeface="+mn-lt"/>
+                <a:ea typeface="+mn-ea"/>
+                <a:cs typeface="+mn-cs"/>
+              </a:defRPr>
+            </a:lvl7pPr>
+            <a:lvl8pPr marL="3429000" indent="-228600" algn="l" defTabSz="914400" rtl="0" eaLnBrk="1" latinLnBrk="0" hangingPunct="1">
+              <a:lnSpc>
+                <a:spcPct val="90000"/>
+              </a:lnSpc>
+              <a:spcBef>
+                <a:spcPts val="500"/>
+              </a:spcBef>
+              <a:buFont typeface="Arial" panose="020B0604020202020204" pitchFamily="34" charset="0"/>
+              <a:buChar char="•"/>
+              <a:defRPr sz="1800" kern="1200">
+                <a:solidFill>
+                  <a:schemeClr val="tx1"/>
+                </a:solidFill>
+                <a:latin typeface="+mn-lt"/>
+                <a:ea typeface="+mn-ea"/>
+                <a:cs typeface="+mn-cs"/>
+              </a:defRPr>
+            </a:lvl8pPr>
+            <a:lvl9pPr marL="3886200" indent="-228600" algn="l" defTabSz="914400" rtl="0" eaLnBrk="1" latinLnBrk="0" hangingPunct="1">
+              <a:lnSpc>
+                <a:spcPct val="90000"/>
+              </a:lnSpc>
+              <a:spcBef>
+                <a:spcPts val="500"/>
+              </a:spcBef>
+              <a:buFont typeface="Arial" panose="020B0604020202020204" pitchFamily="34" charset="0"/>
+              <a:buChar char="•"/>
+              <a:defRPr sz="1800" kern="1200">
+                <a:solidFill>
+                  <a:schemeClr val="tx1"/>
+                </a:solidFill>
+                <a:latin typeface="+mn-lt"/>
+                <a:ea typeface="+mn-ea"/>
+                <a:cs typeface="+mn-cs"/>
+              </a:defRPr>
+            </a:lvl9pPr>
+          </a:lstStyle>
+          <a:p>
+            <a:pPr marL="0" indent="0">
+              <a:buNone/>
+            </a:pPr>
+            <a:r>
+              <a:rPr lang="en-US" sz="1600" b="1" dirty="0"/>
+              <a:t>Model Evaluation:</a:t>
+            </a:r>
+          </a:p>
+          <a:p>
+            <a:pPr lvl="1">
+              <a:buFont typeface="Wingdings" panose="05000000000000000000" pitchFamily="2" charset="2"/>
+              <a:buChar char="Ø"/>
+            </a:pPr>
+            <a:r>
+              <a:rPr lang="en-US" sz="1600" dirty="0"/>
+              <a:t>MSE: 2633.92</a:t>
+            </a:r>
+          </a:p>
+          <a:p>
+            <a:pPr lvl="1">
+              <a:buFont typeface="Wingdings" panose="05000000000000000000" pitchFamily="2" charset="2"/>
+              <a:buChar char="Ø"/>
+            </a:pPr>
+            <a:r>
+              <a:rPr lang="en-US" sz="1600" dirty="0"/>
+              <a:t>RMSE: 51.32</a:t>
+            </a:r>
+          </a:p>
+          <a:p>
+            <a:pPr lvl="1">
+              <a:buFont typeface="Wingdings" panose="05000000000000000000" pitchFamily="2" charset="2"/>
+              <a:buChar char="Ø"/>
+            </a:pPr>
+            <a:r>
+              <a:rPr lang="en-US" sz="1600" dirty="0"/>
+              <a:t>R2 Score: 0.906</a:t>
+            </a:r>
+          </a:p>
+          <a:p>
+            <a:pPr lvl="1">
+              <a:buFont typeface="Wingdings" panose="05000000000000000000" pitchFamily="2" charset="2"/>
+              <a:buChar char="Ø"/>
+            </a:pPr>
+            <a:r>
+              <a:rPr lang="en-US" sz="1600" dirty="0"/>
+              <a:t>std deviation: 160.01</a:t>
+            </a:r>
+            <a:endParaRPr lang="en-US" sz="2000" dirty="0"/>
+          </a:p>
+          <a:p>
+            <a:pPr>
+              <a:buFont typeface="Wingdings" panose="05000000000000000000" pitchFamily="2" charset="2"/>
+              <a:buChar char="§"/>
+            </a:pPr>
+            <a:endParaRPr lang="en-US" sz="2000" dirty="0"/>
+          </a:p>
+          <a:p>
+            <a:pPr>
+              <a:buFont typeface="Wingdings" panose="05000000000000000000" pitchFamily="2" charset="2"/>
+              <a:buChar char="§"/>
+            </a:pPr>
+            <a:endParaRPr lang="en-US" sz="2000" dirty="0"/>
+          </a:p>
+        </p:txBody>
+      </p:sp>
+      <p:sp>
+        <p:nvSpPr>
+          <p:cNvPr id="12" name="Slide Number Placeholder 11">
+            <a:extLst>
+              <a:ext uri="{FF2B5EF4-FFF2-40B4-BE49-F238E27FC236}">
+                <a16:creationId xmlns:a16="http://schemas.microsoft.com/office/drawing/2014/main" id="{7E4D38FD-6BC2-DAE5-A5E9-1D70FF300D07}"/>
+              </a:ext>
+            </a:extLst>
+          </p:cNvPr>
+          <p:cNvSpPr>
+            <a:spLocks noGrp="1"/>
+          </p:cNvSpPr>
+          <p:nvPr>
+            <p:ph type="sldNum" sz="quarter" idx="12"/>
+          </p:nvPr>
+        </p:nvSpPr>
+        <p:spPr/>
+        <p:txBody>
+          <a:bodyPr/>
+          <a:lstStyle/>
+          <a:p>
+            <a:fld id="{73B850FF-6169-4056-8077-06FFA93A5366}" type="slidenum">
+              <a:rPr lang="en-US" smtClean="0"/>
+              <a:t>11</a:t>
+            </a:fld>
+            <a:endParaRPr lang="en-US"/>
+          </a:p>
+        </p:txBody>
+      </p:sp>
+      <p:sp>
+        <p:nvSpPr>
+          <p:cNvPr id="17" name="Content Placeholder 4">
+            <a:extLst>
+              <a:ext uri="{FF2B5EF4-FFF2-40B4-BE49-F238E27FC236}">
+                <a16:creationId xmlns:a16="http://schemas.microsoft.com/office/drawing/2014/main" id="{21EE3195-2D93-080E-BFA4-6D2F9B06197A}"/>
+              </a:ext>
+            </a:extLst>
+          </p:cNvPr>
+          <p:cNvSpPr txBox="1">
+            <a:spLocks/>
+          </p:cNvSpPr>
+          <p:nvPr/>
+        </p:nvSpPr>
+        <p:spPr>
+          <a:xfrm>
+            <a:off x="7724029" y="3402039"/>
+            <a:ext cx="2988090" cy="1623238"/>
+          </a:xfrm>
+          <a:prstGeom prst="rect">
+            <a:avLst/>
+          </a:prstGeom>
+        </p:spPr>
+        <p:txBody>
+          <a:bodyPr vert="horz" lIns="91440" tIns="45720" rIns="91440" bIns="45720" rtlCol="0">
+            <a:noAutofit/>
+          </a:bodyPr>
+          <a:lstStyle>
+            <a:lvl1pPr marL="228600" indent="-228600" algn="l" defTabSz="914400" rtl="0" eaLnBrk="1" latinLnBrk="0" hangingPunct="1">
+              <a:lnSpc>
+                <a:spcPct val="110000"/>
+              </a:lnSpc>
+              <a:spcBef>
+                <a:spcPts val="1000"/>
+              </a:spcBef>
+              <a:buClr>
+                <a:schemeClr val="accent5"/>
+              </a:buClr>
+              <a:buFont typeface="Avenir Next LT Pro" panose="020B0504020202020204" pitchFamily="34" charset="0"/>
+              <a:buChar char="+"/>
+              <a:defRPr sz="2800" kern="1200">
+                <a:solidFill>
+                  <a:schemeClr val="tx2"/>
+                </a:solidFill>
+                <a:latin typeface="+mn-lt"/>
+                <a:ea typeface="+mn-ea"/>
+                <a:cs typeface="+mn-cs"/>
+              </a:defRPr>
+            </a:lvl1pPr>
+            <a:lvl2pPr marL="685800" indent="-228600" algn="l" defTabSz="914400" rtl="0" eaLnBrk="1" latinLnBrk="0" hangingPunct="1">
+              <a:lnSpc>
+                <a:spcPct val="110000"/>
+              </a:lnSpc>
+              <a:spcBef>
+                <a:spcPts val="500"/>
+              </a:spcBef>
+              <a:buClr>
+                <a:schemeClr val="accent5"/>
+              </a:buClr>
+              <a:buFont typeface="Avenir Next LT Pro" panose="020B0504020202020204" pitchFamily="34" charset="0"/>
+              <a:buChar char="+"/>
+              <a:defRPr sz="2400" kern="1200">
+                <a:solidFill>
+                  <a:schemeClr val="tx2"/>
+                </a:solidFill>
+                <a:latin typeface="+mn-lt"/>
+                <a:ea typeface="+mn-ea"/>
+                <a:cs typeface="+mn-cs"/>
+              </a:defRPr>
+            </a:lvl2pPr>
+            <a:lvl3pPr marL="1143000" indent="-228600" algn="l" defTabSz="914400" rtl="0" eaLnBrk="1" latinLnBrk="0" hangingPunct="1">
+              <a:lnSpc>
+                <a:spcPct val="110000"/>
+              </a:lnSpc>
+              <a:spcBef>
+                <a:spcPts val="500"/>
+              </a:spcBef>
+              <a:buClr>
+                <a:schemeClr val="accent5"/>
+              </a:buClr>
+              <a:buFont typeface="Avenir Next LT Pro" panose="020B0504020202020204" pitchFamily="34" charset="0"/>
+              <a:buChar char="+"/>
+              <a:defRPr sz="2000" kern="1200">
+                <a:solidFill>
+                  <a:schemeClr val="tx2"/>
+                </a:solidFill>
+                <a:latin typeface="+mn-lt"/>
+                <a:ea typeface="+mn-ea"/>
+                <a:cs typeface="+mn-cs"/>
+              </a:defRPr>
+            </a:lvl3pPr>
+            <a:lvl4pPr marL="1600200" indent="-228600" algn="l" defTabSz="914400" rtl="0" eaLnBrk="1" latinLnBrk="0" hangingPunct="1">
+              <a:lnSpc>
+                <a:spcPct val="110000"/>
+              </a:lnSpc>
+              <a:spcBef>
+                <a:spcPts val="500"/>
+              </a:spcBef>
+              <a:buClr>
+                <a:schemeClr val="accent5"/>
+              </a:buClr>
+              <a:buFont typeface="Avenir Next LT Pro" panose="020B0504020202020204" pitchFamily="34" charset="0"/>
+              <a:buChar char="+"/>
+              <a:defRPr sz="1800" kern="1200">
+                <a:solidFill>
+                  <a:schemeClr val="tx2"/>
+                </a:solidFill>
+                <a:latin typeface="+mn-lt"/>
+                <a:ea typeface="+mn-ea"/>
+                <a:cs typeface="+mn-cs"/>
+              </a:defRPr>
+            </a:lvl4pPr>
+            <a:lvl5pPr marL="2057400" indent="-228600" algn="l" defTabSz="914400" rtl="0" eaLnBrk="1" latinLnBrk="0" hangingPunct="1">
+              <a:lnSpc>
+                <a:spcPct val="110000"/>
+              </a:lnSpc>
+              <a:spcBef>
+                <a:spcPts val="500"/>
+              </a:spcBef>
+              <a:buClr>
+                <a:schemeClr val="accent5"/>
+              </a:buClr>
+              <a:buFont typeface="Avenir Next LT Pro" panose="020B0504020202020204" pitchFamily="34" charset="0"/>
+              <a:buChar char="+"/>
+              <a:defRPr sz="1800" kern="1200">
+                <a:solidFill>
+                  <a:schemeClr val="tx2"/>
+                </a:solidFill>
+                <a:latin typeface="+mn-lt"/>
+                <a:ea typeface="+mn-ea"/>
+                <a:cs typeface="+mn-cs"/>
+              </a:defRPr>
+            </a:lvl5pPr>
+            <a:lvl6pPr marL="2514600" indent="-228600" algn="l" defTabSz="914400" rtl="0" eaLnBrk="1" latinLnBrk="0" hangingPunct="1">
+              <a:lnSpc>
+                <a:spcPct val="90000"/>
+              </a:lnSpc>
+              <a:spcBef>
+                <a:spcPts val="500"/>
+              </a:spcBef>
+              <a:buFont typeface="Arial" panose="020B0604020202020204" pitchFamily="34" charset="0"/>
+              <a:buChar char="•"/>
+              <a:defRPr sz="1800" kern="1200">
+                <a:solidFill>
+                  <a:schemeClr val="tx1"/>
+                </a:solidFill>
+                <a:latin typeface="+mn-lt"/>
+                <a:ea typeface="+mn-ea"/>
+                <a:cs typeface="+mn-cs"/>
+              </a:defRPr>
+            </a:lvl6pPr>
+            <a:lvl7pPr marL="2971800" indent="-228600" algn="l" defTabSz="914400" rtl="0" eaLnBrk="1" latinLnBrk="0" hangingPunct="1">
+              <a:lnSpc>
+                <a:spcPct val="90000"/>
+              </a:lnSpc>
+              <a:spcBef>
+                <a:spcPts val="500"/>
+              </a:spcBef>
+              <a:buFont typeface="Arial" panose="020B0604020202020204" pitchFamily="34" charset="0"/>
+              <a:buChar char="•"/>
+              <a:defRPr sz="1800" kern="1200">
+                <a:solidFill>
+                  <a:schemeClr val="tx1"/>
+                </a:solidFill>
+                <a:latin typeface="+mn-lt"/>
+                <a:ea typeface="+mn-ea"/>
+                <a:cs typeface="+mn-cs"/>
+              </a:defRPr>
+            </a:lvl7pPr>
+            <a:lvl8pPr marL="3429000" indent="-228600" algn="l" defTabSz="914400" rtl="0" eaLnBrk="1" latinLnBrk="0" hangingPunct="1">
+              <a:lnSpc>
+                <a:spcPct val="90000"/>
+              </a:lnSpc>
+              <a:spcBef>
+                <a:spcPts val="500"/>
+              </a:spcBef>
+              <a:buFont typeface="Arial" panose="020B0604020202020204" pitchFamily="34" charset="0"/>
+              <a:buChar char="•"/>
+              <a:defRPr sz="1800" kern="1200">
+                <a:solidFill>
+                  <a:schemeClr val="tx1"/>
+                </a:solidFill>
+                <a:latin typeface="+mn-lt"/>
+                <a:ea typeface="+mn-ea"/>
+                <a:cs typeface="+mn-cs"/>
+              </a:defRPr>
+            </a:lvl8pPr>
+            <a:lvl9pPr marL="3886200" indent="-228600" algn="l" defTabSz="914400" rtl="0" eaLnBrk="1" latinLnBrk="0" hangingPunct="1">
+              <a:lnSpc>
+                <a:spcPct val="90000"/>
+              </a:lnSpc>
+              <a:spcBef>
+                <a:spcPts val="500"/>
+              </a:spcBef>
+              <a:buFont typeface="Arial" panose="020B0604020202020204" pitchFamily="34" charset="0"/>
+              <a:buChar char="•"/>
+              <a:defRPr sz="1800" kern="1200">
+                <a:solidFill>
+                  <a:schemeClr val="tx1"/>
+                </a:solidFill>
+                <a:latin typeface="+mn-lt"/>
+                <a:ea typeface="+mn-ea"/>
+                <a:cs typeface="+mn-cs"/>
+              </a:defRPr>
+            </a:lvl9pPr>
+          </a:lstStyle>
+          <a:p>
+            <a:pPr>
+              <a:buFont typeface="Wingdings" panose="05000000000000000000" pitchFamily="2" charset="2"/>
+              <a:buChar char="§"/>
+            </a:pPr>
+            <a:endParaRPr lang="en-US" sz="2000" dirty="0"/>
+          </a:p>
+        </p:txBody>
+      </p:sp>
+      <p:sp>
+        <p:nvSpPr>
+          <p:cNvPr id="5" name="Content Placeholder 4">
+            <a:extLst>
+              <a:ext uri="{FF2B5EF4-FFF2-40B4-BE49-F238E27FC236}">
+                <a16:creationId xmlns:a16="http://schemas.microsoft.com/office/drawing/2014/main" id="{87CD846B-EE69-6C06-529B-45A94F0751CE}"/>
+              </a:ext>
+            </a:extLst>
+          </p:cNvPr>
+          <p:cNvSpPr txBox="1">
+            <a:spLocks/>
+          </p:cNvSpPr>
+          <p:nvPr/>
+        </p:nvSpPr>
+        <p:spPr>
+          <a:xfrm>
+            <a:off x="7724029" y="5213348"/>
+            <a:ext cx="2618216" cy="1325564"/>
+          </a:xfrm>
+          <a:prstGeom prst="rect">
+            <a:avLst/>
+          </a:prstGeom>
+        </p:spPr>
+        <p:txBody>
+          <a:bodyPr vert="horz" lIns="91440" tIns="45720" rIns="91440" bIns="45720" rtlCol="0">
+            <a:noAutofit/>
+          </a:bodyPr>
+          <a:lstStyle>
+            <a:lvl1pPr marL="228600" indent="-228600" algn="l" defTabSz="914400" rtl="0" eaLnBrk="1" latinLnBrk="0" hangingPunct="1">
+              <a:lnSpc>
+                <a:spcPct val="110000"/>
+              </a:lnSpc>
+              <a:spcBef>
+                <a:spcPts val="1000"/>
+              </a:spcBef>
+              <a:buClr>
+                <a:schemeClr val="accent5"/>
+              </a:buClr>
+              <a:buFont typeface="Avenir Next LT Pro" panose="020B0504020202020204" pitchFamily="34" charset="0"/>
+              <a:buChar char="+"/>
+              <a:defRPr sz="2800" kern="1200">
+                <a:solidFill>
+                  <a:schemeClr val="tx2"/>
+                </a:solidFill>
+                <a:latin typeface="+mn-lt"/>
+                <a:ea typeface="+mn-ea"/>
+                <a:cs typeface="+mn-cs"/>
+              </a:defRPr>
+            </a:lvl1pPr>
+            <a:lvl2pPr marL="685800" indent="-228600" algn="l" defTabSz="914400" rtl="0" eaLnBrk="1" latinLnBrk="0" hangingPunct="1">
+              <a:lnSpc>
+                <a:spcPct val="110000"/>
+              </a:lnSpc>
+              <a:spcBef>
+                <a:spcPts val="500"/>
+              </a:spcBef>
+              <a:buClr>
+                <a:schemeClr val="accent5"/>
+              </a:buClr>
+              <a:buFont typeface="Avenir Next LT Pro" panose="020B0504020202020204" pitchFamily="34" charset="0"/>
+              <a:buChar char="+"/>
+              <a:defRPr sz="2400" kern="1200">
+                <a:solidFill>
+                  <a:schemeClr val="tx2"/>
+                </a:solidFill>
+                <a:latin typeface="+mn-lt"/>
+                <a:ea typeface="+mn-ea"/>
+                <a:cs typeface="+mn-cs"/>
+              </a:defRPr>
+            </a:lvl2pPr>
+            <a:lvl3pPr marL="1143000" indent="-228600" algn="l" defTabSz="914400" rtl="0" eaLnBrk="1" latinLnBrk="0" hangingPunct="1">
+              <a:lnSpc>
+                <a:spcPct val="110000"/>
+              </a:lnSpc>
+              <a:spcBef>
+                <a:spcPts val="500"/>
+              </a:spcBef>
+              <a:buClr>
+                <a:schemeClr val="accent5"/>
+              </a:buClr>
+              <a:buFont typeface="Avenir Next LT Pro" panose="020B0504020202020204" pitchFamily="34" charset="0"/>
+              <a:buChar char="+"/>
+              <a:defRPr sz="2000" kern="1200">
+                <a:solidFill>
+                  <a:schemeClr val="tx2"/>
+                </a:solidFill>
+                <a:latin typeface="+mn-lt"/>
+                <a:ea typeface="+mn-ea"/>
+                <a:cs typeface="+mn-cs"/>
+              </a:defRPr>
+            </a:lvl3pPr>
+            <a:lvl4pPr marL="1600200" indent="-228600" algn="l" defTabSz="914400" rtl="0" eaLnBrk="1" latinLnBrk="0" hangingPunct="1">
+              <a:lnSpc>
+                <a:spcPct val="110000"/>
+              </a:lnSpc>
+              <a:spcBef>
+                <a:spcPts val="500"/>
+              </a:spcBef>
+              <a:buClr>
+                <a:schemeClr val="accent5"/>
+              </a:buClr>
+              <a:buFont typeface="Avenir Next LT Pro" panose="020B0504020202020204" pitchFamily="34" charset="0"/>
+              <a:buChar char="+"/>
+              <a:defRPr sz="1800" kern="1200">
+                <a:solidFill>
+                  <a:schemeClr val="tx2"/>
+                </a:solidFill>
+                <a:latin typeface="+mn-lt"/>
+                <a:ea typeface="+mn-ea"/>
+                <a:cs typeface="+mn-cs"/>
+              </a:defRPr>
+            </a:lvl4pPr>
+            <a:lvl5pPr marL="2057400" indent="-228600" algn="l" defTabSz="914400" rtl="0" eaLnBrk="1" latinLnBrk="0" hangingPunct="1">
+              <a:lnSpc>
+                <a:spcPct val="110000"/>
+              </a:lnSpc>
+              <a:spcBef>
+                <a:spcPts val="500"/>
+              </a:spcBef>
+              <a:buClr>
+                <a:schemeClr val="accent5"/>
+              </a:buClr>
+              <a:buFont typeface="Avenir Next LT Pro" panose="020B0504020202020204" pitchFamily="34" charset="0"/>
+              <a:buChar char="+"/>
+              <a:defRPr sz="1800" kern="1200">
+                <a:solidFill>
+                  <a:schemeClr val="tx2"/>
+                </a:solidFill>
+                <a:latin typeface="+mn-lt"/>
+                <a:ea typeface="+mn-ea"/>
+                <a:cs typeface="+mn-cs"/>
+              </a:defRPr>
+            </a:lvl5pPr>
+            <a:lvl6pPr marL="2514600" indent="-228600" algn="l" defTabSz="914400" rtl="0" eaLnBrk="1" latinLnBrk="0" hangingPunct="1">
+              <a:lnSpc>
+                <a:spcPct val="90000"/>
+              </a:lnSpc>
+              <a:spcBef>
+                <a:spcPts val="500"/>
+              </a:spcBef>
+              <a:buFont typeface="Arial" panose="020B0604020202020204" pitchFamily="34" charset="0"/>
+              <a:buChar char="•"/>
+              <a:defRPr sz="1800" kern="1200">
+                <a:solidFill>
+                  <a:schemeClr val="tx1"/>
+                </a:solidFill>
+                <a:latin typeface="+mn-lt"/>
+                <a:ea typeface="+mn-ea"/>
+                <a:cs typeface="+mn-cs"/>
+              </a:defRPr>
+            </a:lvl6pPr>
+            <a:lvl7pPr marL="2971800" indent="-228600" algn="l" defTabSz="914400" rtl="0" eaLnBrk="1" latinLnBrk="0" hangingPunct="1">
+              <a:lnSpc>
+                <a:spcPct val="90000"/>
+              </a:lnSpc>
+              <a:spcBef>
+                <a:spcPts val="500"/>
+              </a:spcBef>
+              <a:buFont typeface="Arial" panose="020B0604020202020204" pitchFamily="34" charset="0"/>
+              <a:buChar char="•"/>
+              <a:defRPr sz="1800" kern="1200">
+                <a:solidFill>
+                  <a:schemeClr val="tx1"/>
+                </a:solidFill>
+                <a:latin typeface="+mn-lt"/>
+                <a:ea typeface="+mn-ea"/>
+                <a:cs typeface="+mn-cs"/>
+              </a:defRPr>
+            </a:lvl7pPr>
+            <a:lvl8pPr marL="3429000" indent="-228600" algn="l" defTabSz="914400" rtl="0" eaLnBrk="1" latinLnBrk="0" hangingPunct="1">
+              <a:lnSpc>
+                <a:spcPct val="90000"/>
+              </a:lnSpc>
+              <a:spcBef>
+                <a:spcPts val="500"/>
+              </a:spcBef>
+              <a:buFont typeface="Arial" panose="020B0604020202020204" pitchFamily="34" charset="0"/>
+              <a:buChar char="•"/>
+              <a:defRPr sz="1800" kern="1200">
+                <a:solidFill>
+                  <a:schemeClr val="tx1"/>
+                </a:solidFill>
+                <a:latin typeface="+mn-lt"/>
+                <a:ea typeface="+mn-ea"/>
+                <a:cs typeface="+mn-cs"/>
+              </a:defRPr>
+            </a:lvl8pPr>
+            <a:lvl9pPr marL="3886200" indent="-228600" algn="l" defTabSz="914400" rtl="0" eaLnBrk="1" latinLnBrk="0" hangingPunct="1">
+              <a:lnSpc>
+                <a:spcPct val="90000"/>
+              </a:lnSpc>
+              <a:spcBef>
+                <a:spcPts val="500"/>
+              </a:spcBef>
+              <a:buFont typeface="Arial" panose="020B0604020202020204" pitchFamily="34" charset="0"/>
+              <a:buChar char="•"/>
+              <a:defRPr sz="1800" kern="1200">
+                <a:solidFill>
+                  <a:schemeClr val="tx1"/>
+                </a:solidFill>
+                <a:latin typeface="+mn-lt"/>
+                <a:ea typeface="+mn-ea"/>
+                <a:cs typeface="+mn-cs"/>
+              </a:defRPr>
+            </a:lvl9pPr>
+          </a:lstStyle>
+          <a:p>
+            <a:pPr marL="0" indent="0">
+              <a:buNone/>
+            </a:pPr>
+            <a:endParaRPr lang="en-US" sz="1600" dirty="0"/>
+          </a:p>
+        </p:txBody>
+      </p:sp>
+      <p:pic>
+        <p:nvPicPr>
+          <p:cNvPr id="7" name="Picture 6" descr="A graph with a dotted line and a dotted line&#10;&#10;Description automatically generated">
+            <a:extLst>
+              <a:ext uri="{FF2B5EF4-FFF2-40B4-BE49-F238E27FC236}">
+                <a16:creationId xmlns:a16="http://schemas.microsoft.com/office/drawing/2014/main" id="{CB26FFC5-25AD-FF3F-643C-034D03C187B9}"/>
+              </a:ext>
+            </a:extLst>
+          </p:cNvPr>
+          <p:cNvPicPr>
+            <a:picLocks noChangeAspect="1"/>
+          </p:cNvPicPr>
+          <p:nvPr/>
+        </p:nvPicPr>
+        <p:blipFill>
+          <a:blip r:embed="rId2">
+            <a:extLst>
+              <a:ext uri="{28A0092B-C50C-407E-A947-70E740481C1C}">
+                <a14:useLocalDpi xmlns:a14="http://schemas.microsoft.com/office/drawing/2010/main" val="0"/>
+              </a:ext>
+            </a:extLst>
+          </a:blip>
+          <a:stretch>
+            <a:fillRect/>
+          </a:stretch>
+        </p:blipFill>
+        <p:spPr>
+          <a:xfrm>
+            <a:off x="838200" y="1531496"/>
+            <a:ext cx="6514322" cy="4885742"/>
+          </a:xfrm>
+          <a:prstGeom prst="rect">
+            <a:avLst/>
+          </a:prstGeom>
+        </p:spPr>
+      </p:pic>
+    </p:spTree>
+    <p:extLst>
+      <p:ext uri="{BB962C8B-B14F-4D97-AF65-F5344CB8AC3E}">
+        <p14:creationId xmlns:p14="http://schemas.microsoft.com/office/powerpoint/2010/main" val="2192890533"/>
+      </p:ext>
+    </p:extLst>
+  </p:cSld>
+  <p:clrMapOvr>
+    <a:masterClrMapping/>
+  </p:clrMapOvr>
+</p:sld>
+</file>
+
+<file path=ppt/slides/slide12.xml><?xml version="1.0" encoding="utf-8"?>
+<p:sld xmlns:a="http://schemas.openxmlformats.org/drawingml/2006/main" xmlns:r="http://schemas.openxmlformats.org/officeDocument/2006/relationships" xmlns:p="http://schemas.openxmlformats.org/presentationml/2006/main">
+  <p:cSld>
+    <p:spTree>
+      <p:nvGrpSpPr>
+        <p:cNvPr id="1" name=""/>
+        <p:cNvGrpSpPr/>
+        <p:nvPr/>
+      </p:nvGrpSpPr>
+      <p:grpSpPr>
+        <a:xfrm>
+          <a:off x="0" y="0"/>
+          <a:ext cx="0" cy="0"/>
+          <a:chOff x="0" y="0"/>
+          <a:chExt cx="0" cy="0"/>
+        </a:xfrm>
+      </p:grpSpPr>
+      <p:sp>
+        <p:nvSpPr>
+          <p:cNvPr id="2" name="Title 1">
+            <a:extLst>
+              <a:ext uri="{FF2B5EF4-FFF2-40B4-BE49-F238E27FC236}">
+                <a16:creationId xmlns:a16="http://schemas.microsoft.com/office/drawing/2014/main" id="{5DC85B10-4428-71B3-BD8A-970EA9DC1AB3}"/>
+              </a:ext>
+            </a:extLst>
+          </p:cNvPr>
+          <p:cNvSpPr>
+            <a:spLocks noGrp="1"/>
+          </p:cNvSpPr>
+          <p:nvPr>
+            <p:ph type="title"/>
+          </p:nvPr>
+        </p:nvSpPr>
+        <p:spPr/>
+        <p:txBody>
+          <a:bodyPr/>
+          <a:lstStyle/>
+          <a:p>
+            <a:r>
+              <a:rPr lang="en-US" dirty="0"/>
+              <a:t>Regression tree  – Residual Plot</a:t>
+            </a:r>
+          </a:p>
+        </p:txBody>
+      </p:sp>
+      <p:sp>
+        <p:nvSpPr>
+          <p:cNvPr id="12" name="Slide Number Placeholder 11">
+            <a:extLst>
+              <a:ext uri="{FF2B5EF4-FFF2-40B4-BE49-F238E27FC236}">
+                <a16:creationId xmlns:a16="http://schemas.microsoft.com/office/drawing/2014/main" id="{7E4D38FD-6BC2-DAE5-A5E9-1D70FF300D07}"/>
+              </a:ext>
+            </a:extLst>
+          </p:cNvPr>
+          <p:cNvSpPr>
+            <a:spLocks noGrp="1"/>
+          </p:cNvSpPr>
+          <p:nvPr>
+            <p:ph type="sldNum" sz="quarter" idx="12"/>
+          </p:nvPr>
+        </p:nvSpPr>
+        <p:spPr/>
+        <p:txBody>
+          <a:bodyPr/>
+          <a:lstStyle/>
+          <a:p>
+            <a:fld id="{73B850FF-6169-4056-8077-06FFA93A5366}" type="slidenum">
+              <a:rPr lang="en-US" smtClean="0"/>
+              <a:t>12</a:t>
+            </a:fld>
+            <a:endParaRPr lang="en-US"/>
+          </a:p>
+        </p:txBody>
+      </p:sp>
+      <p:sp>
+        <p:nvSpPr>
+          <p:cNvPr id="17" name="Content Placeholder 4">
+            <a:extLst>
+              <a:ext uri="{FF2B5EF4-FFF2-40B4-BE49-F238E27FC236}">
+                <a16:creationId xmlns:a16="http://schemas.microsoft.com/office/drawing/2014/main" id="{21EE3195-2D93-080E-BFA4-6D2F9B06197A}"/>
+              </a:ext>
+            </a:extLst>
+          </p:cNvPr>
+          <p:cNvSpPr txBox="1">
+            <a:spLocks/>
+          </p:cNvSpPr>
+          <p:nvPr/>
+        </p:nvSpPr>
+        <p:spPr>
+          <a:xfrm>
+            <a:off x="7724029" y="3402039"/>
+            <a:ext cx="2988090" cy="1623238"/>
+          </a:xfrm>
+          <a:prstGeom prst="rect">
+            <a:avLst/>
+          </a:prstGeom>
+        </p:spPr>
+        <p:txBody>
+          <a:bodyPr vert="horz" lIns="91440" tIns="45720" rIns="91440" bIns="45720" rtlCol="0">
+            <a:noAutofit/>
+          </a:bodyPr>
+          <a:lstStyle>
+            <a:lvl1pPr marL="228600" indent="-228600" algn="l" defTabSz="914400" rtl="0" eaLnBrk="1" latinLnBrk="0" hangingPunct="1">
+              <a:lnSpc>
+                <a:spcPct val="110000"/>
+              </a:lnSpc>
+              <a:spcBef>
+                <a:spcPts val="1000"/>
+              </a:spcBef>
+              <a:buClr>
+                <a:schemeClr val="accent5"/>
+              </a:buClr>
+              <a:buFont typeface="Avenir Next LT Pro" panose="020B0504020202020204" pitchFamily="34" charset="0"/>
+              <a:buChar char="+"/>
+              <a:defRPr sz="2800" kern="1200">
+                <a:solidFill>
+                  <a:schemeClr val="tx2"/>
+                </a:solidFill>
+                <a:latin typeface="+mn-lt"/>
+                <a:ea typeface="+mn-ea"/>
+                <a:cs typeface="+mn-cs"/>
+              </a:defRPr>
+            </a:lvl1pPr>
+            <a:lvl2pPr marL="685800" indent="-228600" algn="l" defTabSz="914400" rtl="0" eaLnBrk="1" latinLnBrk="0" hangingPunct="1">
+              <a:lnSpc>
+                <a:spcPct val="110000"/>
+              </a:lnSpc>
+              <a:spcBef>
+                <a:spcPts val="500"/>
+              </a:spcBef>
+              <a:buClr>
+                <a:schemeClr val="accent5"/>
+              </a:buClr>
+              <a:buFont typeface="Avenir Next LT Pro" panose="020B0504020202020204" pitchFamily="34" charset="0"/>
+              <a:buChar char="+"/>
+              <a:defRPr sz="2400" kern="1200">
+                <a:solidFill>
+                  <a:schemeClr val="tx2"/>
+                </a:solidFill>
+                <a:latin typeface="+mn-lt"/>
+                <a:ea typeface="+mn-ea"/>
+                <a:cs typeface="+mn-cs"/>
+              </a:defRPr>
+            </a:lvl2pPr>
+            <a:lvl3pPr marL="1143000" indent="-228600" algn="l" defTabSz="914400" rtl="0" eaLnBrk="1" latinLnBrk="0" hangingPunct="1">
+              <a:lnSpc>
+                <a:spcPct val="110000"/>
+              </a:lnSpc>
+              <a:spcBef>
+                <a:spcPts val="500"/>
+              </a:spcBef>
+              <a:buClr>
+                <a:schemeClr val="accent5"/>
+              </a:buClr>
+              <a:buFont typeface="Avenir Next LT Pro" panose="020B0504020202020204" pitchFamily="34" charset="0"/>
+              <a:buChar char="+"/>
+              <a:defRPr sz="2000" kern="1200">
+                <a:solidFill>
+                  <a:schemeClr val="tx2"/>
+                </a:solidFill>
+                <a:latin typeface="+mn-lt"/>
+                <a:ea typeface="+mn-ea"/>
+                <a:cs typeface="+mn-cs"/>
+              </a:defRPr>
+            </a:lvl3pPr>
+            <a:lvl4pPr marL="1600200" indent="-228600" algn="l" defTabSz="914400" rtl="0" eaLnBrk="1" latinLnBrk="0" hangingPunct="1">
+              <a:lnSpc>
+                <a:spcPct val="110000"/>
+              </a:lnSpc>
+              <a:spcBef>
+                <a:spcPts val="500"/>
+              </a:spcBef>
+              <a:buClr>
+                <a:schemeClr val="accent5"/>
+              </a:buClr>
+              <a:buFont typeface="Avenir Next LT Pro" panose="020B0504020202020204" pitchFamily="34" charset="0"/>
+              <a:buChar char="+"/>
+              <a:defRPr sz="1800" kern="1200">
+                <a:solidFill>
+                  <a:schemeClr val="tx2"/>
+                </a:solidFill>
+                <a:latin typeface="+mn-lt"/>
+                <a:ea typeface="+mn-ea"/>
+                <a:cs typeface="+mn-cs"/>
+              </a:defRPr>
+            </a:lvl4pPr>
+            <a:lvl5pPr marL="2057400" indent="-228600" algn="l" defTabSz="914400" rtl="0" eaLnBrk="1" latinLnBrk="0" hangingPunct="1">
+              <a:lnSpc>
+                <a:spcPct val="110000"/>
+              </a:lnSpc>
+              <a:spcBef>
+                <a:spcPts val="500"/>
+              </a:spcBef>
+              <a:buClr>
+                <a:schemeClr val="accent5"/>
+              </a:buClr>
+              <a:buFont typeface="Avenir Next LT Pro" panose="020B0504020202020204" pitchFamily="34" charset="0"/>
+              <a:buChar char="+"/>
+              <a:defRPr sz="1800" kern="1200">
+                <a:solidFill>
+                  <a:schemeClr val="tx2"/>
+                </a:solidFill>
+                <a:latin typeface="+mn-lt"/>
+                <a:ea typeface="+mn-ea"/>
+                <a:cs typeface="+mn-cs"/>
+              </a:defRPr>
+            </a:lvl5pPr>
+            <a:lvl6pPr marL="2514600" indent="-228600" algn="l" defTabSz="914400" rtl="0" eaLnBrk="1" latinLnBrk="0" hangingPunct="1">
+              <a:lnSpc>
+                <a:spcPct val="90000"/>
+              </a:lnSpc>
+              <a:spcBef>
+                <a:spcPts val="500"/>
+              </a:spcBef>
+              <a:buFont typeface="Arial" panose="020B0604020202020204" pitchFamily="34" charset="0"/>
+              <a:buChar char="•"/>
+              <a:defRPr sz="1800" kern="1200">
+                <a:solidFill>
+                  <a:schemeClr val="tx1"/>
+                </a:solidFill>
+                <a:latin typeface="+mn-lt"/>
+                <a:ea typeface="+mn-ea"/>
+                <a:cs typeface="+mn-cs"/>
+              </a:defRPr>
+            </a:lvl6pPr>
+            <a:lvl7pPr marL="2971800" indent="-228600" algn="l" defTabSz="914400" rtl="0" eaLnBrk="1" latinLnBrk="0" hangingPunct="1">
+              <a:lnSpc>
+                <a:spcPct val="90000"/>
+              </a:lnSpc>
+              <a:spcBef>
+                <a:spcPts val="500"/>
+              </a:spcBef>
+              <a:buFont typeface="Arial" panose="020B0604020202020204" pitchFamily="34" charset="0"/>
+              <a:buChar char="•"/>
+              <a:defRPr sz="1800" kern="1200">
+                <a:solidFill>
+                  <a:schemeClr val="tx1"/>
+                </a:solidFill>
+                <a:latin typeface="+mn-lt"/>
+                <a:ea typeface="+mn-ea"/>
+                <a:cs typeface="+mn-cs"/>
+              </a:defRPr>
+            </a:lvl7pPr>
+            <a:lvl8pPr marL="3429000" indent="-228600" algn="l" defTabSz="914400" rtl="0" eaLnBrk="1" latinLnBrk="0" hangingPunct="1">
+              <a:lnSpc>
+                <a:spcPct val="90000"/>
+              </a:lnSpc>
+              <a:spcBef>
+                <a:spcPts val="500"/>
+              </a:spcBef>
+              <a:buFont typeface="Arial" panose="020B0604020202020204" pitchFamily="34" charset="0"/>
+              <a:buChar char="•"/>
+              <a:defRPr sz="1800" kern="1200">
+                <a:solidFill>
+                  <a:schemeClr val="tx1"/>
+                </a:solidFill>
+                <a:latin typeface="+mn-lt"/>
+                <a:ea typeface="+mn-ea"/>
+                <a:cs typeface="+mn-cs"/>
+              </a:defRPr>
+            </a:lvl8pPr>
+            <a:lvl9pPr marL="3886200" indent="-228600" algn="l" defTabSz="914400" rtl="0" eaLnBrk="1" latinLnBrk="0" hangingPunct="1">
+              <a:lnSpc>
+                <a:spcPct val="90000"/>
+              </a:lnSpc>
+              <a:spcBef>
+                <a:spcPts val="500"/>
+              </a:spcBef>
+              <a:buFont typeface="Arial" panose="020B0604020202020204" pitchFamily="34" charset="0"/>
+              <a:buChar char="•"/>
+              <a:defRPr sz="1800" kern="1200">
+                <a:solidFill>
+                  <a:schemeClr val="tx1"/>
+                </a:solidFill>
+                <a:latin typeface="+mn-lt"/>
+                <a:ea typeface="+mn-ea"/>
+                <a:cs typeface="+mn-cs"/>
+              </a:defRPr>
+            </a:lvl9pPr>
+          </a:lstStyle>
+          <a:p>
+            <a:pPr>
+              <a:buFont typeface="Wingdings" panose="05000000000000000000" pitchFamily="2" charset="2"/>
+              <a:buChar char="§"/>
+            </a:pPr>
+            <a:endParaRPr lang="en-US" sz="2000" dirty="0"/>
+          </a:p>
+        </p:txBody>
+      </p:sp>
+      <p:sp>
+        <p:nvSpPr>
+          <p:cNvPr id="5" name="Content Placeholder 4">
+            <a:extLst>
+              <a:ext uri="{FF2B5EF4-FFF2-40B4-BE49-F238E27FC236}">
+                <a16:creationId xmlns:a16="http://schemas.microsoft.com/office/drawing/2014/main" id="{87CD846B-EE69-6C06-529B-45A94F0751CE}"/>
+              </a:ext>
+            </a:extLst>
+          </p:cNvPr>
+          <p:cNvSpPr txBox="1">
+            <a:spLocks/>
+          </p:cNvSpPr>
+          <p:nvPr/>
+        </p:nvSpPr>
+        <p:spPr>
+          <a:xfrm>
+            <a:off x="7724029" y="5213348"/>
+            <a:ext cx="2618216" cy="1325564"/>
+          </a:xfrm>
+          <a:prstGeom prst="rect">
+            <a:avLst/>
+          </a:prstGeom>
+        </p:spPr>
+        <p:txBody>
+          <a:bodyPr vert="horz" lIns="91440" tIns="45720" rIns="91440" bIns="45720" rtlCol="0">
+            <a:noAutofit/>
+          </a:bodyPr>
+          <a:lstStyle>
+            <a:lvl1pPr marL="228600" indent="-228600" algn="l" defTabSz="914400" rtl="0" eaLnBrk="1" latinLnBrk="0" hangingPunct="1">
+              <a:lnSpc>
+                <a:spcPct val="110000"/>
+              </a:lnSpc>
+              <a:spcBef>
+                <a:spcPts val="1000"/>
+              </a:spcBef>
+              <a:buClr>
+                <a:schemeClr val="accent5"/>
+              </a:buClr>
+              <a:buFont typeface="Avenir Next LT Pro" panose="020B0504020202020204" pitchFamily="34" charset="0"/>
+              <a:buChar char="+"/>
+              <a:defRPr sz="2800" kern="1200">
+                <a:solidFill>
+                  <a:schemeClr val="tx2"/>
+                </a:solidFill>
+                <a:latin typeface="+mn-lt"/>
+                <a:ea typeface="+mn-ea"/>
+                <a:cs typeface="+mn-cs"/>
+              </a:defRPr>
+            </a:lvl1pPr>
+            <a:lvl2pPr marL="685800" indent="-228600" algn="l" defTabSz="914400" rtl="0" eaLnBrk="1" latinLnBrk="0" hangingPunct="1">
+              <a:lnSpc>
+                <a:spcPct val="110000"/>
+              </a:lnSpc>
+              <a:spcBef>
+                <a:spcPts val="500"/>
+              </a:spcBef>
+              <a:buClr>
+                <a:schemeClr val="accent5"/>
+              </a:buClr>
+              <a:buFont typeface="Avenir Next LT Pro" panose="020B0504020202020204" pitchFamily="34" charset="0"/>
+              <a:buChar char="+"/>
+              <a:defRPr sz="2400" kern="1200">
+                <a:solidFill>
+                  <a:schemeClr val="tx2"/>
+                </a:solidFill>
+                <a:latin typeface="+mn-lt"/>
+                <a:ea typeface="+mn-ea"/>
+                <a:cs typeface="+mn-cs"/>
+              </a:defRPr>
+            </a:lvl2pPr>
+            <a:lvl3pPr marL="1143000" indent="-228600" algn="l" defTabSz="914400" rtl="0" eaLnBrk="1" latinLnBrk="0" hangingPunct="1">
+              <a:lnSpc>
+                <a:spcPct val="110000"/>
+              </a:lnSpc>
+              <a:spcBef>
+                <a:spcPts val="500"/>
+              </a:spcBef>
+              <a:buClr>
+                <a:schemeClr val="accent5"/>
+              </a:buClr>
+              <a:buFont typeface="Avenir Next LT Pro" panose="020B0504020202020204" pitchFamily="34" charset="0"/>
+              <a:buChar char="+"/>
+              <a:defRPr sz="2000" kern="1200">
+                <a:solidFill>
+                  <a:schemeClr val="tx2"/>
+                </a:solidFill>
+                <a:latin typeface="+mn-lt"/>
+                <a:ea typeface="+mn-ea"/>
+                <a:cs typeface="+mn-cs"/>
+              </a:defRPr>
+            </a:lvl3pPr>
+            <a:lvl4pPr marL="1600200" indent="-228600" algn="l" defTabSz="914400" rtl="0" eaLnBrk="1" latinLnBrk="0" hangingPunct="1">
+              <a:lnSpc>
+                <a:spcPct val="110000"/>
+              </a:lnSpc>
+              <a:spcBef>
+                <a:spcPts val="500"/>
+              </a:spcBef>
+              <a:buClr>
+                <a:schemeClr val="accent5"/>
+              </a:buClr>
+              <a:buFont typeface="Avenir Next LT Pro" panose="020B0504020202020204" pitchFamily="34" charset="0"/>
+              <a:buChar char="+"/>
+              <a:defRPr sz="1800" kern="1200">
+                <a:solidFill>
+                  <a:schemeClr val="tx2"/>
+                </a:solidFill>
+                <a:latin typeface="+mn-lt"/>
+                <a:ea typeface="+mn-ea"/>
+                <a:cs typeface="+mn-cs"/>
+              </a:defRPr>
+            </a:lvl4pPr>
+            <a:lvl5pPr marL="2057400" indent="-228600" algn="l" defTabSz="914400" rtl="0" eaLnBrk="1" latinLnBrk="0" hangingPunct="1">
+              <a:lnSpc>
+                <a:spcPct val="110000"/>
+              </a:lnSpc>
+              <a:spcBef>
+                <a:spcPts val="500"/>
+              </a:spcBef>
+              <a:buClr>
+                <a:schemeClr val="accent5"/>
+              </a:buClr>
+              <a:buFont typeface="Avenir Next LT Pro" panose="020B0504020202020204" pitchFamily="34" charset="0"/>
+              <a:buChar char="+"/>
+              <a:defRPr sz="1800" kern="1200">
+                <a:solidFill>
+                  <a:schemeClr val="tx2"/>
+                </a:solidFill>
+                <a:latin typeface="+mn-lt"/>
+                <a:ea typeface="+mn-ea"/>
+                <a:cs typeface="+mn-cs"/>
+              </a:defRPr>
+            </a:lvl5pPr>
+            <a:lvl6pPr marL="2514600" indent="-228600" algn="l" defTabSz="914400" rtl="0" eaLnBrk="1" latinLnBrk="0" hangingPunct="1">
+              <a:lnSpc>
+                <a:spcPct val="90000"/>
+              </a:lnSpc>
+              <a:spcBef>
+                <a:spcPts val="500"/>
+              </a:spcBef>
+              <a:buFont typeface="Arial" panose="020B0604020202020204" pitchFamily="34" charset="0"/>
+              <a:buChar char="•"/>
+              <a:defRPr sz="1800" kern="1200">
+                <a:solidFill>
+                  <a:schemeClr val="tx1"/>
+                </a:solidFill>
+                <a:latin typeface="+mn-lt"/>
+                <a:ea typeface="+mn-ea"/>
+                <a:cs typeface="+mn-cs"/>
+              </a:defRPr>
+            </a:lvl6pPr>
+            <a:lvl7pPr marL="2971800" indent="-228600" algn="l" defTabSz="914400" rtl="0" eaLnBrk="1" latinLnBrk="0" hangingPunct="1">
+              <a:lnSpc>
+                <a:spcPct val="90000"/>
+              </a:lnSpc>
+              <a:spcBef>
+                <a:spcPts val="500"/>
+              </a:spcBef>
+              <a:buFont typeface="Arial" panose="020B0604020202020204" pitchFamily="34" charset="0"/>
+              <a:buChar char="•"/>
+              <a:defRPr sz="1800" kern="1200">
+                <a:solidFill>
+                  <a:schemeClr val="tx1"/>
+                </a:solidFill>
+                <a:latin typeface="+mn-lt"/>
+                <a:ea typeface="+mn-ea"/>
+                <a:cs typeface="+mn-cs"/>
+              </a:defRPr>
+            </a:lvl7pPr>
+            <a:lvl8pPr marL="3429000" indent="-228600" algn="l" defTabSz="914400" rtl="0" eaLnBrk="1" latinLnBrk="0" hangingPunct="1">
+              <a:lnSpc>
+                <a:spcPct val="90000"/>
+              </a:lnSpc>
+              <a:spcBef>
+                <a:spcPts val="500"/>
+              </a:spcBef>
+              <a:buFont typeface="Arial" panose="020B0604020202020204" pitchFamily="34" charset="0"/>
+              <a:buChar char="•"/>
+              <a:defRPr sz="1800" kern="1200">
+                <a:solidFill>
+                  <a:schemeClr val="tx1"/>
+                </a:solidFill>
+                <a:latin typeface="+mn-lt"/>
+                <a:ea typeface="+mn-ea"/>
+                <a:cs typeface="+mn-cs"/>
+              </a:defRPr>
+            </a:lvl8pPr>
+            <a:lvl9pPr marL="3886200" indent="-228600" algn="l" defTabSz="914400" rtl="0" eaLnBrk="1" latinLnBrk="0" hangingPunct="1">
+              <a:lnSpc>
+                <a:spcPct val="90000"/>
+              </a:lnSpc>
+              <a:spcBef>
+                <a:spcPts val="500"/>
+              </a:spcBef>
+              <a:buFont typeface="Arial" panose="020B0604020202020204" pitchFamily="34" charset="0"/>
+              <a:buChar char="•"/>
+              <a:defRPr sz="1800" kern="1200">
+                <a:solidFill>
+                  <a:schemeClr val="tx1"/>
+                </a:solidFill>
+                <a:latin typeface="+mn-lt"/>
+                <a:ea typeface="+mn-ea"/>
+                <a:cs typeface="+mn-cs"/>
+              </a:defRPr>
+            </a:lvl9pPr>
+          </a:lstStyle>
+          <a:p>
+            <a:pPr marL="0" indent="0">
+              <a:buNone/>
+            </a:pPr>
+            <a:endParaRPr lang="en-US" sz="1600" dirty="0"/>
+          </a:p>
+        </p:txBody>
+      </p:sp>
+      <p:pic>
+        <p:nvPicPr>
+          <p:cNvPr id="4" name="Picture 3" descr="A screen shot of a graph&#10;&#10;Description automatically generated">
+            <a:extLst>
+              <a:ext uri="{FF2B5EF4-FFF2-40B4-BE49-F238E27FC236}">
+                <a16:creationId xmlns:a16="http://schemas.microsoft.com/office/drawing/2014/main" id="{8B9E7EF5-DE29-2272-9394-7A40497EF0D7}"/>
+              </a:ext>
+            </a:extLst>
+          </p:cNvPr>
+          <p:cNvPicPr>
+            <a:picLocks noChangeAspect="1"/>
+          </p:cNvPicPr>
+          <p:nvPr/>
+        </p:nvPicPr>
+        <p:blipFill>
+          <a:blip r:embed="rId2">
+            <a:extLst>
+              <a:ext uri="{28A0092B-C50C-407E-A947-70E740481C1C}">
+                <a14:useLocalDpi xmlns:a14="http://schemas.microsoft.com/office/drawing/2010/main" val="0"/>
+              </a:ext>
+            </a:extLst>
+          </a:blip>
+          <a:stretch>
+            <a:fillRect/>
+          </a:stretch>
+        </p:blipFill>
+        <p:spPr>
+          <a:xfrm>
+            <a:off x="838200" y="1531497"/>
+            <a:ext cx="8142903" cy="4885742"/>
+          </a:xfrm>
+          <a:prstGeom prst="rect">
+            <a:avLst/>
+          </a:prstGeom>
+        </p:spPr>
+      </p:pic>
+    </p:spTree>
+    <p:extLst>
+      <p:ext uri="{BB962C8B-B14F-4D97-AF65-F5344CB8AC3E}">
+        <p14:creationId xmlns:p14="http://schemas.microsoft.com/office/powerpoint/2010/main" val="1659053231"/>
+      </p:ext>
+    </p:extLst>
+  </p:cSld>
+  <p:clrMapOvr>
+    <a:masterClrMapping/>
+  </p:clrMapOvr>
+</p:sld>
+</file>
+
+<file path=ppt/slides/slide13.xml><?xml version="1.0" encoding="utf-8"?>
+<p:sld xmlns:a="http://schemas.openxmlformats.org/drawingml/2006/main" xmlns:r="http://schemas.openxmlformats.org/officeDocument/2006/relationships" xmlns:p="http://schemas.openxmlformats.org/presentationml/2006/main">
+  <p:cSld>
+    <p:spTree>
+      <p:nvGrpSpPr>
+        <p:cNvPr id="1" name=""/>
+        <p:cNvGrpSpPr/>
+        <p:nvPr/>
+      </p:nvGrpSpPr>
+      <p:grpSpPr>
+        <a:xfrm>
+          <a:off x="0" y="0"/>
+          <a:ext cx="0" cy="0"/>
+          <a:chOff x="0" y="0"/>
+          <a:chExt cx="0" cy="0"/>
+        </a:xfrm>
+      </p:grpSpPr>
+      <p:sp>
+        <p:nvSpPr>
+          <p:cNvPr id="2" name="Title 1">
+            <a:extLst>
+              <a:ext uri="{FF2B5EF4-FFF2-40B4-BE49-F238E27FC236}">
+                <a16:creationId xmlns:a16="http://schemas.microsoft.com/office/drawing/2014/main" id="{5DC85B10-4428-71B3-BD8A-970EA9DC1AB3}"/>
+              </a:ext>
+            </a:extLst>
+          </p:cNvPr>
+          <p:cNvSpPr>
+            <a:spLocks noGrp="1"/>
+          </p:cNvSpPr>
+          <p:nvPr>
+            <p:ph type="title"/>
+          </p:nvPr>
+        </p:nvSpPr>
+        <p:spPr/>
+        <p:txBody>
+          <a:bodyPr/>
+          <a:lstStyle/>
+          <a:p>
+            <a:r>
+              <a:rPr lang="en-US" dirty="0"/>
+              <a:t>Regression tree – feature importance</a:t>
+            </a:r>
+          </a:p>
+        </p:txBody>
+      </p:sp>
+      <p:sp>
+        <p:nvSpPr>
+          <p:cNvPr id="12" name="Slide Number Placeholder 11">
+            <a:extLst>
+              <a:ext uri="{FF2B5EF4-FFF2-40B4-BE49-F238E27FC236}">
+                <a16:creationId xmlns:a16="http://schemas.microsoft.com/office/drawing/2014/main" id="{7E4D38FD-6BC2-DAE5-A5E9-1D70FF300D07}"/>
+              </a:ext>
+            </a:extLst>
+          </p:cNvPr>
+          <p:cNvSpPr>
+            <a:spLocks noGrp="1"/>
+          </p:cNvSpPr>
+          <p:nvPr>
+            <p:ph type="sldNum" sz="quarter" idx="12"/>
+          </p:nvPr>
+        </p:nvSpPr>
+        <p:spPr/>
+        <p:txBody>
+          <a:bodyPr/>
+          <a:lstStyle/>
+          <a:p>
+            <a:fld id="{73B850FF-6169-4056-8077-06FFA93A5366}" type="slidenum">
+              <a:rPr lang="en-US" smtClean="0"/>
+              <a:t>13</a:t>
+            </a:fld>
+            <a:endParaRPr lang="en-US"/>
+          </a:p>
+        </p:txBody>
+      </p:sp>
+      <p:sp>
+        <p:nvSpPr>
+          <p:cNvPr id="17" name="Content Placeholder 4">
+            <a:extLst>
+              <a:ext uri="{FF2B5EF4-FFF2-40B4-BE49-F238E27FC236}">
+                <a16:creationId xmlns:a16="http://schemas.microsoft.com/office/drawing/2014/main" id="{21EE3195-2D93-080E-BFA4-6D2F9B06197A}"/>
+              </a:ext>
+            </a:extLst>
+          </p:cNvPr>
+          <p:cNvSpPr txBox="1">
+            <a:spLocks/>
+          </p:cNvSpPr>
+          <p:nvPr/>
+        </p:nvSpPr>
+        <p:spPr>
+          <a:xfrm>
+            <a:off x="7724029" y="3402039"/>
+            <a:ext cx="2988090" cy="1623238"/>
+          </a:xfrm>
+          <a:prstGeom prst="rect">
+            <a:avLst/>
+          </a:prstGeom>
+        </p:spPr>
+        <p:txBody>
+          <a:bodyPr vert="horz" lIns="91440" tIns="45720" rIns="91440" bIns="45720" rtlCol="0">
+            <a:noAutofit/>
+          </a:bodyPr>
+          <a:lstStyle>
+            <a:lvl1pPr marL="228600" indent="-228600" algn="l" defTabSz="914400" rtl="0" eaLnBrk="1" latinLnBrk="0" hangingPunct="1">
+              <a:lnSpc>
+                <a:spcPct val="110000"/>
+              </a:lnSpc>
+              <a:spcBef>
+                <a:spcPts val="1000"/>
+              </a:spcBef>
+              <a:buClr>
+                <a:schemeClr val="accent5"/>
+              </a:buClr>
+              <a:buFont typeface="Avenir Next LT Pro" panose="020B0504020202020204" pitchFamily="34" charset="0"/>
+              <a:buChar char="+"/>
+              <a:defRPr sz="2800" kern="1200">
+                <a:solidFill>
+                  <a:schemeClr val="tx2"/>
+                </a:solidFill>
+                <a:latin typeface="+mn-lt"/>
+                <a:ea typeface="+mn-ea"/>
+                <a:cs typeface="+mn-cs"/>
+              </a:defRPr>
+            </a:lvl1pPr>
+            <a:lvl2pPr marL="685800" indent="-228600" algn="l" defTabSz="914400" rtl="0" eaLnBrk="1" latinLnBrk="0" hangingPunct="1">
+              <a:lnSpc>
+                <a:spcPct val="110000"/>
+              </a:lnSpc>
+              <a:spcBef>
+                <a:spcPts val="500"/>
+              </a:spcBef>
+              <a:buClr>
+                <a:schemeClr val="accent5"/>
+              </a:buClr>
+              <a:buFont typeface="Avenir Next LT Pro" panose="020B0504020202020204" pitchFamily="34" charset="0"/>
+              <a:buChar char="+"/>
+              <a:defRPr sz="2400" kern="1200">
+                <a:solidFill>
+                  <a:schemeClr val="tx2"/>
+                </a:solidFill>
+                <a:latin typeface="+mn-lt"/>
+                <a:ea typeface="+mn-ea"/>
+                <a:cs typeface="+mn-cs"/>
+              </a:defRPr>
+            </a:lvl2pPr>
+            <a:lvl3pPr marL="1143000" indent="-228600" algn="l" defTabSz="914400" rtl="0" eaLnBrk="1" latinLnBrk="0" hangingPunct="1">
+              <a:lnSpc>
+                <a:spcPct val="110000"/>
+              </a:lnSpc>
+              <a:spcBef>
+                <a:spcPts val="500"/>
+              </a:spcBef>
+              <a:buClr>
+                <a:schemeClr val="accent5"/>
+              </a:buClr>
+              <a:buFont typeface="Avenir Next LT Pro" panose="020B0504020202020204" pitchFamily="34" charset="0"/>
+              <a:buChar char="+"/>
+              <a:defRPr sz="2000" kern="1200">
+                <a:solidFill>
+                  <a:schemeClr val="tx2"/>
+                </a:solidFill>
+                <a:latin typeface="+mn-lt"/>
+                <a:ea typeface="+mn-ea"/>
+                <a:cs typeface="+mn-cs"/>
+              </a:defRPr>
+            </a:lvl3pPr>
+            <a:lvl4pPr marL="1600200" indent="-228600" algn="l" defTabSz="914400" rtl="0" eaLnBrk="1" latinLnBrk="0" hangingPunct="1">
+              <a:lnSpc>
+                <a:spcPct val="110000"/>
+              </a:lnSpc>
+              <a:spcBef>
+                <a:spcPts val="500"/>
+              </a:spcBef>
+              <a:buClr>
+                <a:schemeClr val="accent5"/>
+              </a:buClr>
+              <a:buFont typeface="Avenir Next LT Pro" panose="020B0504020202020204" pitchFamily="34" charset="0"/>
+              <a:buChar char="+"/>
+              <a:defRPr sz="1800" kern="1200">
+                <a:solidFill>
+                  <a:schemeClr val="tx2"/>
+                </a:solidFill>
+                <a:latin typeface="+mn-lt"/>
+                <a:ea typeface="+mn-ea"/>
+                <a:cs typeface="+mn-cs"/>
+              </a:defRPr>
+            </a:lvl4pPr>
+            <a:lvl5pPr marL="2057400" indent="-228600" algn="l" defTabSz="914400" rtl="0" eaLnBrk="1" latinLnBrk="0" hangingPunct="1">
+              <a:lnSpc>
+                <a:spcPct val="110000"/>
+              </a:lnSpc>
+              <a:spcBef>
+                <a:spcPts val="500"/>
+              </a:spcBef>
+              <a:buClr>
+                <a:schemeClr val="accent5"/>
+              </a:buClr>
+              <a:buFont typeface="Avenir Next LT Pro" panose="020B0504020202020204" pitchFamily="34" charset="0"/>
+              <a:buChar char="+"/>
+              <a:defRPr sz="1800" kern="1200">
+                <a:solidFill>
+                  <a:schemeClr val="tx2"/>
+                </a:solidFill>
+                <a:latin typeface="+mn-lt"/>
+                <a:ea typeface="+mn-ea"/>
+                <a:cs typeface="+mn-cs"/>
+              </a:defRPr>
+            </a:lvl5pPr>
+            <a:lvl6pPr marL="2514600" indent="-228600" algn="l" defTabSz="914400" rtl="0" eaLnBrk="1" latinLnBrk="0" hangingPunct="1">
+              <a:lnSpc>
+                <a:spcPct val="90000"/>
+              </a:lnSpc>
+              <a:spcBef>
+                <a:spcPts val="500"/>
+              </a:spcBef>
+              <a:buFont typeface="Arial" panose="020B0604020202020204" pitchFamily="34" charset="0"/>
+              <a:buChar char="•"/>
+              <a:defRPr sz="1800" kern="1200">
+                <a:solidFill>
+                  <a:schemeClr val="tx1"/>
+                </a:solidFill>
+                <a:latin typeface="+mn-lt"/>
+                <a:ea typeface="+mn-ea"/>
+                <a:cs typeface="+mn-cs"/>
+              </a:defRPr>
+            </a:lvl6pPr>
+            <a:lvl7pPr marL="2971800" indent="-228600" algn="l" defTabSz="914400" rtl="0" eaLnBrk="1" latinLnBrk="0" hangingPunct="1">
+              <a:lnSpc>
+                <a:spcPct val="90000"/>
+              </a:lnSpc>
+              <a:spcBef>
+                <a:spcPts val="500"/>
+              </a:spcBef>
+              <a:buFont typeface="Arial" panose="020B0604020202020204" pitchFamily="34" charset="0"/>
+              <a:buChar char="•"/>
+              <a:defRPr sz="1800" kern="1200">
+                <a:solidFill>
+                  <a:schemeClr val="tx1"/>
+                </a:solidFill>
+                <a:latin typeface="+mn-lt"/>
+                <a:ea typeface="+mn-ea"/>
+                <a:cs typeface="+mn-cs"/>
+              </a:defRPr>
+            </a:lvl7pPr>
+            <a:lvl8pPr marL="3429000" indent="-228600" algn="l" defTabSz="914400" rtl="0" eaLnBrk="1" latinLnBrk="0" hangingPunct="1">
+              <a:lnSpc>
+                <a:spcPct val="90000"/>
+              </a:lnSpc>
+              <a:spcBef>
+                <a:spcPts val="500"/>
+              </a:spcBef>
+              <a:buFont typeface="Arial" panose="020B0604020202020204" pitchFamily="34" charset="0"/>
+              <a:buChar char="•"/>
+              <a:defRPr sz="1800" kern="1200">
+                <a:solidFill>
+                  <a:schemeClr val="tx1"/>
+                </a:solidFill>
+                <a:latin typeface="+mn-lt"/>
+                <a:ea typeface="+mn-ea"/>
+                <a:cs typeface="+mn-cs"/>
+              </a:defRPr>
+            </a:lvl8pPr>
+            <a:lvl9pPr marL="3886200" indent="-228600" algn="l" defTabSz="914400" rtl="0" eaLnBrk="1" latinLnBrk="0" hangingPunct="1">
+              <a:lnSpc>
+                <a:spcPct val="90000"/>
+              </a:lnSpc>
+              <a:spcBef>
+                <a:spcPts val="500"/>
+              </a:spcBef>
+              <a:buFont typeface="Arial" panose="020B0604020202020204" pitchFamily="34" charset="0"/>
+              <a:buChar char="•"/>
+              <a:defRPr sz="1800" kern="1200">
+                <a:solidFill>
+                  <a:schemeClr val="tx1"/>
+                </a:solidFill>
+                <a:latin typeface="+mn-lt"/>
+                <a:ea typeface="+mn-ea"/>
+                <a:cs typeface="+mn-cs"/>
+              </a:defRPr>
+            </a:lvl9pPr>
+          </a:lstStyle>
+          <a:p>
+            <a:pPr>
+              <a:buFont typeface="Wingdings" panose="05000000000000000000" pitchFamily="2" charset="2"/>
+              <a:buChar char="§"/>
+            </a:pPr>
+            <a:endParaRPr lang="en-US" sz="2000" dirty="0"/>
+          </a:p>
+        </p:txBody>
+      </p:sp>
+      <p:sp>
+        <p:nvSpPr>
+          <p:cNvPr id="5" name="Content Placeholder 4">
+            <a:extLst>
+              <a:ext uri="{FF2B5EF4-FFF2-40B4-BE49-F238E27FC236}">
+                <a16:creationId xmlns:a16="http://schemas.microsoft.com/office/drawing/2014/main" id="{87CD846B-EE69-6C06-529B-45A94F0751CE}"/>
+              </a:ext>
+            </a:extLst>
+          </p:cNvPr>
+          <p:cNvSpPr txBox="1">
+            <a:spLocks/>
+          </p:cNvSpPr>
+          <p:nvPr/>
+        </p:nvSpPr>
+        <p:spPr>
+          <a:xfrm>
+            <a:off x="7724029" y="5213348"/>
+            <a:ext cx="2618216" cy="1325564"/>
+          </a:xfrm>
+          <a:prstGeom prst="rect">
+            <a:avLst/>
+          </a:prstGeom>
+        </p:spPr>
+        <p:txBody>
+          <a:bodyPr vert="horz" lIns="91440" tIns="45720" rIns="91440" bIns="45720" rtlCol="0">
+            <a:noAutofit/>
+          </a:bodyPr>
+          <a:lstStyle>
+            <a:lvl1pPr marL="228600" indent="-228600" algn="l" defTabSz="914400" rtl="0" eaLnBrk="1" latinLnBrk="0" hangingPunct="1">
+              <a:lnSpc>
+                <a:spcPct val="110000"/>
+              </a:lnSpc>
+              <a:spcBef>
+                <a:spcPts val="1000"/>
+              </a:spcBef>
+              <a:buClr>
+                <a:schemeClr val="accent5"/>
+              </a:buClr>
+              <a:buFont typeface="Avenir Next LT Pro" panose="020B0504020202020204" pitchFamily="34" charset="0"/>
+              <a:buChar char="+"/>
+              <a:defRPr sz="2800" kern="1200">
+                <a:solidFill>
+                  <a:schemeClr val="tx2"/>
+                </a:solidFill>
+                <a:latin typeface="+mn-lt"/>
+                <a:ea typeface="+mn-ea"/>
+                <a:cs typeface="+mn-cs"/>
+              </a:defRPr>
+            </a:lvl1pPr>
+            <a:lvl2pPr marL="685800" indent="-228600" algn="l" defTabSz="914400" rtl="0" eaLnBrk="1" latinLnBrk="0" hangingPunct="1">
+              <a:lnSpc>
+                <a:spcPct val="110000"/>
+              </a:lnSpc>
+              <a:spcBef>
+                <a:spcPts val="500"/>
+              </a:spcBef>
+              <a:buClr>
+                <a:schemeClr val="accent5"/>
+              </a:buClr>
+              <a:buFont typeface="Avenir Next LT Pro" panose="020B0504020202020204" pitchFamily="34" charset="0"/>
+              <a:buChar char="+"/>
+              <a:defRPr sz="2400" kern="1200">
+                <a:solidFill>
+                  <a:schemeClr val="tx2"/>
+                </a:solidFill>
+                <a:latin typeface="+mn-lt"/>
+                <a:ea typeface="+mn-ea"/>
+                <a:cs typeface="+mn-cs"/>
+              </a:defRPr>
+            </a:lvl2pPr>
+            <a:lvl3pPr marL="1143000" indent="-228600" algn="l" defTabSz="914400" rtl="0" eaLnBrk="1" latinLnBrk="0" hangingPunct="1">
+              <a:lnSpc>
+                <a:spcPct val="110000"/>
+              </a:lnSpc>
+              <a:spcBef>
+                <a:spcPts val="500"/>
+              </a:spcBef>
+              <a:buClr>
+                <a:schemeClr val="accent5"/>
+              </a:buClr>
+              <a:buFont typeface="Avenir Next LT Pro" panose="020B0504020202020204" pitchFamily="34" charset="0"/>
+              <a:buChar char="+"/>
+              <a:defRPr sz="2000" kern="1200">
+                <a:solidFill>
+                  <a:schemeClr val="tx2"/>
+                </a:solidFill>
+                <a:latin typeface="+mn-lt"/>
+                <a:ea typeface="+mn-ea"/>
+                <a:cs typeface="+mn-cs"/>
+              </a:defRPr>
+            </a:lvl3pPr>
+            <a:lvl4pPr marL="1600200" indent="-228600" algn="l" defTabSz="914400" rtl="0" eaLnBrk="1" latinLnBrk="0" hangingPunct="1">
+              <a:lnSpc>
+                <a:spcPct val="110000"/>
+              </a:lnSpc>
+              <a:spcBef>
+                <a:spcPts val="500"/>
+              </a:spcBef>
+              <a:buClr>
+                <a:schemeClr val="accent5"/>
+              </a:buClr>
+              <a:buFont typeface="Avenir Next LT Pro" panose="020B0504020202020204" pitchFamily="34" charset="0"/>
+              <a:buChar char="+"/>
+              <a:defRPr sz="1800" kern="1200">
+                <a:solidFill>
+                  <a:schemeClr val="tx2"/>
+                </a:solidFill>
+                <a:latin typeface="+mn-lt"/>
+                <a:ea typeface="+mn-ea"/>
+                <a:cs typeface="+mn-cs"/>
+              </a:defRPr>
+            </a:lvl4pPr>
+            <a:lvl5pPr marL="2057400" indent="-228600" algn="l" defTabSz="914400" rtl="0" eaLnBrk="1" latinLnBrk="0" hangingPunct="1">
+              <a:lnSpc>
+                <a:spcPct val="110000"/>
+              </a:lnSpc>
+              <a:spcBef>
+                <a:spcPts val="500"/>
+              </a:spcBef>
+              <a:buClr>
+                <a:schemeClr val="accent5"/>
+              </a:buClr>
+              <a:buFont typeface="Avenir Next LT Pro" panose="020B0504020202020204" pitchFamily="34" charset="0"/>
+              <a:buChar char="+"/>
+              <a:defRPr sz="1800" kern="1200">
+                <a:solidFill>
+                  <a:schemeClr val="tx2"/>
+                </a:solidFill>
+                <a:latin typeface="+mn-lt"/>
+                <a:ea typeface="+mn-ea"/>
+                <a:cs typeface="+mn-cs"/>
+              </a:defRPr>
+            </a:lvl5pPr>
+            <a:lvl6pPr marL="2514600" indent="-228600" algn="l" defTabSz="914400" rtl="0" eaLnBrk="1" latinLnBrk="0" hangingPunct="1">
+              <a:lnSpc>
+                <a:spcPct val="90000"/>
+              </a:lnSpc>
+              <a:spcBef>
+                <a:spcPts val="500"/>
+              </a:spcBef>
+              <a:buFont typeface="Arial" panose="020B0604020202020204" pitchFamily="34" charset="0"/>
+              <a:buChar char="•"/>
+              <a:defRPr sz="1800" kern="1200">
+                <a:solidFill>
+                  <a:schemeClr val="tx1"/>
+                </a:solidFill>
+                <a:latin typeface="+mn-lt"/>
+                <a:ea typeface="+mn-ea"/>
+                <a:cs typeface="+mn-cs"/>
+              </a:defRPr>
+            </a:lvl6pPr>
+            <a:lvl7pPr marL="2971800" indent="-228600" algn="l" defTabSz="914400" rtl="0" eaLnBrk="1" latinLnBrk="0" hangingPunct="1">
+              <a:lnSpc>
+                <a:spcPct val="90000"/>
+              </a:lnSpc>
+              <a:spcBef>
+                <a:spcPts val="500"/>
+              </a:spcBef>
+              <a:buFont typeface="Arial" panose="020B0604020202020204" pitchFamily="34" charset="0"/>
+              <a:buChar char="•"/>
+              <a:defRPr sz="1800" kern="1200">
+                <a:solidFill>
+                  <a:schemeClr val="tx1"/>
+                </a:solidFill>
+                <a:latin typeface="+mn-lt"/>
+                <a:ea typeface="+mn-ea"/>
+                <a:cs typeface="+mn-cs"/>
+              </a:defRPr>
+            </a:lvl7pPr>
+            <a:lvl8pPr marL="3429000" indent="-228600" algn="l" defTabSz="914400" rtl="0" eaLnBrk="1" latinLnBrk="0" hangingPunct="1">
+              <a:lnSpc>
+                <a:spcPct val="90000"/>
+              </a:lnSpc>
+              <a:spcBef>
+                <a:spcPts val="500"/>
+              </a:spcBef>
+              <a:buFont typeface="Arial" panose="020B0604020202020204" pitchFamily="34" charset="0"/>
+              <a:buChar char="•"/>
+              <a:defRPr sz="1800" kern="1200">
+                <a:solidFill>
+                  <a:schemeClr val="tx1"/>
+                </a:solidFill>
+                <a:latin typeface="+mn-lt"/>
+                <a:ea typeface="+mn-ea"/>
+                <a:cs typeface="+mn-cs"/>
+              </a:defRPr>
+            </a:lvl8pPr>
+            <a:lvl9pPr marL="3886200" indent="-228600" algn="l" defTabSz="914400" rtl="0" eaLnBrk="1" latinLnBrk="0" hangingPunct="1">
+              <a:lnSpc>
+                <a:spcPct val="90000"/>
+              </a:lnSpc>
+              <a:spcBef>
+                <a:spcPts val="500"/>
+              </a:spcBef>
+              <a:buFont typeface="Arial" panose="020B0604020202020204" pitchFamily="34" charset="0"/>
+              <a:buChar char="•"/>
+              <a:defRPr sz="1800" kern="1200">
+                <a:solidFill>
+                  <a:schemeClr val="tx1"/>
+                </a:solidFill>
+                <a:latin typeface="+mn-lt"/>
+                <a:ea typeface="+mn-ea"/>
+                <a:cs typeface="+mn-cs"/>
+              </a:defRPr>
+            </a:lvl9pPr>
+          </a:lstStyle>
+          <a:p>
+            <a:pPr marL="0" indent="0">
+              <a:buNone/>
+            </a:pPr>
+            <a:endParaRPr lang="en-US" sz="1600" dirty="0"/>
+          </a:p>
+        </p:txBody>
+      </p:sp>
+      <p:sp>
+        <p:nvSpPr>
+          <p:cNvPr id="6" name="Content Placeholder 4">
+            <a:extLst>
+              <a:ext uri="{FF2B5EF4-FFF2-40B4-BE49-F238E27FC236}">
+                <a16:creationId xmlns:a16="http://schemas.microsoft.com/office/drawing/2014/main" id="{517B3BF6-598F-2504-7E4B-1CB42EF6931D}"/>
+              </a:ext>
+            </a:extLst>
+          </p:cNvPr>
+          <p:cNvSpPr txBox="1">
+            <a:spLocks/>
+          </p:cNvSpPr>
+          <p:nvPr/>
+        </p:nvSpPr>
+        <p:spPr>
+          <a:xfrm>
+            <a:off x="1139726" y="2098863"/>
+            <a:ext cx="6270723" cy="4622612"/>
+          </a:xfrm>
+          <a:prstGeom prst="rect">
+            <a:avLst/>
+          </a:prstGeom>
+        </p:spPr>
+        <p:txBody>
+          <a:bodyPr vert="horz" lIns="91440" tIns="45720" rIns="91440" bIns="45720" rtlCol="0">
+            <a:noAutofit/>
+          </a:bodyPr>
+          <a:lstStyle>
+            <a:lvl1pPr marL="228600" indent="-228600" algn="l" defTabSz="914400" rtl="0" eaLnBrk="1" latinLnBrk="0" hangingPunct="1">
+              <a:lnSpc>
+                <a:spcPct val="110000"/>
+              </a:lnSpc>
+              <a:spcBef>
+                <a:spcPts val="1000"/>
+              </a:spcBef>
+              <a:buClr>
+                <a:schemeClr val="accent5"/>
+              </a:buClr>
+              <a:buFont typeface="Avenir Next LT Pro" panose="020B0504020202020204" pitchFamily="34" charset="0"/>
+              <a:buChar char="+"/>
+              <a:defRPr sz="2800" kern="1200">
+                <a:solidFill>
+                  <a:schemeClr val="tx2"/>
+                </a:solidFill>
+                <a:latin typeface="+mn-lt"/>
+                <a:ea typeface="+mn-ea"/>
+                <a:cs typeface="+mn-cs"/>
+              </a:defRPr>
+            </a:lvl1pPr>
+            <a:lvl2pPr marL="685800" indent="-228600" algn="l" defTabSz="914400" rtl="0" eaLnBrk="1" latinLnBrk="0" hangingPunct="1">
+              <a:lnSpc>
+                <a:spcPct val="110000"/>
+              </a:lnSpc>
+              <a:spcBef>
+                <a:spcPts val="500"/>
+              </a:spcBef>
+              <a:buClr>
+                <a:schemeClr val="accent5"/>
+              </a:buClr>
+              <a:buFont typeface="Avenir Next LT Pro" panose="020B0504020202020204" pitchFamily="34" charset="0"/>
+              <a:buChar char="+"/>
+              <a:defRPr sz="2400" kern="1200">
+                <a:solidFill>
+                  <a:schemeClr val="tx2"/>
+                </a:solidFill>
+                <a:latin typeface="+mn-lt"/>
+                <a:ea typeface="+mn-ea"/>
+                <a:cs typeface="+mn-cs"/>
+              </a:defRPr>
+            </a:lvl2pPr>
+            <a:lvl3pPr marL="1143000" indent="-228600" algn="l" defTabSz="914400" rtl="0" eaLnBrk="1" latinLnBrk="0" hangingPunct="1">
+              <a:lnSpc>
+                <a:spcPct val="110000"/>
+              </a:lnSpc>
+              <a:spcBef>
+                <a:spcPts val="500"/>
+              </a:spcBef>
+              <a:buClr>
+                <a:schemeClr val="accent5"/>
+              </a:buClr>
+              <a:buFont typeface="Avenir Next LT Pro" panose="020B0504020202020204" pitchFamily="34" charset="0"/>
+              <a:buChar char="+"/>
+              <a:defRPr sz="2000" kern="1200">
+                <a:solidFill>
+                  <a:schemeClr val="tx2"/>
+                </a:solidFill>
+                <a:latin typeface="+mn-lt"/>
+                <a:ea typeface="+mn-ea"/>
+                <a:cs typeface="+mn-cs"/>
+              </a:defRPr>
+            </a:lvl3pPr>
+            <a:lvl4pPr marL="1600200" indent="-228600" algn="l" defTabSz="914400" rtl="0" eaLnBrk="1" latinLnBrk="0" hangingPunct="1">
+              <a:lnSpc>
+                <a:spcPct val="110000"/>
+              </a:lnSpc>
+              <a:spcBef>
+                <a:spcPts val="500"/>
+              </a:spcBef>
+              <a:buClr>
+                <a:schemeClr val="accent5"/>
+              </a:buClr>
+              <a:buFont typeface="Avenir Next LT Pro" panose="020B0504020202020204" pitchFamily="34" charset="0"/>
+              <a:buChar char="+"/>
+              <a:defRPr sz="1800" kern="1200">
+                <a:solidFill>
+                  <a:schemeClr val="tx2"/>
+                </a:solidFill>
+                <a:latin typeface="+mn-lt"/>
+                <a:ea typeface="+mn-ea"/>
+                <a:cs typeface="+mn-cs"/>
+              </a:defRPr>
+            </a:lvl4pPr>
+            <a:lvl5pPr marL="2057400" indent="-228600" algn="l" defTabSz="914400" rtl="0" eaLnBrk="1" latinLnBrk="0" hangingPunct="1">
+              <a:lnSpc>
+                <a:spcPct val="110000"/>
+              </a:lnSpc>
+              <a:spcBef>
+                <a:spcPts val="500"/>
+              </a:spcBef>
+              <a:buClr>
+                <a:schemeClr val="accent5"/>
+              </a:buClr>
+              <a:buFont typeface="Avenir Next LT Pro" panose="020B0504020202020204" pitchFamily="34" charset="0"/>
+              <a:buChar char="+"/>
+              <a:defRPr sz="1800" kern="1200">
+                <a:solidFill>
+                  <a:schemeClr val="tx2"/>
+                </a:solidFill>
+                <a:latin typeface="+mn-lt"/>
+                <a:ea typeface="+mn-ea"/>
+                <a:cs typeface="+mn-cs"/>
+              </a:defRPr>
+            </a:lvl5pPr>
+            <a:lvl6pPr marL="2514600" indent="-228600" algn="l" defTabSz="914400" rtl="0" eaLnBrk="1" latinLnBrk="0" hangingPunct="1">
+              <a:lnSpc>
+                <a:spcPct val="90000"/>
+              </a:lnSpc>
+              <a:spcBef>
+                <a:spcPts val="500"/>
+              </a:spcBef>
+              <a:buFont typeface="Arial" panose="020B0604020202020204" pitchFamily="34" charset="0"/>
+              <a:buChar char="•"/>
+              <a:defRPr sz="1800" kern="1200">
+                <a:solidFill>
+                  <a:schemeClr val="tx1"/>
+                </a:solidFill>
+                <a:latin typeface="+mn-lt"/>
+                <a:ea typeface="+mn-ea"/>
+                <a:cs typeface="+mn-cs"/>
+              </a:defRPr>
+            </a:lvl6pPr>
+            <a:lvl7pPr marL="2971800" indent="-228600" algn="l" defTabSz="914400" rtl="0" eaLnBrk="1" latinLnBrk="0" hangingPunct="1">
+              <a:lnSpc>
+                <a:spcPct val="90000"/>
+              </a:lnSpc>
+              <a:spcBef>
+                <a:spcPts val="500"/>
+              </a:spcBef>
+              <a:buFont typeface="Arial" panose="020B0604020202020204" pitchFamily="34" charset="0"/>
+              <a:buChar char="•"/>
+              <a:defRPr sz="1800" kern="1200">
+                <a:solidFill>
+                  <a:schemeClr val="tx1"/>
+                </a:solidFill>
+                <a:latin typeface="+mn-lt"/>
+                <a:ea typeface="+mn-ea"/>
+                <a:cs typeface="+mn-cs"/>
+              </a:defRPr>
+            </a:lvl7pPr>
+            <a:lvl8pPr marL="3429000" indent="-228600" algn="l" defTabSz="914400" rtl="0" eaLnBrk="1" latinLnBrk="0" hangingPunct="1">
+              <a:lnSpc>
+                <a:spcPct val="90000"/>
+              </a:lnSpc>
+              <a:spcBef>
+                <a:spcPts val="500"/>
+              </a:spcBef>
+              <a:buFont typeface="Arial" panose="020B0604020202020204" pitchFamily="34" charset="0"/>
+              <a:buChar char="•"/>
+              <a:defRPr sz="1800" kern="1200">
+                <a:solidFill>
+                  <a:schemeClr val="tx1"/>
+                </a:solidFill>
+                <a:latin typeface="+mn-lt"/>
+                <a:ea typeface="+mn-ea"/>
+                <a:cs typeface="+mn-cs"/>
+              </a:defRPr>
+            </a:lvl8pPr>
+            <a:lvl9pPr marL="3886200" indent="-228600" algn="l" defTabSz="914400" rtl="0" eaLnBrk="1" latinLnBrk="0" hangingPunct="1">
+              <a:lnSpc>
+                <a:spcPct val="90000"/>
+              </a:lnSpc>
+              <a:spcBef>
+                <a:spcPts val="500"/>
+              </a:spcBef>
+              <a:buFont typeface="Arial" panose="020B0604020202020204" pitchFamily="34" charset="0"/>
+              <a:buChar char="•"/>
+              <a:defRPr sz="1800" kern="1200">
+                <a:solidFill>
+                  <a:schemeClr val="tx1"/>
+                </a:solidFill>
+                <a:latin typeface="+mn-lt"/>
+                <a:ea typeface="+mn-ea"/>
+                <a:cs typeface="+mn-cs"/>
+              </a:defRPr>
+            </a:lvl9pPr>
+          </a:lstStyle>
+          <a:p>
+            <a:pPr marL="0" indent="0">
+              <a:buNone/>
+            </a:pPr>
+            <a:r>
+              <a:rPr lang="en-US" sz="1600" b="1" dirty="0"/>
+              <a:t>feature importance:</a:t>
+            </a:r>
+          </a:p>
+          <a:p>
+            <a:pPr lvl="1">
+              <a:buFont typeface="Wingdings" panose="05000000000000000000" pitchFamily="2" charset="2"/>
+              <a:buChar char="Ø"/>
+            </a:pPr>
+            <a:r>
+              <a:rPr kumimoji="0" lang="en-US" altLang="en-US" sz="1600" b="0" i="0" u="none" strike="noStrike" cap="none" normalizeH="0" baseline="0" dirty="0">
+                <a:ln>
+                  <a:noFill/>
+                </a:ln>
+                <a:solidFill>
+                  <a:schemeClr val="tx1"/>
+                </a:solidFill>
+                <a:effectLst/>
+                <a:latin typeface="Arial Unicode MS"/>
+              </a:rPr>
+              <a:t>departure</a:t>
+            </a:r>
+            <a:r>
+              <a:rPr lang="en-US" altLang="en-US" sz="1600" dirty="0">
+                <a:solidFill>
+                  <a:schemeClr val="tx1"/>
+                </a:solidFill>
+                <a:latin typeface="Arial Unicode MS"/>
+              </a:rPr>
+              <a:t> </a:t>
+            </a:r>
+            <a:r>
+              <a:rPr kumimoji="0" lang="en-US" altLang="en-US" sz="1600" b="0" i="0" u="none" strike="noStrike" cap="none" normalizeH="0" baseline="0" dirty="0">
+                <a:ln>
+                  <a:noFill/>
+                </a:ln>
+                <a:solidFill>
+                  <a:schemeClr val="tx1"/>
+                </a:solidFill>
+                <a:effectLst/>
+                <a:latin typeface="Arial Unicode MS"/>
+              </a:rPr>
+              <a:t>city</a:t>
+            </a:r>
+            <a:r>
+              <a:rPr lang="en-US" altLang="en-US" sz="1600" dirty="0">
+                <a:solidFill>
+                  <a:schemeClr val="tx1"/>
+                </a:solidFill>
+                <a:latin typeface="Arial Unicode MS"/>
+              </a:rPr>
+              <a:t> =</a:t>
+            </a:r>
+            <a:r>
+              <a:rPr kumimoji="0" lang="en-US" altLang="en-US" sz="1600" b="0" i="0" u="none" strike="noStrike" cap="none" normalizeH="0" baseline="0" dirty="0">
+                <a:ln>
+                  <a:noFill/>
+                </a:ln>
+                <a:solidFill>
+                  <a:schemeClr val="tx1"/>
+                </a:solidFill>
+                <a:effectLst/>
+                <a:latin typeface="Arial Unicode MS"/>
+              </a:rPr>
+              <a:t> 0.2507903415110873</a:t>
+            </a:r>
+          </a:p>
+          <a:p>
+            <a:pPr lvl="1">
+              <a:buFont typeface="Wingdings" panose="05000000000000000000" pitchFamily="2" charset="2"/>
+              <a:buChar char="Ø"/>
+            </a:pPr>
+            <a:r>
+              <a:rPr kumimoji="0" lang="en-US" altLang="en-US" sz="1600" b="0" i="0" u="none" strike="noStrike" cap="none" normalizeH="0" baseline="0" dirty="0">
+                <a:ln>
+                  <a:noFill/>
+                </a:ln>
+                <a:solidFill>
+                  <a:schemeClr val="tx1"/>
+                </a:solidFill>
+                <a:effectLst/>
+                <a:latin typeface="Arial Unicode MS"/>
+              </a:rPr>
+              <a:t>arrival</a:t>
+            </a:r>
+            <a:r>
+              <a:rPr lang="en-US" altLang="en-US" sz="1600" dirty="0">
+                <a:solidFill>
+                  <a:schemeClr val="tx1"/>
+                </a:solidFill>
+                <a:latin typeface="Arial Unicode MS"/>
+              </a:rPr>
+              <a:t> </a:t>
+            </a:r>
+            <a:r>
+              <a:rPr kumimoji="0" lang="en-US" altLang="en-US" sz="1600" b="0" i="0" u="none" strike="noStrike" cap="none" normalizeH="0" baseline="0" dirty="0">
+                <a:ln>
+                  <a:noFill/>
+                </a:ln>
+                <a:solidFill>
+                  <a:schemeClr val="tx1"/>
+                </a:solidFill>
+                <a:effectLst/>
+                <a:latin typeface="Arial Unicode MS"/>
+              </a:rPr>
+              <a:t>city</a:t>
+            </a:r>
+            <a:r>
+              <a:rPr lang="en-US" altLang="en-US" sz="1600" dirty="0">
+                <a:solidFill>
+                  <a:schemeClr val="tx1"/>
+                </a:solidFill>
+                <a:latin typeface="Arial Unicode MS"/>
+              </a:rPr>
+              <a:t> =</a:t>
+            </a:r>
+            <a:r>
+              <a:rPr kumimoji="0" lang="en-US" altLang="en-US" sz="1600" b="0" i="0" u="none" strike="noStrike" cap="none" normalizeH="0" baseline="0" dirty="0">
+                <a:ln>
+                  <a:noFill/>
+                </a:ln>
+                <a:solidFill>
+                  <a:schemeClr val="tx1"/>
+                </a:solidFill>
+                <a:effectLst/>
+                <a:latin typeface="Arial Unicode MS"/>
+              </a:rPr>
+              <a:t> 0.29847602002449236</a:t>
+            </a:r>
+          </a:p>
+          <a:p>
+            <a:pPr lvl="1">
+              <a:buFont typeface="Wingdings" panose="05000000000000000000" pitchFamily="2" charset="2"/>
+              <a:buChar char="Ø"/>
+            </a:pPr>
+            <a:r>
+              <a:rPr kumimoji="0" lang="en-US" altLang="en-US" sz="1600" b="0" i="0" u="none" strike="noStrike" cap="none" normalizeH="0" baseline="0" dirty="0">
+                <a:ln>
+                  <a:noFill/>
+                </a:ln>
+                <a:solidFill>
+                  <a:schemeClr val="tx1"/>
+                </a:solidFill>
+                <a:effectLst/>
+                <a:latin typeface="Arial Unicode MS"/>
+              </a:rPr>
+              <a:t>departure</a:t>
+            </a:r>
+            <a:r>
+              <a:rPr lang="en-US" altLang="en-US" sz="1600" dirty="0">
+                <a:solidFill>
+                  <a:schemeClr val="tx1"/>
+                </a:solidFill>
+                <a:latin typeface="Arial Unicode MS"/>
+              </a:rPr>
+              <a:t> </a:t>
+            </a:r>
+            <a:r>
+              <a:rPr kumimoji="0" lang="en-US" altLang="en-US" sz="1600" b="0" i="0" u="none" strike="noStrike" cap="none" normalizeH="0" baseline="0" dirty="0">
+                <a:ln>
+                  <a:noFill/>
+                </a:ln>
+                <a:solidFill>
+                  <a:schemeClr val="tx1"/>
+                </a:solidFill>
+                <a:effectLst/>
+                <a:latin typeface="Arial Unicode MS"/>
+              </a:rPr>
+              <a:t>date distance = 0.03517340910766325</a:t>
+            </a:r>
+          </a:p>
+          <a:p>
+            <a:pPr lvl="1">
+              <a:buFont typeface="Wingdings" panose="05000000000000000000" pitchFamily="2" charset="2"/>
+              <a:buChar char="Ø"/>
+            </a:pPr>
+            <a:r>
+              <a:rPr kumimoji="0" lang="en-US" altLang="en-US" sz="1600" b="0" i="0" u="none" strike="noStrike" cap="none" normalizeH="0" baseline="0" dirty="0">
+                <a:ln>
+                  <a:noFill/>
+                </a:ln>
+                <a:solidFill>
+                  <a:schemeClr val="tx1"/>
+                </a:solidFill>
+                <a:effectLst/>
+                <a:latin typeface="Arial Unicode MS"/>
+              </a:rPr>
+              <a:t>departure</a:t>
+            </a:r>
+            <a:r>
+              <a:rPr lang="en-US" altLang="en-US" sz="1600" dirty="0">
+                <a:solidFill>
+                  <a:schemeClr val="tx1"/>
+                </a:solidFill>
+                <a:latin typeface="Arial Unicode MS"/>
+              </a:rPr>
+              <a:t> </a:t>
+            </a:r>
+            <a:r>
+              <a:rPr kumimoji="0" lang="en-US" altLang="en-US" sz="1600" b="0" i="0" u="none" strike="noStrike" cap="none" normalizeH="0" baseline="0" dirty="0">
+                <a:ln>
+                  <a:noFill/>
+                </a:ln>
+                <a:solidFill>
+                  <a:schemeClr val="tx1"/>
+                </a:solidFill>
+                <a:effectLst/>
+                <a:latin typeface="Arial Unicode MS"/>
+              </a:rPr>
+              <a:t>weekday = 0.010522775784703555</a:t>
+            </a:r>
+          </a:p>
+          <a:p>
+            <a:pPr lvl="1">
+              <a:buFont typeface="Wingdings" panose="05000000000000000000" pitchFamily="2" charset="2"/>
+              <a:buChar char="Ø"/>
+            </a:pPr>
+            <a:r>
+              <a:rPr kumimoji="0" lang="en-US" altLang="en-US" sz="1600" b="0" i="0" u="none" strike="noStrike" cap="none" normalizeH="0" baseline="0" dirty="0">
+                <a:ln>
+                  <a:noFill/>
+                </a:ln>
+                <a:solidFill>
+                  <a:schemeClr val="tx1"/>
+                </a:solidFill>
+                <a:effectLst/>
+                <a:latin typeface="Arial Unicode MS"/>
+              </a:rPr>
+              <a:t>departure</a:t>
+            </a:r>
+            <a:r>
+              <a:rPr lang="en-US" altLang="en-US" sz="1600" dirty="0">
+                <a:solidFill>
+                  <a:schemeClr val="tx1"/>
+                </a:solidFill>
+                <a:latin typeface="Arial Unicode MS"/>
+              </a:rPr>
+              <a:t> </a:t>
+            </a:r>
+            <a:r>
+              <a:rPr kumimoji="0" lang="en-US" altLang="en-US" sz="1600" b="0" i="0" u="none" strike="noStrike" cap="none" normalizeH="0" baseline="0" dirty="0">
+                <a:ln>
+                  <a:noFill/>
+                </a:ln>
+                <a:solidFill>
+                  <a:schemeClr val="tx1"/>
+                </a:solidFill>
+                <a:effectLst/>
+                <a:latin typeface="Arial Unicode MS"/>
+              </a:rPr>
+              <a:t>time</a:t>
+            </a:r>
+            <a:r>
+              <a:rPr lang="en-US" altLang="en-US" sz="1600" dirty="0">
+                <a:solidFill>
+                  <a:schemeClr val="tx1"/>
+                </a:solidFill>
+                <a:latin typeface="Arial Unicode MS"/>
+              </a:rPr>
+              <a:t> </a:t>
+            </a:r>
+            <a:r>
+              <a:rPr kumimoji="0" lang="en-US" altLang="en-US" sz="1600" b="0" i="0" u="none" strike="noStrike" cap="none" normalizeH="0" baseline="0" dirty="0">
+                <a:ln>
+                  <a:noFill/>
+                </a:ln>
+                <a:solidFill>
+                  <a:schemeClr val="tx1"/>
+                </a:solidFill>
+                <a:effectLst/>
+                <a:latin typeface="Arial Unicode MS"/>
+              </a:rPr>
+              <a:t>hour = 0.013966494108150646</a:t>
+            </a:r>
+          </a:p>
+          <a:p>
+            <a:pPr lvl="1">
+              <a:buFont typeface="Wingdings" panose="05000000000000000000" pitchFamily="2" charset="2"/>
+              <a:buChar char="Ø"/>
+            </a:pPr>
+            <a:r>
+              <a:rPr kumimoji="0" lang="en-US" altLang="en-US" sz="1600" b="0" i="0" u="none" strike="noStrike" cap="none" normalizeH="0" baseline="0" dirty="0">
+                <a:ln>
+                  <a:noFill/>
+                </a:ln>
+                <a:solidFill>
+                  <a:schemeClr val="tx1"/>
+                </a:solidFill>
+                <a:effectLst/>
+                <a:latin typeface="Arial Unicode MS"/>
+              </a:rPr>
+              <a:t>travel</a:t>
+            </a:r>
+            <a:r>
+              <a:rPr lang="en-US" altLang="en-US" sz="1600" dirty="0">
+                <a:solidFill>
+                  <a:schemeClr val="tx1"/>
+                </a:solidFill>
+                <a:latin typeface="Arial Unicode MS"/>
+              </a:rPr>
+              <a:t> </a:t>
+            </a:r>
+            <a:r>
+              <a:rPr kumimoji="0" lang="en-US" altLang="en-US" sz="1600" b="0" i="0" u="none" strike="noStrike" cap="none" normalizeH="0" baseline="0" dirty="0">
+                <a:ln>
+                  <a:noFill/>
+                </a:ln>
+                <a:solidFill>
+                  <a:schemeClr val="tx1"/>
+                </a:solidFill>
+                <a:effectLst/>
+                <a:latin typeface="Arial Unicode MS"/>
+              </a:rPr>
+              <a:t>time = 0.007410473419308662</a:t>
+            </a:r>
+          </a:p>
+          <a:p>
+            <a:pPr lvl="1">
+              <a:buFont typeface="Wingdings" panose="05000000000000000000" pitchFamily="2" charset="2"/>
+              <a:buChar char="Ø"/>
+            </a:pPr>
+            <a:r>
+              <a:rPr kumimoji="0" lang="en-US" altLang="en-US" sz="1600" b="0" i="0" u="none" strike="noStrike" cap="none" normalizeH="0" baseline="0" dirty="0">
+                <a:ln>
+                  <a:noFill/>
+                </a:ln>
+                <a:solidFill>
+                  <a:schemeClr val="tx1"/>
+                </a:solidFill>
+                <a:effectLst/>
+                <a:latin typeface="Arial Unicode MS"/>
+              </a:rPr>
+              <a:t>days</a:t>
+            </a:r>
+            <a:r>
+              <a:rPr lang="en-US" altLang="en-US" sz="1600" dirty="0">
+                <a:solidFill>
+                  <a:schemeClr val="tx1"/>
+                </a:solidFill>
+                <a:latin typeface="Arial Unicode MS"/>
+              </a:rPr>
+              <a:t> </a:t>
+            </a:r>
+            <a:r>
+              <a:rPr kumimoji="0" lang="en-US" altLang="en-US" sz="1600" b="0" i="0" u="none" strike="noStrike" cap="none" normalizeH="0" baseline="0" dirty="0">
+                <a:ln>
+                  <a:noFill/>
+                </a:ln>
+                <a:solidFill>
+                  <a:schemeClr val="tx1"/>
+                </a:solidFill>
+                <a:effectLst/>
+                <a:latin typeface="Arial Unicode MS"/>
+              </a:rPr>
+              <a:t>until</a:t>
+            </a:r>
+            <a:r>
+              <a:rPr lang="en-US" altLang="en-US" sz="1600" dirty="0">
+                <a:solidFill>
+                  <a:schemeClr val="tx1"/>
+                </a:solidFill>
+                <a:latin typeface="Arial Unicode MS"/>
+              </a:rPr>
+              <a:t> </a:t>
+            </a:r>
+            <a:r>
+              <a:rPr kumimoji="0" lang="en-US" altLang="en-US" sz="1600" b="0" i="0" u="none" strike="noStrike" cap="none" normalizeH="0" baseline="0" dirty="0">
+                <a:ln>
+                  <a:noFill/>
+                </a:ln>
+                <a:solidFill>
+                  <a:schemeClr val="tx1"/>
+                </a:solidFill>
+                <a:effectLst/>
+                <a:latin typeface="Arial Unicode MS"/>
+              </a:rPr>
+              <a:t>holiday = 0.011293022266687552</a:t>
+            </a:r>
+          </a:p>
+          <a:p>
+            <a:pPr lvl="1">
+              <a:buFont typeface="Wingdings" panose="05000000000000000000" pitchFamily="2" charset="2"/>
+              <a:buChar char="Ø"/>
+            </a:pPr>
+            <a:r>
+              <a:rPr kumimoji="0" lang="en-US" altLang="en-US" sz="1600" b="0" i="0" u="none" strike="noStrike" cap="none" normalizeH="0" baseline="0" dirty="0">
+                <a:ln>
+                  <a:noFill/>
+                </a:ln>
+                <a:solidFill>
+                  <a:schemeClr val="tx1"/>
+                </a:solidFill>
+                <a:effectLst/>
+                <a:latin typeface="Arial Unicode MS"/>
+              </a:rPr>
+              <a:t>airline = 0.031638340433263766</a:t>
+            </a:r>
+          </a:p>
+          <a:p>
+            <a:pPr lvl="1">
+              <a:buFont typeface="Wingdings" panose="05000000000000000000" pitchFamily="2" charset="2"/>
+              <a:buChar char="Ø"/>
+            </a:pPr>
+            <a:r>
+              <a:rPr kumimoji="0" lang="en-US" altLang="en-US" sz="1600" b="0" i="0" u="none" strike="noStrike" cap="none" normalizeH="0" baseline="0" dirty="0">
+                <a:ln>
+                  <a:noFill/>
+                </a:ln>
+                <a:solidFill>
+                  <a:schemeClr val="tx1"/>
+                </a:solidFill>
+                <a:effectLst/>
+                <a:latin typeface="Arial Unicode MS"/>
+              </a:rPr>
+              <a:t>stops = 0.34072912334464295</a:t>
+            </a:r>
+            <a:endParaRPr lang="en-US" sz="1600" dirty="0"/>
+          </a:p>
+        </p:txBody>
+      </p:sp>
+      <p:sp>
+        <p:nvSpPr>
+          <p:cNvPr id="9" name="Rectangle 2">
+            <a:extLst>
+              <a:ext uri="{FF2B5EF4-FFF2-40B4-BE49-F238E27FC236}">
+                <a16:creationId xmlns:a16="http://schemas.microsoft.com/office/drawing/2014/main" id="{C7D6F5EF-7078-7A3B-8BF2-8A83866BC128}"/>
+              </a:ext>
+            </a:extLst>
+          </p:cNvPr>
+          <p:cNvSpPr>
+            <a:spLocks noChangeArrowheads="1"/>
+          </p:cNvSpPr>
+          <p:nvPr/>
+        </p:nvSpPr>
+        <p:spPr bwMode="auto">
+          <a:xfrm>
+            <a:off x="0" y="105489"/>
+            <a:ext cx="1274708" cy="246221"/>
+          </a:xfrm>
+          <a:prstGeom prst="rect">
+            <a:avLst/>
+          </a:prstGeom>
+          <a:noFill/>
+          <a:ln>
+            <a:noFill/>
+          </a:ln>
+          <a:effectLst/>
+          <a:extLst>
+            <a:ext uri="{909E8E84-426E-40DD-AFC4-6F175D3DCCD1}">
+              <a14:hiddenFill xmlns:a14="http://schemas.microsoft.com/office/drawing/2010/main">
+                <a:solidFill>
+                  <a:schemeClr val="accent1"/>
+                </a:solidFill>
+              </a14:hiddenFill>
+            </a:ext>
+            <a:ext uri="{91240B29-F687-4F45-9708-019B960494DF}">
+              <a14:hiddenLine xmlns:a14="http://schemas.microsoft.com/office/drawing/2010/main" w="9525">
+                <a:solidFill>
+                  <a:schemeClr val="tx1"/>
+                </a:solidFill>
+                <a:miter lim="800000"/>
+                <a:headEnd/>
+                <a:tailEnd/>
+              </a14:hiddenLine>
+            </a:ext>
+            <a:ext uri="{AF507438-7753-43E0-B8FC-AC1667EBCBE1}">
+              <a14:hiddenEffects xmlns:a14="http://schemas.microsoft.com/office/drawing/2010/main">
+                <a:effectLst>
+                  <a:outerShdw dist="35921" dir="2700000" algn="ctr" rotWithShape="0">
+                    <a:schemeClr val="bg2"/>
+                  </a:outerShdw>
+                </a:effectLst>
+              </a14:hiddenEffects>
+            </a:ext>
+          </a:extLst>
+        </p:spPr>
+        <p:txBody>
+          <a:bodyPr vert="horz" wrap="none" lIns="91440" tIns="45720" rIns="91440" bIns="45720" numCol="1" anchor="ctr" anchorCtr="0" compatLnSpc="1">
+            <a:prstTxWarp prst="textNoShape">
+              <a:avLst/>
+            </a:prstTxWarp>
+            <a:spAutoFit/>
+          </a:bodyPr>
+          <a:lstStyle/>
+          <a:p>
+            <a:pPr marL="0" marR="0" lvl="0" indent="0" algn="l" defTabSz="914400" rtl="0" eaLnBrk="0" fontAlgn="base" latinLnBrk="0" hangingPunct="0">
+              <a:lnSpc>
+                <a:spcPct val="100000"/>
+              </a:lnSpc>
+              <a:spcBef>
+                <a:spcPct val="0"/>
+              </a:spcBef>
+              <a:spcAft>
+                <a:spcPct val="0"/>
+              </a:spcAft>
+              <a:buClrTx/>
+              <a:buSzTx/>
+              <a:buFontTx/>
+              <a:buNone/>
+              <a:tabLst/>
+            </a:pPr>
+            <a:r>
+              <a:rPr kumimoji="0" lang="en-US" altLang="en-US" sz="1000" b="0" i="0" u="none" strike="noStrike" cap="none" normalizeH="0" baseline="0" dirty="0">
+                <a:ln>
+                  <a:noFill/>
+                </a:ln>
+                <a:solidFill>
+                  <a:schemeClr val="tx1"/>
+                </a:solidFill>
+                <a:effectLst/>
+                <a:latin typeface="Arial Unicode MS"/>
+              </a:rPr>
+              <a:t>() () () () () () () () ()</a:t>
+            </a:r>
+            <a:r>
+              <a:rPr kumimoji="0" lang="en-US" altLang="en-US" sz="800" b="0" i="0" u="none" strike="noStrike" cap="none" normalizeH="0" baseline="0" dirty="0">
+                <a:ln>
+                  <a:noFill/>
+                </a:ln>
+                <a:solidFill>
+                  <a:schemeClr val="tx1"/>
+                </a:solidFill>
+                <a:effectLst/>
+              </a:rPr>
+              <a:t> </a:t>
+            </a:r>
+            <a:endParaRPr kumimoji="0" lang="en-US" altLang="en-US" sz="1800" b="0" i="0" u="none" strike="noStrike" cap="none" normalizeH="0" baseline="0" dirty="0">
+              <a:ln>
+                <a:noFill/>
+              </a:ln>
+              <a:solidFill>
+                <a:schemeClr val="tx1"/>
+              </a:solidFill>
+              <a:effectLst/>
+              <a:latin typeface="Arial" panose="020B0604020202020204" pitchFamily="34" charset="0"/>
+            </a:endParaRPr>
+          </a:p>
+        </p:txBody>
+      </p:sp>
+    </p:spTree>
+    <p:extLst>
+      <p:ext uri="{BB962C8B-B14F-4D97-AF65-F5344CB8AC3E}">
+        <p14:creationId xmlns:p14="http://schemas.microsoft.com/office/powerpoint/2010/main" val="1956855583"/>
+      </p:ext>
+    </p:extLst>
+  </p:cSld>
+  <p:clrMapOvr>
+    <a:masterClrMapping/>
+  </p:clrMapOvr>
+</p:sld>
+</file>
+
+<file path=ppt/slides/slide14.xml><?xml version="1.0" encoding="utf-8"?>
+<p:sld xmlns:a="http://schemas.openxmlformats.org/drawingml/2006/main" xmlns:r="http://schemas.openxmlformats.org/officeDocument/2006/relationships" xmlns:p="http://schemas.openxmlformats.org/presentationml/2006/main">
+  <p:cSld>
+    <p:spTree>
+      <p:nvGrpSpPr>
+        <p:cNvPr id="1" name=""/>
+        <p:cNvGrpSpPr/>
+        <p:nvPr/>
+      </p:nvGrpSpPr>
+      <p:grpSpPr>
+        <a:xfrm>
+          <a:off x="0" y="0"/>
+          <a:ext cx="0" cy="0"/>
+          <a:chOff x="0" y="0"/>
+          <a:chExt cx="0" cy="0"/>
+        </a:xfrm>
+      </p:grpSpPr>
+      <p:pic>
+        <p:nvPicPr>
+          <p:cNvPr id="4" name="Picture 3" descr="A graph with a dotted line and a dotted line&#10;&#10;Description automatically generated">
+            <a:extLst>
+              <a:ext uri="{FF2B5EF4-FFF2-40B4-BE49-F238E27FC236}">
+                <a16:creationId xmlns:a16="http://schemas.microsoft.com/office/drawing/2014/main" id="{16BE957A-60CD-9F19-EA2E-E43313A6DCAE}"/>
+              </a:ext>
+            </a:extLst>
+          </p:cNvPr>
+          <p:cNvPicPr>
+            <a:picLocks noChangeAspect="1"/>
+          </p:cNvPicPr>
+          <p:nvPr/>
+        </p:nvPicPr>
+        <p:blipFill>
+          <a:blip r:embed="rId2">
+            <a:extLst>
+              <a:ext uri="{28A0092B-C50C-407E-A947-70E740481C1C}">
+                <a14:useLocalDpi xmlns:a14="http://schemas.microsoft.com/office/drawing/2010/main" val="0"/>
+              </a:ext>
+            </a:extLst>
+          </a:blip>
+          <a:stretch>
+            <a:fillRect/>
+          </a:stretch>
+        </p:blipFill>
+        <p:spPr>
+          <a:xfrm>
+            <a:off x="860302" y="1531496"/>
+            <a:ext cx="6492220" cy="4869165"/>
+          </a:xfrm>
+          <a:prstGeom prst="rect">
+            <a:avLst/>
+          </a:prstGeom>
+        </p:spPr>
+      </p:pic>
+      <p:sp>
+        <p:nvSpPr>
+          <p:cNvPr id="2" name="Title 1">
+            <a:extLst>
+              <a:ext uri="{FF2B5EF4-FFF2-40B4-BE49-F238E27FC236}">
+                <a16:creationId xmlns:a16="http://schemas.microsoft.com/office/drawing/2014/main" id="{5DC85B10-4428-71B3-BD8A-970EA9DC1AB3}"/>
+              </a:ext>
+            </a:extLst>
+          </p:cNvPr>
+          <p:cNvSpPr>
+            <a:spLocks noGrp="1"/>
+          </p:cNvSpPr>
+          <p:nvPr>
+            <p:ph type="title"/>
+          </p:nvPr>
+        </p:nvSpPr>
+        <p:spPr/>
+        <p:txBody>
+          <a:bodyPr/>
+          <a:lstStyle/>
+          <a:p>
+            <a:r>
+              <a:rPr lang="en-US" dirty="0"/>
+              <a:t>Regression tree</a:t>
+            </a:r>
+          </a:p>
+        </p:txBody>
+      </p:sp>
+      <p:sp>
+        <p:nvSpPr>
+          <p:cNvPr id="11" name="Content Placeholder 4">
+            <a:extLst>
+              <a:ext uri="{FF2B5EF4-FFF2-40B4-BE49-F238E27FC236}">
+                <a16:creationId xmlns:a16="http://schemas.microsoft.com/office/drawing/2014/main" id="{6D8E2F79-D794-7A2A-3D5C-EE859F3B9DC3}"/>
+              </a:ext>
+            </a:extLst>
+          </p:cNvPr>
+          <p:cNvSpPr txBox="1">
+            <a:spLocks/>
+          </p:cNvSpPr>
+          <p:nvPr/>
+        </p:nvSpPr>
+        <p:spPr>
+          <a:xfrm>
+            <a:off x="7724029" y="1531496"/>
+            <a:ext cx="2870430" cy="1718823"/>
+          </a:xfrm>
+          <a:prstGeom prst="rect">
+            <a:avLst/>
+          </a:prstGeom>
+        </p:spPr>
+        <p:txBody>
+          <a:bodyPr vert="horz" lIns="91440" tIns="45720" rIns="91440" bIns="45720" rtlCol="0">
+            <a:noAutofit/>
+          </a:bodyPr>
+          <a:lstStyle>
+            <a:lvl1pPr marL="228600" indent="-228600" algn="l" defTabSz="914400" rtl="0" eaLnBrk="1" latinLnBrk="0" hangingPunct="1">
+              <a:lnSpc>
+                <a:spcPct val="110000"/>
+              </a:lnSpc>
+              <a:spcBef>
+                <a:spcPts val="1000"/>
+              </a:spcBef>
+              <a:buClr>
+                <a:schemeClr val="accent5"/>
+              </a:buClr>
+              <a:buFont typeface="Avenir Next LT Pro" panose="020B0504020202020204" pitchFamily="34" charset="0"/>
+              <a:buChar char="+"/>
+              <a:defRPr sz="2800" kern="1200">
+                <a:solidFill>
+                  <a:schemeClr val="tx2"/>
+                </a:solidFill>
+                <a:latin typeface="+mn-lt"/>
+                <a:ea typeface="+mn-ea"/>
+                <a:cs typeface="+mn-cs"/>
+              </a:defRPr>
+            </a:lvl1pPr>
+            <a:lvl2pPr marL="685800" indent="-228600" algn="l" defTabSz="914400" rtl="0" eaLnBrk="1" latinLnBrk="0" hangingPunct="1">
+              <a:lnSpc>
+                <a:spcPct val="110000"/>
+              </a:lnSpc>
+              <a:spcBef>
+                <a:spcPts val="500"/>
+              </a:spcBef>
+              <a:buClr>
+                <a:schemeClr val="accent5"/>
+              </a:buClr>
+              <a:buFont typeface="Avenir Next LT Pro" panose="020B0504020202020204" pitchFamily="34" charset="0"/>
+              <a:buChar char="+"/>
+              <a:defRPr sz="2400" kern="1200">
+                <a:solidFill>
+                  <a:schemeClr val="tx2"/>
+                </a:solidFill>
+                <a:latin typeface="+mn-lt"/>
+                <a:ea typeface="+mn-ea"/>
+                <a:cs typeface="+mn-cs"/>
+              </a:defRPr>
+            </a:lvl2pPr>
+            <a:lvl3pPr marL="1143000" indent="-228600" algn="l" defTabSz="914400" rtl="0" eaLnBrk="1" latinLnBrk="0" hangingPunct="1">
+              <a:lnSpc>
+                <a:spcPct val="110000"/>
+              </a:lnSpc>
+              <a:spcBef>
+                <a:spcPts val="500"/>
+              </a:spcBef>
+              <a:buClr>
+                <a:schemeClr val="accent5"/>
+              </a:buClr>
+              <a:buFont typeface="Avenir Next LT Pro" panose="020B0504020202020204" pitchFamily="34" charset="0"/>
+              <a:buChar char="+"/>
+              <a:defRPr sz="2000" kern="1200">
+                <a:solidFill>
+                  <a:schemeClr val="tx2"/>
+                </a:solidFill>
+                <a:latin typeface="+mn-lt"/>
+                <a:ea typeface="+mn-ea"/>
+                <a:cs typeface="+mn-cs"/>
+              </a:defRPr>
+            </a:lvl3pPr>
+            <a:lvl4pPr marL="1600200" indent="-228600" algn="l" defTabSz="914400" rtl="0" eaLnBrk="1" latinLnBrk="0" hangingPunct="1">
+              <a:lnSpc>
+                <a:spcPct val="110000"/>
+              </a:lnSpc>
+              <a:spcBef>
+                <a:spcPts val="500"/>
+              </a:spcBef>
+              <a:buClr>
+                <a:schemeClr val="accent5"/>
+              </a:buClr>
+              <a:buFont typeface="Avenir Next LT Pro" panose="020B0504020202020204" pitchFamily="34" charset="0"/>
+              <a:buChar char="+"/>
+              <a:defRPr sz="1800" kern="1200">
+                <a:solidFill>
+                  <a:schemeClr val="tx2"/>
+                </a:solidFill>
+                <a:latin typeface="+mn-lt"/>
+                <a:ea typeface="+mn-ea"/>
+                <a:cs typeface="+mn-cs"/>
+              </a:defRPr>
+            </a:lvl4pPr>
+            <a:lvl5pPr marL="2057400" indent="-228600" algn="l" defTabSz="914400" rtl="0" eaLnBrk="1" latinLnBrk="0" hangingPunct="1">
+              <a:lnSpc>
+                <a:spcPct val="110000"/>
+              </a:lnSpc>
+              <a:spcBef>
+                <a:spcPts val="500"/>
+              </a:spcBef>
+              <a:buClr>
+                <a:schemeClr val="accent5"/>
+              </a:buClr>
+              <a:buFont typeface="Avenir Next LT Pro" panose="020B0504020202020204" pitchFamily="34" charset="0"/>
+              <a:buChar char="+"/>
+              <a:defRPr sz="1800" kern="1200">
+                <a:solidFill>
+                  <a:schemeClr val="tx2"/>
+                </a:solidFill>
+                <a:latin typeface="+mn-lt"/>
+                <a:ea typeface="+mn-ea"/>
+                <a:cs typeface="+mn-cs"/>
+              </a:defRPr>
+            </a:lvl5pPr>
+            <a:lvl6pPr marL="2514600" indent="-228600" algn="l" defTabSz="914400" rtl="0" eaLnBrk="1" latinLnBrk="0" hangingPunct="1">
+              <a:lnSpc>
+                <a:spcPct val="90000"/>
+              </a:lnSpc>
+              <a:spcBef>
+                <a:spcPts val="500"/>
+              </a:spcBef>
+              <a:buFont typeface="Arial" panose="020B0604020202020204" pitchFamily="34" charset="0"/>
+              <a:buChar char="•"/>
+              <a:defRPr sz="1800" kern="1200">
+                <a:solidFill>
+                  <a:schemeClr val="tx1"/>
+                </a:solidFill>
+                <a:latin typeface="+mn-lt"/>
+                <a:ea typeface="+mn-ea"/>
+                <a:cs typeface="+mn-cs"/>
+              </a:defRPr>
+            </a:lvl6pPr>
+            <a:lvl7pPr marL="2971800" indent="-228600" algn="l" defTabSz="914400" rtl="0" eaLnBrk="1" latinLnBrk="0" hangingPunct="1">
+              <a:lnSpc>
+                <a:spcPct val="90000"/>
+              </a:lnSpc>
+              <a:spcBef>
+                <a:spcPts val="500"/>
+              </a:spcBef>
+              <a:buFont typeface="Arial" panose="020B0604020202020204" pitchFamily="34" charset="0"/>
+              <a:buChar char="•"/>
+              <a:defRPr sz="1800" kern="1200">
+                <a:solidFill>
+                  <a:schemeClr val="tx1"/>
+                </a:solidFill>
+                <a:latin typeface="+mn-lt"/>
+                <a:ea typeface="+mn-ea"/>
+                <a:cs typeface="+mn-cs"/>
+              </a:defRPr>
+            </a:lvl7pPr>
+            <a:lvl8pPr marL="3429000" indent="-228600" algn="l" defTabSz="914400" rtl="0" eaLnBrk="1" latinLnBrk="0" hangingPunct="1">
+              <a:lnSpc>
+                <a:spcPct val="90000"/>
+              </a:lnSpc>
+              <a:spcBef>
+                <a:spcPts val="500"/>
+              </a:spcBef>
+              <a:buFont typeface="Arial" panose="020B0604020202020204" pitchFamily="34" charset="0"/>
+              <a:buChar char="•"/>
+              <a:defRPr sz="1800" kern="1200">
+                <a:solidFill>
+                  <a:schemeClr val="tx1"/>
+                </a:solidFill>
+                <a:latin typeface="+mn-lt"/>
+                <a:ea typeface="+mn-ea"/>
+                <a:cs typeface="+mn-cs"/>
+              </a:defRPr>
+            </a:lvl8pPr>
+            <a:lvl9pPr marL="3886200" indent="-228600" algn="l" defTabSz="914400" rtl="0" eaLnBrk="1" latinLnBrk="0" hangingPunct="1">
+              <a:lnSpc>
+                <a:spcPct val="90000"/>
+              </a:lnSpc>
+              <a:spcBef>
+                <a:spcPts val="500"/>
+              </a:spcBef>
+              <a:buFont typeface="Arial" panose="020B0604020202020204" pitchFamily="34" charset="0"/>
+              <a:buChar char="•"/>
+              <a:defRPr sz="1800" kern="1200">
+                <a:solidFill>
+                  <a:schemeClr val="tx1"/>
+                </a:solidFill>
+                <a:latin typeface="+mn-lt"/>
+                <a:ea typeface="+mn-ea"/>
+                <a:cs typeface="+mn-cs"/>
+              </a:defRPr>
+            </a:lvl9pPr>
+          </a:lstStyle>
+          <a:p>
+            <a:pPr marL="0" indent="0">
+              <a:buNone/>
+            </a:pPr>
+            <a:r>
+              <a:rPr lang="en-US" sz="1600" b="1" dirty="0"/>
+              <a:t>Model Evaluation:</a:t>
+            </a:r>
+          </a:p>
+          <a:p>
+            <a:pPr lvl="1">
+              <a:buFont typeface="Wingdings" panose="05000000000000000000" pitchFamily="2" charset="2"/>
+              <a:buChar char="Ø"/>
+            </a:pPr>
+            <a:r>
+              <a:rPr lang="en-US" sz="1600" dirty="0"/>
+              <a:t>MSE: 4856.71</a:t>
+            </a:r>
+          </a:p>
+          <a:p>
+            <a:pPr lvl="1">
+              <a:buFont typeface="Wingdings" panose="05000000000000000000" pitchFamily="2" charset="2"/>
+              <a:buChar char="Ø"/>
+            </a:pPr>
+            <a:r>
+              <a:rPr lang="en-US" sz="1600" dirty="0"/>
+              <a:t>RMSE: 69.69</a:t>
+            </a:r>
+          </a:p>
+          <a:p>
+            <a:pPr lvl="1">
+              <a:buFont typeface="Wingdings" panose="05000000000000000000" pitchFamily="2" charset="2"/>
+              <a:buChar char="Ø"/>
+            </a:pPr>
+            <a:r>
+              <a:rPr lang="en-US" sz="1600" dirty="0"/>
+              <a:t>R2 Score: 0.827</a:t>
+            </a:r>
+          </a:p>
+          <a:p>
+            <a:pPr lvl="1">
+              <a:buFont typeface="Wingdings" panose="05000000000000000000" pitchFamily="2" charset="2"/>
+              <a:buChar char="Ø"/>
+            </a:pPr>
+            <a:r>
+              <a:rPr lang="en-US" sz="1600" dirty="0"/>
+              <a:t>std deviation: 152.49</a:t>
+            </a:r>
+            <a:endParaRPr lang="en-US" sz="2000" dirty="0"/>
+          </a:p>
+          <a:p>
+            <a:pPr>
+              <a:buFont typeface="Wingdings" panose="05000000000000000000" pitchFamily="2" charset="2"/>
+              <a:buChar char="§"/>
+            </a:pPr>
+            <a:endParaRPr lang="en-US" sz="2000" dirty="0"/>
+          </a:p>
+          <a:p>
+            <a:pPr>
+              <a:buFont typeface="Wingdings" panose="05000000000000000000" pitchFamily="2" charset="2"/>
+              <a:buChar char="§"/>
+            </a:pPr>
+            <a:endParaRPr lang="en-US" sz="2000" dirty="0"/>
+          </a:p>
+        </p:txBody>
+      </p:sp>
+      <p:sp>
+        <p:nvSpPr>
+          <p:cNvPr id="12" name="Slide Number Placeholder 11">
+            <a:extLst>
+              <a:ext uri="{FF2B5EF4-FFF2-40B4-BE49-F238E27FC236}">
+                <a16:creationId xmlns:a16="http://schemas.microsoft.com/office/drawing/2014/main" id="{7E4D38FD-6BC2-DAE5-A5E9-1D70FF300D07}"/>
+              </a:ext>
+            </a:extLst>
+          </p:cNvPr>
+          <p:cNvSpPr>
+            <a:spLocks noGrp="1"/>
+          </p:cNvSpPr>
+          <p:nvPr>
+            <p:ph type="sldNum" sz="quarter" idx="12"/>
+          </p:nvPr>
+        </p:nvSpPr>
+        <p:spPr/>
+        <p:txBody>
+          <a:bodyPr/>
+          <a:lstStyle/>
+          <a:p>
+            <a:fld id="{73B850FF-6169-4056-8077-06FFA93A5366}" type="slidenum">
+              <a:rPr lang="en-US" smtClean="0"/>
+              <a:t>14</a:t>
+            </a:fld>
+            <a:endParaRPr lang="en-US"/>
+          </a:p>
+        </p:txBody>
+      </p:sp>
+      <p:sp>
+        <p:nvSpPr>
+          <p:cNvPr id="17" name="Content Placeholder 4">
+            <a:extLst>
+              <a:ext uri="{FF2B5EF4-FFF2-40B4-BE49-F238E27FC236}">
+                <a16:creationId xmlns:a16="http://schemas.microsoft.com/office/drawing/2014/main" id="{21EE3195-2D93-080E-BFA4-6D2F9B06197A}"/>
+              </a:ext>
+            </a:extLst>
+          </p:cNvPr>
+          <p:cNvSpPr txBox="1">
+            <a:spLocks/>
+          </p:cNvSpPr>
+          <p:nvPr/>
+        </p:nvSpPr>
+        <p:spPr>
+          <a:xfrm>
+            <a:off x="7724029" y="3402039"/>
+            <a:ext cx="2988090" cy="1623238"/>
+          </a:xfrm>
+          <a:prstGeom prst="rect">
+            <a:avLst/>
+          </a:prstGeom>
+        </p:spPr>
+        <p:txBody>
+          <a:bodyPr vert="horz" lIns="91440" tIns="45720" rIns="91440" bIns="45720" rtlCol="0">
+            <a:noAutofit/>
+          </a:bodyPr>
+          <a:lstStyle>
+            <a:lvl1pPr marL="228600" indent="-228600" algn="l" defTabSz="914400" rtl="0" eaLnBrk="1" latinLnBrk="0" hangingPunct="1">
+              <a:lnSpc>
+                <a:spcPct val="110000"/>
+              </a:lnSpc>
+              <a:spcBef>
+                <a:spcPts val="1000"/>
+              </a:spcBef>
+              <a:buClr>
+                <a:schemeClr val="accent5"/>
+              </a:buClr>
+              <a:buFont typeface="Avenir Next LT Pro" panose="020B0504020202020204" pitchFamily="34" charset="0"/>
+              <a:buChar char="+"/>
+              <a:defRPr sz="2800" kern="1200">
+                <a:solidFill>
+                  <a:schemeClr val="tx2"/>
+                </a:solidFill>
+                <a:latin typeface="+mn-lt"/>
+                <a:ea typeface="+mn-ea"/>
+                <a:cs typeface="+mn-cs"/>
+              </a:defRPr>
+            </a:lvl1pPr>
+            <a:lvl2pPr marL="685800" indent="-228600" algn="l" defTabSz="914400" rtl="0" eaLnBrk="1" latinLnBrk="0" hangingPunct="1">
+              <a:lnSpc>
+                <a:spcPct val="110000"/>
+              </a:lnSpc>
+              <a:spcBef>
+                <a:spcPts val="500"/>
+              </a:spcBef>
+              <a:buClr>
+                <a:schemeClr val="accent5"/>
+              </a:buClr>
+              <a:buFont typeface="Avenir Next LT Pro" panose="020B0504020202020204" pitchFamily="34" charset="0"/>
+              <a:buChar char="+"/>
+              <a:defRPr sz="2400" kern="1200">
+                <a:solidFill>
+                  <a:schemeClr val="tx2"/>
+                </a:solidFill>
+                <a:latin typeface="+mn-lt"/>
+                <a:ea typeface="+mn-ea"/>
+                <a:cs typeface="+mn-cs"/>
+              </a:defRPr>
+            </a:lvl2pPr>
+            <a:lvl3pPr marL="1143000" indent="-228600" algn="l" defTabSz="914400" rtl="0" eaLnBrk="1" latinLnBrk="0" hangingPunct="1">
+              <a:lnSpc>
+                <a:spcPct val="110000"/>
+              </a:lnSpc>
+              <a:spcBef>
+                <a:spcPts val="500"/>
+              </a:spcBef>
+              <a:buClr>
+                <a:schemeClr val="accent5"/>
+              </a:buClr>
+              <a:buFont typeface="Avenir Next LT Pro" panose="020B0504020202020204" pitchFamily="34" charset="0"/>
+              <a:buChar char="+"/>
+              <a:defRPr sz="2000" kern="1200">
+                <a:solidFill>
+                  <a:schemeClr val="tx2"/>
+                </a:solidFill>
+                <a:latin typeface="+mn-lt"/>
+                <a:ea typeface="+mn-ea"/>
+                <a:cs typeface="+mn-cs"/>
+              </a:defRPr>
+            </a:lvl3pPr>
+            <a:lvl4pPr marL="1600200" indent="-228600" algn="l" defTabSz="914400" rtl="0" eaLnBrk="1" latinLnBrk="0" hangingPunct="1">
+              <a:lnSpc>
+                <a:spcPct val="110000"/>
+              </a:lnSpc>
+              <a:spcBef>
+                <a:spcPts val="500"/>
+              </a:spcBef>
+              <a:buClr>
+                <a:schemeClr val="accent5"/>
+              </a:buClr>
+              <a:buFont typeface="Avenir Next LT Pro" panose="020B0504020202020204" pitchFamily="34" charset="0"/>
+              <a:buChar char="+"/>
+              <a:defRPr sz="1800" kern="1200">
+                <a:solidFill>
+                  <a:schemeClr val="tx2"/>
+                </a:solidFill>
+                <a:latin typeface="+mn-lt"/>
+                <a:ea typeface="+mn-ea"/>
+                <a:cs typeface="+mn-cs"/>
+              </a:defRPr>
+            </a:lvl4pPr>
+            <a:lvl5pPr marL="2057400" indent="-228600" algn="l" defTabSz="914400" rtl="0" eaLnBrk="1" latinLnBrk="0" hangingPunct="1">
+              <a:lnSpc>
+                <a:spcPct val="110000"/>
+              </a:lnSpc>
+              <a:spcBef>
+                <a:spcPts val="500"/>
+              </a:spcBef>
+              <a:buClr>
+                <a:schemeClr val="accent5"/>
+              </a:buClr>
+              <a:buFont typeface="Avenir Next LT Pro" panose="020B0504020202020204" pitchFamily="34" charset="0"/>
+              <a:buChar char="+"/>
+              <a:defRPr sz="1800" kern="1200">
+                <a:solidFill>
+                  <a:schemeClr val="tx2"/>
+                </a:solidFill>
+                <a:latin typeface="+mn-lt"/>
+                <a:ea typeface="+mn-ea"/>
+                <a:cs typeface="+mn-cs"/>
+              </a:defRPr>
+            </a:lvl5pPr>
+            <a:lvl6pPr marL="2514600" indent="-228600" algn="l" defTabSz="914400" rtl="0" eaLnBrk="1" latinLnBrk="0" hangingPunct="1">
+              <a:lnSpc>
+                <a:spcPct val="90000"/>
+              </a:lnSpc>
+              <a:spcBef>
+                <a:spcPts val="500"/>
+              </a:spcBef>
+              <a:buFont typeface="Arial" panose="020B0604020202020204" pitchFamily="34" charset="0"/>
+              <a:buChar char="•"/>
+              <a:defRPr sz="1800" kern="1200">
+                <a:solidFill>
+                  <a:schemeClr val="tx1"/>
+                </a:solidFill>
+                <a:latin typeface="+mn-lt"/>
+                <a:ea typeface="+mn-ea"/>
+                <a:cs typeface="+mn-cs"/>
+              </a:defRPr>
+            </a:lvl6pPr>
+            <a:lvl7pPr marL="2971800" indent="-228600" algn="l" defTabSz="914400" rtl="0" eaLnBrk="1" latinLnBrk="0" hangingPunct="1">
+              <a:lnSpc>
+                <a:spcPct val="90000"/>
+              </a:lnSpc>
+              <a:spcBef>
+                <a:spcPts val="500"/>
+              </a:spcBef>
+              <a:buFont typeface="Arial" panose="020B0604020202020204" pitchFamily="34" charset="0"/>
+              <a:buChar char="•"/>
+              <a:defRPr sz="1800" kern="1200">
+                <a:solidFill>
+                  <a:schemeClr val="tx1"/>
+                </a:solidFill>
+                <a:latin typeface="+mn-lt"/>
+                <a:ea typeface="+mn-ea"/>
+                <a:cs typeface="+mn-cs"/>
+              </a:defRPr>
+            </a:lvl7pPr>
+            <a:lvl8pPr marL="3429000" indent="-228600" algn="l" defTabSz="914400" rtl="0" eaLnBrk="1" latinLnBrk="0" hangingPunct="1">
+              <a:lnSpc>
+                <a:spcPct val="90000"/>
+              </a:lnSpc>
+              <a:spcBef>
+                <a:spcPts val="500"/>
+              </a:spcBef>
+              <a:buFont typeface="Arial" panose="020B0604020202020204" pitchFamily="34" charset="0"/>
+              <a:buChar char="•"/>
+              <a:defRPr sz="1800" kern="1200">
+                <a:solidFill>
+                  <a:schemeClr val="tx1"/>
+                </a:solidFill>
+                <a:latin typeface="+mn-lt"/>
+                <a:ea typeface="+mn-ea"/>
+                <a:cs typeface="+mn-cs"/>
+              </a:defRPr>
+            </a:lvl8pPr>
+            <a:lvl9pPr marL="3886200" indent="-228600" algn="l" defTabSz="914400" rtl="0" eaLnBrk="1" latinLnBrk="0" hangingPunct="1">
+              <a:lnSpc>
+                <a:spcPct val="90000"/>
+              </a:lnSpc>
+              <a:spcBef>
+                <a:spcPts val="500"/>
+              </a:spcBef>
+              <a:buFont typeface="Arial" panose="020B0604020202020204" pitchFamily="34" charset="0"/>
+              <a:buChar char="•"/>
+              <a:defRPr sz="1800" kern="1200">
+                <a:solidFill>
+                  <a:schemeClr val="tx1"/>
+                </a:solidFill>
+                <a:latin typeface="+mn-lt"/>
+                <a:ea typeface="+mn-ea"/>
+                <a:cs typeface="+mn-cs"/>
+              </a:defRPr>
+            </a:lvl9pPr>
+          </a:lstStyle>
+          <a:p>
+            <a:pPr>
+              <a:buFont typeface="Wingdings" panose="05000000000000000000" pitchFamily="2" charset="2"/>
+              <a:buChar char="§"/>
+            </a:pPr>
+            <a:endParaRPr lang="en-US" sz="2000" dirty="0"/>
+          </a:p>
+        </p:txBody>
+      </p:sp>
+      <p:sp>
+        <p:nvSpPr>
+          <p:cNvPr id="5" name="Content Placeholder 4">
+            <a:extLst>
+              <a:ext uri="{FF2B5EF4-FFF2-40B4-BE49-F238E27FC236}">
+                <a16:creationId xmlns:a16="http://schemas.microsoft.com/office/drawing/2014/main" id="{87CD846B-EE69-6C06-529B-45A94F0751CE}"/>
+              </a:ext>
+            </a:extLst>
+          </p:cNvPr>
+          <p:cNvSpPr txBox="1">
+            <a:spLocks/>
+          </p:cNvSpPr>
+          <p:nvPr/>
+        </p:nvSpPr>
+        <p:spPr>
+          <a:xfrm>
+            <a:off x="7724029" y="5213348"/>
+            <a:ext cx="2618216" cy="1325564"/>
+          </a:xfrm>
+          <a:prstGeom prst="rect">
+            <a:avLst/>
+          </a:prstGeom>
+        </p:spPr>
+        <p:txBody>
+          <a:bodyPr vert="horz" lIns="91440" tIns="45720" rIns="91440" bIns="45720" rtlCol="0">
+            <a:noAutofit/>
+          </a:bodyPr>
+          <a:lstStyle>
+            <a:lvl1pPr marL="228600" indent="-228600" algn="l" defTabSz="914400" rtl="0" eaLnBrk="1" latinLnBrk="0" hangingPunct="1">
+              <a:lnSpc>
+                <a:spcPct val="110000"/>
+              </a:lnSpc>
+              <a:spcBef>
+                <a:spcPts val="1000"/>
+              </a:spcBef>
+              <a:buClr>
+                <a:schemeClr val="accent5"/>
+              </a:buClr>
+              <a:buFont typeface="Avenir Next LT Pro" panose="020B0504020202020204" pitchFamily="34" charset="0"/>
+              <a:buChar char="+"/>
+              <a:defRPr sz="2800" kern="1200">
+                <a:solidFill>
+                  <a:schemeClr val="tx2"/>
+                </a:solidFill>
+                <a:latin typeface="+mn-lt"/>
+                <a:ea typeface="+mn-ea"/>
+                <a:cs typeface="+mn-cs"/>
+              </a:defRPr>
+            </a:lvl1pPr>
+            <a:lvl2pPr marL="685800" indent="-228600" algn="l" defTabSz="914400" rtl="0" eaLnBrk="1" latinLnBrk="0" hangingPunct="1">
+              <a:lnSpc>
+                <a:spcPct val="110000"/>
+              </a:lnSpc>
+              <a:spcBef>
+                <a:spcPts val="500"/>
+              </a:spcBef>
+              <a:buClr>
+                <a:schemeClr val="accent5"/>
+              </a:buClr>
+              <a:buFont typeface="Avenir Next LT Pro" panose="020B0504020202020204" pitchFamily="34" charset="0"/>
+              <a:buChar char="+"/>
+              <a:defRPr sz="2400" kern="1200">
+                <a:solidFill>
+                  <a:schemeClr val="tx2"/>
+                </a:solidFill>
+                <a:latin typeface="+mn-lt"/>
+                <a:ea typeface="+mn-ea"/>
+                <a:cs typeface="+mn-cs"/>
+              </a:defRPr>
+            </a:lvl2pPr>
+            <a:lvl3pPr marL="1143000" indent="-228600" algn="l" defTabSz="914400" rtl="0" eaLnBrk="1" latinLnBrk="0" hangingPunct="1">
+              <a:lnSpc>
+                <a:spcPct val="110000"/>
+              </a:lnSpc>
+              <a:spcBef>
+                <a:spcPts val="500"/>
+              </a:spcBef>
+              <a:buClr>
+                <a:schemeClr val="accent5"/>
+              </a:buClr>
+              <a:buFont typeface="Avenir Next LT Pro" panose="020B0504020202020204" pitchFamily="34" charset="0"/>
+              <a:buChar char="+"/>
+              <a:defRPr sz="2000" kern="1200">
+                <a:solidFill>
+                  <a:schemeClr val="tx2"/>
+                </a:solidFill>
+                <a:latin typeface="+mn-lt"/>
+                <a:ea typeface="+mn-ea"/>
+                <a:cs typeface="+mn-cs"/>
+              </a:defRPr>
+            </a:lvl3pPr>
+            <a:lvl4pPr marL="1600200" indent="-228600" algn="l" defTabSz="914400" rtl="0" eaLnBrk="1" latinLnBrk="0" hangingPunct="1">
+              <a:lnSpc>
+                <a:spcPct val="110000"/>
+              </a:lnSpc>
+              <a:spcBef>
+                <a:spcPts val="500"/>
+              </a:spcBef>
+              <a:buClr>
+                <a:schemeClr val="accent5"/>
+              </a:buClr>
+              <a:buFont typeface="Avenir Next LT Pro" panose="020B0504020202020204" pitchFamily="34" charset="0"/>
+              <a:buChar char="+"/>
+              <a:defRPr sz="1800" kern="1200">
+                <a:solidFill>
+                  <a:schemeClr val="tx2"/>
+                </a:solidFill>
+                <a:latin typeface="+mn-lt"/>
+                <a:ea typeface="+mn-ea"/>
+                <a:cs typeface="+mn-cs"/>
+              </a:defRPr>
+            </a:lvl4pPr>
+            <a:lvl5pPr marL="2057400" indent="-228600" algn="l" defTabSz="914400" rtl="0" eaLnBrk="1" latinLnBrk="0" hangingPunct="1">
+              <a:lnSpc>
+                <a:spcPct val="110000"/>
+              </a:lnSpc>
+              <a:spcBef>
+                <a:spcPts val="500"/>
+              </a:spcBef>
+              <a:buClr>
+                <a:schemeClr val="accent5"/>
+              </a:buClr>
+              <a:buFont typeface="Avenir Next LT Pro" panose="020B0504020202020204" pitchFamily="34" charset="0"/>
+              <a:buChar char="+"/>
+              <a:defRPr sz="1800" kern="1200">
+                <a:solidFill>
+                  <a:schemeClr val="tx2"/>
+                </a:solidFill>
+                <a:latin typeface="+mn-lt"/>
+                <a:ea typeface="+mn-ea"/>
+                <a:cs typeface="+mn-cs"/>
+              </a:defRPr>
+            </a:lvl5pPr>
+            <a:lvl6pPr marL="2514600" indent="-228600" algn="l" defTabSz="914400" rtl="0" eaLnBrk="1" latinLnBrk="0" hangingPunct="1">
+              <a:lnSpc>
+                <a:spcPct val="90000"/>
+              </a:lnSpc>
+              <a:spcBef>
+                <a:spcPts val="500"/>
+              </a:spcBef>
+              <a:buFont typeface="Arial" panose="020B0604020202020204" pitchFamily="34" charset="0"/>
+              <a:buChar char="•"/>
+              <a:defRPr sz="1800" kern="1200">
+                <a:solidFill>
+                  <a:schemeClr val="tx1"/>
+                </a:solidFill>
+                <a:latin typeface="+mn-lt"/>
+                <a:ea typeface="+mn-ea"/>
+                <a:cs typeface="+mn-cs"/>
+              </a:defRPr>
+            </a:lvl6pPr>
+            <a:lvl7pPr marL="2971800" indent="-228600" algn="l" defTabSz="914400" rtl="0" eaLnBrk="1" latinLnBrk="0" hangingPunct="1">
+              <a:lnSpc>
+                <a:spcPct val="90000"/>
+              </a:lnSpc>
+              <a:spcBef>
+                <a:spcPts val="500"/>
+              </a:spcBef>
+              <a:buFont typeface="Arial" panose="020B0604020202020204" pitchFamily="34" charset="0"/>
+              <a:buChar char="•"/>
+              <a:defRPr sz="1800" kern="1200">
+                <a:solidFill>
+                  <a:schemeClr val="tx1"/>
+                </a:solidFill>
+                <a:latin typeface="+mn-lt"/>
+                <a:ea typeface="+mn-ea"/>
+                <a:cs typeface="+mn-cs"/>
+              </a:defRPr>
+            </a:lvl7pPr>
+            <a:lvl8pPr marL="3429000" indent="-228600" algn="l" defTabSz="914400" rtl="0" eaLnBrk="1" latinLnBrk="0" hangingPunct="1">
+              <a:lnSpc>
+                <a:spcPct val="90000"/>
+              </a:lnSpc>
+              <a:spcBef>
+                <a:spcPts val="500"/>
+              </a:spcBef>
+              <a:buFont typeface="Arial" panose="020B0604020202020204" pitchFamily="34" charset="0"/>
+              <a:buChar char="•"/>
+              <a:defRPr sz="1800" kern="1200">
+                <a:solidFill>
+                  <a:schemeClr val="tx1"/>
+                </a:solidFill>
+                <a:latin typeface="+mn-lt"/>
+                <a:ea typeface="+mn-ea"/>
+                <a:cs typeface="+mn-cs"/>
+              </a:defRPr>
+            </a:lvl8pPr>
+            <a:lvl9pPr marL="3886200" indent="-228600" algn="l" defTabSz="914400" rtl="0" eaLnBrk="1" latinLnBrk="0" hangingPunct="1">
+              <a:lnSpc>
+                <a:spcPct val="90000"/>
+              </a:lnSpc>
+              <a:spcBef>
+                <a:spcPts val="500"/>
+              </a:spcBef>
+              <a:buFont typeface="Arial" panose="020B0604020202020204" pitchFamily="34" charset="0"/>
+              <a:buChar char="•"/>
+              <a:defRPr sz="1800" kern="1200">
+                <a:solidFill>
+                  <a:schemeClr val="tx1"/>
+                </a:solidFill>
+                <a:latin typeface="+mn-lt"/>
+                <a:ea typeface="+mn-ea"/>
+                <a:cs typeface="+mn-cs"/>
+              </a:defRPr>
+            </a:lvl9pPr>
+          </a:lstStyle>
+          <a:p>
+            <a:pPr marL="0" indent="0">
+              <a:buNone/>
+            </a:pPr>
+            <a:endParaRPr lang="en-US" sz="1600" dirty="0"/>
+          </a:p>
+        </p:txBody>
+      </p:sp>
+    </p:spTree>
+    <p:extLst>
+      <p:ext uri="{BB962C8B-B14F-4D97-AF65-F5344CB8AC3E}">
+        <p14:creationId xmlns:p14="http://schemas.microsoft.com/office/powerpoint/2010/main" val="3316162421"/>
+      </p:ext>
+    </p:extLst>
+  </p:cSld>
+  <p:clrMapOvr>
+    <a:masterClrMapping/>
+  </p:clrMapOvr>
+</p:sld>
+</file>
+
+<file path=ppt/slides/slide15.xml><?xml version="1.0" encoding="utf-8"?>
+<p:sld xmlns:a="http://schemas.openxmlformats.org/drawingml/2006/main" xmlns:r="http://schemas.openxmlformats.org/officeDocument/2006/relationships" xmlns:p="http://schemas.openxmlformats.org/presentationml/2006/main">
+  <p:cSld>
+    <p:spTree>
+      <p:nvGrpSpPr>
+        <p:cNvPr id="1" name=""/>
+        <p:cNvGrpSpPr/>
+        <p:nvPr/>
+      </p:nvGrpSpPr>
+      <p:grpSpPr>
+        <a:xfrm>
+          <a:off x="0" y="0"/>
+          <a:ext cx="0" cy="0"/>
+          <a:chOff x="0" y="0"/>
+          <a:chExt cx="0" cy="0"/>
+        </a:xfrm>
+      </p:grpSpPr>
+      <p:sp>
+        <p:nvSpPr>
+          <p:cNvPr id="2" name="Title 1">
+            <a:extLst>
+              <a:ext uri="{FF2B5EF4-FFF2-40B4-BE49-F238E27FC236}">
+                <a16:creationId xmlns:a16="http://schemas.microsoft.com/office/drawing/2014/main" id="{5DC85B10-4428-71B3-BD8A-970EA9DC1AB3}"/>
+              </a:ext>
+            </a:extLst>
+          </p:cNvPr>
+          <p:cNvSpPr>
+            <a:spLocks noGrp="1"/>
+          </p:cNvSpPr>
+          <p:nvPr>
+            <p:ph type="title"/>
+          </p:nvPr>
+        </p:nvSpPr>
+        <p:spPr/>
+        <p:txBody>
+          <a:bodyPr/>
+          <a:lstStyle/>
+          <a:p>
+            <a:r>
+              <a:rPr lang="en-US" dirty="0"/>
+              <a:t>Regression tree  – Residual Plot</a:t>
+            </a:r>
+          </a:p>
+        </p:txBody>
+      </p:sp>
+      <p:sp>
+        <p:nvSpPr>
+          <p:cNvPr id="12" name="Slide Number Placeholder 11">
+            <a:extLst>
+              <a:ext uri="{FF2B5EF4-FFF2-40B4-BE49-F238E27FC236}">
+                <a16:creationId xmlns:a16="http://schemas.microsoft.com/office/drawing/2014/main" id="{7E4D38FD-6BC2-DAE5-A5E9-1D70FF300D07}"/>
+              </a:ext>
+            </a:extLst>
+          </p:cNvPr>
+          <p:cNvSpPr>
+            <a:spLocks noGrp="1"/>
+          </p:cNvSpPr>
+          <p:nvPr>
+            <p:ph type="sldNum" sz="quarter" idx="12"/>
+          </p:nvPr>
+        </p:nvSpPr>
+        <p:spPr/>
+        <p:txBody>
+          <a:bodyPr/>
+          <a:lstStyle/>
+          <a:p>
+            <a:fld id="{73B850FF-6169-4056-8077-06FFA93A5366}" type="slidenum">
+              <a:rPr lang="en-US" smtClean="0"/>
+              <a:t>15</a:t>
+            </a:fld>
+            <a:endParaRPr lang="en-US"/>
+          </a:p>
+        </p:txBody>
+      </p:sp>
+      <p:sp>
+        <p:nvSpPr>
+          <p:cNvPr id="17" name="Content Placeholder 4">
+            <a:extLst>
+              <a:ext uri="{FF2B5EF4-FFF2-40B4-BE49-F238E27FC236}">
+                <a16:creationId xmlns:a16="http://schemas.microsoft.com/office/drawing/2014/main" id="{21EE3195-2D93-080E-BFA4-6D2F9B06197A}"/>
+              </a:ext>
+            </a:extLst>
+          </p:cNvPr>
+          <p:cNvSpPr txBox="1">
+            <a:spLocks/>
+          </p:cNvSpPr>
+          <p:nvPr/>
+        </p:nvSpPr>
+        <p:spPr>
+          <a:xfrm>
+            <a:off x="7724029" y="3402039"/>
+            <a:ext cx="2988090" cy="1623238"/>
+          </a:xfrm>
+          <a:prstGeom prst="rect">
+            <a:avLst/>
+          </a:prstGeom>
+        </p:spPr>
+        <p:txBody>
+          <a:bodyPr vert="horz" lIns="91440" tIns="45720" rIns="91440" bIns="45720" rtlCol="0">
+            <a:noAutofit/>
+          </a:bodyPr>
+          <a:lstStyle>
+            <a:lvl1pPr marL="228600" indent="-228600" algn="l" defTabSz="914400" rtl="0" eaLnBrk="1" latinLnBrk="0" hangingPunct="1">
+              <a:lnSpc>
+                <a:spcPct val="110000"/>
+              </a:lnSpc>
+              <a:spcBef>
+                <a:spcPts val="1000"/>
+              </a:spcBef>
+              <a:buClr>
+                <a:schemeClr val="accent5"/>
+              </a:buClr>
+              <a:buFont typeface="Avenir Next LT Pro" panose="020B0504020202020204" pitchFamily="34" charset="0"/>
+              <a:buChar char="+"/>
+              <a:defRPr sz="2800" kern="1200">
+                <a:solidFill>
+                  <a:schemeClr val="tx2"/>
+                </a:solidFill>
+                <a:latin typeface="+mn-lt"/>
+                <a:ea typeface="+mn-ea"/>
+                <a:cs typeface="+mn-cs"/>
+              </a:defRPr>
+            </a:lvl1pPr>
+            <a:lvl2pPr marL="685800" indent="-228600" algn="l" defTabSz="914400" rtl="0" eaLnBrk="1" latinLnBrk="0" hangingPunct="1">
+              <a:lnSpc>
+                <a:spcPct val="110000"/>
+              </a:lnSpc>
+              <a:spcBef>
+                <a:spcPts val="500"/>
+              </a:spcBef>
+              <a:buClr>
+                <a:schemeClr val="accent5"/>
+              </a:buClr>
+              <a:buFont typeface="Avenir Next LT Pro" panose="020B0504020202020204" pitchFamily="34" charset="0"/>
+              <a:buChar char="+"/>
+              <a:defRPr sz="2400" kern="1200">
+                <a:solidFill>
+                  <a:schemeClr val="tx2"/>
+                </a:solidFill>
+                <a:latin typeface="+mn-lt"/>
+                <a:ea typeface="+mn-ea"/>
+                <a:cs typeface="+mn-cs"/>
+              </a:defRPr>
+            </a:lvl2pPr>
+            <a:lvl3pPr marL="1143000" indent="-228600" algn="l" defTabSz="914400" rtl="0" eaLnBrk="1" latinLnBrk="0" hangingPunct="1">
+              <a:lnSpc>
+                <a:spcPct val="110000"/>
+              </a:lnSpc>
+              <a:spcBef>
+                <a:spcPts val="500"/>
+              </a:spcBef>
+              <a:buClr>
+                <a:schemeClr val="accent5"/>
+              </a:buClr>
+              <a:buFont typeface="Avenir Next LT Pro" panose="020B0504020202020204" pitchFamily="34" charset="0"/>
+              <a:buChar char="+"/>
+              <a:defRPr sz="2000" kern="1200">
+                <a:solidFill>
+                  <a:schemeClr val="tx2"/>
+                </a:solidFill>
+                <a:latin typeface="+mn-lt"/>
+                <a:ea typeface="+mn-ea"/>
+                <a:cs typeface="+mn-cs"/>
+              </a:defRPr>
+            </a:lvl3pPr>
+            <a:lvl4pPr marL="1600200" indent="-228600" algn="l" defTabSz="914400" rtl="0" eaLnBrk="1" latinLnBrk="0" hangingPunct="1">
+              <a:lnSpc>
+                <a:spcPct val="110000"/>
+              </a:lnSpc>
+              <a:spcBef>
+                <a:spcPts val="500"/>
+              </a:spcBef>
+              <a:buClr>
+                <a:schemeClr val="accent5"/>
+              </a:buClr>
+              <a:buFont typeface="Avenir Next LT Pro" panose="020B0504020202020204" pitchFamily="34" charset="0"/>
+              <a:buChar char="+"/>
+              <a:defRPr sz="1800" kern="1200">
+                <a:solidFill>
+                  <a:schemeClr val="tx2"/>
+                </a:solidFill>
+                <a:latin typeface="+mn-lt"/>
+                <a:ea typeface="+mn-ea"/>
+                <a:cs typeface="+mn-cs"/>
+              </a:defRPr>
+            </a:lvl4pPr>
+            <a:lvl5pPr marL="2057400" indent="-228600" algn="l" defTabSz="914400" rtl="0" eaLnBrk="1" latinLnBrk="0" hangingPunct="1">
+              <a:lnSpc>
+                <a:spcPct val="110000"/>
+              </a:lnSpc>
+              <a:spcBef>
+                <a:spcPts val="500"/>
+              </a:spcBef>
+              <a:buClr>
+                <a:schemeClr val="accent5"/>
+              </a:buClr>
+              <a:buFont typeface="Avenir Next LT Pro" panose="020B0504020202020204" pitchFamily="34" charset="0"/>
+              <a:buChar char="+"/>
+              <a:defRPr sz="1800" kern="1200">
+                <a:solidFill>
+                  <a:schemeClr val="tx2"/>
+                </a:solidFill>
+                <a:latin typeface="+mn-lt"/>
+                <a:ea typeface="+mn-ea"/>
+                <a:cs typeface="+mn-cs"/>
+              </a:defRPr>
+            </a:lvl5pPr>
+            <a:lvl6pPr marL="2514600" indent="-228600" algn="l" defTabSz="914400" rtl="0" eaLnBrk="1" latinLnBrk="0" hangingPunct="1">
+              <a:lnSpc>
+                <a:spcPct val="90000"/>
+              </a:lnSpc>
+              <a:spcBef>
+                <a:spcPts val="500"/>
+              </a:spcBef>
+              <a:buFont typeface="Arial" panose="020B0604020202020204" pitchFamily="34" charset="0"/>
+              <a:buChar char="•"/>
+              <a:defRPr sz="1800" kern="1200">
+                <a:solidFill>
+                  <a:schemeClr val="tx1"/>
+                </a:solidFill>
+                <a:latin typeface="+mn-lt"/>
+                <a:ea typeface="+mn-ea"/>
+                <a:cs typeface="+mn-cs"/>
+              </a:defRPr>
+            </a:lvl6pPr>
+            <a:lvl7pPr marL="2971800" indent="-228600" algn="l" defTabSz="914400" rtl="0" eaLnBrk="1" latinLnBrk="0" hangingPunct="1">
+              <a:lnSpc>
+                <a:spcPct val="90000"/>
+              </a:lnSpc>
+              <a:spcBef>
+                <a:spcPts val="500"/>
+              </a:spcBef>
+              <a:buFont typeface="Arial" panose="020B0604020202020204" pitchFamily="34" charset="0"/>
+              <a:buChar char="•"/>
+              <a:defRPr sz="1800" kern="1200">
+                <a:solidFill>
+                  <a:schemeClr val="tx1"/>
+                </a:solidFill>
+                <a:latin typeface="+mn-lt"/>
+                <a:ea typeface="+mn-ea"/>
+                <a:cs typeface="+mn-cs"/>
+              </a:defRPr>
+            </a:lvl7pPr>
+            <a:lvl8pPr marL="3429000" indent="-228600" algn="l" defTabSz="914400" rtl="0" eaLnBrk="1" latinLnBrk="0" hangingPunct="1">
+              <a:lnSpc>
+                <a:spcPct val="90000"/>
+              </a:lnSpc>
+              <a:spcBef>
+                <a:spcPts val="500"/>
+              </a:spcBef>
+              <a:buFont typeface="Arial" panose="020B0604020202020204" pitchFamily="34" charset="0"/>
+              <a:buChar char="•"/>
+              <a:defRPr sz="1800" kern="1200">
+                <a:solidFill>
+                  <a:schemeClr val="tx1"/>
+                </a:solidFill>
+                <a:latin typeface="+mn-lt"/>
+                <a:ea typeface="+mn-ea"/>
+                <a:cs typeface="+mn-cs"/>
+              </a:defRPr>
+            </a:lvl8pPr>
+            <a:lvl9pPr marL="3886200" indent="-228600" algn="l" defTabSz="914400" rtl="0" eaLnBrk="1" latinLnBrk="0" hangingPunct="1">
+              <a:lnSpc>
+                <a:spcPct val="90000"/>
+              </a:lnSpc>
+              <a:spcBef>
+                <a:spcPts val="500"/>
+              </a:spcBef>
+              <a:buFont typeface="Arial" panose="020B0604020202020204" pitchFamily="34" charset="0"/>
+              <a:buChar char="•"/>
+              <a:defRPr sz="1800" kern="1200">
+                <a:solidFill>
+                  <a:schemeClr val="tx1"/>
+                </a:solidFill>
+                <a:latin typeface="+mn-lt"/>
+                <a:ea typeface="+mn-ea"/>
+                <a:cs typeface="+mn-cs"/>
+              </a:defRPr>
+            </a:lvl9pPr>
+          </a:lstStyle>
+          <a:p>
+            <a:pPr>
+              <a:buFont typeface="Wingdings" panose="05000000000000000000" pitchFamily="2" charset="2"/>
+              <a:buChar char="§"/>
+            </a:pPr>
+            <a:endParaRPr lang="en-US" sz="2000" dirty="0"/>
+          </a:p>
+        </p:txBody>
+      </p:sp>
+      <p:sp>
+        <p:nvSpPr>
+          <p:cNvPr id="5" name="Content Placeholder 4">
+            <a:extLst>
+              <a:ext uri="{FF2B5EF4-FFF2-40B4-BE49-F238E27FC236}">
+                <a16:creationId xmlns:a16="http://schemas.microsoft.com/office/drawing/2014/main" id="{87CD846B-EE69-6C06-529B-45A94F0751CE}"/>
+              </a:ext>
+            </a:extLst>
+          </p:cNvPr>
+          <p:cNvSpPr txBox="1">
+            <a:spLocks/>
+          </p:cNvSpPr>
+          <p:nvPr/>
+        </p:nvSpPr>
+        <p:spPr>
+          <a:xfrm>
+            <a:off x="7724029" y="5213348"/>
+            <a:ext cx="2618216" cy="1325564"/>
+          </a:xfrm>
+          <a:prstGeom prst="rect">
+            <a:avLst/>
+          </a:prstGeom>
+        </p:spPr>
+        <p:txBody>
+          <a:bodyPr vert="horz" lIns="91440" tIns="45720" rIns="91440" bIns="45720" rtlCol="0">
+            <a:noAutofit/>
+          </a:bodyPr>
+          <a:lstStyle>
+            <a:lvl1pPr marL="228600" indent="-228600" algn="l" defTabSz="914400" rtl="0" eaLnBrk="1" latinLnBrk="0" hangingPunct="1">
+              <a:lnSpc>
+                <a:spcPct val="110000"/>
+              </a:lnSpc>
+              <a:spcBef>
+                <a:spcPts val="1000"/>
+              </a:spcBef>
+              <a:buClr>
+                <a:schemeClr val="accent5"/>
+              </a:buClr>
+              <a:buFont typeface="Avenir Next LT Pro" panose="020B0504020202020204" pitchFamily="34" charset="0"/>
+              <a:buChar char="+"/>
+              <a:defRPr sz="2800" kern="1200">
+                <a:solidFill>
+                  <a:schemeClr val="tx2"/>
+                </a:solidFill>
+                <a:latin typeface="+mn-lt"/>
+                <a:ea typeface="+mn-ea"/>
+                <a:cs typeface="+mn-cs"/>
+              </a:defRPr>
+            </a:lvl1pPr>
+            <a:lvl2pPr marL="685800" indent="-228600" algn="l" defTabSz="914400" rtl="0" eaLnBrk="1" latinLnBrk="0" hangingPunct="1">
+              <a:lnSpc>
+                <a:spcPct val="110000"/>
+              </a:lnSpc>
+              <a:spcBef>
+                <a:spcPts val="500"/>
+              </a:spcBef>
+              <a:buClr>
+                <a:schemeClr val="accent5"/>
+              </a:buClr>
+              <a:buFont typeface="Avenir Next LT Pro" panose="020B0504020202020204" pitchFamily="34" charset="0"/>
+              <a:buChar char="+"/>
+              <a:defRPr sz="2400" kern="1200">
+                <a:solidFill>
+                  <a:schemeClr val="tx2"/>
+                </a:solidFill>
+                <a:latin typeface="+mn-lt"/>
+                <a:ea typeface="+mn-ea"/>
+                <a:cs typeface="+mn-cs"/>
+              </a:defRPr>
+            </a:lvl2pPr>
+            <a:lvl3pPr marL="1143000" indent="-228600" algn="l" defTabSz="914400" rtl="0" eaLnBrk="1" latinLnBrk="0" hangingPunct="1">
+              <a:lnSpc>
+                <a:spcPct val="110000"/>
+              </a:lnSpc>
+              <a:spcBef>
+                <a:spcPts val="500"/>
+              </a:spcBef>
+              <a:buClr>
+                <a:schemeClr val="accent5"/>
+              </a:buClr>
+              <a:buFont typeface="Avenir Next LT Pro" panose="020B0504020202020204" pitchFamily="34" charset="0"/>
+              <a:buChar char="+"/>
+              <a:defRPr sz="2000" kern="1200">
+                <a:solidFill>
+                  <a:schemeClr val="tx2"/>
+                </a:solidFill>
+                <a:latin typeface="+mn-lt"/>
+                <a:ea typeface="+mn-ea"/>
+                <a:cs typeface="+mn-cs"/>
+              </a:defRPr>
+            </a:lvl3pPr>
+            <a:lvl4pPr marL="1600200" indent="-228600" algn="l" defTabSz="914400" rtl="0" eaLnBrk="1" latinLnBrk="0" hangingPunct="1">
+              <a:lnSpc>
+                <a:spcPct val="110000"/>
+              </a:lnSpc>
+              <a:spcBef>
+                <a:spcPts val="500"/>
+              </a:spcBef>
+              <a:buClr>
+                <a:schemeClr val="accent5"/>
+              </a:buClr>
+              <a:buFont typeface="Avenir Next LT Pro" panose="020B0504020202020204" pitchFamily="34" charset="0"/>
+              <a:buChar char="+"/>
+              <a:defRPr sz="1800" kern="1200">
+                <a:solidFill>
+                  <a:schemeClr val="tx2"/>
+                </a:solidFill>
+                <a:latin typeface="+mn-lt"/>
+                <a:ea typeface="+mn-ea"/>
+                <a:cs typeface="+mn-cs"/>
+              </a:defRPr>
+            </a:lvl4pPr>
+            <a:lvl5pPr marL="2057400" indent="-228600" algn="l" defTabSz="914400" rtl="0" eaLnBrk="1" latinLnBrk="0" hangingPunct="1">
+              <a:lnSpc>
+                <a:spcPct val="110000"/>
+              </a:lnSpc>
+              <a:spcBef>
+                <a:spcPts val="500"/>
+              </a:spcBef>
+              <a:buClr>
+                <a:schemeClr val="accent5"/>
+              </a:buClr>
+              <a:buFont typeface="Avenir Next LT Pro" panose="020B0504020202020204" pitchFamily="34" charset="0"/>
+              <a:buChar char="+"/>
+              <a:defRPr sz="1800" kern="1200">
+                <a:solidFill>
+                  <a:schemeClr val="tx2"/>
+                </a:solidFill>
+                <a:latin typeface="+mn-lt"/>
+                <a:ea typeface="+mn-ea"/>
+                <a:cs typeface="+mn-cs"/>
+              </a:defRPr>
+            </a:lvl5pPr>
+            <a:lvl6pPr marL="2514600" indent="-228600" algn="l" defTabSz="914400" rtl="0" eaLnBrk="1" latinLnBrk="0" hangingPunct="1">
+              <a:lnSpc>
+                <a:spcPct val="90000"/>
+              </a:lnSpc>
+              <a:spcBef>
+                <a:spcPts val="500"/>
+              </a:spcBef>
+              <a:buFont typeface="Arial" panose="020B0604020202020204" pitchFamily="34" charset="0"/>
+              <a:buChar char="•"/>
+              <a:defRPr sz="1800" kern="1200">
+                <a:solidFill>
+                  <a:schemeClr val="tx1"/>
+                </a:solidFill>
+                <a:latin typeface="+mn-lt"/>
+                <a:ea typeface="+mn-ea"/>
+                <a:cs typeface="+mn-cs"/>
+              </a:defRPr>
+            </a:lvl6pPr>
+            <a:lvl7pPr marL="2971800" indent="-228600" algn="l" defTabSz="914400" rtl="0" eaLnBrk="1" latinLnBrk="0" hangingPunct="1">
+              <a:lnSpc>
+                <a:spcPct val="90000"/>
+              </a:lnSpc>
+              <a:spcBef>
+                <a:spcPts val="500"/>
+              </a:spcBef>
+              <a:buFont typeface="Arial" panose="020B0604020202020204" pitchFamily="34" charset="0"/>
+              <a:buChar char="•"/>
+              <a:defRPr sz="1800" kern="1200">
+                <a:solidFill>
+                  <a:schemeClr val="tx1"/>
+                </a:solidFill>
+                <a:latin typeface="+mn-lt"/>
+                <a:ea typeface="+mn-ea"/>
+                <a:cs typeface="+mn-cs"/>
+              </a:defRPr>
+            </a:lvl7pPr>
+            <a:lvl8pPr marL="3429000" indent="-228600" algn="l" defTabSz="914400" rtl="0" eaLnBrk="1" latinLnBrk="0" hangingPunct="1">
+              <a:lnSpc>
+                <a:spcPct val="90000"/>
+              </a:lnSpc>
+              <a:spcBef>
+                <a:spcPts val="500"/>
+              </a:spcBef>
+              <a:buFont typeface="Arial" panose="020B0604020202020204" pitchFamily="34" charset="0"/>
+              <a:buChar char="•"/>
+              <a:defRPr sz="1800" kern="1200">
+                <a:solidFill>
+                  <a:schemeClr val="tx1"/>
+                </a:solidFill>
+                <a:latin typeface="+mn-lt"/>
+                <a:ea typeface="+mn-ea"/>
+                <a:cs typeface="+mn-cs"/>
+              </a:defRPr>
+            </a:lvl8pPr>
+            <a:lvl9pPr marL="3886200" indent="-228600" algn="l" defTabSz="914400" rtl="0" eaLnBrk="1" latinLnBrk="0" hangingPunct="1">
+              <a:lnSpc>
+                <a:spcPct val="90000"/>
+              </a:lnSpc>
+              <a:spcBef>
+                <a:spcPts val="500"/>
+              </a:spcBef>
+              <a:buFont typeface="Arial" panose="020B0604020202020204" pitchFamily="34" charset="0"/>
+              <a:buChar char="•"/>
+              <a:defRPr sz="1800" kern="1200">
+                <a:solidFill>
+                  <a:schemeClr val="tx1"/>
+                </a:solidFill>
+                <a:latin typeface="+mn-lt"/>
+                <a:ea typeface="+mn-ea"/>
+                <a:cs typeface="+mn-cs"/>
+              </a:defRPr>
+            </a:lvl9pPr>
+          </a:lstStyle>
+          <a:p>
+            <a:pPr marL="0" indent="0">
+              <a:buNone/>
+            </a:pPr>
+            <a:endParaRPr lang="en-US" sz="1600" dirty="0"/>
+          </a:p>
+        </p:txBody>
+      </p:sp>
+      <p:pic>
+        <p:nvPicPr>
+          <p:cNvPr id="6" name="Picture 5" descr="A graph with blue lines&#10;&#10;Description automatically generated">
+            <a:extLst>
+              <a:ext uri="{FF2B5EF4-FFF2-40B4-BE49-F238E27FC236}">
+                <a16:creationId xmlns:a16="http://schemas.microsoft.com/office/drawing/2014/main" id="{D003953B-4084-E30C-4992-03157D686494}"/>
+              </a:ext>
+            </a:extLst>
+          </p:cNvPr>
+          <p:cNvPicPr>
+            <a:picLocks noChangeAspect="1"/>
+          </p:cNvPicPr>
+          <p:nvPr/>
+        </p:nvPicPr>
+        <p:blipFill>
+          <a:blip r:embed="rId2">
+            <a:extLst>
+              <a:ext uri="{28A0092B-C50C-407E-A947-70E740481C1C}">
+                <a14:useLocalDpi xmlns:a14="http://schemas.microsoft.com/office/drawing/2010/main" val="0"/>
+              </a:ext>
+            </a:extLst>
+          </a:blip>
+          <a:stretch>
+            <a:fillRect/>
+          </a:stretch>
+        </p:blipFill>
+        <p:spPr>
+          <a:xfrm>
+            <a:off x="838200" y="1531497"/>
+            <a:ext cx="8142903" cy="4885742"/>
+          </a:xfrm>
+          <a:prstGeom prst="rect">
+            <a:avLst/>
+          </a:prstGeom>
+        </p:spPr>
+      </p:pic>
+    </p:spTree>
+    <p:extLst>
+      <p:ext uri="{BB962C8B-B14F-4D97-AF65-F5344CB8AC3E}">
+        <p14:creationId xmlns:p14="http://schemas.microsoft.com/office/powerpoint/2010/main" val="1605066593"/>
+      </p:ext>
+    </p:extLst>
+  </p:cSld>
+  <p:clrMapOvr>
+    <a:masterClrMapping/>
+  </p:clrMapOvr>
+</p:sld>
+</file>
+
+<file path=ppt/slides/slide16.xml><?xml version="1.0" encoding="utf-8"?>
+<p:sld xmlns:a="http://schemas.openxmlformats.org/drawingml/2006/main" xmlns:r="http://schemas.openxmlformats.org/officeDocument/2006/relationships" xmlns:p="http://schemas.openxmlformats.org/presentationml/2006/main">
+  <p:cSld>
+    <p:spTree>
+      <p:nvGrpSpPr>
+        <p:cNvPr id="1" name=""/>
+        <p:cNvGrpSpPr/>
+        <p:nvPr/>
+      </p:nvGrpSpPr>
+      <p:grpSpPr>
+        <a:xfrm>
+          <a:off x="0" y="0"/>
+          <a:ext cx="0" cy="0"/>
+          <a:chOff x="0" y="0"/>
+          <a:chExt cx="0" cy="0"/>
+        </a:xfrm>
+      </p:grpSpPr>
+      <p:sp>
+        <p:nvSpPr>
+          <p:cNvPr id="2" name="Title 1">
+            <a:extLst>
+              <a:ext uri="{FF2B5EF4-FFF2-40B4-BE49-F238E27FC236}">
+                <a16:creationId xmlns:a16="http://schemas.microsoft.com/office/drawing/2014/main" id="{EC059BB5-6D9A-265C-6244-AF85F808A3FE}"/>
+              </a:ext>
+            </a:extLst>
+          </p:cNvPr>
+          <p:cNvSpPr>
+            <a:spLocks noGrp="1"/>
+          </p:cNvSpPr>
+          <p:nvPr>
+            <p:ph type="title"/>
+          </p:nvPr>
+        </p:nvSpPr>
+        <p:spPr/>
+        <p:txBody>
+          <a:bodyPr/>
+          <a:lstStyle/>
+          <a:p>
+            <a:pPr algn="ctr"/>
+            <a:r>
+              <a:rPr lang="en-US" dirty="0"/>
+              <a:t>Random Forests - Number of trees</a:t>
+            </a:r>
+          </a:p>
+        </p:txBody>
+      </p:sp>
+      <p:sp>
+        <p:nvSpPr>
+          <p:cNvPr id="3" name="Slide Number Placeholder 2">
+            <a:extLst>
+              <a:ext uri="{FF2B5EF4-FFF2-40B4-BE49-F238E27FC236}">
+                <a16:creationId xmlns:a16="http://schemas.microsoft.com/office/drawing/2014/main" id="{8E1C06EB-7842-0C87-5068-F2089E2D9636}"/>
+              </a:ext>
+            </a:extLst>
+          </p:cNvPr>
+          <p:cNvSpPr>
+            <a:spLocks noGrp="1"/>
+          </p:cNvSpPr>
+          <p:nvPr>
+            <p:ph type="sldNum" sz="quarter" idx="12"/>
+          </p:nvPr>
+        </p:nvSpPr>
+        <p:spPr/>
+        <p:txBody>
+          <a:bodyPr/>
+          <a:lstStyle/>
+          <a:p>
+            <a:fld id="{73B850FF-6169-4056-8077-06FFA93A5366}" type="slidenum">
+              <a:rPr lang="en-US" smtClean="0"/>
+              <a:t>16</a:t>
+            </a:fld>
+            <a:endParaRPr lang="en-US"/>
+          </a:p>
+        </p:txBody>
+      </p:sp>
+      <p:pic>
+        <p:nvPicPr>
+          <p:cNvPr id="5" name="Picture 4" descr="A graph with a line graph&#10;&#10;Description automatically generated">
+            <a:extLst>
+              <a:ext uri="{FF2B5EF4-FFF2-40B4-BE49-F238E27FC236}">
+                <a16:creationId xmlns:a16="http://schemas.microsoft.com/office/drawing/2014/main" id="{A3799D50-4A72-6105-5547-9F2B999F765E}"/>
+              </a:ext>
+            </a:extLst>
+          </p:cNvPr>
+          <p:cNvPicPr>
+            <a:picLocks noChangeAspect="1"/>
+          </p:cNvPicPr>
+          <p:nvPr/>
+        </p:nvPicPr>
+        <p:blipFill>
+          <a:blip r:embed="rId2">
+            <a:extLst>
+              <a:ext uri="{28A0092B-C50C-407E-A947-70E740481C1C}">
+                <a14:useLocalDpi xmlns:a14="http://schemas.microsoft.com/office/drawing/2010/main" val="0"/>
+              </a:ext>
+            </a:extLst>
+          </a:blip>
+          <a:stretch>
+            <a:fillRect/>
+          </a:stretch>
+        </p:blipFill>
+        <p:spPr>
+          <a:xfrm>
+            <a:off x="113539" y="1509385"/>
+            <a:ext cx="7854712" cy="4983490"/>
+          </a:xfrm>
+          <a:prstGeom prst="rect">
+            <a:avLst/>
+          </a:prstGeom>
+        </p:spPr>
+      </p:pic>
+      <p:sp>
+        <p:nvSpPr>
+          <p:cNvPr id="6" name="Content Placeholder 4">
+            <a:extLst>
+              <a:ext uri="{FF2B5EF4-FFF2-40B4-BE49-F238E27FC236}">
+                <a16:creationId xmlns:a16="http://schemas.microsoft.com/office/drawing/2014/main" id="{9D5BA732-335D-DCC3-397D-461B6A6817C4}"/>
+              </a:ext>
+            </a:extLst>
+          </p:cNvPr>
+          <p:cNvSpPr txBox="1">
+            <a:spLocks/>
+          </p:cNvSpPr>
+          <p:nvPr/>
+        </p:nvSpPr>
+        <p:spPr>
+          <a:xfrm>
+            <a:off x="7968251" y="1690688"/>
+            <a:ext cx="3979334" cy="1947434"/>
+          </a:xfrm>
+          <a:prstGeom prst="rect">
+            <a:avLst/>
+          </a:prstGeom>
+        </p:spPr>
+        <p:txBody>
+          <a:bodyPr>
+            <a:normAutofit/>
+          </a:bodyPr>
+          <a:lstStyle>
+            <a:lvl1pPr marL="228600" indent="-228600" algn="l" defTabSz="914400" rtl="0" eaLnBrk="1" latinLnBrk="0" hangingPunct="1">
+              <a:lnSpc>
+                <a:spcPct val="110000"/>
+              </a:lnSpc>
+              <a:spcBef>
+                <a:spcPts val="1000"/>
+              </a:spcBef>
+              <a:buClr>
+                <a:schemeClr val="accent5"/>
+              </a:buClr>
+              <a:buFont typeface="Avenir Next LT Pro" panose="020B0504020202020204" pitchFamily="34" charset="0"/>
+              <a:buChar char="+"/>
+              <a:defRPr sz="2800" kern="1200">
+                <a:solidFill>
+                  <a:schemeClr val="tx2"/>
+                </a:solidFill>
+                <a:latin typeface="+mn-lt"/>
+                <a:ea typeface="+mn-ea"/>
+                <a:cs typeface="+mn-cs"/>
+              </a:defRPr>
+            </a:lvl1pPr>
+            <a:lvl2pPr marL="685800" indent="-228600" algn="l" defTabSz="914400" rtl="0" eaLnBrk="1" latinLnBrk="0" hangingPunct="1">
+              <a:lnSpc>
+                <a:spcPct val="110000"/>
+              </a:lnSpc>
+              <a:spcBef>
+                <a:spcPts val="500"/>
+              </a:spcBef>
+              <a:buClr>
+                <a:schemeClr val="accent5"/>
+              </a:buClr>
+              <a:buFont typeface="Avenir Next LT Pro" panose="020B0504020202020204" pitchFamily="34" charset="0"/>
+              <a:buChar char="+"/>
+              <a:defRPr sz="2400" kern="1200">
+                <a:solidFill>
+                  <a:schemeClr val="tx2"/>
+                </a:solidFill>
+                <a:latin typeface="+mn-lt"/>
+                <a:ea typeface="+mn-ea"/>
+                <a:cs typeface="+mn-cs"/>
+              </a:defRPr>
+            </a:lvl2pPr>
+            <a:lvl3pPr marL="1143000" indent="-228600" algn="l" defTabSz="914400" rtl="0" eaLnBrk="1" latinLnBrk="0" hangingPunct="1">
+              <a:lnSpc>
+                <a:spcPct val="110000"/>
+              </a:lnSpc>
+              <a:spcBef>
+                <a:spcPts val="500"/>
+              </a:spcBef>
+              <a:buClr>
+                <a:schemeClr val="accent5"/>
+              </a:buClr>
+              <a:buFont typeface="Avenir Next LT Pro" panose="020B0504020202020204" pitchFamily="34" charset="0"/>
+              <a:buChar char="+"/>
+              <a:defRPr sz="2000" kern="1200">
+                <a:solidFill>
+                  <a:schemeClr val="tx2"/>
+                </a:solidFill>
+                <a:latin typeface="+mn-lt"/>
+                <a:ea typeface="+mn-ea"/>
+                <a:cs typeface="+mn-cs"/>
+              </a:defRPr>
+            </a:lvl3pPr>
+            <a:lvl4pPr marL="1600200" indent="-228600" algn="l" defTabSz="914400" rtl="0" eaLnBrk="1" latinLnBrk="0" hangingPunct="1">
+              <a:lnSpc>
+                <a:spcPct val="110000"/>
+              </a:lnSpc>
+              <a:spcBef>
+                <a:spcPts val="500"/>
+              </a:spcBef>
+              <a:buClr>
+                <a:schemeClr val="accent5"/>
+              </a:buClr>
+              <a:buFont typeface="Avenir Next LT Pro" panose="020B0504020202020204" pitchFamily="34" charset="0"/>
+              <a:buChar char="+"/>
+              <a:defRPr sz="1800" kern="1200">
+                <a:solidFill>
+                  <a:schemeClr val="tx2"/>
+                </a:solidFill>
+                <a:latin typeface="+mn-lt"/>
+                <a:ea typeface="+mn-ea"/>
+                <a:cs typeface="+mn-cs"/>
+              </a:defRPr>
+            </a:lvl4pPr>
+            <a:lvl5pPr marL="2057400" indent="-228600" algn="l" defTabSz="914400" rtl="0" eaLnBrk="1" latinLnBrk="0" hangingPunct="1">
+              <a:lnSpc>
+                <a:spcPct val="110000"/>
+              </a:lnSpc>
+              <a:spcBef>
+                <a:spcPts val="500"/>
+              </a:spcBef>
+              <a:buClr>
+                <a:schemeClr val="accent5"/>
+              </a:buClr>
+              <a:buFont typeface="Avenir Next LT Pro" panose="020B0504020202020204" pitchFamily="34" charset="0"/>
+              <a:buChar char="+"/>
+              <a:defRPr sz="1800" kern="1200">
+                <a:solidFill>
+                  <a:schemeClr val="tx2"/>
+                </a:solidFill>
+                <a:latin typeface="+mn-lt"/>
+                <a:ea typeface="+mn-ea"/>
+                <a:cs typeface="+mn-cs"/>
+              </a:defRPr>
+            </a:lvl5pPr>
+            <a:lvl6pPr marL="2514600" indent="-228600" algn="l" defTabSz="914400" rtl="0" eaLnBrk="1" latinLnBrk="0" hangingPunct="1">
+              <a:lnSpc>
+                <a:spcPct val="90000"/>
+              </a:lnSpc>
+              <a:spcBef>
+                <a:spcPts val="500"/>
+              </a:spcBef>
+              <a:buFont typeface="Arial" panose="020B0604020202020204" pitchFamily="34" charset="0"/>
+              <a:buChar char="•"/>
+              <a:defRPr sz="1800" kern="1200">
+                <a:solidFill>
+                  <a:schemeClr val="tx1"/>
+                </a:solidFill>
+                <a:latin typeface="+mn-lt"/>
+                <a:ea typeface="+mn-ea"/>
+                <a:cs typeface="+mn-cs"/>
+              </a:defRPr>
+            </a:lvl6pPr>
+            <a:lvl7pPr marL="2971800" indent="-228600" algn="l" defTabSz="914400" rtl="0" eaLnBrk="1" latinLnBrk="0" hangingPunct="1">
+              <a:lnSpc>
+                <a:spcPct val="90000"/>
+              </a:lnSpc>
+              <a:spcBef>
+                <a:spcPts val="500"/>
+              </a:spcBef>
+              <a:buFont typeface="Arial" panose="020B0604020202020204" pitchFamily="34" charset="0"/>
+              <a:buChar char="•"/>
+              <a:defRPr sz="1800" kern="1200">
+                <a:solidFill>
+                  <a:schemeClr val="tx1"/>
+                </a:solidFill>
+                <a:latin typeface="+mn-lt"/>
+                <a:ea typeface="+mn-ea"/>
+                <a:cs typeface="+mn-cs"/>
+              </a:defRPr>
+            </a:lvl7pPr>
+            <a:lvl8pPr marL="3429000" indent="-228600" algn="l" defTabSz="914400" rtl="0" eaLnBrk="1" latinLnBrk="0" hangingPunct="1">
+              <a:lnSpc>
+                <a:spcPct val="90000"/>
+              </a:lnSpc>
+              <a:spcBef>
+                <a:spcPts val="500"/>
+              </a:spcBef>
+              <a:buFont typeface="Arial" panose="020B0604020202020204" pitchFamily="34" charset="0"/>
+              <a:buChar char="•"/>
+              <a:defRPr sz="1800" kern="1200">
+                <a:solidFill>
+                  <a:schemeClr val="tx1"/>
+                </a:solidFill>
+                <a:latin typeface="+mn-lt"/>
+                <a:ea typeface="+mn-ea"/>
+                <a:cs typeface="+mn-cs"/>
+              </a:defRPr>
+            </a:lvl8pPr>
+            <a:lvl9pPr marL="3886200" indent="-228600" algn="l" defTabSz="914400" rtl="0" eaLnBrk="1" latinLnBrk="0" hangingPunct="1">
+              <a:lnSpc>
+                <a:spcPct val="90000"/>
+              </a:lnSpc>
+              <a:spcBef>
+                <a:spcPts val="500"/>
+              </a:spcBef>
+              <a:buFont typeface="Arial" panose="020B0604020202020204" pitchFamily="34" charset="0"/>
+              <a:buChar char="•"/>
+              <a:defRPr sz="1800" kern="1200">
+                <a:solidFill>
+                  <a:schemeClr val="tx1"/>
+                </a:solidFill>
+                <a:latin typeface="+mn-lt"/>
+                <a:ea typeface="+mn-ea"/>
+                <a:cs typeface="+mn-cs"/>
+              </a:defRPr>
+            </a:lvl9pPr>
+          </a:lstStyle>
+          <a:p>
+            <a:pPr>
+              <a:buFont typeface="Wingdings" panose="05000000000000000000" pitchFamily="2" charset="2"/>
+              <a:buChar char="§"/>
+            </a:pPr>
+            <a:r>
+              <a:rPr lang="en-US" sz="2000" dirty="0"/>
+              <a:t>Graph to display the number of trees with the best MSE</a:t>
+            </a:r>
+          </a:p>
+          <a:p>
+            <a:pPr>
+              <a:buFont typeface="Wingdings" panose="05000000000000000000" pitchFamily="2" charset="2"/>
+              <a:buChar char="§"/>
+            </a:pPr>
+            <a:r>
+              <a:rPr lang="en-US" sz="2000" dirty="0"/>
+              <a:t>Best value is 190</a:t>
+            </a:r>
+          </a:p>
+        </p:txBody>
+      </p:sp>
+    </p:spTree>
+    <p:extLst>
+      <p:ext uri="{BB962C8B-B14F-4D97-AF65-F5344CB8AC3E}">
+        <p14:creationId xmlns:p14="http://schemas.microsoft.com/office/powerpoint/2010/main" val="1914593842"/>
+      </p:ext>
+    </p:extLst>
+  </p:cSld>
+  <p:clrMapOvr>
+    <a:masterClrMapping/>
+  </p:clrMapOvr>
+</p:sld>
+</file>
+
+<file path=ppt/slides/slide17.xml><?xml version="1.0" encoding="utf-8"?>
+<p:sld xmlns:a="http://schemas.openxmlformats.org/drawingml/2006/main" xmlns:r="http://schemas.openxmlformats.org/officeDocument/2006/relationships" xmlns:p="http://schemas.openxmlformats.org/presentationml/2006/main">
+  <p:cSld>
+    <p:spTree>
+      <p:nvGrpSpPr>
+        <p:cNvPr id="1" name=""/>
+        <p:cNvGrpSpPr/>
+        <p:nvPr/>
+      </p:nvGrpSpPr>
+      <p:grpSpPr>
+        <a:xfrm>
+          <a:off x="0" y="0"/>
+          <a:ext cx="0" cy="0"/>
+          <a:chOff x="0" y="0"/>
+          <a:chExt cx="0" cy="0"/>
+        </a:xfrm>
+      </p:grpSpPr>
+      <p:sp>
+        <p:nvSpPr>
+          <p:cNvPr id="2" name="Title 1">
+            <a:extLst>
+              <a:ext uri="{FF2B5EF4-FFF2-40B4-BE49-F238E27FC236}">
+                <a16:creationId xmlns:a16="http://schemas.microsoft.com/office/drawing/2014/main" id="{E5413A49-5ABD-E269-526A-1ACD2D7B8514}"/>
+              </a:ext>
+            </a:extLst>
+          </p:cNvPr>
+          <p:cNvSpPr>
+            <a:spLocks noGrp="1"/>
+          </p:cNvSpPr>
+          <p:nvPr>
+            <p:ph type="title"/>
+          </p:nvPr>
+        </p:nvSpPr>
+        <p:spPr/>
+        <p:txBody>
+          <a:bodyPr/>
+          <a:lstStyle/>
+          <a:p>
+            <a:r>
+              <a:rPr lang="en-US" dirty="0"/>
+              <a:t>Finding the best params</a:t>
+            </a:r>
+          </a:p>
+        </p:txBody>
+      </p:sp>
+      <p:sp>
+        <p:nvSpPr>
+          <p:cNvPr id="3" name="Slide Number Placeholder 2">
+            <a:extLst>
+              <a:ext uri="{FF2B5EF4-FFF2-40B4-BE49-F238E27FC236}">
+                <a16:creationId xmlns:a16="http://schemas.microsoft.com/office/drawing/2014/main" id="{0A048661-6862-D4E6-BAB2-80CAEE82EFCA}"/>
+              </a:ext>
+            </a:extLst>
+          </p:cNvPr>
+          <p:cNvSpPr>
+            <a:spLocks noGrp="1"/>
+          </p:cNvSpPr>
+          <p:nvPr>
+            <p:ph type="sldNum" sz="quarter" idx="12"/>
+          </p:nvPr>
+        </p:nvSpPr>
+        <p:spPr/>
+        <p:txBody>
+          <a:bodyPr/>
+          <a:lstStyle/>
+          <a:p>
+            <a:fld id="{73B850FF-6169-4056-8077-06FFA93A5366}" type="slidenum">
+              <a:rPr lang="en-US" smtClean="0"/>
+              <a:t>17</a:t>
+            </a:fld>
+            <a:endParaRPr lang="en-US"/>
+          </a:p>
+        </p:txBody>
+      </p:sp>
+      <p:sp>
+        <p:nvSpPr>
+          <p:cNvPr id="4" name="Content Placeholder 4">
+            <a:extLst>
+              <a:ext uri="{FF2B5EF4-FFF2-40B4-BE49-F238E27FC236}">
+                <a16:creationId xmlns:a16="http://schemas.microsoft.com/office/drawing/2014/main" id="{93615D6E-D2D5-D0F7-8B8F-51834E1900F4}"/>
+              </a:ext>
+            </a:extLst>
+          </p:cNvPr>
+          <p:cNvSpPr txBox="1">
+            <a:spLocks/>
+          </p:cNvSpPr>
+          <p:nvPr/>
+        </p:nvSpPr>
+        <p:spPr>
+          <a:xfrm>
+            <a:off x="937721" y="1707850"/>
+            <a:ext cx="6066927" cy="4347893"/>
+          </a:xfrm>
+          <a:prstGeom prst="rect">
+            <a:avLst/>
+          </a:prstGeom>
+        </p:spPr>
+        <p:txBody>
+          <a:bodyPr>
+            <a:normAutofit/>
+          </a:bodyPr>
+          <a:lstStyle>
+            <a:lvl1pPr marL="228600" indent="-228600" algn="l" defTabSz="914400" rtl="0" eaLnBrk="1" latinLnBrk="0" hangingPunct="1">
+              <a:lnSpc>
+                <a:spcPct val="110000"/>
+              </a:lnSpc>
+              <a:spcBef>
+                <a:spcPts val="1000"/>
+              </a:spcBef>
+              <a:buClr>
+                <a:schemeClr val="accent5"/>
+              </a:buClr>
+              <a:buFont typeface="Avenir Next LT Pro" panose="020B0504020202020204" pitchFamily="34" charset="0"/>
+              <a:buChar char="+"/>
+              <a:defRPr sz="2800" kern="1200">
+                <a:solidFill>
+                  <a:schemeClr val="tx2"/>
+                </a:solidFill>
+                <a:latin typeface="+mn-lt"/>
+                <a:ea typeface="+mn-ea"/>
+                <a:cs typeface="+mn-cs"/>
+              </a:defRPr>
+            </a:lvl1pPr>
+            <a:lvl2pPr marL="685800" indent="-228600" algn="l" defTabSz="914400" rtl="0" eaLnBrk="1" latinLnBrk="0" hangingPunct="1">
+              <a:lnSpc>
+                <a:spcPct val="110000"/>
+              </a:lnSpc>
+              <a:spcBef>
+                <a:spcPts val="500"/>
+              </a:spcBef>
+              <a:buClr>
+                <a:schemeClr val="accent5"/>
+              </a:buClr>
+              <a:buFont typeface="Avenir Next LT Pro" panose="020B0504020202020204" pitchFamily="34" charset="0"/>
+              <a:buChar char="+"/>
+              <a:defRPr sz="2400" kern="1200">
+                <a:solidFill>
+                  <a:schemeClr val="tx2"/>
+                </a:solidFill>
+                <a:latin typeface="+mn-lt"/>
+                <a:ea typeface="+mn-ea"/>
+                <a:cs typeface="+mn-cs"/>
+              </a:defRPr>
+            </a:lvl2pPr>
+            <a:lvl3pPr marL="1143000" indent="-228600" algn="l" defTabSz="914400" rtl="0" eaLnBrk="1" latinLnBrk="0" hangingPunct="1">
+              <a:lnSpc>
+                <a:spcPct val="110000"/>
+              </a:lnSpc>
+              <a:spcBef>
+                <a:spcPts val="500"/>
+              </a:spcBef>
+              <a:buClr>
+                <a:schemeClr val="accent5"/>
+              </a:buClr>
+              <a:buFont typeface="Avenir Next LT Pro" panose="020B0504020202020204" pitchFamily="34" charset="0"/>
+              <a:buChar char="+"/>
+              <a:defRPr sz="2000" kern="1200">
+                <a:solidFill>
+                  <a:schemeClr val="tx2"/>
+                </a:solidFill>
+                <a:latin typeface="+mn-lt"/>
+                <a:ea typeface="+mn-ea"/>
+                <a:cs typeface="+mn-cs"/>
+              </a:defRPr>
+            </a:lvl3pPr>
+            <a:lvl4pPr marL="1600200" indent="-228600" algn="l" defTabSz="914400" rtl="0" eaLnBrk="1" latinLnBrk="0" hangingPunct="1">
+              <a:lnSpc>
+                <a:spcPct val="110000"/>
+              </a:lnSpc>
+              <a:spcBef>
+                <a:spcPts val="500"/>
+              </a:spcBef>
+              <a:buClr>
+                <a:schemeClr val="accent5"/>
+              </a:buClr>
+              <a:buFont typeface="Avenir Next LT Pro" panose="020B0504020202020204" pitchFamily="34" charset="0"/>
+              <a:buChar char="+"/>
+              <a:defRPr sz="1800" kern="1200">
+                <a:solidFill>
+                  <a:schemeClr val="tx2"/>
+                </a:solidFill>
+                <a:latin typeface="+mn-lt"/>
+                <a:ea typeface="+mn-ea"/>
+                <a:cs typeface="+mn-cs"/>
+              </a:defRPr>
+            </a:lvl4pPr>
+            <a:lvl5pPr marL="2057400" indent="-228600" algn="l" defTabSz="914400" rtl="0" eaLnBrk="1" latinLnBrk="0" hangingPunct="1">
+              <a:lnSpc>
+                <a:spcPct val="110000"/>
+              </a:lnSpc>
+              <a:spcBef>
+                <a:spcPts val="500"/>
+              </a:spcBef>
+              <a:buClr>
+                <a:schemeClr val="accent5"/>
+              </a:buClr>
+              <a:buFont typeface="Avenir Next LT Pro" panose="020B0504020202020204" pitchFamily="34" charset="0"/>
+              <a:buChar char="+"/>
+              <a:defRPr sz="1800" kern="1200">
+                <a:solidFill>
+                  <a:schemeClr val="tx2"/>
+                </a:solidFill>
+                <a:latin typeface="+mn-lt"/>
+                <a:ea typeface="+mn-ea"/>
+                <a:cs typeface="+mn-cs"/>
+              </a:defRPr>
+            </a:lvl5pPr>
+            <a:lvl6pPr marL="2514600" indent="-228600" algn="l" defTabSz="914400" rtl="0" eaLnBrk="1" latinLnBrk="0" hangingPunct="1">
+              <a:lnSpc>
+                <a:spcPct val="90000"/>
+              </a:lnSpc>
+              <a:spcBef>
+                <a:spcPts val="500"/>
+              </a:spcBef>
+              <a:buFont typeface="Arial" panose="020B0604020202020204" pitchFamily="34" charset="0"/>
+              <a:buChar char="•"/>
+              <a:defRPr sz="1800" kern="1200">
+                <a:solidFill>
+                  <a:schemeClr val="tx1"/>
+                </a:solidFill>
+                <a:latin typeface="+mn-lt"/>
+                <a:ea typeface="+mn-ea"/>
+                <a:cs typeface="+mn-cs"/>
+              </a:defRPr>
+            </a:lvl6pPr>
+            <a:lvl7pPr marL="2971800" indent="-228600" algn="l" defTabSz="914400" rtl="0" eaLnBrk="1" latinLnBrk="0" hangingPunct="1">
+              <a:lnSpc>
+                <a:spcPct val="90000"/>
+              </a:lnSpc>
+              <a:spcBef>
+                <a:spcPts val="500"/>
+              </a:spcBef>
+              <a:buFont typeface="Arial" panose="020B0604020202020204" pitchFamily="34" charset="0"/>
+              <a:buChar char="•"/>
+              <a:defRPr sz="1800" kern="1200">
+                <a:solidFill>
+                  <a:schemeClr val="tx1"/>
+                </a:solidFill>
+                <a:latin typeface="+mn-lt"/>
+                <a:ea typeface="+mn-ea"/>
+                <a:cs typeface="+mn-cs"/>
+              </a:defRPr>
+            </a:lvl7pPr>
+            <a:lvl8pPr marL="3429000" indent="-228600" algn="l" defTabSz="914400" rtl="0" eaLnBrk="1" latinLnBrk="0" hangingPunct="1">
+              <a:lnSpc>
+                <a:spcPct val="90000"/>
+              </a:lnSpc>
+              <a:spcBef>
+                <a:spcPts val="500"/>
+              </a:spcBef>
+              <a:buFont typeface="Arial" panose="020B0604020202020204" pitchFamily="34" charset="0"/>
+              <a:buChar char="•"/>
+              <a:defRPr sz="1800" kern="1200">
+                <a:solidFill>
+                  <a:schemeClr val="tx1"/>
+                </a:solidFill>
+                <a:latin typeface="+mn-lt"/>
+                <a:ea typeface="+mn-ea"/>
+                <a:cs typeface="+mn-cs"/>
+              </a:defRPr>
+            </a:lvl8pPr>
+            <a:lvl9pPr marL="3886200" indent="-228600" algn="l" defTabSz="914400" rtl="0" eaLnBrk="1" latinLnBrk="0" hangingPunct="1">
+              <a:lnSpc>
+                <a:spcPct val="90000"/>
+              </a:lnSpc>
+              <a:spcBef>
+                <a:spcPts val="500"/>
+              </a:spcBef>
+              <a:buFont typeface="Arial" panose="020B0604020202020204" pitchFamily="34" charset="0"/>
+              <a:buChar char="•"/>
+              <a:defRPr sz="1800" kern="1200">
+                <a:solidFill>
+                  <a:schemeClr val="tx1"/>
+                </a:solidFill>
+                <a:latin typeface="+mn-lt"/>
+                <a:ea typeface="+mn-ea"/>
+                <a:cs typeface="+mn-cs"/>
+              </a:defRPr>
+            </a:lvl9pPr>
+          </a:lstStyle>
+          <a:p>
+            <a:pPr>
+              <a:buFont typeface="Wingdings" panose="05000000000000000000" pitchFamily="2" charset="2"/>
+              <a:buChar char="§"/>
+            </a:pPr>
+            <a:r>
+              <a:rPr lang="en-US" dirty="0"/>
+              <a:t>Using </a:t>
+            </a:r>
+            <a:r>
+              <a:rPr lang="en-US" dirty="0" err="1"/>
+              <a:t>GridSearchCV</a:t>
+            </a:r>
+            <a:r>
+              <a:rPr lang="en-US" dirty="0"/>
+              <a:t> to find the best params</a:t>
+            </a:r>
+          </a:p>
+          <a:p>
+            <a:pPr>
+              <a:buFont typeface="Wingdings" panose="05000000000000000000" pitchFamily="2" charset="2"/>
+              <a:buChar char="§"/>
+            </a:pPr>
+            <a:r>
+              <a:rPr lang="en-US" dirty="0"/>
+              <a:t>Turns out, </a:t>
+            </a:r>
+            <a:r>
+              <a:rPr lang="en-US" dirty="0" err="1"/>
+              <a:t>min_samples_split</a:t>
+            </a:r>
+            <a:r>
+              <a:rPr lang="en-US" dirty="0"/>
+              <a:t>=5 is the best value.</a:t>
+            </a:r>
+          </a:p>
+          <a:p>
+            <a:pPr>
+              <a:buFont typeface="Wingdings" panose="05000000000000000000" pitchFamily="2" charset="2"/>
+              <a:buChar char="§"/>
+            </a:pPr>
+            <a:r>
+              <a:rPr lang="en-US" dirty="0"/>
+              <a:t>It is the minimum number of samples requires to split a “middle node”</a:t>
+            </a:r>
+          </a:p>
+          <a:p>
+            <a:pPr>
+              <a:buFont typeface="Wingdings" panose="05000000000000000000" pitchFamily="2" charset="2"/>
+              <a:buChar char="§"/>
+            </a:pPr>
+            <a:endParaRPr lang="en-US" dirty="0"/>
+          </a:p>
+        </p:txBody>
+      </p:sp>
+    </p:spTree>
+    <p:extLst>
+      <p:ext uri="{BB962C8B-B14F-4D97-AF65-F5344CB8AC3E}">
+        <p14:creationId xmlns:p14="http://schemas.microsoft.com/office/powerpoint/2010/main" val="631009258"/>
+      </p:ext>
+    </p:extLst>
+  </p:cSld>
+  <p:clrMapOvr>
+    <a:masterClrMapping/>
+  </p:clrMapOvr>
+</p:sld>
+</file>
+
+<file path=ppt/slides/slide18.xml><?xml version="1.0" encoding="utf-8"?>
+<p:sld xmlns:a="http://schemas.openxmlformats.org/drawingml/2006/main" xmlns:r="http://schemas.openxmlformats.org/officeDocument/2006/relationships" xmlns:p="http://schemas.openxmlformats.org/presentationml/2006/main">
+  <p:cSld>
+    <p:spTree>
+      <p:nvGrpSpPr>
+        <p:cNvPr id="1" name=""/>
+        <p:cNvGrpSpPr/>
+        <p:nvPr/>
+      </p:nvGrpSpPr>
+      <p:grpSpPr>
+        <a:xfrm>
+          <a:off x="0" y="0"/>
+          <a:ext cx="0" cy="0"/>
+          <a:chOff x="0" y="0"/>
+          <a:chExt cx="0" cy="0"/>
+        </a:xfrm>
+      </p:grpSpPr>
+      <p:sp>
+        <p:nvSpPr>
+          <p:cNvPr id="2" name="Title 1">
+            <a:extLst>
+              <a:ext uri="{FF2B5EF4-FFF2-40B4-BE49-F238E27FC236}">
+                <a16:creationId xmlns:a16="http://schemas.microsoft.com/office/drawing/2014/main" id="{6D76E3BE-12F1-99BE-47BD-60DAE85BC137}"/>
+              </a:ext>
+            </a:extLst>
+          </p:cNvPr>
+          <p:cNvSpPr>
+            <a:spLocks noGrp="1"/>
+          </p:cNvSpPr>
+          <p:nvPr>
+            <p:ph type="title"/>
+          </p:nvPr>
+        </p:nvSpPr>
+        <p:spPr/>
+        <p:txBody>
+          <a:bodyPr/>
+          <a:lstStyle/>
+          <a:p>
+            <a:r>
+              <a:rPr lang="en-US" dirty="0"/>
+              <a:t>Random Forest – Absolute Residual Plot</a:t>
+            </a:r>
+          </a:p>
+        </p:txBody>
+      </p:sp>
+      <p:sp>
+        <p:nvSpPr>
+          <p:cNvPr id="3" name="Slide Number Placeholder 2">
+            <a:extLst>
+              <a:ext uri="{FF2B5EF4-FFF2-40B4-BE49-F238E27FC236}">
+                <a16:creationId xmlns:a16="http://schemas.microsoft.com/office/drawing/2014/main" id="{1D9AF8F1-AA89-CF6D-D7AB-41E4FC5EDDCA}"/>
+              </a:ext>
+            </a:extLst>
+          </p:cNvPr>
+          <p:cNvSpPr>
+            <a:spLocks noGrp="1"/>
+          </p:cNvSpPr>
+          <p:nvPr>
+            <p:ph type="sldNum" sz="quarter" idx="12"/>
+          </p:nvPr>
+        </p:nvSpPr>
+        <p:spPr/>
+        <p:txBody>
+          <a:bodyPr/>
+          <a:lstStyle/>
+          <a:p>
+            <a:fld id="{73B850FF-6169-4056-8077-06FFA93A5366}" type="slidenum">
+              <a:rPr lang="en-US" smtClean="0"/>
+              <a:t>18</a:t>
+            </a:fld>
+            <a:endParaRPr lang="en-US"/>
+          </a:p>
+        </p:txBody>
+      </p:sp>
+      <p:pic>
+        <p:nvPicPr>
+          <p:cNvPr id="5" name="Picture 4" descr="A diagram of a number of values&#10;&#10;Description automatically generated">
+            <a:extLst>
+              <a:ext uri="{FF2B5EF4-FFF2-40B4-BE49-F238E27FC236}">
+                <a16:creationId xmlns:a16="http://schemas.microsoft.com/office/drawing/2014/main" id="{E64ADA19-7E90-AF7A-6A81-F49A9BFD154B}"/>
+              </a:ext>
+            </a:extLst>
+          </p:cNvPr>
+          <p:cNvPicPr>
+            <a:picLocks noChangeAspect="1"/>
+          </p:cNvPicPr>
+          <p:nvPr/>
+        </p:nvPicPr>
+        <p:blipFill>
+          <a:blip r:embed="rId2">
+            <a:extLst>
+              <a:ext uri="{28A0092B-C50C-407E-A947-70E740481C1C}">
+                <a14:useLocalDpi xmlns:a14="http://schemas.microsoft.com/office/drawing/2010/main" val="0"/>
+              </a:ext>
+            </a:extLst>
+          </a:blip>
+          <a:stretch>
+            <a:fillRect/>
+          </a:stretch>
+        </p:blipFill>
+        <p:spPr>
+          <a:xfrm>
+            <a:off x="570345" y="1645910"/>
+            <a:ext cx="7772415" cy="5212090"/>
+          </a:xfrm>
+          <a:prstGeom prst="rect">
+            <a:avLst/>
+          </a:prstGeom>
+        </p:spPr>
+      </p:pic>
+      <p:sp>
+        <p:nvSpPr>
+          <p:cNvPr id="6" name="Content Placeholder 4">
+            <a:extLst>
+              <a:ext uri="{FF2B5EF4-FFF2-40B4-BE49-F238E27FC236}">
+                <a16:creationId xmlns:a16="http://schemas.microsoft.com/office/drawing/2014/main" id="{B7C8A73A-DEC4-D6F4-5652-30F8A0CD8E78}"/>
+              </a:ext>
+            </a:extLst>
+          </p:cNvPr>
+          <p:cNvSpPr txBox="1">
+            <a:spLocks/>
+          </p:cNvSpPr>
+          <p:nvPr/>
+        </p:nvSpPr>
+        <p:spPr>
+          <a:xfrm>
+            <a:off x="8459956" y="2145096"/>
+            <a:ext cx="3979334" cy="1947434"/>
+          </a:xfrm>
+          <a:prstGeom prst="rect">
+            <a:avLst/>
+          </a:prstGeom>
+        </p:spPr>
+        <p:txBody>
+          <a:bodyPr>
+            <a:normAutofit/>
+          </a:bodyPr>
+          <a:lstStyle>
+            <a:lvl1pPr marL="228600" indent="-228600" algn="l" defTabSz="914400" rtl="0" eaLnBrk="1" latinLnBrk="0" hangingPunct="1">
+              <a:lnSpc>
+                <a:spcPct val="110000"/>
+              </a:lnSpc>
+              <a:spcBef>
+                <a:spcPts val="1000"/>
+              </a:spcBef>
+              <a:buClr>
+                <a:schemeClr val="accent5"/>
+              </a:buClr>
+              <a:buFont typeface="Avenir Next LT Pro" panose="020B0504020202020204" pitchFamily="34" charset="0"/>
+              <a:buChar char="+"/>
+              <a:defRPr sz="2800" kern="1200">
+                <a:solidFill>
+                  <a:schemeClr val="tx2"/>
+                </a:solidFill>
+                <a:latin typeface="+mn-lt"/>
+                <a:ea typeface="+mn-ea"/>
+                <a:cs typeface="+mn-cs"/>
+              </a:defRPr>
+            </a:lvl1pPr>
+            <a:lvl2pPr marL="685800" indent="-228600" algn="l" defTabSz="914400" rtl="0" eaLnBrk="1" latinLnBrk="0" hangingPunct="1">
+              <a:lnSpc>
+                <a:spcPct val="110000"/>
+              </a:lnSpc>
+              <a:spcBef>
+                <a:spcPts val="500"/>
+              </a:spcBef>
+              <a:buClr>
+                <a:schemeClr val="accent5"/>
+              </a:buClr>
+              <a:buFont typeface="Avenir Next LT Pro" panose="020B0504020202020204" pitchFamily="34" charset="0"/>
+              <a:buChar char="+"/>
+              <a:defRPr sz="2400" kern="1200">
+                <a:solidFill>
+                  <a:schemeClr val="tx2"/>
+                </a:solidFill>
+                <a:latin typeface="+mn-lt"/>
+                <a:ea typeface="+mn-ea"/>
+                <a:cs typeface="+mn-cs"/>
+              </a:defRPr>
+            </a:lvl2pPr>
+            <a:lvl3pPr marL="1143000" indent="-228600" algn="l" defTabSz="914400" rtl="0" eaLnBrk="1" latinLnBrk="0" hangingPunct="1">
+              <a:lnSpc>
+                <a:spcPct val="110000"/>
+              </a:lnSpc>
+              <a:spcBef>
+                <a:spcPts val="500"/>
+              </a:spcBef>
+              <a:buClr>
+                <a:schemeClr val="accent5"/>
+              </a:buClr>
+              <a:buFont typeface="Avenir Next LT Pro" panose="020B0504020202020204" pitchFamily="34" charset="0"/>
+              <a:buChar char="+"/>
+              <a:defRPr sz="2000" kern="1200">
+                <a:solidFill>
+                  <a:schemeClr val="tx2"/>
+                </a:solidFill>
+                <a:latin typeface="+mn-lt"/>
+                <a:ea typeface="+mn-ea"/>
+                <a:cs typeface="+mn-cs"/>
+              </a:defRPr>
+            </a:lvl3pPr>
+            <a:lvl4pPr marL="1600200" indent="-228600" algn="l" defTabSz="914400" rtl="0" eaLnBrk="1" latinLnBrk="0" hangingPunct="1">
+              <a:lnSpc>
+                <a:spcPct val="110000"/>
+              </a:lnSpc>
+              <a:spcBef>
+                <a:spcPts val="500"/>
+              </a:spcBef>
+              <a:buClr>
+                <a:schemeClr val="accent5"/>
+              </a:buClr>
+              <a:buFont typeface="Avenir Next LT Pro" panose="020B0504020202020204" pitchFamily="34" charset="0"/>
+              <a:buChar char="+"/>
+              <a:defRPr sz="1800" kern="1200">
+                <a:solidFill>
+                  <a:schemeClr val="tx2"/>
+                </a:solidFill>
+                <a:latin typeface="+mn-lt"/>
+                <a:ea typeface="+mn-ea"/>
+                <a:cs typeface="+mn-cs"/>
+              </a:defRPr>
+            </a:lvl4pPr>
+            <a:lvl5pPr marL="2057400" indent="-228600" algn="l" defTabSz="914400" rtl="0" eaLnBrk="1" latinLnBrk="0" hangingPunct="1">
+              <a:lnSpc>
+                <a:spcPct val="110000"/>
+              </a:lnSpc>
+              <a:spcBef>
+                <a:spcPts val="500"/>
+              </a:spcBef>
+              <a:buClr>
+                <a:schemeClr val="accent5"/>
+              </a:buClr>
+              <a:buFont typeface="Avenir Next LT Pro" panose="020B0504020202020204" pitchFamily="34" charset="0"/>
+              <a:buChar char="+"/>
+              <a:defRPr sz="1800" kern="1200">
+                <a:solidFill>
+                  <a:schemeClr val="tx2"/>
+                </a:solidFill>
+                <a:latin typeface="+mn-lt"/>
+                <a:ea typeface="+mn-ea"/>
+                <a:cs typeface="+mn-cs"/>
+              </a:defRPr>
+            </a:lvl5pPr>
+            <a:lvl6pPr marL="2514600" indent="-228600" algn="l" defTabSz="914400" rtl="0" eaLnBrk="1" latinLnBrk="0" hangingPunct="1">
+              <a:lnSpc>
+                <a:spcPct val="90000"/>
+              </a:lnSpc>
+              <a:spcBef>
+                <a:spcPts val="500"/>
+              </a:spcBef>
+              <a:buFont typeface="Arial" panose="020B0604020202020204" pitchFamily="34" charset="0"/>
+              <a:buChar char="•"/>
+              <a:defRPr sz="1800" kern="1200">
+                <a:solidFill>
+                  <a:schemeClr val="tx1"/>
+                </a:solidFill>
+                <a:latin typeface="+mn-lt"/>
+                <a:ea typeface="+mn-ea"/>
+                <a:cs typeface="+mn-cs"/>
+              </a:defRPr>
+            </a:lvl6pPr>
+            <a:lvl7pPr marL="2971800" indent="-228600" algn="l" defTabSz="914400" rtl="0" eaLnBrk="1" latinLnBrk="0" hangingPunct="1">
+              <a:lnSpc>
+                <a:spcPct val="90000"/>
+              </a:lnSpc>
+              <a:spcBef>
+                <a:spcPts val="500"/>
+              </a:spcBef>
+              <a:buFont typeface="Arial" panose="020B0604020202020204" pitchFamily="34" charset="0"/>
+              <a:buChar char="•"/>
+              <a:defRPr sz="1800" kern="1200">
+                <a:solidFill>
+                  <a:schemeClr val="tx1"/>
+                </a:solidFill>
+                <a:latin typeface="+mn-lt"/>
+                <a:ea typeface="+mn-ea"/>
+                <a:cs typeface="+mn-cs"/>
+              </a:defRPr>
+            </a:lvl7pPr>
+            <a:lvl8pPr marL="3429000" indent="-228600" algn="l" defTabSz="914400" rtl="0" eaLnBrk="1" latinLnBrk="0" hangingPunct="1">
+              <a:lnSpc>
+                <a:spcPct val="90000"/>
+              </a:lnSpc>
+              <a:spcBef>
+                <a:spcPts val="500"/>
+              </a:spcBef>
+              <a:buFont typeface="Arial" panose="020B0604020202020204" pitchFamily="34" charset="0"/>
+              <a:buChar char="•"/>
+              <a:defRPr sz="1800" kern="1200">
+                <a:solidFill>
+                  <a:schemeClr val="tx1"/>
+                </a:solidFill>
+                <a:latin typeface="+mn-lt"/>
+                <a:ea typeface="+mn-ea"/>
+                <a:cs typeface="+mn-cs"/>
+              </a:defRPr>
+            </a:lvl8pPr>
+            <a:lvl9pPr marL="3886200" indent="-228600" algn="l" defTabSz="914400" rtl="0" eaLnBrk="1" latinLnBrk="0" hangingPunct="1">
+              <a:lnSpc>
+                <a:spcPct val="90000"/>
+              </a:lnSpc>
+              <a:spcBef>
+                <a:spcPts val="500"/>
+              </a:spcBef>
+              <a:buFont typeface="Arial" panose="020B0604020202020204" pitchFamily="34" charset="0"/>
+              <a:buChar char="•"/>
+              <a:defRPr sz="1800" kern="1200">
+                <a:solidFill>
+                  <a:schemeClr val="tx1"/>
+                </a:solidFill>
+                <a:latin typeface="+mn-lt"/>
+                <a:ea typeface="+mn-ea"/>
+                <a:cs typeface="+mn-cs"/>
+              </a:defRPr>
+            </a:lvl9pPr>
+          </a:lstStyle>
+          <a:p>
+            <a:pPr>
+              <a:buFont typeface="Wingdings" panose="05000000000000000000" pitchFamily="2" charset="2"/>
+              <a:buChar char="§"/>
+            </a:pPr>
+            <a:r>
+              <a:rPr lang="en-US" sz="2000" dirty="0"/>
+              <a:t>The graph displays the correctness of the regressor.</a:t>
+            </a:r>
+          </a:p>
+          <a:p>
+            <a:pPr>
+              <a:buFont typeface="Wingdings" panose="05000000000000000000" pitchFamily="2" charset="2"/>
+              <a:buChar char="§"/>
+            </a:pPr>
+            <a:r>
+              <a:rPr lang="en-US" sz="2000" dirty="0"/>
+              <a:t>By comparing the predictions and the actual values.</a:t>
+            </a:r>
+          </a:p>
+        </p:txBody>
+      </p:sp>
+    </p:spTree>
+    <p:extLst>
+      <p:ext uri="{BB962C8B-B14F-4D97-AF65-F5344CB8AC3E}">
+        <p14:creationId xmlns:p14="http://schemas.microsoft.com/office/powerpoint/2010/main" val="1547969803"/>
+      </p:ext>
+    </p:extLst>
+  </p:cSld>
+  <p:clrMapOvr>
+    <a:masterClrMapping/>
+  </p:clrMapOvr>
+</p:sld>
+</file>
+
+<file path=ppt/slides/slide19.xml><?xml version="1.0" encoding="utf-8"?>
+<p:sld xmlns:a="http://schemas.openxmlformats.org/drawingml/2006/main" xmlns:r="http://schemas.openxmlformats.org/officeDocument/2006/relationships" xmlns:p="http://schemas.openxmlformats.org/presentationml/2006/main">
+  <p:cSld>
+    <p:spTree>
+      <p:nvGrpSpPr>
+        <p:cNvPr id="1" name=""/>
+        <p:cNvGrpSpPr/>
+        <p:nvPr/>
+      </p:nvGrpSpPr>
+      <p:grpSpPr>
+        <a:xfrm>
+          <a:off x="0" y="0"/>
+          <a:ext cx="0" cy="0"/>
+          <a:chOff x="0" y="0"/>
+          <a:chExt cx="0" cy="0"/>
+        </a:xfrm>
+      </p:grpSpPr>
+      <p:sp>
+        <p:nvSpPr>
+          <p:cNvPr id="2" name="Title 1">
+            <a:extLst>
+              <a:ext uri="{FF2B5EF4-FFF2-40B4-BE49-F238E27FC236}">
+                <a16:creationId xmlns:a16="http://schemas.microsoft.com/office/drawing/2014/main" id="{B45450CB-46CF-181C-5C44-62C331166C46}"/>
+              </a:ext>
+            </a:extLst>
+          </p:cNvPr>
+          <p:cNvSpPr>
+            <a:spLocks noGrp="1"/>
+          </p:cNvSpPr>
+          <p:nvPr>
+            <p:ph type="title"/>
+          </p:nvPr>
+        </p:nvSpPr>
+        <p:spPr/>
+        <p:txBody>
+          <a:bodyPr/>
+          <a:lstStyle/>
+          <a:p>
+            <a:pPr algn="ctr"/>
+            <a:r>
+              <a:rPr lang="en-US" dirty="0"/>
+              <a:t>Weighted Random Forests</a:t>
+            </a:r>
+          </a:p>
+        </p:txBody>
+      </p:sp>
+      <p:sp>
+        <p:nvSpPr>
+          <p:cNvPr id="3" name="Slide Number Placeholder 2">
+            <a:extLst>
+              <a:ext uri="{FF2B5EF4-FFF2-40B4-BE49-F238E27FC236}">
+                <a16:creationId xmlns:a16="http://schemas.microsoft.com/office/drawing/2014/main" id="{28693483-F4E7-F3EC-C0AE-16027F659F53}"/>
+              </a:ext>
+            </a:extLst>
+          </p:cNvPr>
+          <p:cNvSpPr>
+            <a:spLocks noGrp="1"/>
+          </p:cNvSpPr>
+          <p:nvPr>
+            <p:ph type="sldNum" sz="quarter" idx="12"/>
+          </p:nvPr>
+        </p:nvSpPr>
+        <p:spPr/>
+        <p:txBody>
+          <a:bodyPr/>
+          <a:lstStyle/>
+          <a:p>
+            <a:fld id="{73B850FF-6169-4056-8077-06FFA93A5366}" type="slidenum">
+              <a:rPr lang="en-US" smtClean="0"/>
+              <a:t>19</a:t>
+            </a:fld>
+            <a:endParaRPr lang="en-US"/>
+          </a:p>
+        </p:txBody>
+      </p:sp>
+      <p:sp>
+        <p:nvSpPr>
+          <p:cNvPr id="4" name="Content Placeholder 4">
+            <a:extLst>
+              <a:ext uri="{FF2B5EF4-FFF2-40B4-BE49-F238E27FC236}">
+                <a16:creationId xmlns:a16="http://schemas.microsoft.com/office/drawing/2014/main" id="{60904351-1A05-6F7D-E9C5-E151F50F4DBD}"/>
+              </a:ext>
+            </a:extLst>
+          </p:cNvPr>
+          <p:cNvSpPr txBox="1">
+            <a:spLocks/>
+          </p:cNvSpPr>
+          <p:nvPr/>
+        </p:nvSpPr>
+        <p:spPr>
+          <a:xfrm>
+            <a:off x="937721" y="1690688"/>
+            <a:ext cx="6066927" cy="3787086"/>
+          </a:xfrm>
+          <a:prstGeom prst="rect">
+            <a:avLst/>
+          </a:prstGeom>
+        </p:spPr>
+        <p:txBody>
+          <a:bodyPr>
+            <a:normAutofit/>
+          </a:bodyPr>
+          <a:lstStyle>
+            <a:lvl1pPr marL="228600" indent="-228600" algn="l" defTabSz="914400" rtl="0" eaLnBrk="1" latinLnBrk="0" hangingPunct="1">
+              <a:lnSpc>
+                <a:spcPct val="110000"/>
+              </a:lnSpc>
+              <a:spcBef>
+                <a:spcPts val="1000"/>
+              </a:spcBef>
+              <a:buClr>
+                <a:schemeClr val="accent5"/>
+              </a:buClr>
+              <a:buFont typeface="Avenir Next LT Pro" panose="020B0504020202020204" pitchFamily="34" charset="0"/>
+              <a:buChar char="+"/>
+              <a:defRPr sz="2800" kern="1200">
+                <a:solidFill>
+                  <a:schemeClr val="tx2"/>
+                </a:solidFill>
+                <a:latin typeface="+mn-lt"/>
+                <a:ea typeface="+mn-ea"/>
+                <a:cs typeface="+mn-cs"/>
+              </a:defRPr>
+            </a:lvl1pPr>
+            <a:lvl2pPr marL="685800" indent="-228600" algn="l" defTabSz="914400" rtl="0" eaLnBrk="1" latinLnBrk="0" hangingPunct="1">
+              <a:lnSpc>
+                <a:spcPct val="110000"/>
+              </a:lnSpc>
+              <a:spcBef>
+                <a:spcPts val="500"/>
+              </a:spcBef>
+              <a:buClr>
+                <a:schemeClr val="accent5"/>
+              </a:buClr>
+              <a:buFont typeface="Avenir Next LT Pro" panose="020B0504020202020204" pitchFamily="34" charset="0"/>
+              <a:buChar char="+"/>
+              <a:defRPr sz="2400" kern="1200">
+                <a:solidFill>
+                  <a:schemeClr val="tx2"/>
+                </a:solidFill>
+                <a:latin typeface="+mn-lt"/>
+                <a:ea typeface="+mn-ea"/>
+                <a:cs typeface="+mn-cs"/>
+              </a:defRPr>
+            </a:lvl2pPr>
+            <a:lvl3pPr marL="1143000" indent="-228600" algn="l" defTabSz="914400" rtl="0" eaLnBrk="1" latinLnBrk="0" hangingPunct="1">
+              <a:lnSpc>
+                <a:spcPct val="110000"/>
+              </a:lnSpc>
+              <a:spcBef>
+                <a:spcPts val="500"/>
+              </a:spcBef>
+              <a:buClr>
+                <a:schemeClr val="accent5"/>
+              </a:buClr>
+              <a:buFont typeface="Avenir Next LT Pro" panose="020B0504020202020204" pitchFamily="34" charset="0"/>
+              <a:buChar char="+"/>
+              <a:defRPr sz="2000" kern="1200">
+                <a:solidFill>
+                  <a:schemeClr val="tx2"/>
+                </a:solidFill>
+                <a:latin typeface="+mn-lt"/>
+                <a:ea typeface="+mn-ea"/>
+                <a:cs typeface="+mn-cs"/>
+              </a:defRPr>
+            </a:lvl3pPr>
+            <a:lvl4pPr marL="1600200" indent="-228600" algn="l" defTabSz="914400" rtl="0" eaLnBrk="1" latinLnBrk="0" hangingPunct="1">
+              <a:lnSpc>
+                <a:spcPct val="110000"/>
+              </a:lnSpc>
+              <a:spcBef>
+                <a:spcPts val="500"/>
+              </a:spcBef>
+              <a:buClr>
+                <a:schemeClr val="accent5"/>
+              </a:buClr>
+              <a:buFont typeface="Avenir Next LT Pro" panose="020B0504020202020204" pitchFamily="34" charset="0"/>
+              <a:buChar char="+"/>
+              <a:defRPr sz="1800" kern="1200">
+                <a:solidFill>
+                  <a:schemeClr val="tx2"/>
+                </a:solidFill>
+                <a:latin typeface="+mn-lt"/>
+                <a:ea typeface="+mn-ea"/>
+                <a:cs typeface="+mn-cs"/>
+              </a:defRPr>
+            </a:lvl4pPr>
+            <a:lvl5pPr marL="2057400" indent="-228600" algn="l" defTabSz="914400" rtl="0" eaLnBrk="1" latinLnBrk="0" hangingPunct="1">
+              <a:lnSpc>
+                <a:spcPct val="110000"/>
+              </a:lnSpc>
+              <a:spcBef>
+                <a:spcPts val="500"/>
+              </a:spcBef>
+              <a:buClr>
+                <a:schemeClr val="accent5"/>
+              </a:buClr>
+              <a:buFont typeface="Avenir Next LT Pro" panose="020B0504020202020204" pitchFamily="34" charset="0"/>
+              <a:buChar char="+"/>
+              <a:defRPr sz="1800" kern="1200">
+                <a:solidFill>
+                  <a:schemeClr val="tx2"/>
+                </a:solidFill>
+                <a:latin typeface="+mn-lt"/>
+                <a:ea typeface="+mn-ea"/>
+                <a:cs typeface="+mn-cs"/>
+              </a:defRPr>
+            </a:lvl5pPr>
+            <a:lvl6pPr marL="2514600" indent="-228600" algn="l" defTabSz="914400" rtl="0" eaLnBrk="1" latinLnBrk="0" hangingPunct="1">
+              <a:lnSpc>
+                <a:spcPct val="90000"/>
+              </a:lnSpc>
+              <a:spcBef>
+                <a:spcPts val="500"/>
+              </a:spcBef>
+              <a:buFont typeface="Arial" panose="020B0604020202020204" pitchFamily="34" charset="0"/>
+              <a:buChar char="•"/>
+              <a:defRPr sz="1800" kern="1200">
+                <a:solidFill>
+                  <a:schemeClr val="tx1"/>
+                </a:solidFill>
+                <a:latin typeface="+mn-lt"/>
+                <a:ea typeface="+mn-ea"/>
+                <a:cs typeface="+mn-cs"/>
+              </a:defRPr>
+            </a:lvl6pPr>
+            <a:lvl7pPr marL="2971800" indent="-228600" algn="l" defTabSz="914400" rtl="0" eaLnBrk="1" latinLnBrk="0" hangingPunct="1">
+              <a:lnSpc>
+                <a:spcPct val="90000"/>
+              </a:lnSpc>
+              <a:spcBef>
+                <a:spcPts val="500"/>
+              </a:spcBef>
+              <a:buFont typeface="Arial" panose="020B0604020202020204" pitchFamily="34" charset="0"/>
+              <a:buChar char="•"/>
+              <a:defRPr sz="1800" kern="1200">
+                <a:solidFill>
+                  <a:schemeClr val="tx1"/>
+                </a:solidFill>
+                <a:latin typeface="+mn-lt"/>
+                <a:ea typeface="+mn-ea"/>
+                <a:cs typeface="+mn-cs"/>
+              </a:defRPr>
+            </a:lvl7pPr>
+            <a:lvl8pPr marL="3429000" indent="-228600" algn="l" defTabSz="914400" rtl="0" eaLnBrk="1" latinLnBrk="0" hangingPunct="1">
+              <a:lnSpc>
+                <a:spcPct val="90000"/>
+              </a:lnSpc>
+              <a:spcBef>
+                <a:spcPts val="500"/>
+              </a:spcBef>
+              <a:buFont typeface="Arial" panose="020B0604020202020204" pitchFamily="34" charset="0"/>
+              <a:buChar char="•"/>
+              <a:defRPr sz="1800" kern="1200">
+                <a:solidFill>
+                  <a:schemeClr val="tx1"/>
+                </a:solidFill>
+                <a:latin typeface="+mn-lt"/>
+                <a:ea typeface="+mn-ea"/>
+                <a:cs typeface="+mn-cs"/>
+              </a:defRPr>
+            </a:lvl8pPr>
+            <a:lvl9pPr marL="3886200" indent="-228600" algn="l" defTabSz="914400" rtl="0" eaLnBrk="1" latinLnBrk="0" hangingPunct="1">
+              <a:lnSpc>
+                <a:spcPct val="90000"/>
+              </a:lnSpc>
+              <a:spcBef>
+                <a:spcPts val="500"/>
+              </a:spcBef>
+              <a:buFont typeface="Arial" panose="020B0604020202020204" pitchFamily="34" charset="0"/>
+              <a:buChar char="•"/>
+              <a:defRPr sz="1800" kern="1200">
+                <a:solidFill>
+                  <a:schemeClr val="tx1"/>
+                </a:solidFill>
+                <a:latin typeface="+mn-lt"/>
+                <a:ea typeface="+mn-ea"/>
+                <a:cs typeface="+mn-cs"/>
+              </a:defRPr>
+            </a:lvl9pPr>
+          </a:lstStyle>
+          <a:p>
+            <a:pPr>
+              <a:buFont typeface="Wingdings" panose="05000000000000000000" pitchFamily="2" charset="2"/>
+              <a:buChar char="§"/>
+            </a:pPr>
+            <a:r>
+              <a:rPr lang="en-US" dirty="0"/>
+              <a:t>Attempted to implement weighted forests.</a:t>
+            </a:r>
+          </a:p>
+          <a:p>
+            <a:pPr>
+              <a:buFont typeface="Wingdings" panose="05000000000000000000" pitchFamily="2" charset="2"/>
+              <a:buChar char="§"/>
+            </a:pPr>
+            <a:r>
+              <a:rPr lang="en-US" dirty="0"/>
+              <a:t>By calculating the OOB error of each tree</a:t>
+            </a:r>
+          </a:p>
+          <a:p>
+            <a:pPr>
+              <a:buFont typeface="Wingdings" panose="05000000000000000000" pitchFamily="2" charset="2"/>
+              <a:buChar char="§"/>
+            </a:pPr>
+            <a:r>
+              <a:rPr lang="en-US" dirty="0"/>
+              <a:t>Changing the structure of RF model</a:t>
+            </a:r>
+          </a:p>
+          <a:p>
+            <a:pPr>
+              <a:buFont typeface="Wingdings" panose="05000000000000000000" pitchFamily="2" charset="2"/>
+              <a:buChar char="§"/>
+            </a:pPr>
+            <a:endParaRPr lang="en-US" dirty="0"/>
+          </a:p>
+        </p:txBody>
+      </p:sp>
+    </p:spTree>
+    <p:extLst>
+      <p:ext uri="{BB962C8B-B14F-4D97-AF65-F5344CB8AC3E}">
+        <p14:creationId xmlns:p14="http://schemas.microsoft.com/office/powerpoint/2010/main" val="2355965566"/>
       </p:ext>
     </p:extLst>
   </p:cSld>
@@ -12283,6 +17931,243 @@
     <p:extLst>
       <p:ext uri="{BB962C8B-B14F-4D97-AF65-F5344CB8AC3E}">
         <p14:creationId xmlns:p14="http://schemas.microsoft.com/office/powerpoint/2010/main" val="1974937734"/>
+      </p:ext>
+    </p:extLst>
+  </p:cSld>
+  <p:clrMapOvr>
+    <a:masterClrMapping/>
+  </p:clrMapOvr>
+</p:sld>
+</file>
+
+<file path=ppt/slides/slide20.xml><?xml version="1.0" encoding="utf-8"?>
+<p:sld xmlns:a="http://schemas.openxmlformats.org/drawingml/2006/main" xmlns:r="http://schemas.openxmlformats.org/officeDocument/2006/relationships" xmlns:p="http://schemas.openxmlformats.org/presentationml/2006/main">
+  <p:cSld>
+    <p:spTree>
+      <p:nvGrpSpPr>
+        <p:cNvPr id="1" name=""/>
+        <p:cNvGrpSpPr/>
+        <p:nvPr/>
+      </p:nvGrpSpPr>
+      <p:grpSpPr>
+        <a:xfrm>
+          <a:off x="0" y="0"/>
+          <a:ext cx="0" cy="0"/>
+          <a:chOff x="0" y="0"/>
+          <a:chExt cx="0" cy="0"/>
+        </a:xfrm>
+      </p:grpSpPr>
+      <p:sp>
+        <p:nvSpPr>
+          <p:cNvPr id="2" name="Title 1">
+            <a:extLst>
+              <a:ext uri="{FF2B5EF4-FFF2-40B4-BE49-F238E27FC236}">
+                <a16:creationId xmlns:a16="http://schemas.microsoft.com/office/drawing/2014/main" id="{97E37F4B-A10F-E16A-A412-33FB1CC3ED7A}"/>
+              </a:ext>
+            </a:extLst>
+          </p:cNvPr>
+          <p:cNvSpPr>
+            <a:spLocks noGrp="1"/>
+          </p:cNvSpPr>
+          <p:nvPr>
+            <p:ph type="title"/>
+          </p:nvPr>
+        </p:nvSpPr>
+        <p:spPr/>
+        <p:txBody>
+          <a:bodyPr/>
+          <a:lstStyle/>
+          <a:p>
+            <a:r>
+              <a:rPr lang="en-US" dirty="0"/>
+              <a:t>Conclusion</a:t>
+            </a:r>
+          </a:p>
+        </p:txBody>
+      </p:sp>
+      <p:sp>
+        <p:nvSpPr>
+          <p:cNvPr id="3" name="Content Placeholder 2">
+            <a:extLst>
+              <a:ext uri="{FF2B5EF4-FFF2-40B4-BE49-F238E27FC236}">
+                <a16:creationId xmlns:a16="http://schemas.microsoft.com/office/drawing/2014/main" id="{063A483D-D6D3-F1BA-69E0-5819CEE06360}"/>
+              </a:ext>
+            </a:extLst>
+          </p:cNvPr>
+          <p:cNvSpPr>
+            <a:spLocks noGrp="1"/>
+          </p:cNvSpPr>
+          <p:nvPr>
+            <p:ph idx="1"/>
+          </p:nvPr>
+        </p:nvSpPr>
+        <p:spPr/>
+        <p:txBody>
+          <a:bodyPr>
+            <a:normAutofit/>
+          </a:bodyPr>
+          <a:lstStyle/>
+          <a:p>
+            <a:r>
+              <a:rPr lang="en-US" sz="2000" dirty="0"/>
+              <a:t> Different regression algorithms were studied for the prediction of </a:t>
+            </a:r>
+            <a:r>
+              <a:rPr lang="en-US" sz="2000" dirty="0" err="1"/>
+              <a:t>german</a:t>
+            </a:r>
+            <a:r>
+              <a:rPr lang="en-US" sz="2000" dirty="0"/>
+              <a:t> local airfares.</a:t>
+            </a:r>
+          </a:p>
+          <a:p>
+            <a:r>
+              <a:rPr lang="en-US" sz="2000" dirty="0"/>
+              <a:t>The dataset did not sufficiently capture the full variability of the features, possibly due to the very short collection time span.</a:t>
+            </a:r>
+          </a:p>
+          <a:p>
+            <a:r>
+              <a:rPr lang="en-US" sz="2000" dirty="0"/>
+              <a:t>The simpler regression algorithms- polynomial regression &amp; KNN were sensitive to the </a:t>
+            </a:r>
+            <a:r>
+              <a:rPr lang="en-US" sz="2000"/>
+              <a:t>distribution errors.</a:t>
+            </a:r>
+            <a:endParaRPr lang="en-US" sz="2000" dirty="0"/>
+          </a:p>
+        </p:txBody>
+      </p:sp>
+      <p:sp>
+        <p:nvSpPr>
+          <p:cNvPr id="4" name="Slide Number Placeholder 3">
+            <a:extLst>
+              <a:ext uri="{FF2B5EF4-FFF2-40B4-BE49-F238E27FC236}">
+                <a16:creationId xmlns:a16="http://schemas.microsoft.com/office/drawing/2014/main" id="{53CF2DEB-174F-8EB9-E154-B45F9958BDCC}"/>
+              </a:ext>
+            </a:extLst>
+          </p:cNvPr>
+          <p:cNvSpPr>
+            <a:spLocks noGrp="1"/>
+          </p:cNvSpPr>
+          <p:nvPr>
+            <p:ph type="sldNum" sz="quarter" idx="12"/>
+          </p:nvPr>
+        </p:nvSpPr>
+        <p:spPr/>
+        <p:txBody>
+          <a:bodyPr/>
+          <a:lstStyle/>
+          <a:p>
+            <a:fld id="{73B850FF-6169-4056-8077-06FFA93A5366}" type="slidenum">
+              <a:rPr lang="en-US" smtClean="0"/>
+              <a:t>20</a:t>
+            </a:fld>
+            <a:endParaRPr lang="en-US"/>
+          </a:p>
+        </p:txBody>
+      </p:sp>
+    </p:spTree>
+    <p:extLst>
+      <p:ext uri="{BB962C8B-B14F-4D97-AF65-F5344CB8AC3E}">
+        <p14:creationId xmlns:p14="http://schemas.microsoft.com/office/powerpoint/2010/main" val="2537131252"/>
+      </p:ext>
+    </p:extLst>
+  </p:cSld>
+  <p:clrMapOvr>
+    <a:masterClrMapping/>
+  </p:clrMapOvr>
+</p:sld>
+</file>
+
+<file path=ppt/slides/slide21.xml><?xml version="1.0" encoding="utf-8"?>
+<p:sld xmlns:a="http://schemas.openxmlformats.org/drawingml/2006/main" xmlns:r="http://schemas.openxmlformats.org/officeDocument/2006/relationships" xmlns:p="http://schemas.openxmlformats.org/presentationml/2006/main">
+  <p:cSld>
+    <p:spTree>
+      <p:nvGrpSpPr>
+        <p:cNvPr id="1" name=""/>
+        <p:cNvGrpSpPr/>
+        <p:nvPr/>
+      </p:nvGrpSpPr>
+      <p:grpSpPr>
+        <a:xfrm>
+          <a:off x="0" y="0"/>
+          <a:ext cx="0" cy="0"/>
+          <a:chOff x="0" y="0"/>
+          <a:chExt cx="0" cy="0"/>
+        </a:xfrm>
+      </p:grpSpPr>
+      <p:sp>
+        <p:nvSpPr>
+          <p:cNvPr id="2" name="Title 1">
+            <a:extLst>
+              <a:ext uri="{FF2B5EF4-FFF2-40B4-BE49-F238E27FC236}">
+                <a16:creationId xmlns:a16="http://schemas.microsoft.com/office/drawing/2014/main" id="{8A01A7EE-D5B0-E0C5-0007-F9E4797F8AB8}"/>
+              </a:ext>
+            </a:extLst>
+          </p:cNvPr>
+          <p:cNvSpPr>
+            <a:spLocks noGrp="1"/>
+          </p:cNvSpPr>
+          <p:nvPr>
+            <p:ph type="title"/>
+          </p:nvPr>
+        </p:nvSpPr>
+        <p:spPr>
+          <a:xfrm>
+            <a:off x="838200" y="2766218"/>
+            <a:ext cx="10515600" cy="1325563"/>
+          </a:xfrm>
+        </p:spPr>
+        <p:txBody>
+          <a:bodyPr>
+            <a:normAutofit/>
+          </a:bodyPr>
+          <a:lstStyle/>
+          <a:p>
+            <a:pPr algn="ctr"/>
+            <a:r>
+              <a:rPr lang="en-US" sz="5400" dirty="0"/>
+              <a:t>Thank you for your attention!</a:t>
+            </a:r>
+          </a:p>
+        </p:txBody>
+      </p:sp>
+      <p:sp>
+        <p:nvSpPr>
+          <p:cNvPr id="3" name="Slide Number Placeholder 2">
+            <a:extLst>
+              <a:ext uri="{FF2B5EF4-FFF2-40B4-BE49-F238E27FC236}">
+                <a16:creationId xmlns:a16="http://schemas.microsoft.com/office/drawing/2014/main" id="{BB3D6ACB-8926-F9EC-C380-BA24442F743C}"/>
+              </a:ext>
+            </a:extLst>
+          </p:cNvPr>
+          <p:cNvSpPr>
+            <a:spLocks noGrp="1"/>
+          </p:cNvSpPr>
+          <p:nvPr>
+            <p:ph type="sldNum" sz="quarter" idx="12"/>
+          </p:nvPr>
+        </p:nvSpPr>
+        <p:spPr/>
+        <p:txBody>
+          <a:bodyPr/>
+          <a:lstStyle/>
+          <a:p>
+            <a:fld id="{73B850FF-6169-4056-8077-06FFA93A5366}" type="slidenum">
+              <a:rPr lang="en-US" smtClean="0"/>
+              <a:t>21</a:t>
+            </a:fld>
+            <a:endParaRPr lang="en-US"/>
+          </a:p>
+        </p:txBody>
+      </p:sp>
+    </p:spTree>
+    <p:extLst>
+      <p:ext uri="{BB962C8B-B14F-4D97-AF65-F5344CB8AC3E}">
+        <p14:creationId xmlns:p14="http://schemas.microsoft.com/office/powerpoint/2010/main" val="1537215869"/>
       </p:ext>
     </p:extLst>
   </p:cSld>
@@ -18885,7 +24770,7 @@
           <p:cNvPr id="2" name="Title 1">
             <a:extLst>
               <a:ext uri="{FF2B5EF4-FFF2-40B4-BE49-F238E27FC236}">
-                <a16:creationId xmlns:a16="http://schemas.microsoft.com/office/drawing/2014/main" id="{97E37F4B-A10F-E16A-A412-33FB1CC3ED7A}"/>
+                <a16:creationId xmlns:a16="http://schemas.microsoft.com/office/drawing/2014/main" id="{3B702B33-338B-5EDD-7BDB-3D89C8507BA2}"/>
               </a:ext>
             </a:extLst>
           </p:cNvPr>
@@ -18903,33 +24788,8 @@
           <a:p>
             <a:r>
               <a:rPr lang="en-US" dirty="0"/>
-              <a:t>Conclusion</a:t>
+              <a:t>KNN Regressor</a:t>
             </a:r>
-          </a:p>
-        </p:txBody>
-      </p:sp>
-      <p:sp>
-        <p:nvSpPr>
-          <p:cNvPr id="3" name="Content Placeholder 2">
-            <a:extLst>
-              <a:ext uri="{FF2B5EF4-FFF2-40B4-BE49-F238E27FC236}">
-                <a16:creationId xmlns:a16="http://schemas.microsoft.com/office/drawing/2014/main" id="{063A483D-D6D3-F1BA-69E0-5819CEE06360}"/>
-              </a:ext>
-            </a:extLst>
-          </p:cNvPr>
-          <p:cNvSpPr>
-            <a:spLocks noGrp="1"/>
-          </p:cNvSpPr>
-          <p:nvPr>
-            <p:ph idx="1"/>
-          </p:nvPr>
-        </p:nvSpPr>
-        <p:spPr/>
-        <p:txBody>
-          <a:bodyPr/>
-          <a:lstStyle/>
-          <a:p>
-            <a:endParaRPr lang="en-US" dirty="0"/>
           </a:p>
         </p:txBody>
       </p:sp>
@@ -18938,7 +24798,7 @@
           <p:cNvPr id="4" name="Slide Number Placeholder 3">
             <a:extLst>
               <a:ext uri="{FF2B5EF4-FFF2-40B4-BE49-F238E27FC236}">
-                <a16:creationId xmlns:a16="http://schemas.microsoft.com/office/drawing/2014/main" id="{53CF2DEB-174F-8EB9-E154-B45F9958BDCC}"/>
+                <a16:creationId xmlns:a16="http://schemas.microsoft.com/office/drawing/2014/main" id="{A540D7E5-1452-E446-44AA-4A60004511B8}"/>
               </a:ext>
             </a:extLst>
           </p:cNvPr>
@@ -18962,10 +24822,325 @@
           </a:p>
         </p:txBody>
       </p:sp>
+      <p:sp>
+        <p:nvSpPr>
+          <p:cNvPr id="5" name="Content Placeholder 4">
+            <a:extLst>
+              <a:ext uri="{FF2B5EF4-FFF2-40B4-BE49-F238E27FC236}">
+                <a16:creationId xmlns:a16="http://schemas.microsoft.com/office/drawing/2014/main" id="{A3F8DA65-1E21-D823-AA86-C2014F412867}"/>
+              </a:ext>
+            </a:extLst>
+          </p:cNvPr>
+          <p:cNvSpPr>
+            <a:spLocks noGrp="1"/>
+          </p:cNvSpPr>
+          <p:nvPr>
+            <p:ph idx="1"/>
+          </p:nvPr>
+        </p:nvSpPr>
+        <p:spPr>
+          <a:xfrm>
+            <a:off x="914400" y="2256818"/>
+            <a:ext cx="3842426" cy="1070042"/>
+          </a:xfrm>
+        </p:spPr>
+        <p:txBody>
+          <a:bodyPr>
+            <a:normAutofit/>
+          </a:bodyPr>
+          <a:lstStyle/>
+          <a:p>
+            <a:pPr>
+              <a:buFont typeface="Wingdings" panose="05000000000000000000" pitchFamily="2" charset="2"/>
+              <a:buChar char="§"/>
+            </a:pPr>
+            <a:r>
+              <a:rPr lang="en-US" sz="2000" dirty="0"/>
+              <a:t>Optimal number of neighbors (</a:t>
+            </a:r>
+            <a:r>
+              <a:rPr lang="en-US" sz="2000" dirty="0" err="1"/>
+              <a:t>GridSearchCV</a:t>
+            </a:r>
+            <a:r>
+              <a:rPr lang="en-US" sz="2000" dirty="0"/>
+              <a:t>, scikit-learn)= 3</a:t>
+            </a:r>
+          </a:p>
+        </p:txBody>
+      </p:sp>
+      <p:pic>
+        <p:nvPicPr>
+          <p:cNvPr id="7" name="Picture 6">
+            <a:extLst>
+              <a:ext uri="{FF2B5EF4-FFF2-40B4-BE49-F238E27FC236}">
+                <a16:creationId xmlns:a16="http://schemas.microsoft.com/office/drawing/2014/main" id="{869E668B-733C-BB07-1229-49E14F40C6E8}"/>
+              </a:ext>
+            </a:extLst>
+          </p:cNvPr>
+          <p:cNvPicPr>
+            <a:picLocks noChangeAspect="1"/>
+          </p:cNvPicPr>
+          <p:nvPr/>
+        </p:nvPicPr>
+        <p:blipFill>
+          <a:blip r:embed="rId2"/>
+          <a:stretch>
+            <a:fillRect/>
+          </a:stretch>
+        </p:blipFill>
+        <p:spPr>
+          <a:xfrm>
+            <a:off x="6096000" y="1271587"/>
+            <a:ext cx="5524500" cy="4314825"/>
+          </a:xfrm>
+          <a:prstGeom prst="rect">
+            <a:avLst/>
+          </a:prstGeom>
+        </p:spPr>
+      </p:pic>
+      <p:sp>
+        <p:nvSpPr>
+          <p:cNvPr id="8" name="Content Placeholder 4">
+            <a:extLst>
+              <a:ext uri="{FF2B5EF4-FFF2-40B4-BE49-F238E27FC236}">
+                <a16:creationId xmlns:a16="http://schemas.microsoft.com/office/drawing/2014/main" id="{73193698-17A3-3BD2-6B62-1CA3AD605033}"/>
+              </a:ext>
+            </a:extLst>
+          </p:cNvPr>
+          <p:cNvSpPr txBox="1">
+            <a:spLocks/>
+          </p:cNvSpPr>
+          <p:nvPr/>
+        </p:nvSpPr>
+        <p:spPr>
+          <a:xfrm>
+            <a:off x="1165913" y="3353899"/>
+            <a:ext cx="2988090" cy="1139443"/>
+          </a:xfrm>
+          <a:prstGeom prst="rect">
+            <a:avLst/>
+          </a:prstGeom>
+        </p:spPr>
+        <p:txBody>
+          <a:bodyPr vert="horz" lIns="91440" tIns="45720" rIns="91440" bIns="45720" rtlCol="0">
+            <a:noAutofit/>
+          </a:bodyPr>
+          <a:lstStyle>
+            <a:lvl1pPr marL="228600" indent="-228600" algn="l" defTabSz="914400" rtl="0" eaLnBrk="1" latinLnBrk="0" hangingPunct="1">
+              <a:lnSpc>
+                <a:spcPct val="110000"/>
+              </a:lnSpc>
+              <a:spcBef>
+                <a:spcPts val="1000"/>
+              </a:spcBef>
+              <a:buClr>
+                <a:schemeClr val="accent5"/>
+              </a:buClr>
+              <a:buFont typeface="Avenir Next LT Pro" panose="020B0504020202020204" pitchFamily="34" charset="0"/>
+              <a:buChar char="+"/>
+              <a:defRPr sz="2800" kern="1200">
+                <a:solidFill>
+                  <a:schemeClr val="tx2"/>
+                </a:solidFill>
+                <a:latin typeface="+mn-lt"/>
+                <a:ea typeface="+mn-ea"/>
+                <a:cs typeface="+mn-cs"/>
+              </a:defRPr>
+            </a:lvl1pPr>
+            <a:lvl2pPr marL="685800" indent="-228600" algn="l" defTabSz="914400" rtl="0" eaLnBrk="1" latinLnBrk="0" hangingPunct="1">
+              <a:lnSpc>
+                <a:spcPct val="110000"/>
+              </a:lnSpc>
+              <a:spcBef>
+                <a:spcPts val="500"/>
+              </a:spcBef>
+              <a:buClr>
+                <a:schemeClr val="accent5"/>
+              </a:buClr>
+              <a:buFont typeface="Avenir Next LT Pro" panose="020B0504020202020204" pitchFamily="34" charset="0"/>
+              <a:buChar char="+"/>
+              <a:defRPr sz="2400" kern="1200">
+                <a:solidFill>
+                  <a:schemeClr val="tx2"/>
+                </a:solidFill>
+                <a:latin typeface="+mn-lt"/>
+                <a:ea typeface="+mn-ea"/>
+                <a:cs typeface="+mn-cs"/>
+              </a:defRPr>
+            </a:lvl2pPr>
+            <a:lvl3pPr marL="1143000" indent="-228600" algn="l" defTabSz="914400" rtl="0" eaLnBrk="1" latinLnBrk="0" hangingPunct="1">
+              <a:lnSpc>
+                <a:spcPct val="110000"/>
+              </a:lnSpc>
+              <a:spcBef>
+                <a:spcPts val="500"/>
+              </a:spcBef>
+              <a:buClr>
+                <a:schemeClr val="accent5"/>
+              </a:buClr>
+              <a:buFont typeface="Avenir Next LT Pro" panose="020B0504020202020204" pitchFamily="34" charset="0"/>
+              <a:buChar char="+"/>
+              <a:defRPr sz="2000" kern="1200">
+                <a:solidFill>
+                  <a:schemeClr val="tx2"/>
+                </a:solidFill>
+                <a:latin typeface="+mn-lt"/>
+                <a:ea typeface="+mn-ea"/>
+                <a:cs typeface="+mn-cs"/>
+              </a:defRPr>
+            </a:lvl3pPr>
+            <a:lvl4pPr marL="1600200" indent="-228600" algn="l" defTabSz="914400" rtl="0" eaLnBrk="1" latinLnBrk="0" hangingPunct="1">
+              <a:lnSpc>
+                <a:spcPct val="110000"/>
+              </a:lnSpc>
+              <a:spcBef>
+                <a:spcPts val="500"/>
+              </a:spcBef>
+              <a:buClr>
+                <a:schemeClr val="accent5"/>
+              </a:buClr>
+              <a:buFont typeface="Avenir Next LT Pro" panose="020B0504020202020204" pitchFamily="34" charset="0"/>
+              <a:buChar char="+"/>
+              <a:defRPr sz="1800" kern="1200">
+                <a:solidFill>
+                  <a:schemeClr val="tx2"/>
+                </a:solidFill>
+                <a:latin typeface="+mn-lt"/>
+                <a:ea typeface="+mn-ea"/>
+                <a:cs typeface="+mn-cs"/>
+              </a:defRPr>
+            </a:lvl4pPr>
+            <a:lvl5pPr marL="2057400" indent="-228600" algn="l" defTabSz="914400" rtl="0" eaLnBrk="1" latinLnBrk="0" hangingPunct="1">
+              <a:lnSpc>
+                <a:spcPct val="110000"/>
+              </a:lnSpc>
+              <a:spcBef>
+                <a:spcPts val="500"/>
+              </a:spcBef>
+              <a:buClr>
+                <a:schemeClr val="accent5"/>
+              </a:buClr>
+              <a:buFont typeface="Avenir Next LT Pro" panose="020B0504020202020204" pitchFamily="34" charset="0"/>
+              <a:buChar char="+"/>
+              <a:defRPr sz="1800" kern="1200">
+                <a:solidFill>
+                  <a:schemeClr val="tx2"/>
+                </a:solidFill>
+                <a:latin typeface="+mn-lt"/>
+                <a:ea typeface="+mn-ea"/>
+                <a:cs typeface="+mn-cs"/>
+              </a:defRPr>
+            </a:lvl5pPr>
+            <a:lvl6pPr marL="2514600" indent="-228600" algn="l" defTabSz="914400" rtl="0" eaLnBrk="1" latinLnBrk="0" hangingPunct="1">
+              <a:lnSpc>
+                <a:spcPct val="90000"/>
+              </a:lnSpc>
+              <a:spcBef>
+                <a:spcPts val="500"/>
+              </a:spcBef>
+              <a:buFont typeface="Arial" panose="020B0604020202020204" pitchFamily="34" charset="0"/>
+              <a:buChar char="•"/>
+              <a:defRPr sz="1800" kern="1200">
+                <a:solidFill>
+                  <a:schemeClr val="tx1"/>
+                </a:solidFill>
+                <a:latin typeface="+mn-lt"/>
+                <a:ea typeface="+mn-ea"/>
+                <a:cs typeface="+mn-cs"/>
+              </a:defRPr>
+            </a:lvl6pPr>
+            <a:lvl7pPr marL="2971800" indent="-228600" algn="l" defTabSz="914400" rtl="0" eaLnBrk="1" latinLnBrk="0" hangingPunct="1">
+              <a:lnSpc>
+                <a:spcPct val="90000"/>
+              </a:lnSpc>
+              <a:spcBef>
+                <a:spcPts val="500"/>
+              </a:spcBef>
+              <a:buFont typeface="Arial" panose="020B0604020202020204" pitchFamily="34" charset="0"/>
+              <a:buChar char="•"/>
+              <a:defRPr sz="1800" kern="1200">
+                <a:solidFill>
+                  <a:schemeClr val="tx1"/>
+                </a:solidFill>
+                <a:latin typeface="+mn-lt"/>
+                <a:ea typeface="+mn-ea"/>
+                <a:cs typeface="+mn-cs"/>
+              </a:defRPr>
+            </a:lvl7pPr>
+            <a:lvl8pPr marL="3429000" indent="-228600" algn="l" defTabSz="914400" rtl="0" eaLnBrk="1" latinLnBrk="0" hangingPunct="1">
+              <a:lnSpc>
+                <a:spcPct val="90000"/>
+              </a:lnSpc>
+              <a:spcBef>
+                <a:spcPts val="500"/>
+              </a:spcBef>
+              <a:buFont typeface="Arial" panose="020B0604020202020204" pitchFamily="34" charset="0"/>
+              <a:buChar char="•"/>
+              <a:defRPr sz="1800" kern="1200">
+                <a:solidFill>
+                  <a:schemeClr val="tx1"/>
+                </a:solidFill>
+                <a:latin typeface="+mn-lt"/>
+                <a:ea typeface="+mn-ea"/>
+                <a:cs typeface="+mn-cs"/>
+              </a:defRPr>
+            </a:lvl8pPr>
+            <a:lvl9pPr marL="3886200" indent="-228600" algn="l" defTabSz="914400" rtl="0" eaLnBrk="1" latinLnBrk="0" hangingPunct="1">
+              <a:lnSpc>
+                <a:spcPct val="90000"/>
+              </a:lnSpc>
+              <a:spcBef>
+                <a:spcPts val="500"/>
+              </a:spcBef>
+              <a:buFont typeface="Arial" panose="020B0604020202020204" pitchFamily="34" charset="0"/>
+              <a:buChar char="•"/>
+              <a:defRPr sz="1800" kern="1200">
+                <a:solidFill>
+                  <a:schemeClr val="tx1"/>
+                </a:solidFill>
+                <a:latin typeface="+mn-lt"/>
+                <a:ea typeface="+mn-ea"/>
+                <a:cs typeface="+mn-cs"/>
+              </a:defRPr>
+            </a:lvl9pPr>
+          </a:lstStyle>
+          <a:p>
+            <a:pPr marL="0" indent="0">
+              <a:buNone/>
+            </a:pPr>
+            <a:r>
+              <a:rPr lang="en-US" sz="1600" b="1" dirty="0"/>
+              <a:t>Model Evaluation:</a:t>
+            </a:r>
+          </a:p>
+          <a:p>
+            <a:pPr lvl="1">
+              <a:buFont typeface="Wingdings" panose="05000000000000000000" pitchFamily="2" charset="2"/>
+              <a:buChar char="Ø"/>
+            </a:pPr>
+            <a:r>
+              <a:rPr lang="en-US" sz="1600" dirty="0"/>
+              <a:t>RMSE: 55.81</a:t>
+            </a:r>
+          </a:p>
+          <a:p>
+            <a:pPr lvl="1">
+              <a:buFont typeface="Wingdings" panose="05000000000000000000" pitchFamily="2" charset="2"/>
+              <a:buChar char="Ø"/>
+            </a:pPr>
+            <a:r>
+              <a:rPr lang="en-US" sz="1600" dirty="0"/>
+              <a:t>R2 Score: 0.893</a:t>
+            </a:r>
+            <a:endParaRPr lang="en-US" sz="2000" dirty="0"/>
+          </a:p>
+        </p:txBody>
+      </p:sp>
     </p:spTree>
     <p:extLst>
       <p:ext uri="{BB962C8B-B14F-4D97-AF65-F5344CB8AC3E}">
-        <p14:creationId xmlns:p14="http://schemas.microsoft.com/office/powerpoint/2010/main" val="2537131252"/>
+        <p14:creationId xmlns:p14="http://schemas.microsoft.com/office/powerpoint/2010/main" val="2043315663"/>
       </p:ext>
     </p:extLst>
   </p:cSld>

--- a/ML-Project.pptx
+++ b/ML-Project.pptx
@@ -176,19 +176,42 @@
 <pc:chgInfo xmlns:a="http://schemas.openxmlformats.org/drawingml/2006/main" xmlns:r="http://schemas.openxmlformats.org/officeDocument/2006/relationships" xmlns:ac="http://schemas.microsoft.com/office/drawing/2013/main/command" xmlns:pc="http://schemas.microsoft.com/office/powerpoint/2013/main/command">
   <pc:docChgLst>
     <pc:chgData name="Jossin Antony" userId="bca7c97402951e24" providerId="LiveId" clId="{97898245-A11C-4499-8AAD-893CB2642DF8}"/>
-    <pc:docChg chg="custSel addSld modSld modSection">
-      <pc:chgData name="Jossin Antony" userId="bca7c97402951e24" providerId="LiveId" clId="{97898245-A11C-4499-8AAD-893CB2642DF8}" dt="2024-01-18T05:47:37.617" v="1147" actId="20577"/>
+    <pc:docChg chg="undo redo custSel addSld modSld modSection">
+      <pc:chgData name="Jossin Antony" userId="bca7c97402951e24" providerId="LiveId" clId="{97898245-A11C-4499-8AAD-893CB2642DF8}" dt="2024-01-18T11:34:26.080" v="1616" actId="1076"/>
       <pc:docMkLst>
         <pc:docMk/>
       </pc:docMkLst>
+      <pc:sldChg chg="addSp delSp modSp mod">
+        <pc:chgData name="Jossin Antony" userId="bca7c97402951e24" providerId="LiveId" clId="{97898245-A11C-4499-8AAD-893CB2642DF8}" dt="2024-01-18T11:24:34.719" v="1418" actId="478"/>
+        <pc:sldMkLst>
+          <pc:docMk/>
+          <pc:sldMk cId="1974937734" sldId="262"/>
+        </pc:sldMkLst>
+        <pc:spChg chg="mod">
+          <ac:chgData name="Jossin Antony" userId="bca7c97402951e24" providerId="LiveId" clId="{97898245-A11C-4499-8AAD-893CB2642DF8}" dt="2024-01-18T11:23:55.377" v="1413" actId="14100"/>
+          <ac:spMkLst>
+            <pc:docMk/>
+            <pc:sldMk cId="1974937734" sldId="262"/>
+            <ac:spMk id="3" creationId="{78396B4C-D707-4567-EFFA-DCF9F914F8A0}"/>
+          </ac:spMkLst>
+        </pc:spChg>
+        <pc:picChg chg="add del mod">
+          <ac:chgData name="Jossin Antony" userId="bca7c97402951e24" providerId="LiveId" clId="{97898245-A11C-4499-8AAD-893CB2642DF8}" dt="2024-01-18T11:24:34.719" v="1418" actId="478"/>
+          <ac:picMkLst>
+            <pc:docMk/>
+            <pc:sldMk cId="1974937734" sldId="262"/>
+            <ac:picMk id="1026" creationId="{F58FEB4F-2397-0F7F-F4C9-D408FADA6F74}"/>
+          </ac:picMkLst>
+        </pc:picChg>
+      </pc:sldChg>
       <pc:sldChg chg="modSp mod">
-        <pc:chgData name="Jossin Antony" userId="bca7c97402951e24" providerId="LiveId" clId="{97898245-A11C-4499-8AAD-893CB2642DF8}" dt="2024-01-18T05:47:37.617" v="1147" actId="20577"/>
+        <pc:chgData name="Jossin Antony" userId="bca7c97402951e24" providerId="LiveId" clId="{97898245-A11C-4499-8AAD-893CB2642DF8}" dt="2024-01-18T11:22:51.973" v="1394" actId="20577"/>
         <pc:sldMkLst>
           <pc:docMk/>
           <pc:sldMk cId="2537131252" sldId="281"/>
         </pc:sldMkLst>
         <pc:spChg chg="mod">
-          <ac:chgData name="Jossin Antony" userId="bca7c97402951e24" providerId="LiveId" clId="{97898245-A11C-4499-8AAD-893CB2642DF8}" dt="2024-01-18T05:47:37.617" v="1147" actId="20577"/>
+          <ac:chgData name="Jossin Antony" userId="bca7c97402951e24" providerId="LiveId" clId="{97898245-A11C-4499-8AAD-893CB2642DF8}" dt="2024-01-18T11:22:51.973" v="1394" actId="20577"/>
           <ac:spMkLst>
             <pc:docMk/>
             <pc:sldMk cId="2537131252" sldId="281"/>
@@ -196,8 +219,101 @@
           </ac:spMkLst>
         </pc:spChg>
       </pc:sldChg>
+      <pc:sldChg chg="addSp modSp mod">
+        <pc:chgData name="Jossin Antony" userId="bca7c97402951e24" providerId="LiveId" clId="{97898245-A11C-4499-8AAD-893CB2642DF8}" dt="2024-01-18T11:34:26.080" v="1616" actId="1076"/>
+        <pc:sldMkLst>
+          <pc:docMk/>
+          <pc:sldMk cId="1396947859" sldId="286"/>
+        </pc:sldMkLst>
+        <pc:spChg chg="add mod">
+          <ac:chgData name="Jossin Antony" userId="bca7c97402951e24" providerId="LiveId" clId="{97898245-A11C-4499-8AAD-893CB2642DF8}" dt="2024-01-18T11:34:25.702" v="1615" actId="14100"/>
+          <ac:spMkLst>
+            <pc:docMk/>
+            <pc:sldMk cId="1396947859" sldId="286"/>
+            <ac:spMk id="3" creationId="{AB0D2562-F14C-B0E7-CFA9-14269E74EB19}"/>
+          </ac:spMkLst>
+        </pc:spChg>
+        <pc:spChg chg="mod">
+          <ac:chgData name="Jossin Antony" userId="bca7c97402951e24" providerId="LiveId" clId="{97898245-A11C-4499-8AAD-893CB2642DF8}" dt="2024-01-18T11:31:45.950" v="1600" actId="1076"/>
+          <ac:spMkLst>
+            <pc:docMk/>
+            <pc:sldMk cId="1396947859" sldId="286"/>
+            <ac:spMk id="4" creationId="{9C2EA642-342D-7BE5-97F8-1A00FFDC2456}"/>
+          </ac:spMkLst>
+        </pc:spChg>
+        <pc:spChg chg="add mod ord">
+          <ac:chgData name="Jossin Antony" userId="bca7c97402951e24" providerId="LiveId" clId="{97898245-A11C-4499-8AAD-893CB2642DF8}" dt="2024-01-18T11:34:26.080" v="1616" actId="1076"/>
+          <ac:spMkLst>
+            <pc:docMk/>
+            <pc:sldMk cId="1396947859" sldId="286"/>
+            <ac:spMk id="5" creationId="{617723BA-00C8-648E-BB60-C2B2219A0159}"/>
+          </ac:spMkLst>
+        </pc:spChg>
+        <pc:spChg chg="mod">
+          <ac:chgData name="Jossin Antony" userId="bca7c97402951e24" providerId="LiveId" clId="{97898245-A11C-4499-8AAD-893CB2642DF8}" dt="2024-01-18T11:31:49.420" v="1601" actId="1076"/>
+          <ac:spMkLst>
+            <pc:docMk/>
+            <pc:sldMk cId="1396947859" sldId="286"/>
+            <ac:spMk id="7" creationId="{01EB3D95-4D0E-FE51-8167-2B1198A2C733}"/>
+          </ac:spMkLst>
+        </pc:spChg>
+      </pc:sldChg>
+      <pc:sldChg chg="addSp delSp modSp mod">
+        <pc:chgData name="Jossin Antony" userId="bca7c97402951e24" providerId="LiveId" clId="{97898245-A11C-4499-8AAD-893CB2642DF8}" dt="2024-01-18T09:04:59.247" v="1189" actId="478"/>
+        <pc:sldMkLst>
+          <pc:docMk/>
+          <pc:sldMk cId="1724919423" sldId="289"/>
+        </pc:sldMkLst>
+        <pc:spChg chg="mod">
+          <ac:chgData name="Jossin Antony" userId="bca7c97402951e24" providerId="LiveId" clId="{97898245-A11C-4499-8AAD-893CB2642DF8}" dt="2024-01-18T09:04:34.056" v="1175" actId="1076"/>
+          <ac:spMkLst>
+            <pc:docMk/>
+            <pc:sldMk cId="1724919423" sldId="289"/>
+            <ac:spMk id="2" creationId="{5DC85B10-4428-71B3-BD8A-970EA9DC1AB3}"/>
+          </ac:spMkLst>
+        </pc:spChg>
+        <pc:spChg chg="add del">
+          <ac:chgData name="Jossin Antony" userId="bca7c97402951e24" providerId="LiveId" clId="{97898245-A11C-4499-8AAD-893CB2642DF8}" dt="2024-01-18T09:04:40.733" v="1179" actId="22"/>
+          <ac:spMkLst>
+            <pc:docMk/>
+            <pc:sldMk cId="1724919423" sldId="289"/>
+            <ac:spMk id="4" creationId="{D6D63AFD-732E-8935-C188-695607B23693}"/>
+          </ac:spMkLst>
+        </pc:spChg>
+        <pc:spChg chg="add del mod">
+          <ac:chgData name="Jossin Antony" userId="bca7c97402951e24" providerId="LiveId" clId="{97898245-A11C-4499-8AAD-893CB2642DF8}" dt="2024-01-18T09:04:59.247" v="1189" actId="478"/>
+          <ac:spMkLst>
+            <pc:docMk/>
+            <pc:sldMk cId="1724919423" sldId="289"/>
+            <ac:spMk id="7" creationId="{3788A88D-610F-B058-DCB2-72E1EB76C1D7}"/>
+          </ac:spMkLst>
+        </pc:spChg>
+        <pc:spChg chg="mod">
+          <ac:chgData name="Jossin Antony" userId="bca7c97402951e24" providerId="LiveId" clId="{97898245-A11C-4499-8AAD-893CB2642DF8}" dt="2024-01-18T09:02:40.177" v="1174" actId="14100"/>
+          <ac:spMkLst>
+            <pc:docMk/>
+            <pc:sldMk cId="1724919423" sldId="289"/>
+            <ac:spMk id="17" creationId="{21EE3195-2D93-080E-BFA4-6D2F9B06197A}"/>
+          </ac:spMkLst>
+        </pc:spChg>
+      </pc:sldChg>
+      <pc:sldChg chg="modSp mod">
+        <pc:chgData name="Jossin Antony" userId="bca7c97402951e24" providerId="LiveId" clId="{97898245-A11C-4499-8AAD-893CB2642DF8}" dt="2024-01-18T11:19:27.467" v="1262" actId="1076"/>
+        <pc:sldMkLst>
+          <pc:docMk/>
+          <pc:sldMk cId="174854836" sldId="290"/>
+        </pc:sldMkLst>
+        <pc:spChg chg="mod">
+          <ac:chgData name="Jossin Antony" userId="bca7c97402951e24" providerId="LiveId" clId="{97898245-A11C-4499-8AAD-893CB2642DF8}" dt="2024-01-18T11:19:27.467" v="1262" actId="1076"/>
+          <ac:spMkLst>
+            <pc:docMk/>
+            <pc:sldMk cId="174854836" sldId="290"/>
+            <ac:spMk id="10" creationId="{D8C96D57-4E06-6029-B556-8597B28388EE}"/>
+          </ac:spMkLst>
+        </pc:spChg>
+      </pc:sldChg>
       <pc:sldChg chg="addSp delSp modSp new mod">
-        <pc:chgData name="Jossin Antony" userId="bca7c97402951e24" providerId="LiveId" clId="{97898245-A11C-4499-8AAD-893CB2642DF8}" dt="2024-01-18T05:37:43.859" v="126" actId="14100"/>
+        <pc:chgData name="Jossin Antony" userId="bca7c97402951e24" providerId="LiveId" clId="{97898245-A11C-4499-8AAD-893CB2642DF8}" dt="2024-01-18T11:19:57.873" v="1263" actId="1076"/>
         <pc:sldMkLst>
           <pc:docMk/>
           <pc:sldMk cId="2043315663" sldId="300"/>
@@ -227,7 +343,7 @@
           </ac:spMkLst>
         </pc:spChg>
         <pc:spChg chg="add mod">
-          <ac:chgData name="Jossin Antony" userId="bca7c97402951e24" providerId="LiveId" clId="{97898245-A11C-4499-8AAD-893CB2642DF8}" dt="2024-01-18T05:37:43.859" v="126" actId="14100"/>
+          <ac:chgData name="Jossin Antony" userId="bca7c97402951e24" providerId="LiveId" clId="{97898245-A11C-4499-8AAD-893CB2642DF8}" dt="2024-01-18T11:19:57.873" v="1263" actId="1076"/>
           <ac:spMkLst>
             <pc:docMk/>
             <pc:sldMk cId="2043315663" sldId="300"/>
@@ -244,17 +360,25 @@
         </pc:picChg>
       </pc:sldChg>
       <pc:sldChg chg="addSp delSp modSp add mod">
-        <pc:chgData name="Jossin Antony" userId="bca7c97402951e24" providerId="LiveId" clId="{97898245-A11C-4499-8AAD-893CB2642DF8}" dt="2024-01-18T05:40:16.560" v="377" actId="1038"/>
+        <pc:chgData name="Jossin Antony" userId="bca7c97402951e24" providerId="LiveId" clId="{97898245-A11C-4499-8AAD-893CB2642DF8}" dt="2024-01-18T11:22:01.700" v="1336" actId="1076"/>
         <pc:sldMkLst>
           <pc:docMk/>
           <pc:sldMk cId="2274149561" sldId="301"/>
         </pc:sldMkLst>
         <pc:spChg chg="mod">
-          <ac:chgData name="Jossin Antony" userId="bca7c97402951e24" providerId="LiveId" clId="{97898245-A11C-4499-8AAD-893CB2642DF8}" dt="2024-01-18T05:39:14.908" v="171" actId="20577"/>
+          <ac:chgData name="Jossin Antony" userId="bca7c97402951e24" providerId="LiveId" clId="{97898245-A11C-4499-8AAD-893CB2642DF8}" dt="2024-01-18T11:22:01.700" v="1336" actId="1076"/>
           <ac:spMkLst>
             <pc:docMk/>
             <pc:sldMk cId="2274149561" sldId="301"/>
             <ac:spMk id="2" creationId="{3B702B33-338B-5EDD-7BDB-3D89C8507BA2}"/>
+          </ac:spMkLst>
+        </pc:spChg>
+        <pc:spChg chg="add mod">
+          <ac:chgData name="Jossin Antony" userId="bca7c97402951e24" providerId="LiveId" clId="{97898245-A11C-4499-8AAD-893CB2642DF8}" dt="2024-01-18T11:21:50.268" v="1335" actId="14100"/>
+          <ac:spMkLst>
+            <pc:docMk/>
+            <pc:sldMk cId="2274149561" sldId="301"/>
+            <ac:spMk id="3" creationId="{46540006-A1AC-2531-91C0-F3EF959340ED}"/>
           </ac:spMkLst>
         </pc:spChg>
         <pc:spChg chg="del">
@@ -290,7 +414,7 @@
           </ac:picMkLst>
         </pc:picChg>
         <pc:picChg chg="add mod">
-          <ac:chgData name="Jossin Antony" userId="bca7c97402951e24" providerId="LiveId" clId="{97898245-A11C-4499-8AAD-893CB2642DF8}" dt="2024-01-18T05:40:10.438" v="356" actId="1038"/>
+          <ac:chgData name="Jossin Antony" userId="bca7c97402951e24" providerId="LiveId" clId="{97898245-A11C-4499-8AAD-893CB2642DF8}" dt="2024-01-18T11:18:19.935" v="1201" actId="1076"/>
           <ac:picMkLst>
             <pc:docMk/>
             <pc:sldMk cId="2274149561" sldId="301"/>
@@ -298,7 +422,7 @@
           </ac:picMkLst>
         </pc:picChg>
         <pc:picChg chg="add mod">
-          <ac:chgData name="Jossin Antony" userId="bca7c97402951e24" providerId="LiveId" clId="{97898245-A11C-4499-8AAD-893CB2642DF8}" dt="2024-01-18T05:40:16.560" v="377" actId="1038"/>
+          <ac:chgData name="Jossin Antony" userId="bca7c97402951e24" providerId="LiveId" clId="{97898245-A11C-4499-8AAD-893CB2642DF8}" dt="2024-01-18T11:18:21.396" v="1202" actId="1076"/>
           <ac:picMkLst>
             <pc:docMk/>
             <pc:sldMk cId="2274149561" sldId="301"/>
@@ -12192,7 +12316,12 @@
             <p:ph type="title"/>
           </p:nvPr>
         </p:nvSpPr>
-        <p:spPr/>
+        <p:spPr>
+          <a:xfrm>
+            <a:off x="838200" y="-31123"/>
+            <a:ext cx="10515600" cy="1325563"/>
+          </a:xfrm>
+        </p:spPr>
         <p:txBody>
           <a:bodyPr/>
           <a:lstStyle/>
@@ -12255,7 +12384,7 @@
         </p:blipFill>
         <p:spPr>
           <a:xfrm>
-            <a:off x="963242" y="1905505"/>
+            <a:off x="992425" y="1369980"/>
             <a:ext cx="6513303" cy="4118039"/>
           </a:xfrm>
           <a:prstGeom prst="rect">
@@ -12285,7 +12414,7 @@
         </p:blipFill>
         <p:spPr>
           <a:xfrm>
-            <a:off x="8071500" y="1506826"/>
+            <a:off x="8071499" y="1369980"/>
             <a:ext cx="3397229" cy="2653353"/>
           </a:xfrm>
           <a:prstGeom prst="rect">
@@ -12323,6 +12452,248 @@
           </a:prstGeom>
         </p:spPr>
       </p:pic>
+      <p:sp>
+        <p:nvSpPr>
+          <p:cNvPr id="3" name="Content Placeholder 4">
+            <a:extLst>
+              <a:ext uri="{FF2B5EF4-FFF2-40B4-BE49-F238E27FC236}">
+                <a16:creationId xmlns:a16="http://schemas.microsoft.com/office/drawing/2014/main" id="{46540006-A1AC-2531-91C0-F3EF959340ED}"/>
+              </a:ext>
+            </a:extLst>
+          </p:cNvPr>
+          <p:cNvSpPr txBox="1">
+            <a:spLocks/>
+          </p:cNvSpPr>
+          <p:nvPr/>
+        </p:nvSpPr>
+        <p:spPr>
+          <a:xfrm>
+            <a:off x="723272" y="5578493"/>
+            <a:ext cx="6782456" cy="1279507"/>
+          </a:xfrm>
+          <a:prstGeom prst="rect">
+            <a:avLst/>
+          </a:prstGeom>
+        </p:spPr>
+        <p:txBody>
+          <a:bodyPr vert="horz" lIns="91440" tIns="45720" rIns="91440" bIns="45720" rtlCol="0">
+            <a:noAutofit/>
+          </a:bodyPr>
+          <a:lstStyle>
+            <a:lvl1pPr marL="228600" indent="-228600" algn="l" defTabSz="914400" rtl="0" eaLnBrk="1" latinLnBrk="0" hangingPunct="1">
+              <a:lnSpc>
+                <a:spcPct val="110000"/>
+              </a:lnSpc>
+              <a:spcBef>
+                <a:spcPts val="1000"/>
+              </a:spcBef>
+              <a:buClr>
+                <a:schemeClr val="accent5"/>
+              </a:buClr>
+              <a:buFont typeface="Avenir Next LT Pro" panose="020B0504020202020204" pitchFamily="34" charset="0"/>
+              <a:buChar char="+"/>
+              <a:defRPr sz="2800" kern="1200">
+                <a:solidFill>
+                  <a:schemeClr val="tx2"/>
+                </a:solidFill>
+                <a:latin typeface="+mn-lt"/>
+                <a:ea typeface="+mn-ea"/>
+                <a:cs typeface="+mn-cs"/>
+              </a:defRPr>
+            </a:lvl1pPr>
+            <a:lvl2pPr marL="685800" indent="-228600" algn="l" defTabSz="914400" rtl="0" eaLnBrk="1" latinLnBrk="0" hangingPunct="1">
+              <a:lnSpc>
+                <a:spcPct val="110000"/>
+              </a:lnSpc>
+              <a:spcBef>
+                <a:spcPts val="500"/>
+              </a:spcBef>
+              <a:buClr>
+                <a:schemeClr val="accent5"/>
+              </a:buClr>
+              <a:buFont typeface="Avenir Next LT Pro" panose="020B0504020202020204" pitchFamily="34" charset="0"/>
+              <a:buChar char="+"/>
+              <a:defRPr sz="2400" kern="1200">
+                <a:solidFill>
+                  <a:schemeClr val="tx2"/>
+                </a:solidFill>
+                <a:latin typeface="+mn-lt"/>
+                <a:ea typeface="+mn-ea"/>
+                <a:cs typeface="+mn-cs"/>
+              </a:defRPr>
+            </a:lvl2pPr>
+            <a:lvl3pPr marL="1143000" indent="-228600" algn="l" defTabSz="914400" rtl="0" eaLnBrk="1" latinLnBrk="0" hangingPunct="1">
+              <a:lnSpc>
+                <a:spcPct val="110000"/>
+              </a:lnSpc>
+              <a:spcBef>
+                <a:spcPts val="500"/>
+              </a:spcBef>
+              <a:buClr>
+                <a:schemeClr val="accent5"/>
+              </a:buClr>
+              <a:buFont typeface="Avenir Next LT Pro" panose="020B0504020202020204" pitchFamily="34" charset="0"/>
+              <a:buChar char="+"/>
+              <a:defRPr sz="2000" kern="1200">
+                <a:solidFill>
+                  <a:schemeClr val="tx2"/>
+                </a:solidFill>
+                <a:latin typeface="+mn-lt"/>
+                <a:ea typeface="+mn-ea"/>
+                <a:cs typeface="+mn-cs"/>
+              </a:defRPr>
+            </a:lvl3pPr>
+            <a:lvl4pPr marL="1600200" indent="-228600" algn="l" defTabSz="914400" rtl="0" eaLnBrk="1" latinLnBrk="0" hangingPunct="1">
+              <a:lnSpc>
+                <a:spcPct val="110000"/>
+              </a:lnSpc>
+              <a:spcBef>
+                <a:spcPts val="500"/>
+              </a:spcBef>
+              <a:buClr>
+                <a:schemeClr val="accent5"/>
+              </a:buClr>
+              <a:buFont typeface="Avenir Next LT Pro" panose="020B0504020202020204" pitchFamily="34" charset="0"/>
+              <a:buChar char="+"/>
+              <a:defRPr sz="1800" kern="1200">
+                <a:solidFill>
+                  <a:schemeClr val="tx2"/>
+                </a:solidFill>
+                <a:latin typeface="+mn-lt"/>
+                <a:ea typeface="+mn-ea"/>
+                <a:cs typeface="+mn-cs"/>
+              </a:defRPr>
+            </a:lvl4pPr>
+            <a:lvl5pPr marL="2057400" indent="-228600" algn="l" defTabSz="914400" rtl="0" eaLnBrk="1" latinLnBrk="0" hangingPunct="1">
+              <a:lnSpc>
+                <a:spcPct val="110000"/>
+              </a:lnSpc>
+              <a:spcBef>
+                <a:spcPts val="500"/>
+              </a:spcBef>
+              <a:buClr>
+                <a:schemeClr val="accent5"/>
+              </a:buClr>
+              <a:buFont typeface="Avenir Next LT Pro" panose="020B0504020202020204" pitchFamily="34" charset="0"/>
+              <a:buChar char="+"/>
+              <a:defRPr sz="1800" kern="1200">
+                <a:solidFill>
+                  <a:schemeClr val="tx2"/>
+                </a:solidFill>
+                <a:latin typeface="+mn-lt"/>
+                <a:ea typeface="+mn-ea"/>
+                <a:cs typeface="+mn-cs"/>
+              </a:defRPr>
+            </a:lvl5pPr>
+            <a:lvl6pPr marL="2514600" indent="-228600" algn="l" defTabSz="914400" rtl="0" eaLnBrk="1" latinLnBrk="0" hangingPunct="1">
+              <a:lnSpc>
+                <a:spcPct val="90000"/>
+              </a:lnSpc>
+              <a:spcBef>
+                <a:spcPts val="500"/>
+              </a:spcBef>
+              <a:buFont typeface="Arial" panose="020B0604020202020204" pitchFamily="34" charset="0"/>
+              <a:buChar char="•"/>
+              <a:defRPr sz="1800" kern="1200">
+                <a:solidFill>
+                  <a:schemeClr val="tx1"/>
+                </a:solidFill>
+                <a:latin typeface="+mn-lt"/>
+                <a:ea typeface="+mn-ea"/>
+                <a:cs typeface="+mn-cs"/>
+              </a:defRPr>
+            </a:lvl6pPr>
+            <a:lvl7pPr marL="2971800" indent="-228600" algn="l" defTabSz="914400" rtl="0" eaLnBrk="1" latinLnBrk="0" hangingPunct="1">
+              <a:lnSpc>
+                <a:spcPct val="90000"/>
+              </a:lnSpc>
+              <a:spcBef>
+                <a:spcPts val="500"/>
+              </a:spcBef>
+              <a:buFont typeface="Arial" panose="020B0604020202020204" pitchFamily="34" charset="0"/>
+              <a:buChar char="•"/>
+              <a:defRPr sz="1800" kern="1200">
+                <a:solidFill>
+                  <a:schemeClr val="tx1"/>
+                </a:solidFill>
+                <a:latin typeface="+mn-lt"/>
+                <a:ea typeface="+mn-ea"/>
+                <a:cs typeface="+mn-cs"/>
+              </a:defRPr>
+            </a:lvl7pPr>
+            <a:lvl8pPr marL="3429000" indent="-228600" algn="l" defTabSz="914400" rtl="0" eaLnBrk="1" latinLnBrk="0" hangingPunct="1">
+              <a:lnSpc>
+                <a:spcPct val="90000"/>
+              </a:lnSpc>
+              <a:spcBef>
+                <a:spcPts val="500"/>
+              </a:spcBef>
+              <a:buFont typeface="Arial" panose="020B0604020202020204" pitchFamily="34" charset="0"/>
+              <a:buChar char="•"/>
+              <a:defRPr sz="1800" kern="1200">
+                <a:solidFill>
+                  <a:schemeClr val="tx1"/>
+                </a:solidFill>
+                <a:latin typeface="+mn-lt"/>
+                <a:ea typeface="+mn-ea"/>
+                <a:cs typeface="+mn-cs"/>
+              </a:defRPr>
+            </a:lvl8pPr>
+            <a:lvl9pPr marL="3886200" indent="-228600" algn="l" defTabSz="914400" rtl="0" eaLnBrk="1" latinLnBrk="0" hangingPunct="1">
+              <a:lnSpc>
+                <a:spcPct val="90000"/>
+              </a:lnSpc>
+              <a:spcBef>
+                <a:spcPts val="500"/>
+              </a:spcBef>
+              <a:buFont typeface="Arial" panose="020B0604020202020204" pitchFamily="34" charset="0"/>
+              <a:buChar char="•"/>
+              <a:defRPr sz="1800" kern="1200">
+                <a:solidFill>
+                  <a:schemeClr val="tx1"/>
+                </a:solidFill>
+                <a:latin typeface="+mn-lt"/>
+                <a:ea typeface="+mn-ea"/>
+                <a:cs typeface="+mn-cs"/>
+              </a:defRPr>
+            </a:lvl9pPr>
+          </a:lstStyle>
+          <a:p>
+            <a:pPr lvl="1">
+              <a:buFont typeface="Wingdings" panose="05000000000000000000" pitchFamily="2" charset="2"/>
+              <a:buChar char="Ø"/>
+            </a:pPr>
+            <a:endParaRPr lang="en-US" sz="1600" dirty="0"/>
+          </a:p>
+          <a:p>
+            <a:pPr lvl="1">
+              <a:buFont typeface="Wingdings" panose="05000000000000000000" pitchFamily="2" charset="2"/>
+              <a:buChar char="Ø"/>
+            </a:pPr>
+            <a:r>
+              <a:rPr lang="en-US" sz="1600" dirty="0"/>
+              <a:t>‘S-pattern’ exhibited by the QQ plot.</a:t>
+            </a:r>
+          </a:p>
+          <a:p>
+            <a:pPr lvl="1">
+              <a:buFont typeface="Wingdings" panose="05000000000000000000" pitchFamily="2" charset="2"/>
+              <a:buChar char="Ø"/>
+            </a:pPr>
+            <a:r>
+              <a:rPr lang="en-GB" sz="1600" dirty="0"/>
+              <a:t>Indicates large number of outliers as observed by the model</a:t>
+            </a:r>
+          </a:p>
+          <a:p>
+            <a:pPr lvl="1">
+              <a:buFont typeface="Wingdings" panose="05000000000000000000" pitchFamily="2" charset="2"/>
+              <a:buChar char="Ø"/>
+            </a:pPr>
+            <a:endParaRPr lang="en-US" sz="1600" dirty="0"/>
+          </a:p>
+        </p:txBody>
+      </p:sp>
     </p:spTree>
     <p:extLst>
       <p:ext uri="{BB962C8B-B14F-4D97-AF65-F5344CB8AC3E}">
@@ -17799,9 +18170,16 @@
             <p:ph idx="1"/>
           </p:nvPr>
         </p:nvSpPr>
-        <p:spPr/>
+        <p:spPr>
+          <a:xfrm>
+            <a:off x="838200" y="1825625"/>
+            <a:ext cx="5257800" cy="4351338"/>
+          </a:xfrm>
+        </p:spPr>
         <p:txBody>
-          <a:bodyPr/>
+          <a:bodyPr>
+            <a:normAutofit/>
+          </a:bodyPr>
           <a:lstStyle/>
           <a:p>
             <a:pPr marL="514350" indent="-514350">
@@ -17809,7 +18187,7 @@
               <a:buAutoNum type="arabicPeriod"/>
             </a:pPr>
             <a:r>
-              <a:rPr lang="en-US" dirty="0"/>
+              <a:rPr lang="en-US" sz="2000" dirty="0"/>
               <a:t>Goal of the project</a:t>
             </a:r>
           </a:p>
@@ -17819,7 +18197,7 @@
               <a:buAutoNum type="arabicPeriod"/>
             </a:pPr>
             <a:r>
-              <a:rPr lang="en-US" dirty="0"/>
+              <a:rPr lang="en-US" sz="2000" dirty="0"/>
               <a:t>Data understanding</a:t>
             </a:r>
           </a:p>
@@ -17829,7 +18207,7 @@
               <a:buAutoNum type="arabicPeriod"/>
             </a:pPr>
             <a:r>
-              <a:rPr lang="en-US" dirty="0"/>
+              <a:rPr lang="en-US" sz="2000" dirty="0"/>
               <a:t>Data preparation</a:t>
             </a:r>
           </a:p>
@@ -17839,7 +18217,7 @@
               <a:buAutoNum type="arabicPeriod"/>
             </a:pPr>
             <a:r>
-              <a:rPr lang="en-US" dirty="0"/>
+              <a:rPr lang="en-US" sz="2000" dirty="0"/>
               <a:t>Modeling</a:t>
             </a:r>
           </a:p>
@@ -17849,7 +18227,7 @@
               <a:buAutoNum type="arabicPeriod"/>
             </a:pPr>
             <a:r>
-              <a:rPr lang="en-US" dirty="0"/>
+              <a:rPr lang="en-US" sz="2000" dirty="0"/>
               <a:t>Polynomial Regression</a:t>
             </a:r>
           </a:p>
@@ -17859,8 +18237,8 @@
               <a:buAutoNum type="arabicPeriod"/>
             </a:pPr>
             <a:r>
-              <a:rPr lang="en-US" dirty="0"/>
-              <a:t>Regression Tree</a:t>
+              <a:rPr lang="en-US" sz="2000" dirty="0"/>
+              <a:t>KNN Regression</a:t>
             </a:r>
           </a:p>
           <a:p>
@@ -17869,7 +18247,17 @@
               <a:buAutoNum type="arabicPeriod"/>
             </a:pPr>
             <a:r>
-              <a:rPr lang="en-US" dirty="0"/>
+              <a:rPr lang="en-US" sz="2000" dirty="0"/>
+              <a:t>Regression Tree</a:t>
+            </a:r>
+          </a:p>
+          <a:p>
+            <a:pPr marL="971550" lvl="1" indent="-514350">
+              <a:buFont typeface="+mj-lt"/>
+              <a:buAutoNum type="arabicPeriod"/>
+            </a:pPr>
+            <a:r>
+              <a:rPr lang="en-US" sz="2000" dirty="0"/>
               <a:t>Random Forest</a:t>
             </a:r>
           </a:p>
@@ -17879,22 +18267,15 @@
               <a:buAutoNum type="arabicPeriod"/>
             </a:pPr>
             <a:r>
-              <a:rPr lang="en-US" dirty="0"/>
+              <a:rPr lang="en-US" sz="2000" dirty="0"/>
               <a:t>Conclusion</a:t>
             </a:r>
-          </a:p>
-          <a:p>
-            <a:pPr marL="514350" indent="-514350">
-              <a:buFont typeface="+mj-lt"/>
-              <a:buAutoNum type="arabicPeriod"/>
-            </a:pPr>
-            <a:endParaRPr lang="en-US" dirty="0"/>
           </a:p>
           <a:p>
             <a:pPr marL="457200" lvl="1" indent="0">
               <a:buNone/>
             </a:pPr>
-            <a:endParaRPr lang="en-US" dirty="0"/>
+            <a:endParaRPr lang="en-US" sz="2000" dirty="0"/>
           </a:p>
         </p:txBody>
       </p:sp>
@@ -18024,19 +18405,14 @@
           <a:p>
             <a:r>
               <a:rPr lang="en-US" sz="2000" dirty="0"/>
-              <a:t>The dataset did not sufficiently capture the full variability of the features, possibly due to the very short collection time span.</a:t>
+              <a:t>The dataset did not sufficiently capture the full variability of the features, possibly due to the very short data collection time span and limited variability of the available dataset.</a:t>
             </a:r>
           </a:p>
           <a:p>
             <a:r>
               <a:rPr lang="en-US" sz="2000" dirty="0"/>
-              <a:t>The simpler regression algorithms- polynomial regression &amp; KNN were sensitive to the </a:t>
+              <a:t>The simpler regression algorithms- polynomial regression &amp; KNN were sensitive to the distribution errors.</a:t>
             </a:r>
-            <a:r>
-              <a:rPr lang="en-US" sz="2000"/>
-              <a:t>distribution errors.</a:t>
-            </a:r>
-            <a:endParaRPr lang="en-US" sz="2000" dirty="0"/>
           </a:p>
         </p:txBody>
       </p:sp>
@@ -22431,7 +22807,7 @@
         </p:nvSpPr>
         <p:spPr>
           <a:xfrm>
-            <a:off x="1314857" y="1974140"/>
+            <a:off x="838200" y="1731067"/>
             <a:ext cx="3840804" cy="4584904"/>
           </a:xfrm>
         </p:spPr>
@@ -22615,7 +22991,7 @@
         </p:nvSpPr>
         <p:spPr>
           <a:xfrm>
-            <a:off x="6913124" y="1967689"/>
+            <a:off x="4298815" y="1731067"/>
             <a:ext cx="3840804" cy="2298903"/>
           </a:xfrm>
           <a:prstGeom prst="rect">
@@ -22884,6 +23260,298 @@
               <a:t>4</a:t>
             </a:fld>
             <a:endParaRPr lang="en-US"/>
+          </a:p>
+        </p:txBody>
+      </p:sp>
+      <p:sp>
+        <p:nvSpPr>
+          <p:cNvPr id="5" name="Rectangle 4">
+            <a:extLst>
+              <a:ext uri="{FF2B5EF4-FFF2-40B4-BE49-F238E27FC236}">
+                <a16:creationId xmlns:a16="http://schemas.microsoft.com/office/drawing/2014/main" id="{617723BA-00C8-648E-BB60-C2B2219A0159}"/>
+              </a:ext>
+            </a:extLst>
+          </p:cNvPr>
+          <p:cNvSpPr/>
+          <p:nvPr/>
+        </p:nvSpPr>
+        <p:spPr>
+          <a:xfrm>
+            <a:off x="7490298" y="4285472"/>
+            <a:ext cx="4114800" cy="2339282"/>
+          </a:xfrm>
+          <a:prstGeom prst="rect">
+            <a:avLst/>
+          </a:prstGeom>
+        </p:spPr>
+        <p:style>
+          <a:lnRef idx="2">
+            <a:schemeClr val="accent4"/>
+          </a:lnRef>
+          <a:fillRef idx="1">
+            <a:schemeClr val="lt1"/>
+          </a:fillRef>
+          <a:effectRef idx="0">
+            <a:schemeClr val="accent4"/>
+          </a:effectRef>
+          <a:fontRef idx="minor">
+            <a:schemeClr val="dk1"/>
+          </a:fontRef>
+        </p:style>
+        <p:txBody>
+          <a:bodyPr rtlCol="0" anchor="ctr"/>
+          <a:lstStyle/>
+          <a:p>
+            <a:pPr algn="ctr"/>
+            <a:endParaRPr lang="en-US"/>
+          </a:p>
+        </p:txBody>
+      </p:sp>
+      <p:sp>
+        <p:nvSpPr>
+          <p:cNvPr id="3" name="Content Placeholder 2">
+            <a:extLst>
+              <a:ext uri="{FF2B5EF4-FFF2-40B4-BE49-F238E27FC236}">
+                <a16:creationId xmlns:a16="http://schemas.microsoft.com/office/drawing/2014/main" id="{AB0D2562-F14C-B0E7-CFA9-14269E74EB19}"/>
+              </a:ext>
+            </a:extLst>
+          </p:cNvPr>
+          <p:cNvSpPr txBox="1">
+            <a:spLocks/>
+          </p:cNvSpPr>
+          <p:nvPr/>
+        </p:nvSpPr>
+        <p:spPr>
+          <a:xfrm>
+            <a:off x="7413288" y="4285472"/>
+            <a:ext cx="4425274" cy="2436003"/>
+          </a:xfrm>
+          <a:prstGeom prst="rect">
+            <a:avLst/>
+          </a:prstGeom>
+        </p:spPr>
+        <p:txBody>
+          <a:bodyPr vert="horz" lIns="91440" tIns="45720" rIns="91440" bIns="45720" rtlCol="0">
+            <a:noAutofit/>
+          </a:bodyPr>
+          <a:lstStyle>
+            <a:lvl1pPr marL="228600" indent="-228600" algn="l" defTabSz="914400" rtl="0" eaLnBrk="1" latinLnBrk="0" hangingPunct="1">
+              <a:lnSpc>
+                <a:spcPct val="110000"/>
+              </a:lnSpc>
+              <a:spcBef>
+                <a:spcPts val="1000"/>
+              </a:spcBef>
+              <a:buClr>
+                <a:schemeClr val="accent5"/>
+              </a:buClr>
+              <a:buFont typeface="Avenir Next LT Pro" panose="020B0504020202020204" pitchFamily="34" charset="0"/>
+              <a:buChar char="+"/>
+              <a:defRPr sz="2800" kern="1200">
+                <a:solidFill>
+                  <a:schemeClr val="tx2"/>
+                </a:solidFill>
+                <a:latin typeface="+mn-lt"/>
+                <a:ea typeface="+mn-ea"/>
+                <a:cs typeface="+mn-cs"/>
+              </a:defRPr>
+            </a:lvl1pPr>
+            <a:lvl2pPr marL="685800" indent="-228600" algn="l" defTabSz="914400" rtl="0" eaLnBrk="1" latinLnBrk="0" hangingPunct="1">
+              <a:lnSpc>
+                <a:spcPct val="110000"/>
+              </a:lnSpc>
+              <a:spcBef>
+                <a:spcPts val="500"/>
+              </a:spcBef>
+              <a:buClr>
+                <a:schemeClr val="accent5"/>
+              </a:buClr>
+              <a:buFont typeface="Avenir Next LT Pro" panose="020B0504020202020204" pitchFamily="34" charset="0"/>
+              <a:buChar char="+"/>
+              <a:defRPr sz="2400" kern="1200">
+                <a:solidFill>
+                  <a:schemeClr val="tx2"/>
+                </a:solidFill>
+                <a:latin typeface="+mn-lt"/>
+                <a:ea typeface="+mn-ea"/>
+                <a:cs typeface="+mn-cs"/>
+              </a:defRPr>
+            </a:lvl2pPr>
+            <a:lvl3pPr marL="1143000" indent="-228600" algn="l" defTabSz="914400" rtl="0" eaLnBrk="1" latinLnBrk="0" hangingPunct="1">
+              <a:lnSpc>
+                <a:spcPct val="110000"/>
+              </a:lnSpc>
+              <a:spcBef>
+                <a:spcPts val="500"/>
+              </a:spcBef>
+              <a:buClr>
+                <a:schemeClr val="accent5"/>
+              </a:buClr>
+              <a:buFont typeface="Avenir Next LT Pro" panose="020B0504020202020204" pitchFamily="34" charset="0"/>
+              <a:buChar char="+"/>
+              <a:defRPr sz="2000" kern="1200">
+                <a:solidFill>
+                  <a:schemeClr val="tx2"/>
+                </a:solidFill>
+                <a:latin typeface="+mn-lt"/>
+                <a:ea typeface="+mn-ea"/>
+                <a:cs typeface="+mn-cs"/>
+              </a:defRPr>
+            </a:lvl3pPr>
+            <a:lvl4pPr marL="1600200" indent="-228600" algn="l" defTabSz="914400" rtl="0" eaLnBrk="1" latinLnBrk="0" hangingPunct="1">
+              <a:lnSpc>
+                <a:spcPct val="110000"/>
+              </a:lnSpc>
+              <a:spcBef>
+                <a:spcPts val="500"/>
+              </a:spcBef>
+              <a:buClr>
+                <a:schemeClr val="accent5"/>
+              </a:buClr>
+              <a:buFont typeface="Avenir Next LT Pro" panose="020B0504020202020204" pitchFamily="34" charset="0"/>
+              <a:buChar char="+"/>
+              <a:defRPr sz="1800" kern="1200">
+                <a:solidFill>
+                  <a:schemeClr val="tx2"/>
+                </a:solidFill>
+                <a:latin typeface="+mn-lt"/>
+                <a:ea typeface="+mn-ea"/>
+                <a:cs typeface="+mn-cs"/>
+              </a:defRPr>
+            </a:lvl4pPr>
+            <a:lvl5pPr marL="2057400" indent="-228600" algn="l" defTabSz="914400" rtl="0" eaLnBrk="1" latinLnBrk="0" hangingPunct="1">
+              <a:lnSpc>
+                <a:spcPct val="110000"/>
+              </a:lnSpc>
+              <a:spcBef>
+                <a:spcPts val="500"/>
+              </a:spcBef>
+              <a:buClr>
+                <a:schemeClr val="accent5"/>
+              </a:buClr>
+              <a:buFont typeface="Avenir Next LT Pro" panose="020B0504020202020204" pitchFamily="34" charset="0"/>
+              <a:buChar char="+"/>
+              <a:defRPr sz="1800" kern="1200">
+                <a:solidFill>
+                  <a:schemeClr val="tx2"/>
+                </a:solidFill>
+                <a:latin typeface="+mn-lt"/>
+                <a:ea typeface="+mn-ea"/>
+                <a:cs typeface="+mn-cs"/>
+              </a:defRPr>
+            </a:lvl5pPr>
+            <a:lvl6pPr marL="2514600" indent="-228600" algn="l" defTabSz="914400" rtl="0" eaLnBrk="1" latinLnBrk="0" hangingPunct="1">
+              <a:lnSpc>
+                <a:spcPct val="90000"/>
+              </a:lnSpc>
+              <a:spcBef>
+                <a:spcPts val="500"/>
+              </a:spcBef>
+              <a:buFont typeface="Arial" panose="020B0604020202020204" pitchFamily="34" charset="0"/>
+              <a:buChar char="•"/>
+              <a:defRPr sz="1800" kern="1200">
+                <a:solidFill>
+                  <a:schemeClr val="tx1"/>
+                </a:solidFill>
+                <a:latin typeface="+mn-lt"/>
+                <a:ea typeface="+mn-ea"/>
+                <a:cs typeface="+mn-cs"/>
+              </a:defRPr>
+            </a:lvl6pPr>
+            <a:lvl7pPr marL="2971800" indent="-228600" algn="l" defTabSz="914400" rtl="0" eaLnBrk="1" latinLnBrk="0" hangingPunct="1">
+              <a:lnSpc>
+                <a:spcPct val="90000"/>
+              </a:lnSpc>
+              <a:spcBef>
+                <a:spcPts val="500"/>
+              </a:spcBef>
+              <a:buFont typeface="Arial" panose="020B0604020202020204" pitchFamily="34" charset="0"/>
+              <a:buChar char="•"/>
+              <a:defRPr sz="1800" kern="1200">
+                <a:solidFill>
+                  <a:schemeClr val="tx1"/>
+                </a:solidFill>
+                <a:latin typeface="+mn-lt"/>
+                <a:ea typeface="+mn-ea"/>
+                <a:cs typeface="+mn-cs"/>
+              </a:defRPr>
+            </a:lvl7pPr>
+            <a:lvl8pPr marL="3429000" indent="-228600" algn="l" defTabSz="914400" rtl="0" eaLnBrk="1" latinLnBrk="0" hangingPunct="1">
+              <a:lnSpc>
+                <a:spcPct val="90000"/>
+              </a:lnSpc>
+              <a:spcBef>
+                <a:spcPts val="500"/>
+              </a:spcBef>
+              <a:buFont typeface="Arial" panose="020B0604020202020204" pitchFamily="34" charset="0"/>
+              <a:buChar char="•"/>
+              <a:defRPr sz="1800" kern="1200">
+                <a:solidFill>
+                  <a:schemeClr val="tx1"/>
+                </a:solidFill>
+                <a:latin typeface="+mn-lt"/>
+                <a:ea typeface="+mn-ea"/>
+                <a:cs typeface="+mn-cs"/>
+              </a:defRPr>
+            </a:lvl8pPr>
+            <a:lvl9pPr marL="3886200" indent="-228600" algn="l" defTabSz="914400" rtl="0" eaLnBrk="1" latinLnBrk="0" hangingPunct="1">
+              <a:lnSpc>
+                <a:spcPct val="90000"/>
+              </a:lnSpc>
+              <a:spcBef>
+                <a:spcPts val="500"/>
+              </a:spcBef>
+              <a:buFont typeface="Arial" panose="020B0604020202020204" pitchFamily="34" charset="0"/>
+              <a:buChar char="•"/>
+              <a:defRPr sz="1800" kern="1200">
+                <a:solidFill>
+                  <a:schemeClr val="tx1"/>
+                </a:solidFill>
+                <a:latin typeface="+mn-lt"/>
+                <a:ea typeface="+mn-ea"/>
+                <a:cs typeface="+mn-cs"/>
+              </a:defRPr>
+            </a:lvl9pPr>
+          </a:lstStyle>
+          <a:p>
+            <a:pPr marL="0" indent="0">
+              <a:buFont typeface="Avenir Next LT Pro" panose="020B0504020202020204" pitchFamily="34" charset="0"/>
+              <a:buNone/>
+            </a:pPr>
+            <a:r>
+              <a:rPr lang="en-US" sz="2000" i="1" u="sng" dirty="0"/>
+              <a:t>Note:</a:t>
+            </a:r>
+          </a:p>
+          <a:p>
+            <a:pPr lvl="1">
+              <a:buFont typeface="Wingdings" panose="05000000000000000000" pitchFamily="2" charset="2"/>
+              <a:buChar char="Ø"/>
+            </a:pPr>
+            <a:r>
+              <a:rPr lang="en-GB" sz="2000" dirty="0"/>
+              <a:t> Scrape period: 7 days (18 -24.10.2019)</a:t>
+            </a:r>
+          </a:p>
+          <a:p>
+            <a:pPr lvl="1">
+              <a:buFont typeface="Wingdings" panose="05000000000000000000" pitchFamily="2" charset="2"/>
+              <a:buChar char="Ø"/>
+            </a:pPr>
+            <a:r>
+              <a:rPr lang="en-GB" sz="2000" dirty="0"/>
+              <a:t>42 unique departure dates</a:t>
+            </a:r>
+          </a:p>
+          <a:p>
+            <a:pPr lvl="1">
+              <a:buFont typeface="Wingdings" panose="05000000000000000000" pitchFamily="2" charset="2"/>
+              <a:buChar char="Ø"/>
+            </a:pPr>
+            <a:r>
+              <a:rPr lang="en-GB" sz="2000" dirty="0"/>
+              <a:t> Departure date frequencies: 1 day, - 5,11, 44, 85 days</a:t>
+            </a:r>
           </a:p>
         </p:txBody>
       </p:sp>
@@ -23130,7 +23798,12 @@
             <p:ph type="title"/>
           </p:nvPr>
         </p:nvSpPr>
-        <p:spPr/>
+        <p:spPr>
+          <a:xfrm>
+            <a:off x="838199" y="319088"/>
+            <a:ext cx="10515600" cy="1325563"/>
+          </a:xfrm>
+        </p:spPr>
         <p:txBody>
           <a:bodyPr/>
           <a:lstStyle/>
@@ -23482,8 +24155,8 @@
         </p:nvSpPr>
         <p:spPr>
           <a:xfrm>
-            <a:off x="7724029" y="3402039"/>
-            <a:ext cx="2988090" cy="1623238"/>
+            <a:off x="7724028" y="3402039"/>
+            <a:ext cx="3629771" cy="1623238"/>
           </a:xfrm>
           <a:prstGeom prst="rect">
             <a:avLst/>
@@ -23718,7 +24391,7 @@
             </a:pPr>
             <a:r>
               <a:rPr lang="en-US" sz="1600" dirty="0"/>
-              <a:t>std deviation: 156.41</a:t>
+              <a:t>Mean Absolute Error: 52.74</a:t>
             </a:r>
             <a:endParaRPr lang="en-US" sz="2000" dirty="0"/>
           </a:p>
@@ -24503,8 +25176,8 @@
         </p:nvSpPr>
         <p:spPr>
           <a:xfrm>
-            <a:off x="698135" y="5578493"/>
-            <a:ext cx="10868052" cy="1279507"/>
+            <a:off x="610586" y="5855651"/>
+            <a:ext cx="8961431" cy="1007133"/>
           </a:xfrm>
           <a:prstGeom prst="rect">
             <a:avLst/>
@@ -24693,15 +25366,6 @@
               </a:defRPr>
             </a:lvl9pPr>
           </a:lstStyle>
-          <a:p>
-            <a:pPr marL="0" indent="0">
-              <a:buNone/>
-            </a:pPr>
-            <a:r>
-              <a:rPr lang="en-US" sz="1600" b="1" dirty="0"/>
-              <a:t>Conclusions:</a:t>
-            </a:r>
-          </a:p>
           <a:p>
             <a:pPr lvl="1">
               <a:buFont typeface="Wingdings" panose="05000000000000000000" pitchFamily="2" charset="2"/>
@@ -24915,8 +25579,8 @@
         </p:nvSpPr>
         <p:spPr>
           <a:xfrm>
-            <a:off x="1165913" y="3353899"/>
-            <a:ext cx="2988090" cy="1139443"/>
+            <a:off x="1164291" y="3370634"/>
+            <a:ext cx="4262122" cy="1908765"/>
           </a:xfrm>
           <a:prstGeom prst="rect">
             <a:avLst/>
@@ -25110,7 +25774,7 @@
               <a:buNone/>
             </a:pPr>
             <a:r>
-              <a:rPr lang="en-US" sz="1600" b="1" dirty="0"/>
+              <a:rPr lang="en-US" sz="2000" b="1" dirty="0"/>
               <a:t>Model Evaluation:</a:t>
             </a:r>
           </a:p>
@@ -25120,7 +25784,7 @@
               <a:buChar char="Ø"/>
             </a:pPr>
             <a:r>
-              <a:rPr lang="en-US" sz="1600" dirty="0"/>
+              <a:rPr lang="en-US" sz="2000" dirty="0"/>
               <a:t>RMSE: 55.81</a:t>
             </a:r>
           </a:p>
@@ -25130,9 +25794,25 @@
               <a:buChar char="Ø"/>
             </a:pPr>
             <a:r>
-              <a:rPr lang="en-US" sz="1600" dirty="0"/>
+              <a:rPr lang="en-US" sz="2000" dirty="0"/>
               <a:t>R2 Score: 0.893</a:t>
             </a:r>
+          </a:p>
+          <a:p>
+            <a:pPr lvl="1">
+              <a:buFont typeface="Wingdings" panose="05000000000000000000" pitchFamily="2" charset="2"/>
+              <a:buChar char="Ø"/>
+            </a:pPr>
+            <a:r>
+              <a:rPr lang="en-US" sz="2000" dirty="0"/>
+              <a:t>Mean Absolute Error: 34.49</a:t>
+            </a:r>
+          </a:p>
+          <a:p>
+            <a:pPr lvl="1">
+              <a:buFont typeface="Wingdings" panose="05000000000000000000" pitchFamily="2" charset="2"/>
+              <a:buChar char="Ø"/>
+            </a:pPr>
             <a:endParaRPr lang="en-US" sz="2000" dirty="0"/>
           </a:p>
         </p:txBody>

--- a/ML-Project.pptx
+++ b/ML-Project.pptx
@@ -177,7 +177,7 @@
   <pc:docChgLst>
     <pc:chgData name="Jossin Antony" userId="bca7c97402951e24" providerId="LiveId" clId="{97898245-A11C-4499-8AAD-893CB2642DF8}"/>
     <pc:docChg chg="undo redo custSel addSld modSld modSection">
-      <pc:chgData name="Jossin Antony" userId="bca7c97402951e24" providerId="LiveId" clId="{97898245-A11C-4499-8AAD-893CB2642DF8}" dt="2024-01-18T12:20:50.623" v="2319" actId="20577"/>
+      <pc:chgData name="Jossin Antony" userId="bca7c97402951e24" providerId="LiveId" clId="{97898245-A11C-4499-8AAD-893CB2642DF8}" dt="2024-01-18T12:28:09.419" v="2321" actId="20577"/>
       <pc:docMkLst>
         <pc:docMk/>
       </pc:docMkLst>
@@ -313,7 +313,7 @@
         </pc:spChg>
       </pc:sldChg>
       <pc:sldChg chg="addSp delSp modSp new mod">
-        <pc:chgData name="Jossin Antony" userId="bca7c97402951e24" providerId="LiveId" clId="{97898245-A11C-4499-8AAD-893CB2642DF8}" dt="2024-01-18T11:19:57.873" v="1263" actId="1076"/>
+        <pc:chgData name="Jossin Antony" userId="bca7c97402951e24" providerId="LiveId" clId="{97898245-A11C-4499-8AAD-893CB2642DF8}" dt="2024-01-18T12:28:09.419" v="2321" actId="20577"/>
         <pc:sldMkLst>
           <pc:docMk/>
           <pc:sldMk cId="2043315663" sldId="300"/>
@@ -335,7 +335,7 @@
           </ac:spMkLst>
         </pc:spChg>
         <pc:spChg chg="add mod">
-          <ac:chgData name="Jossin Antony" userId="bca7c97402951e24" providerId="LiveId" clId="{97898245-A11C-4499-8AAD-893CB2642DF8}" dt="2024-01-18T05:33:05.062" v="85" actId="14100"/>
+          <ac:chgData name="Jossin Antony" userId="bca7c97402951e24" providerId="LiveId" clId="{97898245-A11C-4499-8AAD-893CB2642DF8}" dt="2024-01-18T12:28:09.419" v="2321" actId="20577"/>
           <ac:spMkLst>
             <pc:docMk/>
             <pc:sldMk cId="2043315663" sldId="300"/>
@@ -25557,7 +25557,7 @@
             </a:r>
             <a:r>
               <a:rPr lang="en-US" sz="2000" dirty="0"/>
-              <a:t>, scikit-learn)= 3</a:t>
+              <a:t>, scikit-learn)= 4</a:t>
             </a:r>
           </a:p>
         </p:txBody>
